--- a/presentations/02.2_activation_functions.pptx
+++ b/presentations/02.2_activation_functions.pptx
@@ -217,7 +217,7 @@
           <a:p>
             <a:fld id="{FD93C9B2-20F6-4DB1-B471-224337D0AC79}" type="datetimeFigureOut">
               <a:rPr lang="en-US" smtClean="0"/>
-              <a:t>10/21/2021</a:t>
+              <a:t>3/28/2022</a:t>
             </a:fld>
             <a:endParaRPr lang="en-US"/>
           </a:p>
@@ -730,8 +730,36 @@
                 <a:ea typeface="+mn-ea"/>
                 <a:cs typeface="+mn-cs"/>
               </a:rPr>
-              <a:t>We first met this diagram in our neural anatomy presentation.  Today, our focus is the activation function.  More specifically, some of the popular activation options available to us.  I’m spending some extra time on this topic because this choice can have a large impact on how well a network learns.</a:t>
-            </a:r>
+              <a:t>We first met this diagram in our first mini-lecture.  At this point, I want to take a closer look at the activation function and some of the options available to us.  The choice of activation function is important because it can have a big impact on how well a network learns.  </a:t>
+            </a:r>
+          </a:p>
+          <a:p>
+            <a:pPr marL="0" marR="0" lvl="0" indent="0" algn="l" defTabSz="914400" rtl="0" eaLnBrk="1" fontAlgn="auto" latinLnBrk="0" hangingPunct="1">
+              <a:lnSpc>
+                <a:spcPct val="100000"/>
+              </a:lnSpc>
+              <a:spcBef>
+                <a:spcPts val="0"/>
+              </a:spcBef>
+              <a:spcAft>
+                <a:spcPts val="0"/>
+              </a:spcAft>
+              <a:buClrTx/>
+              <a:buSzTx/>
+              <a:buFontTx/>
+              <a:buNone/>
+              <a:tabLst/>
+              <a:defRPr/>
+            </a:pPr>
+            <a:endParaRPr lang="en-US" sz="1200" b="0" i="0" kern="1200" dirty="0">
+              <a:solidFill>
+                <a:schemeClr val="tx1"/>
+              </a:solidFill>
+              <a:effectLst/>
+              <a:latin typeface="+mn-lt"/>
+              <a:ea typeface="+mn-ea"/>
+              <a:cs typeface="+mn-cs"/>
+            </a:endParaRPr>
           </a:p>
         </p:txBody>
       </p:sp>
@@ -823,7 +851,27 @@
                 <a:effectLst/>
                 <a:latin typeface="+mn-lt"/>
               </a:rPr>
-              <a:t>Let’s first consider activation functions made up of one or more straight lines.  Here, the “curves” are just straight lines.</a:t>
+              <a:t>Let’s first consider activation functions comprised of one or more straight lines, also known as </a:t>
+            </a:r>
+            <a:r>
+              <a:rPr lang="en-US" b="1" i="0" dirty="0">
+                <a:solidFill>
+                  <a:srgbClr val="3D3B49"/>
+                </a:solidFill>
+                <a:effectLst/>
+                <a:latin typeface="+mn-lt"/>
+              </a:rPr>
+              <a:t>linear</a:t>
+            </a:r>
+            <a:r>
+              <a:rPr lang="en-US" b="0" i="0" dirty="0">
+                <a:solidFill>
+                  <a:srgbClr val="3D3B49"/>
+                </a:solidFill>
+                <a:effectLst/>
+                <a:latin typeface="+mn-lt"/>
+              </a:rPr>
+              <a:t> functions.</a:t>
             </a:r>
           </a:p>
           <a:p>
@@ -853,7 +901,7 @@
               <a:rPr lang="en-US" dirty="0">
                 <a:latin typeface="+mn-lt"/>
               </a:rPr>
-              <a:t>The other curves are also straight lines, but they’re tilted to different slopes. We call any curve that’s just a single straight line a linear function.</a:t>
+              <a:t>The other curves are also straight lines, but they’re tilted to different slopes. </a:t>
             </a:r>
           </a:p>
         </p:txBody>
@@ -1325,7 +1373,7 @@
           <a:p>
             <a:r>
               <a:rPr lang="en-US" i="0" dirty="0"/>
-              <a:t>There’s an operation that we typically apply only to the output neurons of a classifier neural network, and even then, only if there are two or more output neurons. It’s not an activation function in the sense that we’ve been using the term because it takes as input the outputs of all the output neurons simultaneously. It processes them together and then produces a new output value for each neuron. Though it’s not quite an activation function, it’s close enough in spirit to activation functions to merit including it in this discussion.</a:t>
+              <a:t>There’s an operation that we typically apply only to the output neurons of a classifier neural network, and even then, only if there are two or more output neurons. </a:t>
             </a:r>
           </a:p>
           <a:p>
@@ -1334,7 +1382,16 @@
           <a:p>
             <a:r>
               <a:rPr lang="en-US" i="0" dirty="0"/>
-              <a:t>The technique is called softmax. The purpose of softmax is to turn the numbers that come out of a classification network into class probabilities.  All of the probabilities add up to 1.</a:t>
+              <a:t>It’s not an activation function in the sense that we’ve been using the term because it takes as input the outputs of all the output neurons simultaneously. It processes them together and then produces a new output value for each neuron. Though it’s not quite an activation function, it’s similar enough to include it in this discussion.</a:t>
+            </a:r>
+          </a:p>
+          <a:p>
+            <a:endParaRPr lang="en-US" i="0" dirty="0"/>
+          </a:p>
+          <a:p>
+            <a:r>
+              <a:rPr lang="en-US" i="0" dirty="0"/>
+              <a:t>The technique is called softmax. The purpose of softmax is to turn the numbers that come out of a classification network into class probabilities where all the probabilities add up to 1.</a:t>
             </a:r>
           </a:p>
         </p:txBody>
@@ -1617,7 +1674,7 @@
           <a:p>
             <a:fld id="{C3F78080-8D0A-4BE8-A5B4-CB115102D524}" type="datetimeFigureOut">
               <a:rPr lang="en-US" smtClean="0"/>
-              <a:t>10/21/2021</a:t>
+              <a:t>3/28/2022</a:t>
             </a:fld>
             <a:endParaRPr lang="en-US"/>
           </a:p>
@@ -1815,7 +1872,7 @@
           <a:p>
             <a:fld id="{C3F78080-8D0A-4BE8-A5B4-CB115102D524}" type="datetimeFigureOut">
               <a:rPr lang="en-US" smtClean="0"/>
-              <a:t>10/21/2021</a:t>
+              <a:t>3/28/2022</a:t>
             </a:fld>
             <a:endParaRPr lang="en-US"/>
           </a:p>
@@ -2023,7 +2080,7 @@
           <a:p>
             <a:fld id="{C3F78080-8D0A-4BE8-A5B4-CB115102D524}" type="datetimeFigureOut">
               <a:rPr lang="en-US" smtClean="0"/>
-              <a:t>10/21/2021</a:t>
+              <a:t>3/28/2022</a:t>
             </a:fld>
             <a:endParaRPr lang="en-US"/>
           </a:p>
@@ -2221,7 +2278,7 @@
           <a:p>
             <a:fld id="{C3F78080-8D0A-4BE8-A5B4-CB115102D524}" type="datetimeFigureOut">
               <a:rPr lang="en-US" smtClean="0"/>
-              <a:t>10/21/2021</a:t>
+              <a:t>3/28/2022</a:t>
             </a:fld>
             <a:endParaRPr lang="en-US"/>
           </a:p>
@@ -2496,7 +2553,7 @@
           <a:p>
             <a:fld id="{C3F78080-8D0A-4BE8-A5B4-CB115102D524}" type="datetimeFigureOut">
               <a:rPr lang="en-US" smtClean="0"/>
-              <a:t>10/21/2021</a:t>
+              <a:t>3/28/2022</a:t>
             </a:fld>
             <a:endParaRPr lang="en-US"/>
           </a:p>
@@ -2761,7 +2818,7 @@
           <a:p>
             <a:fld id="{C3F78080-8D0A-4BE8-A5B4-CB115102D524}" type="datetimeFigureOut">
               <a:rPr lang="en-US" smtClean="0"/>
-              <a:t>10/21/2021</a:t>
+              <a:t>3/28/2022</a:t>
             </a:fld>
             <a:endParaRPr lang="en-US"/>
           </a:p>
@@ -3173,7 +3230,7 @@
           <a:p>
             <a:fld id="{C3F78080-8D0A-4BE8-A5B4-CB115102D524}" type="datetimeFigureOut">
               <a:rPr lang="en-US" smtClean="0"/>
-              <a:t>10/21/2021</a:t>
+              <a:t>3/28/2022</a:t>
             </a:fld>
             <a:endParaRPr lang="en-US"/>
           </a:p>
@@ -3314,7 +3371,7 @@
           <a:p>
             <a:fld id="{C3F78080-8D0A-4BE8-A5B4-CB115102D524}" type="datetimeFigureOut">
               <a:rPr lang="en-US" smtClean="0"/>
-              <a:t>10/21/2021</a:t>
+              <a:t>3/28/2022</a:t>
             </a:fld>
             <a:endParaRPr lang="en-US"/>
           </a:p>
@@ -3427,7 +3484,7 @@
           <a:p>
             <a:fld id="{C3F78080-8D0A-4BE8-A5B4-CB115102D524}" type="datetimeFigureOut">
               <a:rPr lang="en-US" smtClean="0"/>
-              <a:t>10/21/2021</a:t>
+              <a:t>3/28/2022</a:t>
             </a:fld>
             <a:endParaRPr lang="en-US"/>
           </a:p>
@@ -3738,7 +3795,7 @@
           <a:p>
             <a:fld id="{C3F78080-8D0A-4BE8-A5B4-CB115102D524}" type="datetimeFigureOut">
               <a:rPr lang="en-US" smtClean="0"/>
-              <a:t>10/21/2021</a:t>
+              <a:t>3/28/2022</a:t>
             </a:fld>
             <a:endParaRPr lang="en-US"/>
           </a:p>
@@ -4026,7 +4083,7 @@
           <a:p>
             <a:fld id="{C3F78080-8D0A-4BE8-A5B4-CB115102D524}" type="datetimeFigureOut">
               <a:rPr lang="en-US" smtClean="0"/>
-              <a:t>10/21/2021</a:t>
+              <a:t>3/28/2022</a:t>
             </a:fld>
             <a:endParaRPr lang="en-US"/>
           </a:p>
@@ -4267,7 +4324,7 @@
           <a:p>
             <a:fld id="{C3F78080-8D0A-4BE8-A5B4-CB115102D524}" type="datetimeFigureOut">
               <a:rPr lang="en-US" smtClean="0"/>
-              <a:t>10/21/2021</a:t>
+              <a:t>3/28/2022</a:t>
             </a:fld>
             <a:endParaRPr lang="en-US"/>
           </a:p>

--- a/presentations/02.2_activation_functions.pptx
+++ b/presentations/02.2_activation_functions.pptx
@@ -217,7 +217,7 @@
           <a:p>
             <a:fld id="{FD93C9B2-20F6-4DB1-B471-224337D0AC79}" type="datetimeFigureOut">
               <a:rPr lang="en-US" smtClean="0"/>
-              <a:t>3/28/2022</a:t>
+              <a:t>4/5/2022</a:t>
             </a:fld>
             <a:endParaRPr lang="en-US"/>
           </a:p>
@@ -1674,7 +1674,7 @@
           <a:p>
             <a:fld id="{C3F78080-8D0A-4BE8-A5B4-CB115102D524}" type="datetimeFigureOut">
               <a:rPr lang="en-US" smtClean="0"/>
-              <a:t>3/28/2022</a:t>
+              <a:t>4/5/2022</a:t>
             </a:fld>
             <a:endParaRPr lang="en-US"/>
           </a:p>
@@ -1872,7 +1872,7 @@
           <a:p>
             <a:fld id="{C3F78080-8D0A-4BE8-A5B4-CB115102D524}" type="datetimeFigureOut">
               <a:rPr lang="en-US" smtClean="0"/>
-              <a:t>3/28/2022</a:t>
+              <a:t>4/5/2022</a:t>
             </a:fld>
             <a:endParaRPr lang="en-US"/>
           </a:p>
@@ -2080,7 +2080,7 @@
           <a:p>
             <a:fld id="{C3F78080-8D0A-4BE8-A5B4-CB115102D524}" type="datetimeFigureOut">
               <a:rPr lang="en-US" smtClean="0"/>
-              <a:t>3/28/2022</a:t>
+              <a:t>4/5/2022</a:t>
             </a:fld>
             <a:endParaRPr lang="en-US"/>
           </a:p>
@@ -2278,7 +2278,7 @@
           <a:p>
             <a:fld id="{C3F78080-8D0A-4BE8-A5B4-CB115102D524}" type="datetimeFigureOut">
               <a:rPr lang="en-US" smtClean="0"/>
-              <a:t>3/28/2022</a:t>
+              <a:t>4/5/2022</a:t>
             </a:fld>
             <a:endParaRPr lang="en-US"/>
           </a:p>
@@ -2553,7 +2553,7 @@
           <a:p>
             <a:fld id="{C3F78080-8D0A-4BE8-A5B4-CB115102D524}" type="datetimeFigureOut">
               <a:rPr lang="en-US" smtClean="0"/>
-              <a:t>3/28/2022</a:t>
+              <a:t>4/5/2022</a:t>
             </a:fld>
             <a:endParaRPr lang="en-US"/>
           </a:p>
@@ -2818,7 +2818,7 @@
           <a:p>
             <a:fld id="{C3F78080-8D0A-4BE8-A5B4-CB115102D524}" type="datetimeFigureOut">
               <a:rPr lang="en-US" smtClean="0"/>
-              <a:t>3/28/2022</a:t>
+              <a:t>4/5/2022</a:t>
             </a:fld>
             <a:endParaRPr lang="en-US"/>
           </a:p>
@@ -3230,7 +3230,7 @@
           <a:p>
             <a:fld id="{C3F78080-8D0A-4BE8-A5B4-CB115102D524}" type="datetimeFigureOut">
               <a:rPr lang="en-US" smtClean="0"/>
-              <a:t>3/28/2022</a:t>
+              <a:t>4/5/2022</a:t>
             </a:fld>
             <a:endParaRPr lang="en-US"/>
           </a:p>
@@ -3371,7 +3371,7 @@
           <a:p>
             <a:fld id="{C3F78080-8D0A-4BE8-A5B4-CB115102D524}" type="datetimeFigureOut">
               <a:rPr lang="en-US" smtClean="0"/>
-              <a:t>3/28/2022</a:t>
+              <a:t>4/5/2022</a:t>
             </a:fld>
             <a:endParaRPr lang="en-US"/>
           </a:p>
@@ -3484,7 +3484,7 @@
           <a:p>
             <a:fld id="{C3F78080-8D0A-4BE8-A5B4-CB115102D524}" type="datetimeFigureOut">
               <a:rPr lang="en-US" smtClean="0"/>
-              <a:t>3/28/2022</a:t>
+              <a:t>4/5/2022</a:t>
             </a:fld>
             <a:endParaRPr lang="en-US"/>
           </a:p>
@@ -3795,7 +3795,7 @@
           <a:p>
             <a:fld id="{C3F78080-8D0A-4BE8-A5B4-CB115102D524}" type="datetimeFigureOut">
               <a:rPr lang="en-US" smtClean="0"/>
-              <a:t>3/28/2022</a:t>
+              <a:t>4/5/2022</a:t>
             </a:fld>
             <a:endParaRPr lang="en-US"/>
           </a:p>
@@ -4083,7 +4083,7 @@
           <a:p>
             <a:fld id="{C3F78080-8D0A-4BE8-A5B4-CB115102D524}" type="datetimeFigureOut">
               <a:rPr lang="en-US" smtClean="0"/>
-              <a:t>3/28/2022</a:t>
+              <a:t>4/5/2022</a:t>
             </a:fld>
             <a:endParaRPr lang="en-US"/>
           </a:p>
@@ -4324,7 +4324,7 @@
           <a:p>
             <a:fld id="{C3F78080-8D0A-4BE8-A5B4-CB115102D524}" type="datetimeFigureOut">
               <a:rPr lang="en-US" smtClean="0"/>
-              <a:t>3/28/2022</a:t>
+              <a:t>4/5/2022</a:t>
             </a:fld>
             <a:endParaRPr lang="en-US"/>
           </a:p>
@@ -4871,8 +4871,8 @@
         </p:nvSpPr>
         <p:spPr>
           <a:xfrm>
-            <a:off x="0" y="3900578"/>
-            <a:ext cx="12192000" cy="685983"/>
+            <a:off x="0" y="3835731"/>
+            <a:ext cx="12192000" cy="1116281"/>
           </a:xfrm>
           <a:prstGeom prst="rect">
             <a:avLst/>
@@ -5001,7 +5001,7 @@
                 </a:solidFill>
                 <a:latin typeface="Palatino Linotype" panose="02040502050505030304" pitchFamily="18" charset="0"/>
               </a:rPr>
-              <a:t>	2.03 (</a:t>
+              <a:t>	 (</a:t>
             </a:r>
             <a:r>
               <a:rPr lang="en-US" sz="3600" b="0" i="0" dirty="0">
@@ -5028,16 +5028,22 @@
               </a:rPr>
               <a:t>)</a:t>
             </a:r>
-            <a:endParaRPr lang="en-US" sz="3600" dirty="0">
-              <a:solidFill>
-                <a:schemeClr val="tx1">
-                  <a:lumMod val="65000"/>
-                  <a:lumOff val="35000"/>
-                </a:schemeClr>
-              </a:solidFill>
-              <a:latin typeface="Palatino Linotype" panose="02040502050505030304" pitchFamily="18" charset="0"/>
-              <a:cs typeface="Segoe UI Light" panose="020B0502040204020203" pitchFamily="34" charset="0"/>
-            </a:endParaRPr>
+          </a:p>
+          <a:p>
+            <a:pPr algn="ctr"/>
+            <a:r>
+              <a:rPr lang="en-US" sz="3200" dirty="0">
+                <a:solidFill>
+                  <a:schemeClr val="tx1">
+                    <a:lumMod val="65000"/>
+                    <a:lumOff val="35000"/>
+                  </a:schemeClr>
+                </a:solidFill>
+                <a:latin typeface="Palatino Linotype" panose="02040502050505030304" pitchFamily="18" charset="0"/>
+                <a:cs typeface="Segoe UI Light" panose="020B0502040204020203" pitchFamily="34" charset="0"/>
+              </a:rPr>
+              <a:t>02.3_multi_classifier.ipynb</a:t>
+            </a:r>
           </a:p>
         </p:txBody>
       </p:sp>
@@ -5089,8 +5095,8 @@
         </p:nvSpPr>
         <p:spPr>
           <a:xfrm>
-            <a:off x="0" y="2957422"/>
-            <a:ext cx="12192000" cy="685982"/>
+            <a:off x="0" y="2312720"/>
+            <a:ext cx="12192000" cy="1116280"/>
           </a:xfrm>
           <a:noFill/>
         </p:spPr>
@@ -5100,6 +5106,7 @@
           </a:bodyPr>
           <a:lstStyle/>
           <a:p>
+            <a:pPr algn="ctr"/>
             <a:r>
               <a:rPr lang="en-US" sz="3600" dirty="0">
                 <a:solidFill>
@@ -5110,9 +5117,32 @@
                 </a:solidFill>
                 <a:latin typeface="Palatino Linotype" panose="02040502050505030304" pitchFamily="18" charset="0"/>
               </a:rPr>
-              <a:t>	2.02 (Perceptron as Binary Classifier)</a:t>
-            </a:r>
-            <a:endParaRPr lang="en-US" sz="3600" dirty="0">
+              <a:t>	(Perceptron as Binary Classifier)</a:t>
+            </a:r>
+            <a:br>
+              <a:rPr lang="en-US" sz="3600" dirty="0">
+                <a:solidFill>
+                  <a:schemeClr val="tx1">
+                    <a:lumMod val="65000"/>
+                    <a:lumOff val="35000"/>
+                  </a:schemeClr>
+                </a:solidFill>
+                <a:latin typeface="Palatino Linotype" panose="02040502050505030304" pitchFamily="18" charset="0"/>
+              </a:rPr>
+            </a:br>
+            <a:r>
+              <a:rPr lang="en-US" sz="3200" dirty="0">
+                <a:solidFill>
+                  <a:schemeClr val="tx1">
+                    <a:lumMod val="65000"/>
+                    <a:lumOff val="35000"/>
+                  </a:schemeClr>
+                </a:solidFill>
+                <a:latin typeface="Palatino Linotype" panose="02040502050505030304" pitchFamily="18" charset="0"/>
+              </a:rPr>
+              <a:t>02.2_binary_classifier.ipynb</a:t>
+            </a:r>
+            <a:endParaRPr lang="en-US" sz="3200" dirty="0">
               <a:solidFill>
                 <a:schemeClr val="tx1">
                   <a:lumMod val="65000"/>

--- a/presentations/02.2_activation_functions.pptx
+++ b/presentations/02.2_activation_functions.pptx
@@ -5,7 +5,7 @@
     <p:sldMasterId id="2147483648" r:id="rId1"/>
   </p:sldMasterIdLst>
   <p:notesMasterIdLst>
-    <p:notesMasterId r:id="rId12"/>
+    <p:notesMasterId r:id="rId15"/>
   </p:notesMasterIdLst>
   <p:sldIdLst>
     <p:sldId id="322" r:id="rId2"/>
@@ -16,8 +16,11 @@
     <p:sldId id="326" r:id="rId7"/>
     <p:sldId id="300" r:id="rId8"/>
     <p:sldId id="327" r:id="rId9"/>
-    <p:sldId id="269" r:id="rId10"/>
+    <p:sldId id="323" r:id="rId10"/>
     <p:sldId id="305" r:id="rId11"/>
+    <p:sldId id="328" r:id="rId12"/>
+    <p:sldId id="309" r:id="rId13"/>
+    <p:sldId id="269" r:id="rId14"/>
   </p:sldIdLst>
   <p:sldSz cx="12192000" cy="6858000"/>
   <p:notesSz cx="6858000" cy="9144000"/>
@@ -217,7 +220,7 @@
           <a:p>
             <a:fld id="{FD93C9B2-20F6-4DB1-B471-224337D0AC79}" type="datetimeFigureOut">
               <a:rPr lang="en-US" smtClean="0"/>
-              <a:t>4/5/2022</a:t>
+              <a:t>6/24/2022</a:t>
             </a:fld>
             <a:endParaRPr lang="en-US"/>
           </a:p>
@@ -659,6 +662,369 @@
 </p:notes>
 </file>
 
+<file path=ppt/notesSlides/notesSlide11.xml><?xml version="1.0" encoding="utf-8"?>
+<p:notes xmlns:a="http://schemas.openxmlformats.org/drawingml/2006/main" xmlns:r="http://schemas.openxmlformats.org/officeDocument/2006/relationships" xmlns:p="http://schemas.openxmlformats.org/presentationml/2006/main">
+  <p:cSld>
+    <p:spTree>
+      <p:nvGrpSpPr>
+        <p:cNvPr id="1" name=""/>
+        <p:cNvGrpSpPr/>
+        <p:nvPr/>
+      </p:nvGrpSpPr>
+      <p:grpSpPr>
+        <a:xfrm>
+          <a:off x="0" y="0"/>
+          <a:ext cx="0" cy="0"/>
+          <a:chOff x="0" y="0"/>
+          <a:chExt cx="0" cy="0"/>
+        </a:xfrm>
+      </p:grpSpPr>
+      <p:sp>
+        <p:nvSpPr>
+          <p:cNvPr id="2" name="Slide Image Placeholder 1"/>
+          <p:cNvSpPr>
+            <a:spLocks noGrp="1" noRot="1" noChangeAspect="1"/>
+          </p:cNvSpPr>
+          <p:nvPr>
+            <p:ph type="sldImg"/>
+          </p:nvPr>
+        </p:nvSpPr>
+        <p:spPr/>
+      </p:sp>
+      <p:sp>
+        <p:nvSpPr>
+          <p:cNvPr id="3" name="Notes Placeholder 2"/>
+          <p:cNvSpPr>
+            <a:spLocks noGrp="1"/>
+          </p:cNvSpPr>
+          <p:nvPr>
+            <p:ph type="body" idx="1"/>
+          </p:nvPr>
+        </p:nvSpPr>
+        <p:spPr/>
+        <p:txBody>
+          <a:bodyPr/>
+          <a:lstStyle/>
+          <a:p>
+            <a:pPr marL="0" marR="0" lvl="0" indent="0" algn="l" defTabSz="914400" rtl="0" eaLnBrk="1" fontAlgn="auto" latinLnBrk="0" hangingPunct="1">
+              <a:lnSpc>
+                <a:spcPct val="100000"/>
+              </a:lnSpc>
+              <a:spcBef>
+                <a:spcPts val="0"/>
+              </a:spcBef>
+              <a:spcAft>
+                <a:spcPts val="0"/>
+              </a:spcAft>
+              <a:buClrTx/>
+              <a:buSzTx/>
+              <a:buFontTx/>
+              <a:buNone/>
+              <a:tabLst/>
+              <a:defRPr/>
+            </a:pPr>
+            <a:endParaRPr lang="en-US" sz="1200" dirty="0">
+              <a:solidFill>
+                <a:schemeClr val="tx1">
+                  <a:lumMod val="65000"/>
+                  <a:lumOff val="35000"/>
+                </a:schemeClr>
+              </a:solidFill>
+              <a:latin typeface="Palatino Linotype" panose="02040502050505030304" pitchFamily="18" charset="0"/>
+            </a:endParaRPr>
+          </a:p>
+          <a:p>
+            <a:pPr marL="0" marR="0" lvl="0" indent="0" algn="l" defTabSz="914400" rtl="0" eaLnBrk="1" fontAlgn="auto" latinLnBrk="0" hangingPunct="1">
+              <a:lnSpc>
+                <a:spcPct val="100000"/>
+              </a:lnSpc>
+              <a:spcBef>
+                <a:spcPts val="0"/>
+              </a:spcBef>
+              <a:spcAft>
+                <a:spcPts val="0"/>
+              </a:spcAft>
+              <a:buClrTx/>
+              <a:buSzTx/>
+              <a:buFontTx/>
+              <a:buNone/>
+              <a:tabLst/>
+              <a:defRPr/>
+            </a:pPr>
+            <a:endParaRPr lang="en-US" sz="1200" dirty="0">
+              <a:solidFill>
+                <a:schemeClr val="tx1">
+                  <a:lumMod val="65000"/>
+                  <a:lumOff val="35000"/>
+                </a:schemeClr>
+              </a:solidFill>
+              <a:latin typeface="Palatino Linotype" panose="02040502050505030304" pitchFamily="18" charset="0"/>
+            </a:endParaRPr>
+          </a:p>
+        </p:txBody>
+      </p:sp>
+      <p:sp>
+        <p:nvSpPr>
+          <p:cNvPr id="4" name="Slide Number Placeholder 3"/>
+          <p:cNvSpPr>
+            <a:spLocks noGrp="1"/>
+          </p:cNvSpPr>
+          <p:nvPr>
+            <p:ph type="sldNum" sz="quarter" idx="5"/>
+          </p:nvPr>
+        </p:nvSpPr>
+        <p:spPr/>
+        <p:txBody>
+          <a:bodyPr/>
+          <a:lstStyle/>
+          <a:p>
+            <a:fld id="{3148858F-F1DB-4027-9C85-CCA6849540DD}" type="slidenum">
+              <a:rPr lang="en-US" smtClean="0"/>
+              <a:t>11</a:t>
+            </a:fld>
+            <a:endParaRPr lang="en-US"/>
+          </a:p>
+        </p:txBody>
+      </p:sp>
+    </p:spTree>
+    <p:extLst>
+      <p:ext uri="{BB962C8B-B14F-4D97-AF65-F5344CB8AC3E}">
+        <p14:creationId xmlns:p14="http://schemas.microsoft.com/office/powerpoint/2010/main" val="3984198268"/>
+      </p:ext>
+    </p:extLst>
+  </p:cSld>
+  <p:clrMapOvr>
+    <a:masterClrMapping/>
+  </p:clrMapOvr>
+</p:notes>
+</file>
+
+<file path=ppt/notesSlides/notesSlide12.xml><?xml version="1.0" encoding="utf-8"?>
+<p:notes xmlns:a="http://schemas.openxmlformats.org/drawingml/2006/main" xmlns:r="http://schemas.openxmlformats.org/officeDocument/2006/relationships" xmlns:p="http://schemas.openxmlformats.org/presentationml/2006/main">
+  <p:cSld>
+    <p:spTree>
+      <p:nvGrpSpPr>
+        <p:cNvPr id="1" name=""/>
+        <p:cNvGrpSpPr/>
+        <p:nvPr/>
+      </p:nvGrpSpPr>
+      <p:grpSpPr>
+        <a:xfrm>
+          <a:off x="0" y="0"/>
+          <a:ext cx="0" cy="0"/>
+          <a:chOff x="0" y="0"/>
+          <a:chExt cx="0" cy="0"/>
+        </a:xfrm>
+      </p:grpSpPr>
+      <p:sp>
+        <p:nvSpPr>
+          <p:cNvPr id="2" name="Slide Image Placeholder 1"/>
+          <p:cNvSpPr>
+            <a:spLocks noGrp="1" noRot="1" noChangeAspect="1"/>
+          </p:cNvSpPr>
+          <p:nvPr>
+            <p:ph type="sldImg"/>
+          </p:nvPr>
+        </p:nvSpPr>
+        <p:spPr/>
+      </p:sp>
+      <p:sp>
+        <p:nvSpPr>
+          <p:cNvPr id="3" name="Notes Placeholder 2"/>
+          <p:cNvSpPr>
+            <a:spLocks noGrp="1"/>
+          </p:cNvSpPr>
+          <p:nvPr>
+            <p:ph type="body" idx="1"/>
+          </p:nvPr>
+        </p:nvSpPr>
+        <p:spPr/>
+        <p:txBody>
+          <a:bodyPr/>
+          <a:lstStyle/>
+          <a:p>
+            <a:pPr marL="0" marR="0" lvl="0" indent="0" algn="l" defTabSz="914400" rtl="0" eaLnBrk="1" fontAlgn="auto" latinLnBrk="0" hangingPunct="1">
+              <a:lnSpc>
+                <a:spcPct val="100000"/>
+              </a:lnSpc>
+              <a:spcBef>
+                <a:spcPts val="0"/>
+              </a:spcBef>
+              <a:spcAft>
+                <a:spcPts val="0"/>
+              </a:spcAft>
+              <a:buClrTx/>
+              <a:buSzTx/>
+              <a:buFontTx/>
+              <a:buNone/>
+              <a:tabLst/>
+              <a:defRPr/>
+            </a:pPr>
+            <a:r>
+              <a:rPr lang="en-US" dirty="0"/>
+              <a:t>The learning experience for this workshop starts on page 55 of the textbook.  For additional information, please watch the exercise 2.01 orientation video.</a:t>
+            </a:r>
+          </a:p>
+          <a:p>
+            <a:endParaRPr lang="en-US" dirty="0"/>
+          </a:p>
+        </p:txBody>
+      </p:sp>
+      <p:sp>
+        <p:nvSpPr>
+          <p:cNvPr id="4" name="Slide Number Placeholder 3"/>
+          <p:cNvSpPr>
+            <a:spLocks noGrp="1"/>
+          </p:cNvSpPr>
+          <p:nvPr>
+            <p:ph type="sldNum" sz="quarter" idx="5"/>
+          </p:nvPr>
+        </p:nvSpPr>
+        <p:spPr/>
+        <p:txBody>
+          <a:bodyPr/>
+          <a:lstStyle/>
+          <a:p>
+            <a:fld id="{3148858F-F1DB-4027-9C85-CCA6849540DD}" type="slidenum">
+              <a:rPr lang="en-US" smtClean="0"/>
+              <a:t>12</a:t>
+            </a:fld>
+            <a:endParaRPr lang="en-US"/>
+          </a:p>
+        </p:txBody>
+      </p:sp>
+    </p:spTree>
+    <p:extLst>
+      <p:ext uri="{BB962C8B-B14F-4D97-AF65-F5344CB8AC3E}">
+        <p14:creationId xmlns:p14="http://schemas.microsoft.com/office/powerpoint/2010/main" val="1401395996"/>
+      </p:ext>
+    </p:extLst>
+  </p:cSld>
+  <p:clrMapOvr>
+    <a:masterClrMapping/>
+  </p:clrMapOvr>
+</p:notes>
+</file>
+
+<file path=ppt/notesSlides/notesSlide13.xml><?xml version="1.0" encoding="utf-8"?>
+<p:notes xmlns:a="http://schemas.openxmlformats.org/drawingml/2006/main" xmlns:r="http://schemas.openxmlformats.org/officeDocument/2006/relationships" xmlns:p="http://schemas.openxmlformats.org/presentationml/2006/main">
+  <p:cSld>
+    <p:spTree>
+      <p:nvGrpSpPr>
+        <p:cNvPr id="1" name=""/>
+        <p:cNvGrpSpPr/>
+        <p:nvPr/>
+      </p:nvGrpSpPr>
+      <p:grpSpPr>
+        <a:xfrm>
+          <a:off x="0" y="0"/>
+          <a:ext cx="0" cy="0"/>
+          <a:chOff x="0" y="0"/>
+          <a:chExt cx="0" cy="0"/>
+        </a:xfrm>
+      </p:grpSpPr>
+      <p:sp>
+        <p:nvSpPr>
+          <p:cNvPr id="2" name="Slide Image Placeholder 1"/>
+          <p:cNvSpPr>
+            <a:spLocks noGrp="1" noRot="1" noChangeAspect="1"/>
+          </p:cNvSpPr>
+          <p:nvPr>
+            <p:ph type="sldImg"/>
+          </p:nvPr>
+        </p:nvSpPr>
+        <p:spPr/>
+      </p:sp>
+      <p:sp>
+        <p:nvSpPr>
+          <p:cNvPr id="3" name="Notes Placeholder 2"/>
+          <p:cNvSpPr>
+            <a:spLocks noGrp="1"/>
+          </p:cNvSpPr>
+          <p:nvPr>
+            <p:ph type="body" idx="1"/>
+          </p:nvPr>
+        </p:nvSpPr>
+        <p:spPr/>
+        <p:txBody>
+          <a:bodyPr/>
+          <a:lstStyle/>
+          <a:p>
+            <a:r>
+              <a:rPr lang="en-US" sz="1200" b="0" i="0" kern="1200" dirty="0">
+                <a:solidFill>
+                  <a:schemeClr val="tx1"/>
+                </a:solidFill>
+                <a:effectLst/>
+                <a:latin typeface="+mn-lt"/>
+                <a:ea typeface="+mn-ea"/>
+                <a:cs typeface="+mn-cs"/>
+              </a:rPr>
+              <a:t>As you continue your deep learning </a:t>
+            </a:r>
+            <a:r>
+              <a:rPr lang="en-US" sz="1200" b="0" i="0" kern="1200">
+                <a:solidFill>
+                  <a:schemeClr val="tx1"/>
+                </a:solidFill>
+                <a:effectLst/>
+                <a:latin typeface="+mn-lt"/>
+                <a:ea typeface="+mn-ea"/>
+                <a:cs typeface="+mn-cs"/>
+              </a:rPr>
+              <a:t>journey, you </a:t>
+            </a:r>
+            <a:r>
+              <a:rPr lang="en-US" sz="1200" b="0" i="0" kern="1200" dirty="0">
+                <a:solidFill>
+                  <a:schemeClr val="tx1"/>
+                </a:solidFill>
+                <a:effectLst/>
+                <a:latin typeface="+mn-lt"/>
+                <a:ea typeface="+mn-ea"/>
+                <a:cs typeface="+mn-cs"/>
+              </a:rPr>
+              <a:t>will encounter a variety of mathematical equations and symbols.  But do not fear!  With a little effort, you will quickly master them.  To get you started, here’s a list of the most frequently used mathematical symbols in deep learning, along with their definitions.  </a:t>
+            </a:r>
+          </a:p>
+        </p:txBody>
+      </p:sp>
+      <p:sp>
+        <p:nvSpPr>
+          <p:cNvPr id="4" name="Slide Number Placeholder 3"/>
+          <p:cNvSpPr>
+            <a:spLocks noGrp="1"/>
+          </p:cNvSpPr>
+          <p:nvPr>
+            <p:ph type="sldNum" sz="quarter" idx="5"/>
+          </p:nvPr>
+        </p:nvSpPr>
+        <p:spPr/>
+        <p:txBody>
+          <a:bodyPr/>
+          <a:lstStyle/>
+          <a:p>
+            <a:fld id="{3148858F-F1DB-4027-9C85-CCA6849540DD}" type="slidenum">
+              <a:rPr lang="en-US" smtClean="0"/>
+              <a:t>13</a:t>
+            </a:fld>
+            <a:endParaRPr lang="en-US"/>
+          </a:p>
+        </p:txBody>
+      </p:sp>
+    </p:spTree>
+    <p:extLst>
+      <p:ext uri="{BB962C8B-B14F-4D97-AF65-F5344CB8AC3E}">
+        <p14:creationId xmlns:p14="http://schemas.microsoft.com/office/powerpoint/2010/main" val="2550897438"/>
+      </p:ext>
+    </p:extLst>
+  </p:cSld>
+  <p:clrMapOvr>
+    <a:masterClrMapping/>
+  </p:clrMapOvr>
+</p:notes>
+</file>
+
 <file path=ppt/notesSlides/notesSlide2.xml><?xml version="1.0" encoding="utf-8"?>
 <p:notes xmlns:a="http://schemas.openxmlformats.org/drawingml/2006/main" xmlns:r="http://schemas.openxmlformats.org/officeDocument/2006/relationships" xmlns:p="http://schemas.openxmlformats.org/presentationml/2006/main">
   <p:cSld>
@@ -730,8 +1096,95 @@
                 <a:ea typeface="+mn-ea"/>
                 <a:cs typeface="+mn-cs"/>
               </a:rPr>
-              <a:t>We first met this diagram in our first mini-lecture.  At this point, I want to take a closer look at the activation function and some of the options available to us.  The choice of activation function is important because it can have a big impact on how well a network learns.  </a:t>
-            </a:r>
+              <a:t>Alright, we met this diagram in our first mini-lecture.  </a:t>
+            </a:r>
+          </a:p>
+          <a:p>
+            <a:pPr marL="0" marR="0" lvl="0" indent="0" algn="l" defTabSz="914400" rtl="0" eaLnBrk="1" fontAlgn="auto" latinLnBrk="0" hangingPunct="1">
+              <a:lnSpc>
+                <a:spcPct val="100000"/>
+              </a:lnSpc>
+              <a:spcBef>
+                <a:spcPts val="0"/>
+              </a:spcBef>
+              <a:spcAft>
+                <a:spcPts val="0"/>
+              </a:spcAft>
+              <a:buClrTx/>
+              <a:buSzTx/>
+              <a:buFontTx/>
+              <a:buNone/>
+              <a:tabLst/>
+              <a:defRPr/>
+            </a:pPr>
+            <a:endParaRPr lang="en-US" sz="1200" b="0" i="0" kern="1200" dirty="0">
+              <a:solidFill>
+                <a:schemeClr val="tx1"/>
+              </a:solidFill>
+              <a:effectLst/>
+              <a:latin typeface="+mn-lt"/>
+              <a:ea typeface="+mn-ea"/>
+              <a:cs typeface="+mn-cs"/>
+            </a:endParaRPr>
+          </a:p>
+          <a:p>
+            <a:pPr marL="228600" marR="0" lvl="0" indent="-228600" algn="l" defTabSz="914400" rtl="0" eaLnBrk="1" fontAlgn="auto" latinLnBrk="0" hangingPunct="1">
+              <a:lnSpc>
+                <a:spcPct val="100000"/>
+              </a:lnSpc>
+              <a:spcBef>
+                <a:spcPts val="0"/>
+              </a:spcBef>
+              <a:spcAft>
+                <a:spcPts val="0"/>
+              </a:spcAft>
+              <a:buClrTx/>
+              <a:buSzTx/>
+              <a:buFontTx/>
+              <a:buAutoNum type="arabicPeriod"/>
+              <a:tabLst/>
+              <a:defRPr/>
+            </a:pPr>
+            <a:r>
+              <a:rPr lang="en-US" sz="1200" b="0" i="0" kern="1200" dirty="0">
+                <a:solidFill>
+                  <a:schemeClr val="tx1"/>
+                </a:solidFill>
+                <a:effectLst/>
+                <a:latin typeface="+mn-lt"/>
+                <a:ea typeface="+mn-ea"/>
+                <a:cs typeface="+mn-cs"/>
+              </a:rPr>
+              <a:t>In this presentation, I want to take a closer look at the activation function and some of the options available to us.  The choice of activation function is important as it can have a major impact on how well a deep model learns.  </a:t>
+            </a:r>
+          </a:p>
+          <a:p>
+            <a:pPr marL="0" marR="0" lvl="0" indent="0" algn="l" defTabSz="914400" rtl="0" eaLnBrk="1" fontAlgn="auto" latinLnBrk="0" hangingPunct="1">
+              <a:lnSpc>
+                <a:spcPct val="100000"/>
+              </a:lnSpc>
+              <a:spcBef>
+                <a:spcPts val="0"/>
+              </a:spcBef>
+              <a:spcAft>
+                <a:spcPts val="0"/>
+              </a:spcAft>
+              <a:buClrTx/>
+              <a:buSzTx/>
+              <a:buFontTx/>
+              <a:buNone/>
+              <a:tabLst/>
+              <a:defRPr/>
+            </a:pPr>
+            <a:endParaRPr lang="en-US" sz="1200" b="0" i="0" kern="1200" dirty="0">
+              <a:solidFill>
+                <a:schemeClr val="tx1"/>
+              </a:solidFill>
+              <a:effectLst/>
+              <a:latin typeface="+mn-lt"/>
+              <a:ea typeface="+mn-ea"/>
+              <a:cs typeface="+mn-cs"/>
+            </a:endParaRPr>
           </a:p>
           <a:p>
             <a:pPr marL="0" marR="0" lvl="0" indent="0" algn="l" defTabSz="914400" rtl="0" eaLnBrk="1" fontAlgn="auto" latinLnBrk="0" hangingPunct="1">
@@ -871,7 +1324,7 @@
                 <a:effectLst/>
                 <a:latin typeface="+mn-lt"/>
               </a:rPr>
-              <a:t> functions.</a:t>
+              <a:t> functions.  </a:t>
             </a:r>
           </a:p>
           <a:p>
@@ -884,11 +1337,58 @@
             </a:endParaRPr>
           </a:p>
           <a:p>
+            <a:pPr marL="228600" indent="-228600">
+              <a:buAutoNum type="arabicPeriod"/>
+            </a:pPr>
+            <a:r>
+              <a:rPr lang="en-US" b="0" i="0" dirty="0">
+                <a:solidFill>
+                  <a:srgbClr val="3D3B49"/>
+                </a:solidFill>
+                <a:effectLst/>
+                <a:latin typeface="+mn-lt"/>
+              </a:rPr>
+              <a:t>Now in Python, a </a:t>
+            </a:r>
+            <a:r>
+              <a:rPr lang="en-US" b="0" i="0" dirty="0">
+                <a:solidFill>
+                  <a:srgbClr val="000000"/>
+                </a:solidFill>
+                <a:effectLst/>
+                <a:latin typeface="Verdana" panose="020B0604030504040204" pitchFamily="34" charset="0"/>
+              </a:rPr>
+              <a:t>function is a named block of code that only runs when it is called.  Most functions allow you to pass data – called parameters – into them.  Most functions also return a value once they’ve been executed.  Here we see a simple function called f, with one parameter called x.  When we pass a value on the x-axis to this function, it returns a value that is then assigned to a variable named y.</a:t>
+            </a:r>
+          </a:p>
+          <a:p>
+            <a:pPr marL="0" indent="0">
+              <a:buNone/>
+            </a:pPr>
+            <a:endParaRPr lang="en-US" b="0" i="0" dirty="0">
+              <a:solidFill>
+                <a:srgbClr val="000000"/>
+              </a:solidFill>
+              <a:effectLst/>
+              <a:latin typeface="Verdana" panose="020B0604030504040204" pitchFamily="34" charset="0"/>
+            </a:endParaRPr>
+          </a:p>
+          <a:p>
+            <a:r>
+              <a:rPr lang="en-US" b="0" i="0" dirty="0">
+                <a:solidFill>
+                  <a:srgbClr val="000000"/>
+                </a:solidFill>
+                <a:effectLst/>
+                <a:latin typeface="Verdana" panose="020B0604030504040204" pitchFamily="34" charset="0"/>
+              </a:rPr>
+              <a:t>Pictured here are graphs for three different linear functions.  In the case of the graph on the left, i</a:t>
+            </a:r>
             <a:r>
               <a:rPr lang="en-US" dirty="0">
                 <a:latin typeface="+mn-lt"/>
               </a:rPr>
-              <a:t>Let’s look at the leftmost example. If we pick any point on the X axis, and go vertically up until we hit the line, the value of that intersection on the Y axis is the same as the value on the X axis. The output, or y value, of this curve is always the same as the input, or x value. We call this the identity function.</a:t>
+              <a:t>f we pick any point on the X axis, and go vertically up until we hit the line, the value of that intersection on the Y axis is the same as the value on the X axis.  That is, the output, or y value, of this curve is always the same as the input, or x value. We call this the identity function.</a:t>
             </a:r>
           </a:p>
           <a:p>
@@ -901,7 +1401,7 @@
               <a:rPr lang="en-US" dirty="0">
                 <a:latin typeface="+mn-lt"/>
               </a:rPr>
-              <a:t>The other curves are also straight lines, but they’re tilted to different slopes. </a:t>
+              <a:t>With the other two graphs, the lines are tilted, reflecting different slopes.  This is typically what we see in simple linear regression.</a:t>
             </a:r>
           </a:p>
         </p:txBody>
@@ -988,7 +1488,7 @@
           <a:p>
             <a:r>
               <a:rPr lang="en-US" dirty="0"/>
-              <a:t>The ReLU, or rectified linear unit. It outputs 0 for all negative inputs, otherwise the output is the input.</a:t>
+              <a:t>The ReLU, or rectified linear unit outputs 0 for all negative inputs, otherwise the output is the input.</a:t>
             </a:r>
           </a:p>
           <a:p>
@@ -997,7 +1497,7 @@
           <a:p>
             <a:r>
               <a:rPr lang="en-US" dirty="0"/>
-              <a:t>The ReLU activation function is popular because it’s a simple and fast way to include a nonlinearity at the end of our artificial neurons.</a:t>
+              <a:t>The ReLU activation function is popular because it’s simple and trains well.</a:t>
             </a:r>
           </a:p>
         </p:txBody>
@@ -1090,7 +1590,7 @@
                 <a:effectLst/>
                 <a:latin typeface="+mn-lt"/>
               </a:rPr>
-              <a:t>The S-shaped sigmoid function is also called the logistic function or logistic curve. It has a value of 0 for very negative inputs, and a value of 1 for very positive inputs. For inputs in the range of about −6 to 6, it smoothly transitions between the two. The name sigmoid comes from the resemblance of the curve to an S shape,</a:t>
+              <a:t>The S-shaped sigmoid function is also called the logistic function or logistic curve. It has a value of 0 for very negative inputs, and a value of 1 for very positive inputs. In this example, we see a smooth transition between 0 and 1 for x values ranging from -6 to 6.  The name sigmoid comes from the resemblance of the curve to an S shape,</a:t>
             </a:r>
             <a:endParaRPr lang="en-US" i="0" dirty="0">
               <a:latin typeface="+mn-lt"/>
@@ -1476,18 +1976,209 @@
           <a:bodyPr/>
           <a:lstStyle/>
           <a:p>
-            <a:r>
-              <a:rPr lang="en-US" sz="1200" b="0" i="0" kern="1200" dirty="0">
-                <a:solidFill>
-                  <a:schemeClr val="tx1"/>
-                </a:solidFill>
-                <a:effectLst/>
-                <a:latin typeface="+mn-lt"/>
-                <a:ea typeface="+mn-ea"/>
-                <a:cs typeface="+mn-cs"/>
+            <a:pPr marL="0" marR="0" lvl="0" indent="0" algn="l" defTabSz="914400" rtl="0" eaLnBrk="1" fontAlgn="auto" latinLnBrk="0" hangingPunct="1">
+              <a:lnSpc>
+                <a:spcPct val="100000"/>
+              </a:lnSpc>
+              <a:spcBef>
+                <a:spcPts val="0"/>
+              </a:spcBef>
+              <a:spcAft>
+                <a:spcPts val="0"/>
+              </a:spcAft>
+              <a:buClrTx/>
+              <a:buSzTx/>
+              <a:buFontTx/>
+              <a:buNone/>
+              <a:tabLst/>
+              <a:defRPr/>
+            </a:pPr>
+            <a:r>
+              <a:rPr lang="en-US" sz="1200" dirty="0">
+                <a:solidFill>
+                  <a:schemeClr val="tx1">
+                    <a:lumMod val="65000"/>
+                    <a:lumOff val="35000"/>
+                  </a:schemeClr>
+                </a:solidFill>
+                <a:latin typeface="+mj-lt"/>
+                <a:ea typeface="Verdana" panose="020B0604030504040204" pitchFamily="34" charset="0"/>
               </a:rPr>
-              <a:t>And finally – as you continue your deep learning journey – you will encounter a variety of mathematical equations and symbols.  But do not fear!  With a little effort, you will quickly master them.  To get you started, here’s a list of the most frequently used mathematical symbols in deep learning, along with their definitions.  </a:t>
-            </a:r>
+              <a:t>Link: </a:t>
+            </a:r>
+            <a:r>
+              <a:rPr lang="en-US" sz="1200" dirty="0">
+                <a:solidFill>
+                  <a:schemeClr val="tx1">
+                    <a:lumMod val="65000"/>
+                    <a:lumOff val="35000"/>
+                  </a:schemeClr>
+                </a:solidFill>
+                <a:latin typeface="+mj-lt"/>
+                <a:ea typeface="Verdana" panose="020B0604030504040204" pitchFamily="34" charset="0"/>
+                <a:hlinkClick r:id="rId3"/>
+              </a:rPr>
+              <a:t>https://teachablemachine.withgoogle.com</a:t>
+            </a:r>
+            <a:r>
+              <a:rPr lang="en-US" sz="1200" dirty="0">
+                <a:solidFill>
+                  <a:schemeClr val="tx1">
+                    <a:lumMod val="65000"/>
+                    <a:lumOff val="35000"/>
+                  </a:schemeClr>
+                </a:solidFill>
+                <a:latin typeface="+mj-lt"/>
+                <a:ea typeface="Verdana" panose="020B0604030504040204" pitchFamily="34" charset="0"/>
+              </a:rPr>
+              <a:t> </a:t>
+            </a:r>
+          </a:p>
+          <a:p>
+            <a:pPr marL="0" marR="0" lvl="0" indent="0" algn="l" defTabSz="914400" rtl="0" eaLnBrk="1" fontAlgn="auto" latinLnBrk="0" hangingPunct="1">
+              <a:lnSpc>
+                <a:spcPct val="100000"/>
+              </a:lnSpc>
+              <a:spcBef>
+                <a:spcPts val="0"/>
+              </a:spcBef>
+              <a:spcAft>
+                <a:spcPts val="0"/>
+              </a:spcAft>
+              <a:buClrTx/>
+              <a:buSzTx/>
+              <a:buFontTx/>
+              <a:buNone/>
+              <a:tabLst/>
+              <a:defRPr/>
+            </a:pPr>
+            <a:r>
+              <a:rPr lang="en-US" sz="1200" dirty="0">
+                <a:solidFill>
+                  <a:schemeClr val="tx1">
+                    <a:lumMod val="65000"/>
+                    <a:lumOff val="35000"/>
+                  </a:schemeClr>
+                </a:solidFill>
+                <a:latin typeface="+mj-lt"/>
+                <a:ea typeface="Verdana" panose="020B0604030504040204" pitchFamily="34" charset="0"/>
+              </a:rPr>
+              <a:t>Link: https://developers.google.com/machine-learning/glossary#e</a:t>
+            </a:r>
+          </a:p>
+          <a:p>
+            <a:pPr marL="0" marR="0" lvl="0" indent="0" algn="l" defTabSz="914400" rtl="0" eaLnBrk="1" fontAlgn="auto" latinLnBrk="0" hangingPunct="1">
+              <a:lnSpc>
+                <a:spcPct val="100000"/>
+              </a:lnSpc>
+              <a:spcBef>
+                <a:spcPts val="0"/>
+              </a:spcBef>
+              <a:spcAft>
+                <a:spcPts val="0"/>
+              </a:spcAft>
+              <a:buClrTx/>
+              <a:buSzTx/>
+              <a:buFontTx/>
+              <a:buNone/>
+              <a:tabLst/>
+              <a:defRPr/>
+            </a:pPr>
+            <a:endParaRPr lang="en-US" sz="1200" dirty="0">
+              <a:solidFill>
+                <a:schemeClr val="tx1">
+                  <a:lumMod val="65000"/>
+                  <a:lumOff val="35000"/>
+                </a:schemeClr>
+              </a:solidFill>
+              <a:latin typeface="+mj-lt"/>
+              <a:ea typeface="Verdana" panose="020B0604030504040204" pitchFamily="34" charset="0"/>
+            </a:endParaRPr>
+          </a:p>
+          <a:p>
+            <a:pPr marL="0" marR="0" lvl="0" indent="0" algn="l" defTabSz="914400" rtl="0" eaLnBrk="1" fontAlgn="auto" latinLnBrk="0" hangingPunct="1">
+              <a:lnSpc>
+                <a:spcPct val="100000"/>
+              </a:lnSpc>
+              <a:spcBef>
+                <a:spcPts val="0"/>
+              </a:spcBef>
+              <a:spcAft>
+                <a:spcPts val="0"/>
+              </a:spcAft>
+              <a:buClrTx/>
+              <a:buSzTx/>
+              <a:buFontTx/>
+              <a:buNone/>
+              <a:tabLst/>
+              <a:defRPr/>
+            </a:pPr>
+            <a:endParaRPr lang="en-US" sz="1200" dirty="0">
+              <a:solidFill>
+                <a:schemeClr val="tx1">
+                  <a:lumMod val="65000"/>
+                  <a:lumOff val="35000"/>
+                </a:schemeClr>
+              </a:solidFill>
+              <a:latin typeface="+mj-lt"/>
+              <a:ea typeface="Verdana" panose="020B0604030504040204" pitchFamily="34" charset="0"/>
+            </a:endParaRPr>
+          </a:p>
+          <a:p>
+            <a:pPr marL="0" marR="0" lvl="0" indent="0" algn="l" defTabSz="914400" rtl="0" eaLnBrk="1" fontAlgn="auto" latinLnBrk="0" hangingPunct="1">
+              <a:lnSpc>
+                <a:spcPct val="100000"/>
+              </a:lnSpc>
+              <a:spcBef>
+                <a:spcPts val="0"/>
+              </a:spcBef>
+              <a:spcAft>
+                <a:spcPts val="0"/>
+              </a:spcAft>
+              <a:buClrTx/>
+              <a:buSzTx/>
+              <a:buFontTx/>
+              <a:buNone/>
+              <a:tabLst/>
+              <a:defRPr/>
+            </a:pPr>
+            <a:endParaRPr lang="en-US" sz="1200" dirty="0">
+              <a:solidFill>
+                <a:schemeClr val="tx1">
+                  <a:lumMod val="65000"/>
+                  <a:lumOff val="35000"/>
+                </a:schemeClr>
+              </a:solidFill>
+              <a:latin typeface="Palatino Linotype" panose="02040502050505030304" pitchFamily="18" charset="0"/>
+            </a:endParaRPr>
+          </a:p>
+          <a:p>
+            <a:pPr marL="0" marR="0" lvl="0" indent="0" algn="l" defTabSz="914400" rtl="0" eaLnBrk="1" fontAlgn="auto" latinLnBrk="0" hangingPunct="1">
+              <a:lnSpc>
+                <a:spcPct val="100000"/>
+              </a:lnSpc>
+              <a:spcBef>
+                <a:spcPts val="0"/>
+              </a:spcBef>
+              <a:spcAft>
+                <a:spcPts val="0"/>
+              </a:spcAft>
+              <a:buClrTx/>
+              <a:buSzTx/>
+              <a:buFontTx/>
+              <a:buNone/>
+              <a:tabLst/>
+              <a:defRPr/>
+            </a:pPr>
+            <a:endParaRPr lang="en-US" sz="1200" dirty="0">
+              <a:solidFill>
+                <a:schemeClr val="tx1">
+                  <a:lumMod val="65000"/>
+                  <a:lumOff val="35000"/>
+                </a:schemeClr>
+              </a:solidFill>
+              <a:latin typeface="Palatino Linotype" panose="02040502050505030304" pitchFamily="18" charset="0"/>
+            </a:endParaRPr>
           </a:p>
         </p:txBody>
       </p:sp>
@@ -1517,7 +2208,7 @@
     </p:spTree>
     <p:extLst>
       <p:ext uri="{BB962C8B-B14F-4D97-AF65-F5344CB8AC3E}">
-        <p14:creationId xmlns:p14="http://schemas.microsoft.com/office/powerpoint/2010/main" val="2550897438"/>
+        <p14:creationId xmlns:p14="http://schemas.microsoft.com/office/powerpoint/2010/main" val="1404376956"/>
       </p:ext>
     </p:extLst>
   </p:cSld>
@@ -1674,7 +2365,7 @@
           <a:p>
             <a:fld id="{C3F78080-8D0A-4BE8-A5B4-CB115102D524}" type="datetimeFigureOut">
               <a:rPr lang="en-US" smtClean="0"/>
-              <a:t>4/5/2022</a:t>
+              <a:t>6/24/2022</a:t>
             </a:fld>
             <a:endParaRPr lang="en-US"/>
           </a:p>
@@ -1872,7 +2563,7 @@
           <a:p>
             <a:fld id="{C3F78080-8D0A-4BE8-A5B4-CB115102D524}" type="datetimeFigureOut">
               <a:rPr lang="en-US" smtClean="0"/>
-              <a:t>4/5/2022</a:t>
+              <a:t>6/24/2022</a:t>
             </a:fld>
             <a:endParaRPr lang="en-US"/>
           </a:p>
@@ -2080,7 +2771,7 @@
           <a:p>
             <a:fld id="{C3F78080-8D0A-4BE8-A5B4-CB115102D524}" type="datetimeFigureOut">
               <a:rPr lang="en-US" smtClean="0"/>
-              <a:t>4/5/2022</a:t>
+              <a:t>6/24/2022</a:t>
             </a:fld>
             <a:endParaRPr lang="en-US"/>
           </a:p>
@@ -2278,7 +2969,7 @@
           <a:p>
             <a:fld id="{C3F78080-8D0A-4BE8-A5B4-CB115102D524}" type="datetimeFigureOut">
               <a:rPr lang="en-US" smtClean="0"/>
-              <a:t>4/5/2022</a:t>
+              <a:t>6/24/2022</a:t>
             </a:fld>
             <a:endParaRPr lang="en-US"/>
           </a:p>
@@ -2553,7 +3244,7 @@
           <a:p>
             <a:fld id="{C3F78080-8D0A-4BE8-A5B4-CB115102D524}" type="datetimeFigureOut">
               <a:rPr lang="en-US" smtClean="0"/>
-              <a:t>4/5/2022</a:t>
+              <a:t>6/24/2022</a:t>
             </a:fld>
             <a:endParaRPr lang="en-US"/>
           </a:p>
@@ -2818,7 +3509,7 @@
           <a:p>
             <a:fld id="{C3F78080-8D0A-4BE8-A5B4-CB115102D524}" type="datetimeFigureOut">
               <a:rPr lang="en-US" smtClean="0"/>
-              <a:t>4/5/2022</a:t>
+              <a:t>6/24/2022</a:t>
             </a:fld>
             <a:endParaRPr lang="en-US"/>
           </a:p>
@@ -3230,7 +3921,7 @@
           <a:p>
             <a:fld id="{C3F78080-8D0A-4BE8-A5B4-CB115102D524}" type="datetimeFigureOut">
               <a:rPr lang="en-US" smtClean="0"/>
-              <a:t>4/5/2022</a:t>
+              <a:t>6/24/2022</a:t>
             </a:fld>
             <a:endParaRPr lang="en-US"/>
           </a:p>
@@ -3371,7 +4062,7 @@
           <a:p>
             <a:fld id="{C3F78080-8D0A-4BE8-A5B4-CB115102D524}" type="datetimeFigureOut">
               <a:rPr lang="en-US" smtClean="0"/>
-              <a:t>4/5/2022</a:t>
+              <a:t>6/24/2022</a:t>
             </a:fld>
             <a:endParaRPr lang="en-US"/>
           </a:p>
@@ -3484,7 +4175,7 @@
           <a:p>
             <a:fld id="{C3F78080-8D0A-4BE8-A5B4-CB115102D524}" type="datetimeFigureOut">
               <a:rPr lang="en-US" smtClean="0"/>
-              <a:t>4/5/2022</a:t>
+              <a:t>6/24/2022</a:t>
             </a:fld>
             <a:endParaRPr lang="en-US"/>
           </a:p>
@@ -3795,7 +4486,7 @@
           <a:p>
             <a:fld id="{C3F78080-8D0A-4BE8-A5B4-CB115102D524}" type="datetimeFigureOut">
               <a:rPr lang="en-US" smtClean="0"/>
-              <a:t>4/5/2022</a:t>
+              <a:t>6/24/2022</a:t>
             </a:fld>
             <a:endParaRPr lang="en-US"/>
           </a:p>
@@ -4083,7 +4774,7 @@
           <a:p>
             <a:fld id="{C3F78080-8D0A-4BE8-A5B4-CB115102D524}" type="datetimeFigureOut">
               <a:rPr lang="en-US" smtClean="0"/>
-              <a:t>4/5/2022</a:t>
+              <a:t>6/24/2022</a:t>
             </a:fld>
             <a:endParaRPr lang="en-US"/>
           </a:p>
@@ -4324,7 +5015,7 @@
           <a:p>
             <a:fld id="{C3F78080-8D0A-4BE8-A5B4-CB115102D524}" type="datetimeFigureOut">
               <a:rPr lang="en-US" smtClean="0"/>
-              <a:t>4/5/2022</a:t>
+              <a:t>6/24/2022</a:t>
             </a:fld>
             <a:endParaRPr lang="en-US"/>
           </a:p>
@@ -5180,6 +5871,451 @@
 </p:sld>
 </file>
 
+<file path=ppt/slides/slide11.xml><?xml version="1.0" encoding="utf-8"?>
+<p:sld xmlns:a="http://schemas.openxmlformats.org/drawingml/2006/main" xmlns:r="http://schemas.openxmlformats.org/officeDocument/2006/relationships" xmlns:p="http://schemas.openxmlformats.org/presentationml/2006/main">
+  <p:cSld>
+    <p:spTree>
+      <p:nvGrpSpPr>
+        <p:cNvPr id="1" name=""/>
+        <p:cNvGrpSpPr/>
+        <p:nvPr/>
+      </p:nvGrpSpPr>
+      <p:grpSpPr>
+        <a:xfrm>
+          <a:off x="0" y="0"/>
+          <a:ext cx="0" cy="0"/>
+          <a:chOff x="0" y="0"/>
+          <a:chExt cx="0" cy="0"/>
+        </a:xfrm>
+      </p:grpSpPr>
+    </p:spTree>
+    <p:extLst>
+      <p:ext uri="{BB962C8B-B14F-4D97-AF65-F5344CB8AC3E}">
+        <p14:creationId xmlns:p14="http://schemas.microsoft.com/office/powerpoint/2010/main" val="3567181481"/>
+      </p:ext>
+    </p:extLst>
+  </p:cSld>
+  <p:clrMapOvr>
+    <a:masterClrMapping/>
+  </p:clrMapOvr>
+  <mc:AlternateContent xmlns:mc="http://schemas.openxmlformats.org/markup-compatibility/2006" xmlns:p14="http://schemas.microsoft.com/office/powerpoint/2010/main">
+    <mc:Choice Requires="p14">
+      <p:transition spd="med" p14:dur="700">
+        <p:fade/>
+      </p:transition>
+    </mc:Choice>
+    <mc:Fallback xmlns="">
+      <p:transition spd="med">
+        <p:fade/>
+      </p:transition>
+    </mc:Fallback>
+  </mc:AlternateContent>
+</p:sld>
+</file>
+
+<file path=ppt/slides/slide12.xml><?xml version="1.0" encoding="utf-8"?>
+<p:sld xmlns:a="http://schemas.openxmlformats.org/drawingml/2006/main" xmlns:r="http://schemas.openxmlformats.org/officeDocument/2006/relationships" xmlns:p="http://schemas.openxmlformats.org/presentationml/2006/main">
+  <p:cSld>
+    <p:spTree>
+      <p:nvGrpSpPr>
+        <p:cNvPr id="1" name=""/>
+        <p:cNvGrpSpPr/>
+        <p:nvPr/>
+      </p:nvGrpSpPr>
+      <p:grpSpPr>
+        <a:xfrm>
+          <a:off x="0" y="0"/>
+          <a:ext cx="0" cy="0"/>
+          <a:chOff x="0" y="0"/>
+          <a:chExt cx="0" cy="0"/>
+        </a:xfrm>
+      </p:grpSpPr>
+      <p:sp>
+        <p:nvSpPr>
+          <p:cNvPr id="3" name="Text Placeholder 2">
+            <a:extLst>
+              <a:ext uri="{FF2B5EF4-FFF2-40B4-BE49-F238E27FC236}">
+                <a16:creationId xmlns:a16="http://schemas.microsoft.com/office/drawing/2014/main" id="{098BC2D2-CCF7-4C63-8489-B46BF394FCA2}"/>
+              </a:ext>
+            </a:extLst>
+          </p:cNvPr>
+          <p:cNvSpPr>
+            <a:spLocks noGrp="1"/>
+          </p:cNvSpPr>
+          <p:nvPr>
+            <p:ph type="body" idx="1"/>
+          </p:nvPr>
+        </p:nvSpPr>
+        <p:spPr>
+          <a:xfrm>
+            <a:off x="0" y="4285400"/>
+            <a:ext cx="12192000" cy="518830"/>
+          </a:xfrm>
+        </p:spPr>
+        <p:txBody>
+          <a:bodyPr>
+            <a:normAutofit/>
+          </a:bodyPr>
+          <a:lstStyle/>
+          <a:p>
+            <a:endParaRPr lang="en-US" dirty="0">
+              <a:latin typeface="Palatino Linotype" panose="02040502050505030304" pitchFamily="18" charset="0"/>
+              <a:cs typeface="Segoe UI" panose="020B0502040204020203" pitchFamily="34" charset="0"/>
+            </a:endParaRPr>
+          </a:p>
+          <a:p>
+            <a:endParaRPr lang="en-US" dirty="0">
+              <a:latin typeface="Palatino Linotype" panose="02040502050505030304" pitchFamily="18" charset="0"/>
+              <a:cs typeface="Segoe UI" panose="020B0502040204020203" pitchFamily="34" charset="0"/>
+            </a:endParaRPr>
+          </a:p>
+          <a:p>
+            <a:endParaRPr lang="en-US" dirty="0">
+              <a:latin typeface="Palatino Linotype" panose="02040502050505030304" pitchFamily="18" charset="0"/>
+              <a:cs typeface="Segoe UI" panose="020B0502040204020203" pitchFamily="34" charset="0"/>
+            </a:endParaRPr>
+          </a:p>
+          <a:p>
+            <a:endParaRPr lang="en-US" dirty="0">
+              <a:latin typeface="Palatino Linotype" panose="02040502050505030304" pitchFamily="18" charset="0"/>
+              <a:cs typeface="Segoe UI" panose="020B0502040204020203" pitchFamily="34" charset="0"/>
+            </a:endParaRPr>
+          </a:p>
+          <a:p>
+            <a:endParaRPr lang="en-US" dirty="0">
+              <a:latin typeface="Palatino Linotype" panose="02040502050505030304" pitchFamily="18" charset="0"/>
+              <a:cs typeface="Segoe UI" panose="020B0502040204020203" pitchFamily="34" charset="0"/>
+            </a:endParaRPr>
+          </a:p>
+        </p:txBody>
+      </p:sp>
+      <p:pic>
+        <p:nvPicPr>
+          <p:cNvPr id="4" name="Picture 3">
+            <a:extLst>
+              <a:ext uri="{FF2B5EF4-FFF2-40B4-BE49-F238E27FC236}">
+                <a16:creationId xmlns:a16="http://schemas.microsoft.com/office/drawing/2014/main" id="{BF227EC8-F25E-46CD-8CAE-24E18DBDE5CC}"/>
+              </a:ext>
+            </a:extLst>
+          </p:cNvPr>
+          <p:cNvPicPr>
+            <a:picLocks noChangeAspect="1"/>
+          </p:cNvPicPr>
+          <p:nvPr/>
+        </p:nvPicPr>
+        <p:blipFill>
+          <a:blip r:embed="rId3"/>
+          <a:stretch>
+            <a:fillRect/>
+          </a:stretch>
+        </p:blipFill>
+        <p:spPr>
+          <a:xfrm>
+            <a:off x="0" y="365760"/>
+            <a:ext cx="3233668" cy="805144"/>
+          </a:xfrm>
+          <a:prstGeom prst="rect">
+            <a:avLst/>
+          </a:prstGeom>
+        </p:spPr>
+      </p:pic>
+      <p:sp>
+        <p:nvSpPr>
+          <p:cNvPr id="7" name="Title 1">
+            <a:extLst>
+              <a:ext uri="{FF2B5EF4-FFF2-40B4-BE49-F238E27FC236}">
+                <a16:creationId xmlns:a16="http://schemas.microsoft.com/office/drawing/2014/main" id="{E6A37720-E754-4A7F-B066-206AB0275CF9}"/>
+              </a:ext>
+            </a:extLst>
+          </p:cNvPr>
+          <p:cNvSpPr txBox="1">
+            <a:spLocks/>
+          </p:cNvSpPr>
+          <p:nvPr/>
+        </p:nvSpPr>
+        <p:spPr>
+          <a:xfrm>
+            <a:off x="0" y="2883665"/>
+            <a:ext cx="12192000" cy="1090669"/>
+          </a:xfrm>
+          <a:prstGeom prst="rect">
+            <a:avLst/>
+          </a:prstGeom>
+          <a:noFill/>
+        </p:spPr>
+        <p:txBody>
+          <a:bodyPr vert="horz" lIns="91440" tIns="45720" rIns="91440" bIns="45720" rtlCol="0" anchor="b">
+            <a:noAutofit/>
+          </a:bodyPr>
+          <a:lstStyle>
+            <a:lvl1pPr algn="l" defTabSz="914400" rtl="0" eaLnBrk="1" latinLnBrk="0" hangingPunct="1">
+              <a:lnSpc>
+                <a:spcPct val="90000"/>
+              </a:lnSpc>
+              <a:spcBef>
+                <a:spcPct val="0"/>
+              </a:spcBef>
+              <a:buNone/>
+              <a:defRPr sz="6000" kern="1200">
+                <a:solidFill>
+                  <a:schemeClr val="tx1"/>
+                </a:solidFill>
+                <a:latin typeface="+mj-lt"/>
+                <a:ea typeface="+mj-ea"/>
+                <a:cs typeface="+mj-cs"/>
+              </a:defRPr>
+            </a:lvl1pPr>
+          </a:lstStyle>
+          <a:p>
+            <a:pPr algn="ctr"/>
+            <a:br>
+              <a:rPr lang="en-US" sz="3600" dirty="0">
+                <a:solidFill>
+                  <a:schemeClr val="tx1">
+                    <a:lumMod val="65000"/>
+                    <a:lumOff val="35000"/>
+                  </a:schemeClr>
+                </a:solidFill>
+              </a:rPr>
+            </a:br>
+            <a:br>
+              <a:rPr lang="en-US" sz="3600" dirty="0">
+                <a:solidFill>
+                  <a:schemeClr val="tx1">
+                    <a:lumMod val="65000"/>
+                    <a:lumOff val="35000"/>
+                  </a:schemeClr>
+                </a:solidFill>
+              </a:rPr>
+            </a:br>
+            <a:br>
+              <a:rPr lang="en-US" sz="3600" dirty="0">
+                <a:solidFill>
+                  <a:schemeClr val="tx1">
+                    <a:lumMod val="65000"/>
+                    <a:lumOff val="35000"/>
+                  </a:schemeClr>
+                </a:solidFill>
+              </a:rPr>
+            </a:br>
+            <a:br>
+              <a:rPr lang="en-US" sz="3600" dirty="0">
+                <a:solidFill>
+                  <a:schemeClr val="tx1">
+                    <a:lumMod val="65000"/>
+                    <a:lumOff val="35000"/>
+                  </a:schemeClr>
+                </a:solidFill>
+              </a:rPr>
+            </a:br>
+            <a:br>
+              <a:rPr lang="en-US" sz="3600" dirty="0">
+                <a:solidFill>
+                  <a:schemeClr val="tx1">
+                    <a:lumMod val="65000"/>
+                    <a:lumOff val="35000"/>
+                  </a:schemeClr>
+                </a:solidFill>
+              </a:rPr>
+            </a:br>
+            <a:br>
+              <a:rPr lang="en-US" sz="3600" dirty="0">
+                <a:solidFill>
+                  <a:schemeClr val="tx1">
+                    <a:lumMod val="65000"/>
+                    <a:lumOff val="35000"/>
+                  </a:schemeClr>
+                </a:solidFill>
+              </a:rPr>
+            </a:br>
+            <a:br>
+              <a:rPr lang="en-US" sz="3600" dirty="0">
+                <a:solidFill>
+                  <a:schemeClr val="tx1">
+                    <a:lumMod val="65000"/>
+                    <a:lumOff val="35000"/>
+                  </a:schemeClr>
+                </a:solidFill>
+              </a:rPr>
+            </a:br>
+            <a:br>
+              <a:rPr lang="en-US" sz="3600" dirty="0">
+                <a:solidFill>
+                  <a:schemeClr val="tx1">
+                    <a:lumMod val="65000"/>
+                    <a:lumOff val="35000"/>
+                  </a:schemeClr>
+                </a:solidFill>
+              </a:rPr>
+            </a:br>
+            <a:r>
+              <a:rPr lang="en-US" sz="3600" dirty="0">
+                <a:solidFill>
+                  <a:schemeClr val="tx1">
+                    <a:lumMod val="65000"/>
+                    <a:lumOff val="35000"/>
+                  </a:schemeClr>
+                </a:solidFill>
+              </a:rPr>
+              <a:t>     </a:t>
+            </a:r>
+            <a:r>
+              <a:rPr lang="en-US" sz="3600" dirty="0">
+                <a:solidFill>
+                  <a:schemeClr val="tx1">
+                    <a:lumMod val="65000"/>
+                    <a:lumOff val="35000"/>
+                  </a:schemeClr>
+                </a:solidFill>
+                <a:latin typeface="Palatino Linotype" panose="02040502050505030304" pitchFamily="18" charset="0"/>
+              </a:rPr>
+              <a:t>(Rosenblatt’s Perceptron)</a:t>
+            </a:r>
+            <a:br>
+              <a:rPr lang="en-US" sz="3600" dirty="0">
+                <a:solidFill>
+                  <a:schemeClr val="tx1">
+                    <a:lumMod val="65000"/>
+                    <a:lumOff val="35000"/>
+                  </a:schemeClr>
+                </a:solidFill>
+                <a:latin typeface="Palatino Linotype" panose="02040502050505030304" pitchFamily="18" charset="0"/>
+              </a:rPr>
+            </a:br>
+            <a:r>
+              <a:rPr lang="en-US" sz="3600" dirty="0">
+                <a:solidFill>
+                  <a:schemeClr val="tx1">
+                    <a:lumMod val="65000"/>
+                    <a:lumOff val="35000"/>
+                  </a:schemeClr>
+                </a:solidFill>
+                <a:latin typeface="Palatino Linotype" panose="02040502050505030304" pitchFamily="18" charset="0"/>
+              </a:rPr>
+              <a:t>     </a:t>
+            </a:r>
+            <a:r>
+              <a:rPr lang="en-US" sz="2800" dirty="0">
+                <a:solidFill>
+                  <a:schemeClr val="tx1">
+                    <a:lumMod val="65000"/>
+                    <a:lumOff val="35000"/>
+                  </a:schemeClr>
+                </a:solidFill>
+                <a:latin typeface="Palatino Linotype" panose="02040502050505030304" pitchFamily="18" charset="0"/>
+              </a:rPr>
+              <a:t>02.1_perceptron.ipynb</a:t>
+            </a:r>
+            <a:endParaRPr lang="en-US" sz="2800" dirty="0">
+              <a:solidFill>
+                <a:schemeClr val="tx1">
+                  <a:lumMod val="65000"/>
+                  <a:lumOff val="35000"/>
+                </a:schemeClr>
+              </a:solidFill>
+              <a:latin typeface="Palatino Linotype" panose="02040502050505030304" pitchFamily="18" charset="0"/>
+              <a:cs typeface="Segoe UI Light" panose="020B0502040204020203" pitchFamily="34" charset="0"/>
+            </a:endParaRPr>
+          </a:p>
+        </p:txBody>
+      </p:sp>
+    </p:spTree>
+    <p:extLst>
+      <p:ext uri="{BB962C8B-B14F-4D97-AF65-F5344CB8AC3E}">
+        <p14:creationId xmlns:p14="http://schemas.microsoft.com/office/powerpoint/2010/main" val="4096204018"/>
+      </p:ext>
+    </p:extLst>
+  </p:cSld>
+  <p:clrMapOvr>
+    <a:masterClrMapping/>
+  </p:clrMapOvr>
+  <mc:AlternateContent xmlns:mc="http://schemas.openxmlformats.org/markup-compatibility/2006" xmlns:p14="http://schemas.microsoft.com/office/powerpoint/2010/main">
+    <mc:Choice Requires="p14">
+      <p:transition spd="med" p14:dur="700">
+        <p:fade/>
+      </p:transition>
+    </mc:Choice>
+    <mc:Fallback xmlns="">
+      <p:transition spd="med">
+        <p:fade/>
+      </p:transition>
+    </mc:Fallback>
+  </mc:AlternateContent>
+</p:sld>
+</file>
+
+<file path=ppt/slides/slide13.xml><?xml version="1.0" encoding="utf-8"?>
+<p:sld xmlns:a="http://schemas.openxmlformats.org/drawingml/2006/main" xmlns:r="http://schemas.openxmlformats.org/officeDocument/2006/relationships" xmlns:p="http://schemas.openxmlformats.org/presentationml/2006/main">
+  <p:cSld>
+    <p:spTree>
+      <p:nvGrpSpPr>
+        <p:cNvPr id="1" name=""/>
+        <p:cNvGrpSpPr/>
+        <p:nvPr/>
+      </p:nvGrpSpPr>
+      <p:grpSpPr>
+        <a:xfrm>
+          <a:off x="0" y="0"/>
+          <a:ext cx="0" cy="0"/>
+          <a:chOff x="0" y="0"/>
+          <a:chExt cx="0" cy="0"/>
+        </a:xfrm>
+      </p:grpSpPr>
+      <p:pic>
+        <p:nvPicPr>
+          <p:cNvPr id="3" name="Picture 2">
+            <a:extLst>
+              <a:ext uri="{FF2B5EF4-FFF2-40B4-BE49-F238E27FC236}">
+                <a16:creationId xmlns:a16="http://schemas.microsoft.com/office/drawing/2014/main" id="{D4F29E86-F4EC-4823-9A43-A52FE451A52D}"/>
+              </a:ext>
+            </a:extLst>
+          </p:cNvPr>
+          <p:cNvPicPr>
+            <a:picLocks noChangeAspect="1"/>
+          </p:cNvPicPr>
+          <p:nvPr/>
+        </p:nvPicPr>
+        <p:blipFill>
+          <a:blip r:embed="rId3"/>
+          <a:stretch>
+            <a:fillRect/>
+          </a:stretch>
+        </p:blipFill>
+        <p:spPr>
+          <a:xfrm>
+            <a:off x="3333037" y="960774"/>
+            <a:ext cx="5525925" cy="5245292"/>
+          </a:xfrm>
+          <a:prstGeom prst="rect">
+            <a:avLst/>
+          </a:prstGeom>
+        </p:spPr>
+      </p:pic>
+    </p:spTree>
+    <p:extLst>
+      <p:ext uri="{BB962C8B-B14F-4D97-AF65-F5344CB8AC3E}">
+        <p14:creationId xmlns:p14="http://schemas.microsoft.com/office/powerpoint/2010/main" val="2533188322"/>
+      </p:ext>
+    </p:extLst>
+  </p:cSld>
+  <p:clrMapOvr>
+    <a:masterClrMapping/>
+  </p:clrMapOvr>
+  <mc:AlternateContent xmlns:mc="http://schemas.openxmlformats.org/markup-compatibility/2006" xmlns:p14="http://schemas.microsoft.com/office/powerpoint/2010/main">
+    <mc:Choice Requires="p14">
+      <p:transition spd="med" p14:dur="700">
+        <p:fade/>
+      </p:transition>
+    </mc:Choice>
+    <mc:Fallback xmlns="">
+      <p:transition spd="med">
+        <p:fade/>
+      </p:transition>
+    </mc:Fallback>
+  </mc:AlternateContent>
+</p:sld>
+</file>
+
 <file path=ppt/slides/slide2.xml><?xml version="1.0" encoding="utf-8"?>
 <p:sld xmlns:a="http://schemas.openxmlformats.org/drawingml/2006/main" xmlns:r="http://schemas.openxmlformats.org/officeDocument/2006/relationships" xmlns:p="http://schemas.openxmlformats.org/presentationml/2006/main">
   <p:cSld>
@@ -5472,6 +6608,92 @@
       </p:transition>
     </mc:Fallback>
   </mc:AlternateContent>
+  <p:timing>
+    <p:tnLst>
+      <p:par>
+        <p:cTn id="1" dur="indefinite" restart="never" nodeType="tmRoot">
+          <p:childTnLst>
+            <p:seq concurrent="1" nextAc="seek">
+              <p:cTn id="2" dur="indefinite" nodeType="mainSeq">
+                <p:childTnLst>
+                  <p:par>
+                    <p:cTn id="3" fill="hold">
+                      <p:stCondLst>
+                        <p:cond delay="indefinite"/>
+                      </p:stCondLst>
+                      <p:childTnLst>
+                        <p:par>
+                          <p:cTn id="4" fill="hold">
+                            <p:stCondLst>
+                              <p:cond delay="0"/>
+                            </p:stCondLst>
+                            <p:childTnLst>
+                              <p:par>
+                                <p:cTn id="5" presetID="10" presetClass="entr" presetSubtype="0" fill="hold" grpId="0" nodeType="clickEffect">
+                                  <p:stCondLst>
+                                    <p:cond delay="0"/>
+                                  </p:stCondLst>
+                                  <p:childTnLst>
+                                    <p:set>
+                                      <p:cBhvr>
+                                        <p:cTn id="6" dur="1" fill="hold">
+                                          <p:stCondLst>
+                                            <p:cond delay="0"/>
+                                          </p:stCondLst>
+                                        </p:cTn>
+                                        <p:tgtEl>
+                                          <p:spTgt spid="2"/>
+                                        </p:tgtEl>
+                                        <p:attrNameLst>
+                                          <p:attrName>style.visibility</p:attrName>
+                                        </p:attrNameLst>
+                                      </p:cBhvr>
+                                      <p:to>
+                                        <p:strVal val="visible"/>
+                                      </p:to>
+                                    </p:set>
+                                    <p:animEffect transition="in" filter="fade">
+                                      <p:cBhvr>
+                                        <p:cTn id="7" dur="500"/>
+                                        <p:tgtEl>
+                                          <p:spTgt spid="2"/>
+                                        </p:tgtEl>
+                                      </p:cBhvr>
+                                    </p:animEffect>
+                                  </p:childTnLst>
+                                </p:cTn>
+                              </p:par>
+                            </p:childTnLst>
+                          </p:cTn>
+                        </p:par>
+                      </p:childTnLst>
+                    </p:cTn>
+                  </p:par>
+                </p:childTnLst>
+              </p:cTn>
+              <p:prevCondLst>
+                <p:cond evt="onPrev" delay="0">
+                  <p:tgtEl>
+                    <p:sldTgt/>
+                  </p:tgtEl>
+                </p:cond>
+              </p:prevCondLst>
+              <p:nextCondLst>
+                <p:cond evt="onNext" delay="0">
+                  <p:tgtEl>
+                    <p:sldTgt/>
+                  </p:tgtEl>
+                </p:cond>
+              </p:nextCondLst>
+            </p:seq>
+          </p:childTnLst>
+        </p:cTn>
+      </p:par>
+    </p:tnLst>
+    <p:bldLst>
+      <p:bldP spid="2" grpId="0" animBg="1"/>
+    </p:bldLst>
+  </p:timing>
 </p:sld>
 </file>
 
@@ -5617,6 +6839,9 @@
             <a:pPr algn="ctr"/>
             <a:r>
               <a:rPr lang="en-US" sz="2400" dirty="0">
+                <a:solidFill>
+                  <a:srgbClr val="4747FF"/>
+                </a:solidFill>
                 <a:latin typeface="Courier New" panose="02070309020205020404" pitchFamily="49" charset="0"/>
                 <a:cs typeface="Courier New" panose="02070309020205020404" pitchFamily="49" charset="0"/>
               </a:rPr>
@@ -5843,6 +7068,92 @@
       </p:transition>
     </mc:Fallback>
   </mc:AlternateContent>
+  <p:timing>
+    <p:tnLst>
+      <p:par>
+        <p:cTn id="1" dur="indefinite" restart="never" nodeType="tmRoot">
+          <p:childTnLst>
+            <p:seq concurrent="1" nextAc="seek">
+              <p:cTn id="2" dur="indefinite" nodeType="mainSeq">
+                <p:childTnLst>
+                  <p:par>
+                    <p:cTn id="3" fill="hold">
+                      <p:stCondLst>
+                        <p:cond delay="indefinite"/>
+                      </p:stCondLst>
+                      <p:childTnLst>
+                        <p:par>
+                          <p:cTn id="4" fill="hold">
+                            <p:stCondLst>
+                              <p:cond delay="0"/>
+                            </p:stCondLst>
+                            <p:childTnLst>
+                              <p:par>
+                                <p:cTn id="5" presetID="10" presetClass="entr" presetSubtype="0" fill="hold" grpId="0" nodeType="clickEffect">
+                                  <p:stCondLst>
+                                    <p:cond delay="0"/>
+                                  </p:stCondLst>
+                                  <p:childTnLst>
+                                    <p:set>
+                                      <p:cBhvr>
+                                        <p:cTn id="6" dur="1" fill="hold">
+                                          <p:stCondLst>
+                                            <p:cond delay="0"/>
+                                          </p:stCondLst>
+                                        </p:cTn>
+                                        <p:tgtEl>
+                                          <p:spTgt spid="2"/>
+                                        </p:tgtEl>
+                                        <p:attrNameLst>
+                                          <p:attrName>style.visibility</p:attrName>
+                                        </p:attrNameLst>
+                                      </p:cBhvr>
+                                      <p:to>
+                                        <p:strVal val="visible"/>
+                                      </p:to>
+                                    </p:set>
+                                    <p:animEffect transition="in" filter="fade">
+                                      <p:cBhvr>
+                                        <p:cTn id="7" dur="500"/>
+                                        <p:tgtEl>
+                                          <p:spTgt spid="2"/>
+                                        </p:tgtEl>
+                                      </p:cBhvr>
+                                    </p:animEffect>
+                                  </p:childTnLst>
+                                </p:cTn>
+                              </p:par>
+                            </p:childTnLst>
+                          </p:cTn>
+                        </p:par>
+                      </p:childTnLst>
+                    </p:cTn>
+                  </p:par>
+                </p:childTnLst>
+              </p:cTn>
+              <p:prevCondLst>
+                <p:cond evt="onPrev" delay="0">
+                  <p:tgtEl>
+                    <p:sldTgt/>
+                  </p:tgtEl>
+                </p:cond>
+              </p:prevCondLst>
+              <p:nextCondLst>
+                <p:cond evt="onNext" delay="0">
+                  <p:tgtEl>
+                    <p:sldTgt/>
+                  </p:tgtEl>
+                </p:cond>
+              </p:nextCondLst>
+            </p:seq>
+          </p:childTnLst>
+        </p:cTn>
+      </p:par>
+    </p:tnLst>
+    <p:bldLst>
+      <p:bldP spid="2" grpId="0"/>
+    </p:bldLst>
+  </p:timing>
 </p:sld>
 </file>
 
@@ -6911,10 +8222,10 @@
       </p:grpSpPr>
       <p:pic>
         <p:nvPicPr>
-          <p:cNvPr id="3" name="Picture 2">
-            <a:extLst>
-              <a:ext uri="{FF2B5EF4-FFF2-40B4-BE49-F238E27FC236}">
-                <a16:creationId xmlns:a16="http://schemas.microsoft.com/office/drawing/2014/main" id="{D4F29E86-F4EC-4823-9A43-A52FE451A52D}"/>
+          <p:cNvPr id="4" name="Picture 3">
+            <a:extLst>
+              <a:ext uri="{FF2B5EF4-FFF2-40B4-BE49-F238E27FC236}">
+                <a16:creationId xmlns:a16="http://schemas.microsoft.com/office/drawing/2014/main" id="{76E66F2E-C91C-4311-B65A-B61BFBC7CF8F}"/>
               </a:ext>
             </a:extLst>
           </p:cNvPr>
@@ -6924,15 +8235,67 @@
           <p:nvPr/>
         </p:nvPicPr>
         <p:blipFill>
-          <a:blip r:embed="rId3"/>
+          <a:blip r:embed="rId3">
+            <a:extLst>
+              <a:ext uri="{28A0092B-C50C-407E-A947-70E740481C1C}">
+                <a14:useLocalDpi xmlns:a14="http://schemas.microsoft.com/office/drawing/2010/main"/>
+              </a:ext>
+            </a:extLst>
+          </a:blip>
           <a:stretch>
             <a:fillRect/>
           </a:stretch>
         </p:blipFill>
         <p:spPr>
           <a:xfrm>
-            <a:off x="3333037" y="960774"/>
-            <a:ext cx="5525925" cy="5245292"/>
+            <a:off x="0" y="365760"/>
+            <a:ext cx="3233668" cy="805144"/>
+          </a:xfrm>
+          <a:prstGeom prst="rect">
+            <a:avLst/>
+          </a:prstGeom>
+        </p:spPr>
+      </p:pic>
+      <p:pic>
+        <p:nvPicPr>
+          <p:cNvPr id="3" name="Picture 2">
+            <a:extLst>
+              <a:ext uri="{FF2B5EF4-FFF2-40B4-BE49-F238E27FC236}">
+                <a16:creationId xmlns:a16="http://schemas.microsoft.com/office/drawing/2014/main" id="{6818FEE8-D9DB-43B3-A9CB-DD82942AF9ED}"/>
+              </a:ext>
+            </a:extLst>
+          </p:cNvPr>
+          <p:cNvPicPr>
+            <a:picLocks noChangeAspect="1"/>
+          </p:cNvPicPr>
+          <p:nvPr/>
+        </p:nvPicPr>
+        <p:blipFill>
+          <a:blip r:embed="rId4">
+            <a:clrChange>
+              <a:clrFrom>
+                <a:srgbClr val="F8F9FA"/>
+              </a:clrFrom>
+              <a:clrTo>
+                <a:srgbClr val="F8F9FA">
+                  <a:alpha val="0"/>
+                </a:srgbClr>
+              </a:clrTo>
+            </a:clrChange>
+            <a:extLst>
+              <a:ext uri="{28A0092B-C50C-407E-A947-70E740481C1C}">
+                <a14:useLocalDpi xmlns:a14="http://schemas.microsoft.com/office/drawing/2010/main"/>
+              </a:ext>
+            </a:extLst>
+          </a:blip>
+          <a:stretch>
+            <a:fillRect/>
+          </a:stretch>
+        </p:blipFill>
+        <p:spPr>
+          <a:xfrm>
+            <a:off x="3767137" y="2524125"/>
+            <a:ext cx="4657725" cy="1809750"/>
           </a:xfrm>
           <a:prstGeom prst="rect">
             <a:avLst/>
@@ -6942,7 +8305,7 @@
     </p:spTree>
     <p:extLst>
       <p:ext uri="{BB962C8B-B14F-4D97-AF65-F5344CB8AC3E}">
-        <p14:creationId xmlns:p14="http://schemas.microsoft.com/office/powerpoint/2010/main" val="2533188322"/>
+        <p14:creationId xmlns:p14="http://schemas.microsoft.com/office/powerpoint/2010/main" val="4119545744"/>
       </p:ext>
     </p:extLst>
   </p:cSld>

--- a/presentations/02.2_activation_functions.pptx
+++ b/presentations/02.2_activation_functions.pptx
@@ -5,22 +5,23 @@
     <p:sldMasterId id="2147483648" r:id="rId1"/>
   </p:sldMasterIdLst>
   <p:notesMasterIdLst>
-    <p:notesMasterId r:id="rId15"/>
+    <p:notesMasterId r:id="rId16"/>
   </p:notesMasterIdLst>
   <p:sldIdLst>
     <p:sldId id="322" r:id="rId2"/>
     <p:sldId id="298" r:id="rId3"/>
-    <p:sldId id="307" r:id="rId4"/>
-    <p:sldId id="324" r:id="rId5"/>
-    <p:sldId id="325" r:id="rId6"/>
-    <p:sldId id="326" r:id="rId7"/>
-    <p:sldId id="300" r:id="rId8"/>
-    <p:sldId id="327" r:id="rId9"/>
-    <p:sldId id="323" r:id="rId10"/>
-    <p:sldId id="305" r:id="rId11"/>
-    <p:sldId id="328" r:id="rId12"/>
-    <p:sldId id="309" r:id="rId13"/>
-    <p:sldId id="269" r:id="rId14"/>
+    <p:sldId id="330" r:id="rId4"/>
+    <p:sldId id="307" r:id="rId5"/>
+    <p:sldId id="324" r:id="rId6"/>
+    <p:sldId id="325" r:id="rId7"/>
+    <p:sldId id="326" r:id="rId8"/>
+    <p:sldId id="300" r:id="rId9"/>
+    <p:sldId id="327" r:id="rId10"/>
+    <p:sldId id="323" r:id="rId11"/>
+    <p:sldId id="329" r:id="rId12"/>
+    <p:sldId id="305" r:id="rId13"/>
+    <p:sldId id="328" r:id="rId14"/>
+    <p:sldId id="309" r:id="rId15"/>
   </p:sldIdLst>
   <p:sldSz cx="12192000" cy="6858000"/>
   <p:notesSz cx="6858000" cy="9144000"/>
@@ -220,7 +221,7 @@
           <a:p>
             <a:fld id="{FD93C9B2-20F6-4DB1-B471-224337D0AC79}" type="datetimeFigureOut">
               <a:rPr lang="en-US" smtClean="0"/>
-              <a:t>6/24/2022</a:t>
+              <a:t>10/10/2022</a:t>
             </a:fld>
             <a:endParaRPr lang="en-US"/>
           </a:p>
@@ -622,7 +623,104 @@
           <a:bodyPr/>
           <a:lstStyle/>
           <a:p>
-            <a:endParaRPr lang="en-US" dirty="0"/>
+            <a:pPr marL="0" marR="0" lvl="0" indent="0" algn="l" defTabSz="914400" rtl="0" eaLnBrk="1" fontAlgn="auto" latinLnBrk="0" hangingPunct="1">
+              <a:lnSpc>
+                <a:spcPct val="100000"/>
+              </a:lnSpc>
+              <a:spcBef>
+                <a:spcPts val="0"/>
+              </a:spcBef>
+              <a:spcAft>
+                <a:spcPts val="0"/>
+              </a:spcAft>
+              <a:buClrTx/>
+              <a:buSzTx/>
+              <a:buFontTx/>
+              <a:buNone/>
+              <a:tabLst/>
+              <a:defRPr/>
+            </a:pPr>
+            <a:r>
+              <a:rPr lang="en-US" sz="1200" dirty="0">
+                <a:solidFill>
+                  <a:schemeClr val="tx1">
+                    <a:lumMod val="65000"/>
+                    <a:lumOff val="35000"/>
+                  </a:schemeClr>
+                </a:solidFill>
+                <a:latin typeface="+mj-lt"/>
+                <a:ea typeface="Verdana" panose="020B0604030504040204" pitchFamily="34" charset="0"/>
+              </a:rPr>
+              <a:t>Tensorflow Playground: </a:t>
+            </a:r>
+            <a:r>
+              <a:rPr lang="en-US" sz="1200" dirty="0">
+                <a:solidFill>
+                  <a:schemeClr val="tx1">
+                    <a:lumMod val="65000"/>
+                    <a:lumOff val="35000"/>
+                  </a:schemeClr>
+                </a:solidFill>
+                <a:latin typeface="Palatino Linotype" panose="02040502050505030304" pitchFamily="18" charset="0"/>
+              </a:rPr>
+              <a:t>https://playground.tensorflow.org/</a:t>
+            </a:r>
+          </a:p>
+          <a:p>
+            <a:pPr marL="0" marR="0" lvl="0" indent="0" algn="l" defTabSz="914400" rtl="0" eaLnBrk="1" fontAlgn="auto" latinLnBrk="0" hangingPunct="1">
+              <a:lnSpc>
+                <a:spcPct val="100000"/>
+              </a:lnSpc>
+              <a:spcBef>
+                <a:spcPts val="0"/>
+              </a:spcBef>
+              <a:spcAft>
+                <a:spcPts val="0"/>
+              </a:spcAft>
+              <a:buClrTx/>
+              <a:buSzTx/>
+              <a:buFontTx/>
+              <a:buNone/>
+              <a:tabLst/>
+              <a:defRPr/>
+            </a:pPr>
+            <a:endParaRPr lang="en-US" sz="1200" dirty="0">
+              <a:solidFill>
+                <a:schemeClr val="tx1">
+                  <a:lumMod val="65000"/>
+                  <a:lumOff val="35000"/>
+                </a:schemeClr>
+              </a:solidFill>
+              <a:latin typeface="Palatino Linotype" panose="02040502050505030304" pitchFamily="18" charset="0"/>
+            </a:endParaRPr>
+          </a:p>
+          <a:p>
+            <a:pPr marL="0" marR="0" lvl="0" indent="0" algn="l" defTabSz="914400" rtl="0" eaLnBrk="1" fontAlgn="auto" latinLnBrk="0" hangingPunct="1">
+              <a:lnSpc>
+                <a:spcPct val="100000"/>
+              </a:lnSpc>
+              <a:spcBef>
+                <a:spcPts val="0"/>
+              </a:spcBef>
+              <a:spcAft>
+                <a:spcPts val="0"/>
+              </a:spcAft>
+              <a:buClrTx/>
+              <a:buSzTx/>
+              <a:buFontTx/>
+              <a:buNone/>
+              <a:tabLst/>
+              <a:defRPr/>
+            </a:pPr>
+            <a:endParaRPr lang="en-US" sz="1200" dirty="0">
+              <a:solidFill>
+                <a:schemeClr val="tx1">
+                  <a:lumMod val="65000"/>
+                  <a:lumOff val="35000"/>
+                </a:schemeClr>
+              </a:solidFill>
+              <a:latin typeface="Palatino Linotype" panose="02040502050505030304" pitchFamily="18" charset="0"/>
+            </a:endParaRPr>
           </a:p>
         </p:txBody>
       </p:sp>
@@ -652,7 +750,7 @@
     </p:spTree>
     <p:extLst>
       <p:ext uri="{BB962C8B-B14F-4D97-AF65-F5344CB8AC3E}">
-        <p14:creationId xmlns:p14="http://schemas.microsoft.com/office/powerpoint/2010/main" val="1974960137"/>
+        <p14:creationId xmlns:p14="http://schemas.microsoft.com/office/powerpoint/2010/main" val="1404376956"/>
       </p:ext>
     </p:extLst>
   </p:cSld>
@@ -723,15 +821,46 @@
               <a:tabLst/>
               <a:defRPr/>
             </a:pPr>
-            <a:endParaRPr lang="en-US" sz="1200" dirty="0">
-              <a:solidFill>
-                <a:schemeClr val="tx1">
-                  <a:lumMod val="65000"/>
-                  <a:lumOff val="35000"/>
-                </a:schemeClr>
-              </a:solidFill>
-              <a:latin typeface="Palatino Linotype" panose="02040502050505030304" pitchFamily="18" charset="0"/>
-            </a:endParaRPr>
+            <a:r>
+              <a:rPr lang="en-US" sz="1200" dirty="0">
+                <a:solidFill>
+                  <a:schemeClr val="tx1">
+                    <a:lumMod val="65000"/>
+                    <a:lumOff val="35000"/>
+                  </a:schemeClr>
+                </a:solidFill>
+                <a:latin typeface="+mj-lt"/>
+                <a:ea typeface="Verdana" panose="020B0604030504040204" pitchFamily="34" charset="0"/>
+              </a:rPr>
+              <a:t>Source: Google Teachable Machine: </a:t>
+            </a:r>
+            <a:r>
+              <a:rPr lang="en-US" sz="1200" dirty="0">
+                <a:solidFill>
+                  <a:schemeClr val="tx1">
+                    <a:lumMod val="65000"/>
+                    <a:lumOff val="35000"/>
+                  </a:schemeClr>
+                </a:solidFill>
+                <a:latin typeface="+mj-lt"/>
+                <a:ea typeface="Verdana" panose="020B0604030504040204" pitchFamily="34" charset="0"/>
+                <a:hlinkClick r:id="rId3"/>
+              </a:rPr>
+              <a:t>https://teachablemachine.withgoogle.com</a:t>
+            </a:r>
+            <a:r>
+              <a:rPr lang="en-US" sz="1200" dirty="0">
+                <a:solidFill>
+                  <a:schemeClr val="tx1">
+                    <a:lumMod val="65000"/>
+                    <a:lumOff val="35000"/>
+                  </a:schemeClr>
+                </a:solidFill>
+                <a:latin typeface="+mj-lt"/>
+                <a:ea typeface="Verdana" panose="020B0604030504040204" pitchFamily="34" charset="0"/>
+              </a:rPr>
+              <a:t> </a:t>
+            </a:r>
           </a:p>
           <a:p>
             <a:pPr marL="0" marR="0" lvl="0" indent="0" algn="l" defTabSz="914400" rtl="0" eaLnBrk="1" fontAlgn="auto" latinLnBrk="0" hangingPunct="1">
@@ -761,6 +890,174 @@
               <a:latin typeface="Palatino Linotype" panose="02040502050505030304" pitchFamily="18" charset="0"/>
             </a:endParaRPr>
           </a:p>
+          <a:p>
+            <a:pPr marL="0" marR="0" lvl="0" indent="0" algn="l" defTabSz="914400" rtl="0" eaLnBrk="1" fontAlgn="auto" latinLnBrk="0" hangingPunct="1">
+              <a:lnSpc>
+                <a:spcPct val="100000"/>
+              </a:lnSpc>
+              <a:spcBef>
+                <a:spcPts val="0"/>
+              </a:spcBef>
+              <a:spcAft>
+                <a:spcPts val="0"/>
+              </a:spcAft>
+              <a:buClrTx/>
+              <a:buSzTx/>
+              <a:buFontTx/>
+              <a:buNone/>
+              <a:tabLst/>
+              <a:defRPr/>
+            </a:pPr>
+            <a:r>
+              <a:rPr lang="en-US" sz="1200" dirty="0">
+                <a:solidFill>
+                  <a:schemeClr val="tx1">
+                    <a:lumMod val="65000"/>
+                    <a:lumOff val="35000"/>
+                  </a:schemeClr>
+                </a:solidFill>
+                <a:latin typeface="Palatino Linotype" panose="02040502050505030304" pitchFamily="18" charset="0"/>
+              </a:rPr>
+              <a:t>Two Locations for the Hanfu/Hanbok dataset</a:t>
+            </a:r>
+          </a:p>
+          <a:p>
+            <a:pPr marL="0" marR="0" lvl="0" indent="0" algn="l" defTabSz="914400" rtl="0" eaLnBrk="1" fontAlgn="auto" latinLnBrk="0" hangingPunct="1">
+              <a:lnSpc>
+                <a:spcPct val="100000"/>
+              </a:lnSpc>
+              <a:spcBef>
+                <a:spcPts val="0"/>
+              </a:spcBef>
+              <a:spcAft>
+                <a:spcPts val="0"/>
+              </a:spcAft>
+              <a:buClrTx/>
+              <a:buSzTx/>
+              <a:buFontTx/>
+              <a:buNone/>
+              <a:tabLst/>
+              <a:defRPr/>
+            </a:pPr>
+            <a:r>
+              <a:rPr lang="en-US" b="0" i="0" dirty="0">
+                <a:effectLst/>
+                <a:latin typeface="Lato" panose="020F0502020204030203" pitchFamily="34" charset="0"/>
+              </a:rPr>
+              <a:t>	https://drive.google.com/file/d/1q3RIgIoeePNW-fEgNyCgh45gBvMAdeOU/view</a:t>
+            </a:r>
+          </a:p>
+          <a:p>
+            <a:pPr marL="0" marR="0" lvl="0" indent="0" algn="l" defTabSz="914400" rtl="0" eaLnBrk="1" fontAlgn="auto" latinLnBrk="0" hangingPunct="1">
+              <a:lnSpc>
+                <a:spcPct val="100000"/>
+              </a:lnSpc>
+              <a:spcBef>
+                <a:spcPts val="0"/>
+              </a:spcBef>
+              <a:spcAft>
+                <a:spcPts val="0"/>
+              </a:spcAft>
+              <a:buClrTx/>
+              <a:buSzTx/>
+              <a:buFontTx/>
+              <a:buNone/>
+              <a:tabLst/>
+              <a:defRPr/>
+            </a:pPr>
+            <a:r>
+              <a:rPr lang="en-US" b="0" i="0" dirty="0">
+                <a:effectLst/>
+                <a:latin typeface="Lato" panose="020F0502020204030203" pitchFamily="34" charset="0"/>
+              </a:rPr>
+              <a:t>	https://drive.google.com/file/d/1WbZPzunh6u9f0leymbzmVrJjSxq6JW5w/view?usp=sharing</a:t>
+            </a:r>
+          </a:p>
+          <a:p>
+            <a:pPr marL="0" marR="0" lvl="0" indent="0" algn="l" defTabSz="914400" rtl="0" eaLnBrk="1" fontAlgn="auto" latinLnBrk="0" hangingPunct="1">
+              <a:lnSpc>
+                <a:spcPct val="100000"/>
+              </a:lnSpc>
+              <a:spcBef>
+                <a:spcPts val="0"/>
+              </a:spcBef>
+              <a:spcAft>
+                <a:spcPts val="0"/>
+              </a:spcAft>
+              <a:buClrTx/>
+              <a:buSzTx/>
+              <a:buFontTx/>
+              <a:buNone/>
+              <a:tabLst/>
+              <a:defRPr/>
+            </a:pPr>
+            <a:endParaRPr lang="en-US" sz="1200" dirty="0">
+              <a:solidFill>
+                <a:schemeClr val="tx1">
+                  <a:lumMod val="65000"/>
+                  <a:lumOff val="35000"/>
+                </a:schemeClr>
+              </a:solidFill>
+              <a:latin typeface="+mj-lt"/>
+              <a:ea typeface="Verdana" panose="020B0604030504040204" pitchFamily="34" charset="0"/>
+            </a:endParaRPr>
+          </a:p>
+          <a:p>
+            <a:pPr marL="0" marR="0" lvl="0" indent="0" algn="l" defTabSz="914400" rtl="0" eaLnBrk="1" fontAlgn="auto" latinLnBrk="0" hangingPunct="1">
+              <a:lnSpc>
+                <a:spcPct val="100000"/>
+              </a:lnSpc>
+              <a:spcBef>
+                <a:spcPts val="0"/>
+              </a:spcBef>
+              <a:spcAft>
+                <a:spcPts val="0"/>
+              </a:spcAft>
+              <a:buClrTx/>
+              <a:buSzTx/>
+              <a:buFontTx/>
+              <a:buNone/>
+              <a:tabLst/>
+              <a:defRPr/>
+            </a:pPr>
+            <a:endParaRPr lang="en-US" sz="1200" dirty="0">
+              <a:solidFill>
+                <a:schemeClr val="tx1">
+                  <a:lumMod val="65000"/>
+                  <a:lumOff val="35000"/>
+                </a:schemeClr>
+              </a:solidFill>
+              <a:latin typeface="Palatino Linotype" panose="02040502050505030304" pitchFamily="18" charset="0"/>
+            </a:endParaRPr>
+          </a:p>
+          <a:p>
+            <a:pPr marL="0" marR="0" lvl="0" indent="0" algn="l" defTabSz="914400" rtl="0" eaLnBrk="1" fontAlgn="auto" latinLnBrk="0" hangingPunct="1">
+              <a:lnSpc>
+                <a:spcPct val="100000"/>
+              </a:lnSpc>
+              <a:spcBef>
+                <a:spcPts val="0"/>
+              </a:spcBef>
+              <a:spcAft>
+                <a:spcPts val="0"/>
+              </a:spcAft>
+              <a:buClrTx/>
+              <a:buSzTx/>
+              <a:buFontTx/>
+              <a:buNone/>
+              <a:tabLst/>
+              <a:defRPr/>
+            </a:pPr>
+            <a:endParaRPr lang="en-US" sz="1200" dirty="0">
+              <a:solidFill>
+                <a:schemeClr val="tx1">
+                  <a:lumMod val="65000"/>
+                  <a:lumOff val="35000"/>
+                </a:schemeClr>
+              </a:solidFill>
+              <a:latin typeface="Palatino Linotype" panose="02040502050505030304" pitchFamily="18" charset="0"/>
+            </a:endParaRPr>
+          </a:p>
         </p:txBody>
       </p:sp>
       <p:sp>
@@ -789,7 +1086,7 @@
     </p:spTree>
     <p:extLst>
       <p:ext uri="{BB962C8B-B14F-4D97-AF65-F5344CB8AC3E}">
-        <p14:creationId xmlns:p14="http://schemas.microsoft.com/office/powerpoint/2010/main" val="3984198268"/>
+        <p14:creationId xmlns:p14="http://schemas.microsoft.com/office/powerpoint/2010/main" val="418680798"/>
       </p:ext>
     </p:extLst>
   </p:cSld>
@@ -843,29 +1140,6 @@
           <a:bodyPr/>
           <a:lstStyle/>
           <a:p>
-            <a:pPr marL="0" marR="0" lvl="0" indent="0" algn="l" defTabSz="914400" rtl="0" eaLnBrk="1" fontAlgn="auto" latinLnBrk="0" hangingPunct="1">
-              <a:lnSpc>
-                <a:spcPct val="100000"/>
-              </a:lnSpc>
-              <a:spcBef>
-                <a:spcPts val="0"/>
-              </a:spcBef>
-              <a:spcAft>
-                <a:spcPts val="0"/>
-              </a:spcAft>
-              <a:buClrTx/>
-              <a:buSzTx/>
-              <a:buFontTx/>
-              <a:buNone/>
-              <a:tabLst/>
-              <a:defRPr/>
-            </a:pPr>
-            <a:r>
-              <a:rPr lang="en-US" dirty="0"/>
-              <a:t>The learning experience for this workshop starts on page 55 of the textbook.  For additional information, please watch the exercise 2.01 orientation video.</a:t>
-            </a:r>
-          </a:p>
-          <a:p>
             <a:endParaRPr lang="en-US" dirty="0"/>
           </a:p>
         </p:txBody>
@@ -896,7 +1170,7 @@
     </p:spTree>
     <p:extLst>
       <p:ext uri="{BB962C8B-B14F-4D97-AF65-F5344CB8AC3E}">
-        <p14:creationId xmlns:p14="http://schemas.microsoft.com/office/powerpoint/2010/main" val="1401395996"/>
+        <p14:creationId xmlns:p14="http://schemas.microsoft.com/office/powerpoint/2010/main" val="1974960137"/>
       </p:ext>
     </p:extLst>
   </p:cSld>
@@ -950,42 +1224,60 @@
           <a:bodyPr/>
           <a:lstStyle/>
           <a:p>
-            <a:r>
-              <a:rPr lang="en-US" sz="1200" b="0" i="0" kern="1200" dirty="0">
-                <a:solidFill>
-                  <a:schemeClr val="tx1"/>
-                </a:solidFill>
-                <a:effectLst/>
-                <a:latin typeface="+mn-lt"/>
-                <a:ea typeface="+mn-ea"/>
-                <a:cs typeface="+mn-cs"/>
-              </a:rPr>
-              <a:t>As you continue your deep learning </a:t>
-            </a:r>
-            <a:r>
-              <a:rPr lang="en-US" sz="1200" b="0" i="0" kern="1200">
-                <a:solidFill>
-                  <a:schemeClr val="tx1"/>
-                </a:solidFill>
-                <a:effectLst/>
-                <a:latin typeface="+mn-lt"/>
-                <a:ea typeface="+mn-ea"/>
-                <a:cs typeface="+mn-cs"/>
-              </a:rPr>
-              <a:t>journey, you </a:t>
-            </a:r>
-            <a:r>
-              <a:rPr lang="en-US" sz="1200" b="0" i="0" kern="1200" dirty="0">
-                <a:solidFill>
-                  <a:schemeClr val="tx1"/>
-                </a:solidFill>
-                <a:effectLst/>
-                <a:latin typeface="+mn-lt"/>
-                <a:ea typeface="+mn-ea"/>
-                <a:cs typeface="+mn-cs"/>
-              </a:rPr>
-              <a:t>will encounter a variety of mathematical equations and symbols.  But do not fear!  With a little effort, you will quickly master them.  To get you started, here’s a list of the most frequently used mathematical symbols in deep learning, along with their definitions.  </a:t>
-            </a:r>
+            <a:pPr marL="0" marR="0" lvl="0" indent="0" algn="l" defTabSz="914400" rtl="0" eaLnBrk="1" fontAlgn="auto" latinLnBrk="0" hangingPunct="1">
+              <a:lnSpc>
+                <a:spcPct val="100000"/>
+              </a:lnSpc>
+              <a:spcBef>
+                <a:spcPts val="0"/>
+              </a:spcBef>
+              <a:spcAft>
+                <a:spcPts val="0"/>
+              </a:spcAft>
+              <a:buClrTx/>
+              <a:buSzTx/>
+              <a:buFontTx/>
+              <a:buNone/>
+              <a:tabLst/>
+              <a:defRPr/>
+            </a:pPr>
+            <a:endParaRPr lang="en-US" sz="1200" dirty="0">
+              <a:solidFill>
+                <a:schemeClr val="tx1">
+                  <a:lumMod val="65000"/>
+                  <a:lumOff val="35000"/>
+                </a:schemeClr>
+              </a:solidFill>
+              <a:latin typeface="Palatino Linotype" panose="02040502050505030304" pitchFamily="18" charset="0"/>
+            </a:endParaRPr>
+          </a:p>
+          <a:p>
+            <a:pPr marL="0" marR="0" lvl="0" indent="0" algn="l" defTabSz="914400" rtl="0" eaLnBrk="1" fontAlgn="auto" latinLnBrk="0" hangingPunct="1">
+              <a:lnSpc>
+                <a:spcPct val="100000"/>
+              </a:lnSpc>
+              <a:spcBef>
+                <a:spcPts val="0"/>
+              </a:spcBef>
+              <a:spcAft>
+                <a:spcPts val="0"/>
+              </a:spcAft>
+              <a:buClrTx/>
+              <a:buSzTx/>
+              <a:buFontTx/>
+              <a:buNone/>
+              <a:tabLst/>
+              <a:defRPr/>
+            </a:pPr>
+            <a:endParaRPr lang="en-US" sz="1200" dirty="0">
+              <a:solidFill>
+                <a:schemeClr val="tx1">
+                  <a:lumMod val="65000"/>
+                  <a:lumOff val="35000"/>
+                </a:schemeClr>
+              </a:solidFill>
+              <a:latin typeface="Palatino Linotype" panose="02040502050505030304" pitchFamily="18" charset="0"/>
+            </a:endParaRPr>
           </a:p>
         </p:txBody>
       </p:sp>
@@ -1015,7 +1307,114 @@
     </p:spTree>
     <p:extLst>
       <p:ext uri="{BB962C8B-B14F-4D97-AF65-F5344CB8AC3E}">
-        <p14:creationId xmlns:p14="http://schemas.microsoft.com/office/powerpoint/2010/main" val="2550897438"/>
+        <p14:creationId xmlns:p14="http://schemas.microsoft.com/office/powerpoint/2010/main" val="3984198268"/>
+      </p:ext>
+    </p:extLst>
+  </p:cSld>
+  <p:clrMapOvr>
+    <a:masterClrMapping/>
+  </p:clrMapOvr>
+</p:notes>
+</file>
+
+<file path=ppt/notesSlides/notesSlide14.xml><?xml version="1.0" encoding="utf-8"?>
+<p:notes xmlns:a="http://schemas.openxmlformats.org/drawingml/2006/main" xmlns:r="http://schemas.openxmlformats.org/officeDocument/2006/relationships" xmlns:p="http://schemas.openxmlformats.org/presentationml/2006/main">
+  <p:cSld>
+    <p:spTree>
+      <p:nvGrpSpPr>
+        <p:cNvPr id="1" name=""/>
+        <p:cNvGrpSpPr/>
+        <p:nvPr/>
+      </p:nvGrpSpPr>
+      <p:grpSpPr>
+        <a:xfrm>
+          <a:off x="0" y="0"/>
+          <a:ext cx="0" cy="0"/>
+          <a:chOff x="0" y="0"/>
+          <a:chExt cx="0" cy="0"/>
+        </a:xfrm>
+      </p:grpSpPr>
+      <p:sp>
+        <p:nvSpPr>
+          <p:cNvPr id="2" name="Slide Image Placeholder 1"/>
+          <p:cNvSpPr>
+            <a:spLocks noGrp="1" noRot="1" noChangeAspect="1"/>
+          </p:cNvSpPr>
+          <p:nvPr>
+            <p:ph type="sldImg"/>
+          </p:nvPr>
+        </p:nvSpPr>
+        <p:spPr/>
+      </p:sp>
+      <p:sp>
+        <p:nvSpPr>
+          <p:cNvPr id="3" name="Notes Placeholder 2"/>
+          <p:cNvSpPr>
+            <a:spLocks noGrp="1"/>
+          </p:cNvSpPr>
+          <p:nvPr>
+            <p:ph type="body" idx="1"/>
+          </p:nvPr>
+        </p:nvSpPr>
+        <p:spPr/>
+        <p:txBody>
+          <a:bodyPr/>
+          <a:lstStyle/>
+          <a:p>
+            <a:pPr marL="0" marR="0" lvl="0" indent="0" algn="l" defTabSz="914400" rtl="0" eaLnBrk="1" fontAlgn="auto" latinLnBrk="0" hangingPunct="1">
+              <a:lnSpc>
+                <a:spcPct val="100000"/>
+              </a:lnSpc>
+              <a:spcBef>
+                <a:spcPts val="0"/>
+              </a:spcBef>
+              <a:spcAft>
+                <a:spcPts val="0"/>
+              </a:spcAft>
+              <a:buClrTx/>
+              <a:buSzTx/>
+              <a:buFontTx/>
+              <a:buNone/>
+              <a:tabLst/>
+              <a:defRPr/>
+            </a:pPr>
+            <a:r>
+              <a:rPr lang="en-US" dirty="0"/>
+              <a:t>The learning experience for this workshop starts on page 55 of the textbook.  For additional information, please watch the exercise 2.01 orientation video.</a:t>
+            </a:r>
+          </a:p>
+          <a:p>
+            <a:endParaRPr lang="en-US" dirty="0"/>
+          </a:p>
+        </p:txBody>
+      </p:sp>
+      <p:sp>
+        <p:nvSpPr>
+          <p:cNvPr id="4" name="Slide Number Placeholder 3"/>
+          <p:cNvSpPr>
+            <a:spLocks noGrp="1"/>
+          </p:cNvSpPr>
+          <p:nvPr>
+            <p:ph type="sldNum" sz="quarter" idx="5"/>
+          </p:nvPr>
+        </p:nvSpPr>
+        <p:spPr/>
+        <p:txBody>
+          <a:bodyPr/>
+          <a:lstStyle/>
+          <a:p>
+            <a:fld id="{3148858F-F1DB-4027-9C85-CCA6849540DD}" type="slidenum">
+              <a:rPr lang="en-US" smtClean="0"/>
+              <a:t>14</a:t>
+            </a:fld>
+            <a:endParaRPr lang="en-US"/>
+          </a:p>
+        </p:txBody>
+      </p:sp>
+    </p:spTree>
+    <p:extLst>
+      <p:ext uri="{BB962C8B-B14F-4D97-AF65-F5344CB8AC3E}">
+        <p14:creationId xmlns:p14="http://schemas.microsoft.com/office/powerpoint/2010/main" val="1401395996"/>
       </p:ext>
     </p:extLst>
   </p:cSld>
@@ -1297,111 +1696,17 @@
           <a:lstStyle/>
           <a:p>
             <a:r>
-              <a:rPr lang="en-US" b="0" i="0" dirty="0">
-                <a:solidFill>
-                  <a:srgbClr val="3D3B49"/>
-                </a:solidFill>
-                <a:effectLst/>
-                <a:latin typeface="+mn-lt"/>
-              </a:rPr>
-              <a:t>Let’s first consider activation functions comprised of one or more straight lines, also known as </a:t>
-            </a:r>
-            <a:r>
-              <a:rPr lang="en-US" b="1" i="0" dirty="0">
-                <a:solidFill>
-                  <a:srgbClr val="3D3B49"/>
-                </a:solidFill>
-                <a:effectLst/>
-                <a:latin typeface="+mn-lt"/>
-              </a:rPr>
-              <a:t>linear</a:t>
-            </a:r>
-            <a:r>
-              <a:rPr lang="en-US" b="0" i="0" dirty="0">
-                <a:solidFill>
-                  <a:srgbClr val="3D3B49"/>
-                </a:solidFill>
-                <a:effectLst/>
-                <a:latin typeface="+mn-lt"/>
-              </a:rPr>
-              <a:t> functions.  </a:t>
-            </a:r>
-          </a:p>
-          <a:p>
-            <a:endParaRPr lang="en-US" b="0" i="0" dirty="0">
-              <a:solidFill>
-                <a:srgbClr val="3D3B49"/>
-              </a:solidFill>
-              <a:effectLst/>
-              <a:latin typeface="+mn-lt"/>
-            </a:endParaRPr>
-          </a:p>
-          <a:p>
-            <a:pPr marL="228600" indent="-228600">
-              <a:buAutoNum type="arabicPeriod"/>
-            </a:pPr>
-            <a:r>
-              <a:rPr lang="en-US" b="0" i="0" dirty="0">
-                <a:solidFill>
-                  <a:srgbClr val="3D3B49"/>
-                </a:solidFill>
-                <a:effectLst/>
-                <a:latin typeface="+mn-lt"/>
-              </a:rPr>
-              <a:t>Now in Python, a </a:t>
-            </a:r>
-            <a:r>
-              <a:rPr lang="en-US" b="0" i="0" dirty="0">
-                <a:solidFill>
-                  <a:srgbClr val="000000"/>
-                </a:solidFill>
-                <a:effectLst/>
-                <a:latin typeface="Verdana" panose="020B0604030504040204" pitchFamily="34" charset="0"/>
-              </a:rPr>
-              <a:t>function is a named block of code that only runs when it is called.  Most functions allow you to pass data – called parameters – into them.  Most functions also return a value once they’ve been executed.  Here we see a simple function called f, with one parameter called x.  When we pass a value on the x-axis to this function, it returns a value that is then assigned to a variable named y.</a:t>
-            </a:r>
-          </a:p>
-          <a:p>
-            <a:pPr marL="0" indent="0">
-              <a:buNone/>
-            </a:pPr>
-            <a:endParaRPr lang="en-US" b="0" i="0" dirty="0">
-              <a:solidFill>
-                <a:srgbClr val="000000"/>
-              </a:solidFill>
-              <a:effectLst/>
-              <a:latin typeface="Verdana" panose="020B0604030504040204" pitchFamily="34" charset="0"/>
-            </a:endParaRPr>
-          </a:p>
-          <a:p>
-            <a:r>
-              <a:rPr lang="en-US" b="0" i="0" dirty="0">
-                <a:solidFill>
-                  <a:srgbClr val="000000"/>
-                </a:solidFill>
-                <a:effectLst/>
-                <a:latin typeface="Verdana" panose="020B0604030504040204" pitchFamily="34" charset="0"/>
-              </a:rPr>
-              <a:t>Pictured here are graphs for three different linear functions.  In the case of the graph on the left, i</a:t>
-            </a:r>
-            <a:r>
-              <a:rPr lang="en-US" dirty="0">
-                <a:latin typeface="+mn-lt"/>
-              </a:rPr>
-              <a:t>f we pick any point on the X axis, and go vertically up until we hit the line, the value of that intersection on the Y axis is the same as the value on the X axis.  That is, the output, or y value, of this curve is always the same as the input, or x value. We call this the identity function.</a:t>
-            </a:r>
-          </a:p>
-          <a:p>
-            <a:endParaRPr lang="en-US" dirty="0">
-              <a:latin typeface="+mn-lt"/>
-            </a:endParaRPr>
-          </a:p>
-          <a:p>
-            <a:r>
-              <a:rPr lang="en-US" dirty="0">
-                <a:latin typeface="+mn-lt"/>
-              </a:rPr>
-              <a:t>With the other two graphs, the lines are tilted, reflecting different slopes.  This is typically what we see in simple linear regression.</a:t>
+              <a:rPr lang="en-US" dirty="0"/>
+              <a:t>Rosenblatt’s original perceptron was a simple animal.  When z was any value less than or equal to zero, the perceptron output 0.  If z became positive to even the tiniest extent, the perceptron outputs 1.  But this sudden and extreme transition is not optimal during training.  Essentially, the neuron has no finesse – it’s either yelling or its silent. </a:t>
+            </a:r>
+          </a:p>
+          <a:p>
+            <a:endParaRPr lang="en-US" dirty="0"/>
+          </a:p>
+          <a:p>
+            <a:r>
+              <a:rPr lang="en-US" dirty="0"/>
+              <a:t>Think about it like this.  In real life, learning is generally incremental, consisting of a series of small steps towards mastery.  It’s rarely the case that complete understanding occurs in an instant, at a moment in time.  The same holds true in deep learning.  Ideally, we’d like to move along a gradient, capable of reflecting small learning adjustments.</a:t>
             </a:r>
           </a:p>
         </p:txBody>
@@ -1432,7 +1737,7 @@
     </p:spTree>
     <p:extLst>
       <p:ext uri="{BB962C8B-B14F-4D97-AF65-F5344CB8AC3E}">
-        <p14:creationId xmlns:p14="http://schemas.microsoft.com/office/powerpoint/2010/main" val="2435178342"/>
+        <p14:creationId xmlns:p14="http://schemas.microsoft.com/office/powerpoint/2010/main" val="1201252548"/>
       </p:ext>
     </p:extLst>
   </p:cSld>
@@ -1487,17 +1792,111 @@
           <a:lstStyle/>
           <a:p>
             <a:r>
-              <a:rPr lang="en-US" dirty="0"/>
-              <a:t>The ReLU, or rectified linear unit outputs 0 for all negative inputs, otherwise the output is the input.</a:t>
-            </a:r>
-          </a:p>
-          <a:p>
-            <a:endParaRPr lang="en-US" dirty="0"/>
-          </a:p>
-          <a:p>
-            <a:r>
-              <a:rPr lang="en-US" dirty="0"/>
-              <a:t>The ReLU activation function is popular because it’s simple and trains well.</a:t>
+              <a:rPr lang="en-US" b="0" i="0" dirty="0">
+                <a:solidFill>
+                  <a:srgbClr val="3D3B49"/>
+                </a:solidFill>
+                <a:effectLst/>
+                <a:latin typeface="+mn-lt"/>
+              </a:rPr>
+              <a:t>Let’s first consider activation functions comprised of one or more straight lines, also known as </a:t>
+            </a:r>
+            <a:r>
+              <a:rPr lang="en-US" b="1" i="0" dirty="0">
+                <a:solidFill>
+                  <a:srgbClr val="3D3B49"/>
+                </a:solidFill>
+                <a:effectLst/>
+                <a:latin typeface="+mn-lt"/>
+              </a:rPr>
+              <a:t>linear</a:t>
+            </a:r>
+            <a:r>
+              <a:rPr lang="en-US" b="0" i="0" dirty="0">
+                <a:solidFill>
+                  <a:srgbClr val="3D3B49"/>
+                </a:solidFill>
+                <a:effectLst/>
+                <a:latin typeface="+mn-lt"/>
+              </a:rPr>
+              <a:t> functions.  </a:t>
+            </a:r>
+          </a:p>
+          <a:p>
+            <a:endParaRPr lang="en-US" b="0" i="0" dirty="0">
+              <a:solidFill>
+                <a:srgbClr val="3D3B49"/>
+              </a:solidFill>
+              <a:effectLst/>
+              <a:latin typeface="+mn-lt"/>
+            </a:endParaRPr>
+          </a:p>
+          <a:p>
+            <a:pPr marL="228600" indent="-228600">
+              <a:buAutoNum type="arabicPeriod"/>
+            </a:pPr>
+            <a:r>
+              <a:rPr lang="en-US" b="0" i="0" dirty="0">
+                <a:solidFill>
+                  <a:srgbClr val="3D3B49"/>
+                </a:solidFill>
+                <a:effectLst/>
+                <a:latin typeface="+mn-lt"/>
+              </a:rPr>
+              <a:t>Now in Python, a </a:t>
+            </a:r>
+            <a:r>
+              <a:rPr lang="en-US" b="0" i="0" dirty="0">
+                <a:solidFill>
+                  <a:srgbClr val="000000"/>
+                </a:solidFill>
+                <a:effectLst/>
+                <a:latin typeface="Verdana" panose="020B0604030504040204" pitchFamily="34" charset="0"/>
+              </a:rPr>
+              <a:t>function is a named block of code that only runs when it is called.  Most functions allow you to pass data – called parameters – into them.  Most functions also return a value once they’ve been executed.  Here we see a simple function called f, with one parameter called x.  When we pass a value on the x-axis to this function, it returns a value that is then assigned to a variable named y.</a:t>
+            </a:r>
+          </a:p>
+          <a:p>
+            <a:pPr marL="0" indent="0">
+              <a:buNone/>
+            </a:pPr>
+            <a:endParaRPr lang="en-US" b="0" i="0" dirty="0">
+              <a:solidFill>
+                <a:srgbClr val="000000"/>
+              </a:solidFill>
+              <a:effectLst/>
+              <a:latin typeface="Verdana" panose="020B0604030504040204" pitchFamily="34" charset="0"/>
+            </a:endParaRPr>
+          </a:p>
+          <a:p>
+            <a:r>
+              <a:rPr lang="en-US" b="0" i="0" dirty="0">
+                <a:solidFill>
+                  <a:srgbClr val="000000"/>
+                </a:solidFill>
+                <a:effectLst/>
+                <a:latin typeface="Verdana" panose="020B0604030504040204" pitchFamily="34" charset="0"/>
+              </a:rPr>
+              <a:t>Pictured here are graphs for three different linear functions.  In the case of the graph on the left, i</a:t>
+            </a:r>
+            <a:r>
+              <a:rPr lang="en-US" dirty="0">
+                <a:latin typeface="+mn-lt"/>
+              </a:rPr>
+              <a:t>f we pick any point on the X axis, and go vertically up until we hit the line, the value of that intersection on the Y axis is the same as the value on the X axis.  That is, the output, or y value, of this curve is always the same as the input, or x value. We call this the identity function.</a:t>
+            </a:r>
+          </a:p>
+          <a:p>
+            <a:endParaRPr lang="en-US" dirty="0">
+              <a:latin typeface="+mn-lt"/>
+            </a:endParaRPr>
+          </a:p>
+          <a:p>
+            <a:r>
+              <a:rPr lang="en-US" dirty="0">
+                <a:latin typeface="+mn-lt"/>
+              </a:rPr>
+              <a:t>With the other two graphs, the lines are tilted, reflecting different slopes.  This is typically what we see in simple linear regression.</a:t>
             </a:r>
           </a:p>
         </p:txBody>
@@ -1528,7 +1927,7 @@
     </p:spTree>
     <p:extLst>
       <p:ext uri="{BB962C8B-B14F-4D97-AF65-F5344CB8AC3E}">
-        <p14:creationId xmlns:p14="http://schemas.microsoft.com/office/powerpoint/2010/main" val="2719074499"/>
+        <p14:creationId xmlns:p14="http://schemas.microsoft.com/office/powerpoint/2010/main" val="2435178342"/>
       </p:ext>
     </p:extLst>
   </p:cSld>
@@ -1583,18 +1982,18 @@
           <a:lstStyle/>
           <a:p>
             <a:r>
-              <a:rPr lang="en-US" b="0" i="0" dirty="0">
-                <a:solidFill>
-                  <a:srgbClr val="3D3B49"/>
-                </a:solidFill>
-                <a:effectLst/>
-                <a:latin typeface="+mn-lt"/>
-              </a:rPr>
-              <a:t>The S-shaped sigmoid function is also called the logistic function or logistic curve. It has a value of 0 for very negative inputs, and a value of 1 for very positive inputs. In this example, we see a smooth transition between 0 and 1 for x values ranging from -6 to 6.  The name sigmoid comes from the resemblance of the curve to an S shape,</a:t>
-            </a:r>
-            <a:endParaRPr lang="en-US" i="0" dirty="0">
-              <a:latin typeface="+mn-lt"/>
-            </a:endParaRPr>
+              <a:rPr lang="en-US" dirty="0"/>
+              <a:t>The ReLU, or rectified linear unit outputs 0 for all negative inputs, otherwise the output is the input.</a:t>
+            </a:r>
+          </a:p>
+          <a:p>
+            <a:endParaRPr lang="en-US" dirty="0"/>
+          </a:p>
+          <a:p>
+            <a:r>
+              <a:rPr lang="en-US" dirty="0"/>
+              <a:t>The ReLU activation function is popular because it’s simple and trains well.</a:t>
+            </a:r>
           </a:p>
         </p:txBody>
       </p:sp>
@@ -1624,7 +2023,7 @@
     </p:spTree>
     <p:extLst>
       <p:ext uri="{BB962C8B-B14F-4D97-AF65-F5344CB8AC3E}">
-        <p14:creationId xmlns:p14="http://schemas.microsoft.com/office/powerpoint/2010/main" val="1463262732"/>
+        <p14:creationId xmlns:p14="http://schemas.microsoft.com/office/powerpoint/2010/main" val="2719074499"/>
       </p:ext>
     </p:extLst>
   </p:cSld>
@@ -1686,7 +2085,7 @@
                 <a:effectLst/>
                 <a:latin typeface="+mn-lt"/>
               </a:rPr>
-              <a:t>The hyperbolic tangent function, written tanh, is S-shaped like the sigmoid.  The key differences are that it returns a value of −1 for very negative inputs, and the transition zone is a bit narrower.</a:t>
+              <a:t>The S-shaped sigmoid function is also called the logistic function or logistic curve. It has a value of 0 for very negative inputs, and a value of 1 for very positive inputs. In this example, we see a smooth transition between 0 and 1 for x values ranging from -6 to 6.  The name sigmoid comes from the resemblance of the curve to an S shape,</a:t>
             </a:r>
             <a:endParaRPr lang="en-US" i="0" dirty="0">
               <a:latin typeface="+mn-lt"/>
@@ -1720,7 +2119,7 @@
     </p:spTree>
     <p:extLst>
       <p:ext uri="{BB962C8B-B14F-4D97-AF65-F5344CB8AC3E}">
-        <p14:creationId xmlns:p14="http://schemas.microsoft.com/office/powerpoint/2010/main" val="3290497714"/>
+        <p14:creationId xmlns:p14="http://schemas.microsoft.com/office/powerpoint/2010/main" val="1463262732"/>
       </p:ext>
     </p:extLst>
   </p:cSld>
@@ -1774,19 +2173,18 @@
           <a:bodyPr/>
           <a:lstStyle/>
           <a:p>
-            <a:pPr algn="l"/>
-            <a:r>
-              <a:rPr lang="en-US" dirty="0"/>
-              <a:t>Before moving on, let’s visualize the Linear, ReLu, and Sigmoid activation functions in three-dimensional space.  We’ve already seen the graphs for these functions, so the first line is no surprise.  On the second, however, we see their three-dimensional equivalents.  Linear is just a plane, like a sheet of paper. ReLU is like a wedge.  And Sigmoid is like a surf wave.  </a:t>
-            </a:r>
-            <a:endParaRPr lang="en-US" sz="1200" b="0" i="0" kern="1200" dirty="0">
-              <a:solidFill>
-                <a:schemeClr val="tx1"/>
-              </a:solidFill>
-              <a:effectLst/>
+            <a:r>
+              <a:rPr lang="en-US" b="0" i="0" dirty="0">
+                <a:solidFill>
+                  <a:srgbClr val="3D3B49"/>
+                </a:solidFill>
+                <a:effectLst/>
+                <a:latin typeface="+mn-lt"/>
+              </a:rPr>
+              <a:t>The hyperbolic tangent function, written tanh, is S-shaped like the sigmoid.  The key differences are that it returns a value of −1 for very negative inputs, and the transition zone is a bit narrower.</a:t>
+            </a:r>
+            <a:endParaRPr lang="en-US" i="0" dirty="0">
               <a:latin typeface="+mn-lt"/>
-              <a:ea typeface="+mn-ea"/>
-              <a:cs typeface="+mn-cs"/>
             </a:endParaRPr>
           </a:p>
         </p:txBody>
@@ -1817,7 +2215,7 @@
     </p:spTree>
     <p:extLst>
       <p:ext uri="{BB962C8B-B14F-4D97-AF65-F5344CB8AC3E}">
-        <p14:creationId xmlns:p14="http://schemas.microsoft.com/office/powerpoint/2010/main" val="1743978050"/>
+        <p14:creationId xmlns:p14="http://schemas.microsoft.com/office/powerpoint/2010/main" val="3290497714"/>
       </p:ext>
     </p:extLst>
   </p:cSld>
@@ -1871,28 +2269,20 @@
           <a:bodyPr/>
           <a:lstStyle/>
           <a:p>
-            <a:r>
-              <a:rPr lang="en-US" i="0" dirty="0"/>
-              <a:t>There’s an operation that we typically apply only to the output neurons of a classifier neural network, and even then, only if there are two or more output neurons. </a:t>
-            </a:r>
-          </a:p>
-          <a:p>
-            <a:endParaRPr lang="en-US" i="0" dirty="0"/>
-          </a:p>
-          <a:p>
-            <a:r>
-              <a:rPr lang="en-US" i="0" dirty="0"/>
-              <a:t>It’s not an activation function in the sense that we’ve been using the term because it takes as input the outputs of all the output neurons simultaneously. It processes them together and then produces a new output value for each neuron. Though it’s not quite an activation function, it’s similar enough to include it in this discussion.</a:t>
-            </a:r>
-          </a:p>
-          <a:p>
-            <a:endParaRPr lang="en-US" i="0" dirty="0"/>
-          </a:p>
-          <a:p>
-            <a:r>
-              <a:rPr lang="en-US" i="0" dirty="0"/>
-              <a:t>The technique is called softmax. The purpose of softmax is to turn the numbers that come out of a classification network into class probabilities where all the probabilities add up to 1.</a:t>
-            </a:r>
+            <a:pPr algn="l"/>
+            <a:r>
+              <a:rPr lang="en-US" dirty="0"/>
+              <a:t>Before moving on, let’s visualize the Linear, ReLu, and Sigmoid activation functions in three-dimensional space.  We’ve already seen the graphs for these functions, so the first line is no surprise.  On the second, however, we see their three-dimensional equivalents.  Linear is just a plane, like a sheet of paper. ReLU is like a wedge.  And Sigmoid is like a surf wave.  </a:t>
+            </a:r>
+            <a:endParaRPr lang="en-US" sz="1200" b="0" i="0" kern="1200" dirty="0">
+              <a:solidFill>
+                <a:schemeClr val="tx1"/>
+              </a:solidFill>
+              <a:effectLst/>
+              <a:latin typeface="+mn-lt"/>
+              <a:ea typeface="+mn-ea"/>
+              <a:cs typeface="+mn-cs"/>
+            </a:endParaRPr>
           </a:p>
         </p:txBody>
       </p:sp>
@@ -1922,7 +2312,7 @@
     </p:spTree>
     <p:extLst>
       <p:ext uri="{BB962C8B-B14F-4D97-AF65-F5344CB8AC3E}">
-        <p14:creationId xmlns:p14="http://schemas.microsoft.com/office/powerpoint/2010/main" val="2163631354"/>
+        <p14:creationId xmlns:p14="http://schemas.microsoft.com/office/powerpoint/2010/main" val="1743978050"/>
       </p:ext>
     </p:extLst>
   </p:cSld>
@@ -1976,209 +2366,28 @@
           <a:bodyPr/>
           <a:lstStyle/>
           <a:p>
-            <a:pPr marL="0" marR="0" lvl="0" indent="0" algn="l" defTabSz="914400" rtl="0" eaLnBrk="1" fontAlgn="auto" latinLnBrk="0" hangingPunct="1">
-              <a:lnSpc>
-                <a:spcPct val="100000"/>
-              </a:lnSpc>
-              <a:spcBef>
-                <a:spcPts val="0"/>
-              </a:spcBef>
-              <a:spcAft>
-                <a:spcPts val="0"/>
-              </a:spcAft>
-              <a:buClrTx/>
-              <a:buSzTx/>
-              <a:buFontTx/>
-              <a:buNone/>
-              <a:tabLst/>
-              <a:defRPr/>
-            </a:pPr>
-            <a:r>
-              <a:rPr lang="en-US" sz="1200" dirty="0">
-                <a:solidFill>
-                  <a:schemeClr val="tx1">
-                    <a:lumMod val="65000"/>
-                    <a:lumOff val="35000"/>
-                  </a:schemeClr>
-                </a:solidFill>
-                <a:latin typeface="+mj-lt"/>
-                <a:ea typeface="Verdana" panose="020B0604030504040204" pitchFamily="34" charset="0"/>
-              </a:rPr>
-              <a:t>Link: </a:t>
-            </a:r>
-            <a:r>
-              <a:rPr lang="en-US" sz="1200" dirty="0">
-                <a:solidFill>
-                  <a:schemeClr val="tx1">
-                    <a:lumMod val="65000"/>
-                    <a:lumOff val="35000"/>
-                  </a:schemeClr>
-                </a:solidFill>
-                <a:latin typeface="+mj-lt"/>
-                <a:ea typeface="Verdana" panose="020B0604030504040204" pitchFamily="34" charset="0"/>
-                <a:hlinkClick r:id="rId3"/>
-              </a:rPr>
-              <a:t>https://teachablemachine.withgoogle.com</a:t>
-            </a:r>
-            <a:r>
-              <a:rPr lang="en-US" sz="1200" dirty="0">
-                <a:solidFill>
-                  <a:schemeClr val="tx1">
-                    <a:lumMod val="65000"/>
-                    <a:lumOff val="35000"/>
-                  </a:schemeClr>
-                </a:solidFill>
-                <a:latin typeface="+mj-lt"/>
-                <a:ea typeface="Verdana" panose="020B0604030504040204" pitchFamily="34" charset="0"/>
-              </a:rPr>
-              <a:t> </a:t>
-            </a:r>
-          </a:p>
-          <a:p>
-            <a:pPr marL="0" marR="0" lvl="0" indent="0" algn="l" defTabSz="914400" rtl="0" eaLnBrk="1" fontAlgn="auto" latinLnBrk="0" hangingPunct="1">
-              <a:lnSpc>
-                <a:spcPct val="100000"/>
-              </a:lnSpc>
-              <a:spcBef>
-                <a:spcPts val="0"/>
-              </a:spcBef>
-              <a:spcAft>
-                <a:spcPts val="0"/>
-              </a:spcAft>
-              <a:buClrTx/>
-              <a:buSzTx/>
-              <a:buFontTx/>
-              <a:buNone/>
-              <a:tabLst/>
-              <a:defRPr/>
-            </a:pPr>
-            <a:r>
-              <a:rPr lang="en-US" sz="1200" dirty="0">
-                <a:solidFill>
-                  <a:schemeClr val="tx1">
-                    <a:lumMod val="65000"/>
-                    <a:lumOff val="35000"/>
-                  </a:schemeClr>
-                </a:solidFill>
-                <a:latin typeface="+mj-lt"/>
-                <a:ea typeface="Verdana" panose="020B0604030504040204" pitchFamily="34" charset="0"/>
-              </a:rPr>
-              <a:t>Link: https://developers.google.com/machine-learning/glossary#e</a:t>
-            </a:r>
-          </a:p>
-          <a:p>
-            <a:pPr marL="0" marR="0" lvl="0" indent="0" algn="l" defTabSz="914400" rtl="0" eaLnBrk="1" fontAlgn="auto" latinLnBrk="0" hangingPunct="1">
-              <a:lnSpc>
-                <a:spcPct val="100000"/>
-              </a:lnSpc>
-              <a:spcBef>
-                <a:spcPts val="0"/>
-              </a:spcBef>
-              <a:spcAft>
-                <a:spcPts val="0"/>
-              </a:spcAft>
-              <a:buClrTx/>
-              <a:buSzTx/>
-              <a:buFontTx/>
-              <a:buNone/>
-              <a:tabLst/>
-              <a:defRPr/>
-            </a:pPr>
-            <a:endParaRPr lang="en-US" sz="1200" dirty="0">
-              <a:solidFill>
-                <a:schemeClr val="tx1">
-                  <a:lumMod val="65000"/>
-                  <a:lumOff val="35000"/>
-                </a:schemeClr>
-              </a:solidFill>
-              <a:latin typeface="+mj-lt"/>
-              <a:ea typeface="Verdana" panose="020B0604030504040204" pitchFamily="34" charset="0"/>
-            </a:endParaRPr>
-          </a:p>
-          <a:p>
-            <a:pPr marL="0" marR="0" lvl="0" indent="0" algn="l" defTabSz="914400" rtl="0" eaLnBrk="1" fontAlgn="auto" latinLnBrk="0" hangingPunct="1">
-              <a:lnSpc>
-                <a:spcPct val="100000"/>
-              </a:lnSpc>
-              <a:spcBef>
-                <a:spcPts val="0"/>
-              </a:spcBef>
-              <a:spcAft>
-                <a:spcPts val="0"/>
-              </a:spcAft>
-              <a:buClrTx/>
-              <a:buSzTx/>
-              <a:buFontTx/>
-              <a:buNone/>
-              <a:tabLst/>
-              <a:defRPr/>
-            </a:pPr>
-            <a:endParaRPr lang="en-US" sz="1200" dirty="0">
-              <a:solidFill>
-                <a:schemeClr val="tx1">
-                  <a:lumMod val="65000"/>
-                  <a:lumOff val="35000"/>
-                </a:schemeClr>
-              </a:solidFill>
-              <a:latin typeface="+mj-lt"/>
-              <a:ea typeface="Verdana" panose="020B0604030504040204" pitchFamily="34" charset="0"/>
-            </a:endParaRPr>
-          </a:p>
-          <a:p>
-            <a:pPr marL="0" marR="0" lvl="0" indent="0" algn="l" defTabSz="914400" rtl="0" eaLnBrk="1" fontAlgn="auto" latinLnBrk="0" hangingPunct="1">
-              <a:lnSpc>
-                <a:spcPct val="100000"/>
-              </a:lnSpc>
-              <a:spcBef>
-                <a:spcPts val="0"/>
-              </a:spcBef>
-              <a:spcAft>
-                <a:spcPts val="0"/>
-              </a:spcAft>
-              <a:buClrTx/>
-              <a:buSzTx/>
-              <a:buFontTx/>
-              <a:buNone/>
-              <a:tabLst/>
-              <a:defRPr/>
-            </a:pPr>
-            <a:endParaRPr lang="en-US" sz="1200" dirty="0">
-              <a:solidFill>
-                <a:schemeClr val="tx1">
-                  <a:lumMod val="65000"/>
-                  <a:lumOff val="35000"/>
-                </a:schemeClr>
-              </a:solidFill>
-              <a:latin typeface="Palatino Linotype" panose="02040502050505030304" pitchFamily="18" charset="0"/>
-            </a:endParaRPr>
-          </a:p>
-          <a:p>
-            <a:pPr marL="0" marR="0" lvl="0" indent="0" algn="l" defTabSz="914400" rtl="0" eaLnBrk="1" fontAlgn="auto" latinLnBrk="0" hangingPunct="1">
-              <a:lnSpc>
-                <a:spcPct val="100000"/>
-              </a:lnSpc>
-              <a:spcBef>
-                <a:spcPts val="0"/>
-              </a:spcBef>
-              <a:spcAft>
-                <a:spcPts val="0"/>
-              </a:spcAft>
-              <a:buClrTx/>
-              <a:buSzTx/>
-              <a:buFontTx/>
-              <a:buNone/>
-              <a:tabLst/>
-              <a:defRPr/>
-            </a:pPr>
-            <a:endParaRPr lang="en-US" sz="1200" dirty="0">
-              <a:solidFill>
-                <a:schemeClr val="tx1">
-                  <a:lumMod val="65000"/>
-                  <a:lumOff val="35000"/>
-                </a:schemeClr>
-              </a:solidFill>
-              <a:latin typeface="Palatino Linotype" panose="02040502050505030304" pitchFamily="18" charset="0"/>
-            </a:endParaRPr>
+            <a:r>
+              <a:rPr lang="en-US" i="0" dirty="0"/>
+              <a:t>There’s an operation that we typically apply only to the output neurons of a classifier neural network, and even then, only if there are two or more output neurons. </a:t>
+            </a:r>
+          </a:p>
+          <a:p>
+            <a:endParaRPr lang="en-US" i="0" dirty="0"/>
+          </a:p>
+          <a:p>
+            <a:r>
+              <a:rPr lang="en-US" i="0" dirty="0"/>
+              <a:t>It’s not an activation function in the sense that we’ve been using the term because it takes as input the outputs of all the output neurons simultaneously. It processes them together and then produces a new output value for each neuron. Though it’s not quite an activation function, it’s similar enough to include it in this discussion.</a:t>
+            </a:r>
+          </a:p>
+          <a:p>
+            <a:endParaRPr lang="en-US" i="0" dirty="0"/>
+          </a:p>
+          <a:p>
+            <a:r>
+              <a:rPr lang="en-US" i="0" dirty="0"/>
+              <a:t>The technique is called softmax. The purpose of softmax is to turn the numbers that come out of a classification network into class probabilities where all the probabilities add up to 1.</a:t>
+            </a:r>
           </a:p>
         </p:txBody>
       </p:sp>
@@ -2208,7 +2417,7 @@
     </p:spTree>
     <p:extLst>
       <p:ext uri="{BB962C8B-B14F-4D97-AF65-F5344CB8AC3E}">
-        <p14:creationId xmlns:p14="http://schemas.microsoft.com/office/powerpoint/2010/main" val="1404376956"/>
+        <p14:creationId xmlns:p14="http://schemas.microsoft.com/office/powerpoint/2010/main" val="2163631354"/>
       </p:ext>
     </p:extLst>
   </p:cSld>
@@ -2365,7 +2574,7 @@
           <a:p>
             <a:fld id="{C3F78080-8D0A-4BE8-A5B4-CB115102D524}" type="datetimeFigureOut">
               <a:rPr lang="en-US" smtClean="0"/>
-              <a:t>6/24/2022</a:t>
+              <a:t>10/10/2022</a:t>
             </a:fld>
             <a:endParaRPr lang="en-US"/>
           </a:p>
@@ -2563,7 +2772,7 @@
           <a:p>
             <a:fld id="{C3F78080-8D0A-4BE8-A5B4-CB115102D524}" type="datetimeFigureOut">
               <a:rPr lang="en-US" smtClean="0"/>
-              <a:t>6/24/2022</a:t>
+              <a:t>10/10/2022</a:t>
             </a:fld>
             <a:endParaRPr lang="en-US"/>
           </a:p>
@@ -2771,7 +2980,7 @@
           <a:p>
             <a:fld id="{C3F78080-8D0A-4BE8-A5B4-CB115102D524}" type="datetimeFigureOut">
               <a:rPr lang="en-US" smtClean="0"/>
-              <a:t>6/24/2022</a:t>
+              <a:t>10/10/2022</a:t>
             </a:fld>
             <a:endParaRPr lang="en-US"/>
           </a:p>
@@ -2969,7 +3178,7 @@
           <a:p>
             <a:fld id="{C3F78080-8D0A-4BE8-A5B4-CB115102D524}" type="datetimeFigureOut">
               <a:rPr lang="en-US" smtClean="0"/>
-              <a:t>6/24/2022</a:t>
+              <a:t>10/10/2022</a:t>
             </a:fld>
             <a:endParaRPr lang="en-US"/>
           </a:p>
@@ -3244,7 +3453,7 @@
           <a:p>
             <a:fld id="{C3F78080-8D0A-4BE8-A5B4-CB115102D524}" type="datetimeFigureOut">
               <a:rPr lang="en-US" smtClean="0"/>
-              <a:t>6/24/2022</a:t>
+              <a:t>10/10/2022</a:t>
             </a:fld>
             <a:endParaRPr lang="en-US"/>
           </a:p>
@@ -3509,7 +3718,7 @@
           <a:p>
             <a:fld id="{C3F78080-8D0A-4BE8-A5B4-CB115102D524}" type="datetimeFigureOut">
               <a:rPr lang="en-US" smtClean="0"/>
-              <a:t>6/24/2022</a:t>
+              <a:t>10/10/2022</a:t>
             </a:fld>
             <a:endParaRPr lang="en-US"/>
           </a:p>
@@ -3921,7 +4130,7 @@
           <a:p>
             <a:fld id="{C3F78080-8D0A-4BE8-A5B4-CB115102D524}" type="datetimeFigureOut">
               <a:rPr lang="en-US" smtClean="0"/>
-              <a:t>6/24/2022</a:t>
+              <a:t>10/10/2022</a:t>
             </a:fld>
             <a:endParaRPr lang="en-US"/>
           </a:p>
@@ -4062,7 +4271,7 @@
           <a:p>
             <a:fld id="{C3F78080-8D0A-4BE8-A5B4-CB115102D524}" type="datetimeFigureOut">
               <a:rPr lang="en-US" smtClean="0"/>
-              <a:t>6/24/2022</a:t>
+              <a:t>10/10/2022</a:t>
             </a:fld>
             <a:endParaRPr lang="en-US"/>
           </a:p>
@@ -4175,7 +4384,7 @@
           <a:p>
             <a:fld id="{C3F78080-8D0A-4BE8-A5B4-CB115102D524}" type="datetimeFigureOut">
               <a:rPr lang="en-US" smtClean="0"/>
-              <a:t>6/24/2022</a:t>
+              <a:t>10/10/2022</a:t>
             </a:fld>
             <a:endParaRPr lang="en-US"/>
           </a:p>
@@ -4486,7 +4695,7 @@
           <a:p>
             <a:fld id="{C3F78080-8D0A-4BE8-A5B4-CB115102D524}" type="datetimeFigureOut">
               <a:rPr lang="en-US" smtClean="0"/>
-              <a:t>6/24/2022</a:t>
+              <a:t>10/10/2022</a:t>
             </a:fld>
             <a:endParaRPr lang="en-US"/>
           </a:p>
@@ -4774,7 +4983,7 @@
           <a:p>
             <a:fld id="{C3F78080-8D0A-4BE8-A5B4-CB115102D524}" type="datetimeFigureOut">
               <a:rPr lang="en-US" smtClean="0"/>
-              <a:t>6/24/2022</a:t>
+              <a:t>10/10/2022</a:t>
             </a:fld>
             <a:endParaRPr lang="en-US"/>
           </a:p>
@@ -5015,7 +5224,7 @@
           <a:p>
             <a:fld id="{C3F78080-8D0A-4BE8-A5B4-CB115102D524}" type="datetimeFigureOut">
               <a:rPr lang="en-US" smtClean="0"/>
-              <a:t>6/24/2022</a:t>
+              <a:t>10/10/2022</a:t>
             </a:fld>
             <a:endParaRPr lang="en-US"/>
           </a:p>
@@ -5546,6 +5755,244 @@
           <a:chExt cx="0" cy="0"/>
         </a:xfrm>
       </p:grpSpPr>
+      <p:pic>
+        <p:nvPicPr>
+          <p:cNvPr id="4" name="Picture 3">
+            <a:extLst>
+              <a:ext uri="{FF2B5EF4-FFF2-40B4-BE49-F238E27FC236}">
+                <a16:creationId xmlns:a16="http://schemas.microsoft.com/office/drawing/2014/main" id="{76E66F2E-C91C-4311-B65A-B61BFBC7CF8F}"/>
+              </a:ext>
+            </a:extLst>
+          </p:cNvPr>
+          <p:cNvPicPr>
+            <a:picLocks noChangeAspect="1"/>
+          </p:cNvPicPr>
+          <p:nvPr/>
+        </p:nvPicPr>
+        <p:blipFill>
+          <a:blip r:embed="rId3">
+            <a:extLst>
+              <a:ext uri="{28A0092B-C50C-407E-A947-70E740481C1C}">
+                <a14:useLocalDpi xmlns:a14="http://schemas.microsoft.com/office/drawing/2010/main"/>
+              </a:ext>
+            </a:extLst>
+          </a:blip>
+          <a:stretch>
+            <a:fillRect/>
+          </a:stretch>
+        </p:blipFill>
+        <p:spPr>
+          <a:xfrm>
+            <a:off x="0" y="365760"/>
+            <a:ext cx="3233668" cy="805144"/>
+          </a:xfrm>
+          <a:prstGeom prst="rect">
+            <a:avLst/>
+          </a:prstGeom>
+        </p:spPr>
+      </p:pic>
+      <p:pic>
+        <p:nvPicPr>
+          <p:cNvPr id="9" name="Picture 8" descr="Shape&#10;&#10;Description automatically generated with medium confidence">
+            <a:extLst>
+              <a:ext uri="{FF2B5EF4-FFF2-40B4-BE49-F238E27FC236}">
+                <a16:creationId xmlns:a16="http://schemas.microsoft.com/office/drawing/2014/main" id="{D4B7D9DA-40E9-9902-5E5B-3FB88A54FCE2}"/>
+              </a:ext>
+            </a:extLst>
+          </p:cNvPr>
+          <p:cNvPicPr>
+            <a:picLocks noChangeAspect="1"/>
+          </p:cNvPicPr>
+          <p:nvPr/>
+        </p:nvPicPr>
+        <p:blipFill>
+          <a:blip r:embed="rId4">
+            <a:extLst>
+              <a:ext uri="{28A0092B-C50C-407E-A947-70E740481C1C}">
+                <a14:useLocalDpi xmlns:a14="http://schemas.microsoft.com/office/drawing/2010/main" val="0"/>
+              </a:ext>
+            </a:extLst>
+          </a:blip>
+          <a:stretch>
+            <a:fillRect/>
+          </a:stretch>
+        </p:blipFill>
+        <p:spPr>
+          <a:xfrm>
+            <a:off x="4051908" y="1953266"/>
+            <a:ext cx="4088183" cy="3501050"/>
+          </a:xfrm>
+          <a:prstGeom prst="rect">
+            <a:avLst/>
+          </a:prstGeom>
+        </p:spPr>
+      </p:pic>
+    </p:spTree>
+    <p:extLst>
+      <p:ext uri="{BB962C8B-B14F-4D97-AF65-F5344CB8AC3E}">
+        <p14:creationId xmlns:p14="http://schemas.microsoft.com/office/powerpoint/2010/main" val="4119545744"/>
+      </p:ext>
+    </p:extLst>
+  </p:cSld>
+  <p:clrMapOvr>
+    <a:masterClrMapping/>
+  </p:clrMapOvr>
+  <mc:AlternateContent xmlns:mc="http://schemas.openxmlformats.org/markup-compatibility/2006" xmlns:p14="http://schemas.microsoft.com/office/powerpoint/2010/main">
+    <mc:Choice Requires="p14">
+      <p:transition spd="med" p14:dur="700">
+        <p:fade/>
+      </p:transition>
+    </mc:Choice>
+    <mc:Fallback xmlns="">
+      <p:transition spd="med">
+        <p:fade/>
+      </p:transition>
+    </mc:Fallback>
+  </mc:AlternateContent>
+</p:sld>
+</file>
+
+<file path=ppt/slides/slide11.xml><?xml version="1.0" encoding="utf-8"?>
+<p:sld xmlns:a="http://schemas.openxmlformats.org/drawingml/2006/main" xmlns:r="http://schemas.openxmlformats.org/officeDocument/2006/relationships" xmlns:p="http://schemas.openxmlformats.org/presentationml/2006/main">
+  <p:cSld>
+    <p:spTree>
+      <p:nvGrpSpPr>
+        <p:cNvPr id="1" name=""/>
+        <p:cNvGrpSpPr/>
+        <p:nvPr/>
+      </p:nvGrpSpPr>
+      <p:grpSpPr>
+        <a:xfrm>
+          <a:off x="0" y="0"/>
+          <a:ext cx="0" cy="0"/>
+          <a:chOff x="0" y="0"/>
+          <a:chExt cx="0" cy="0"/>
+        </a:xfrm>
+      </p:grpSpPr>
+      <p:pic>
+        <p:nvPicPr>
+          <p:cNvPr id="4" name="Picture 3">
+            <a:extLst>
+              <a:ext uri="{FF2B5EF4-FFF2-40B4-BE49-F238E27FC236}">
+                <a16:creationId xmlns:a16="http://schemas.microsoft.com/office/drawing/2014/main" id="{76E66F2E-C91C-4311-B65A-B61BFBC7CF8F}"/>
+              </a:ext>
+            </a:extLst>
+          </p:cNvPr>
+          <p:cNvPicPr>
+            <a:picLocks noChangeAspect="1"/>
+          </p:cNvPicPr>
+          <p:nvPr/>
+        </p:nvPicPr>
+        <p:blipFill>
+          <a:blip r:embed="rId3">
+            <a:extLst>
+              <a:ext uri="{28A0092B-C50C-407E-A947-70E740481C1C}">
+                <a14:useLocalDpi xmlns:a14="http://schemas.microsoft.com/office/drawing/2010/main"/>
+              </a:ext>
+            </a:extLst>
+          </a:blip>
+          <a:stretch>
+            <a:fillRect/>
+          </a:stretch>
+        </p:blipFill>
+        <p:spPr>
+          <a:xfrm>
+            <a:off x="0" y="365760"/>
+            <a:ext cx="3233668" cy="805144"/>
+          </a:xfrm>
+          <a:prstGeom prst="rect">
+            <a:avLst/>
+          </a:prstGeom>
+        </p:spPr>
+      </p:pic>
+      <p:pic>
+        <p:nvPicPr>
+          <p:cNvPr id="3" name="Picture 2">
+            <a:extLst>
+              <a:ext uri="{FF2B5EF4-FFF2-40B4-BE49-F238E27FC236}">
+                <a16:creationId xmlns:a16="http://schemas.microsoft.com/office/drawing/2014/main" id="{6818FEE8-D9DB-43B3-A9CB-DD82942AF9ED}"/>
+              </a:ext>
+            </a:extLst>
+          </p:cNvPr>
+          <p:cNvPicPr>
+            <a:picLocks noChangeAspect="1"/>
+          </p:cNvPicPr>
+          <p:nvPr/>
+        </p:nvPicPr>
+        <p:blipFill>
+          <a:blip r:embed="rId4">
+            <a:clrChange>
+              <a:clrFrom>
+                <a:srgbClr val="F8F9FA"/>
+              </a:clrFrom>
+              <a:clrTo>
+                <a:srgbClr val="F8F9FA">
+                  <a:alpha val="0"/>
+                </a:srgbClr>
+              </a:clrTo>
+            </a:clrChange>
+            <a:extLst>
+              <a:ext uri="{28A0092B-C50C-407E-A947-70E740481C1C}">
+                <a14:useLocalDpi xmlns:a14="http://schemas.microsoft.com/office/drawing/2010/main"/>
+              </a:ext>
+            </a:extLst>
+          </a:blip>
+          <a:stretch>
+            <a:fillRect/>
+          </a:stretch>
+        </p:blipFill>
+        <p:spPr>
+          <a:xfrm>
+            <a:off x="3767137" y="2524125"/>
+            <a:ext cx="4657725" cy="1809750"/>
+          </a:xfrm>
+          <a:prstGeom prst="rect">
+            <a:avLst/>
+          </a:prstGeom>
+        </p:spPr>
+      </p:pic>
+    </p:spTree>
+    <p:extLst>
+      <p:ext uri="{BB962C8B-B14F-4D97-AF65-F5344CB8AC3E}">
+        <p14:creationId xmlns:p14="http://schemas.microsoft.com/office/powerpoint/2010/main" val="710126279"/>
+      </p:ext>
+    </p:extLst>
+  </p:cSld>
+  <p:clrMapOvr>
+    <a:masterClrMapping/>
+  </p:clrMapOvr>
+  <mc:AlternateContent xmlns:mc="http://schemas.openxmlformats.org/markup-compatibility/2006" xmlns:p14="http://schemas.microsoft.com/office/powerpoint/2010/main">
+    <mc:Choice Requires="p14">
+      <p:transition spd="med" p14:dur="700">
+        <p:fade/>
+      </p:transition>
+    </mc:Choice>
+    <mc:Fallback xmlns="">
+      <p:transition spd="med">
+        <p:fade/>
+      </p:transition>
+    </mc:Fallback>
+  </mc:AlternateContent>
+</p:sld>
+</file>
+
+<file path=ppt/slides/slide12.xml><?xml version="1.0" encoding="utf-8"?>
+<p:sld xmlns:a="http://schemas.openxmlformats.org/drawingml/2006/main" xmlns:r="http://schemas.openxmlformats.org/officeDocument/2006/relationships" xmlns:p="http://schemas.openxmlformats.org/presentationml/2006/main">
+  <p:cSld>
+    <p:spTree>
+      <p:nvGrpSpPr>
+        <p:cNvPr id="1" name=""/>
+        <p:cNvGrpSpPr/>
+        <p:nvPr/>
+      </p:nvGrpSpPr>
+      <p:grpSpPr>
+        <a:xfrm>
+          <a:off x="0" y="0"/>
+          <a:ext cx="0" cy="0"/>
+          <a:chOff x="0" y="0"/>
+          <a:chExt cx="0" cy="0"/>
+        </a:xfrm>
+      </p:grpSpPr>
       <p:sp>
         <p:nvSpPr>
           <p:cNvPr id="9" name="Title 1">
@@ -5871,7 +6318,7 @@
 </p:sld>
 </file>
 
-<file path=ppt/slides/slide11.xml><?xml version="1.0" encoding="utf-8"?>
+<file path=ppt/slides/slide13.xml><?xml version="1.0" encoding="utf-8"?>
 <p:sld xmlns:a="http://schemas.openxmlformats.org/drawingml/2006/main" xmlns:r="http://schemas.openxmlformats.org/officeDocument/2006/relationships" xmlns:p="http://schemas.openxmlformats.org/presentationml/2006/main">
   <p:cSld>
     <p:spTree>
@@ -5913,7 +6360,7 @@
 </p:sld>
 </file>
 
-<file path=ppt/slides/slide12.xml><?xml version="1.0" encoding="utf-8"?>
+<file path=ppt/slides/slide14.xml><?xml version="1.0" encoding="utf-8"?>
 <p:sld xmlns:a="http://schemas.openxmlformats.org/drawingml/2006/main" xmlns:r="http://schemas.openxmlformats.org/officeDocument/2006/relationships" xmlns:p="http://schemas.openxmlformats.org/presentationml/2006/main">
   <p:cSld>
     <p:spTree>
@@ -6223,78 +6670,6 @@
     <p:extLst>
       <p:ext uri="{BB962C8B-B14F-4D97-AF65-F5344CB8AC3E}">
         <p14:creationId xmlns:p14="http://schemas.microsoft.com/office/powerpoint/2010/main" val="4096204018"/>
-      </p:ext>
-    </p:extLst>
-  </p:cSld>
-  <p:clrMapOvr>
-    <a:masterClrMapping/>
-  </p:clrMapOvr>
-  <mc:AlternateContent xmlns:mc="http://schemas.openxmlformats.org/markup-compatibility/2006" xmlns:p14="http://schemas.microsoft.com/office/powerpoint/2010/main">
-    <mc:Choice Requires="p14">
-      <p:transition spd="med" p14:dur="700">
-        <p:fade/>
-      </p:transition>
-    </mc:Choice>
-    <mc:Fallback xmlns="">
-      <p:transition spd="med">
-        <p:fade/>
-      </p:transition>
-    </mc:Fallback>
-  </mc:AlternateContent>
-</p:sld>
-</file>
-
-<file path=ppt/slides/slide13.xml><?xml version="1.0" encoding="utf-8"?>
-<p:sld xmlns:a="http://schemas.openxmlformats.org/drawingml/2006/main" xmlns:r="http://schemas.openxmlformats.org/officeDocument/2006/relationships" xmlns:p="http://schemas.openxmlformats.org/presentationml/2006/main">
-  <p:cSld>
-    <p:spTree>
-      <p:nvGrpSpPr>
-        <p:cNvPr id="1" name=""/>
-        <p:cNvGrpSpPr/>
-        <p:nvPr/>
-      </p:nvGrpSpPr>
-      <p:grpSpPr>
-        <a:xfrm>
-          <a:off x="0" y="0"/>
-          <a:ext cx="0" cy="0"/>
-          <a:chOff x="0" y="0"/>
-          <a:chExt cx="0" cy="0"/>
-        </a:xfrm>
-      </p:grpSpPr>
-      <p:pic>
-        <p:nvPicPr>
-          <p:cNvPr id="3" name="Picture 2">
-            <a:extLst>
-              <a:ext uri="{FF2B5EF4-FFF2-40B4-BE49-F238E27FC236}">
-                <a16:creationId xmlns:a16="http://schemas.microsoft.com/office/drawing/2014/main" id="{D4F29E86-F4EC-4823-9A43-A52FE451A52D}"/>
-              </a:ext>
-            </a:extLst>
-          </p:cNvPr>
-          <p:cNvPicPr>
-            <a:picLocks noChangeAspect="1"/>
-          </p:cNvPicPr>
-          <p:nvPr/>
-        </p:nvPicPr>
-        <p:blipFill>
-          <a:blip r:embed="rId3"/>
-          <a:stretch>
-            <a:fillRect/>
-          </a:stretch>
-        </p:blipFill>
-        <p:spPr>
-          <a:xfrm>
-            <a:off x="3333037" y="960774"/>
-            <a:ext cx="5525925" cy="5245292"/>
-          </a:xfrm>
-          <a:prstGeom prst="rect">
-            <a:avLst/>
-          </a:prstGeom>
-        </p:spPr>
-      </p:pic>
-    </p:spTree>
-    <p:extLst>
-      <p:ext uri="{BB962C8B-B14F-4D97-AF65-F5344CB8AC3E}">
-        <p14:creationId xmlns:p14="http://schemas.microsoft.com/office/powerpoint/2010/main" val="2533188322"/>
       </p:ext>
     </p:extLst>
   </p:cSld>
@@ -6714,12 +7089,59 @@
           <a:chExt cx="0" cy="0"/>
         </a:xfrm>
       </p:grpSpPr>
-      <p:sp>
-        <p:nvSpPr>
-          <p:cNvPr id="7" name="TextBox 6">
-            <a:extLst>
-              <a:ext uri="{FF2B5EF4-FFF2-40B4-BE49-F238E27FC236}">
-                <a16:creationId xmlns:a16="http://schemas.microsoft.com/office/drawing/2014/main" id="{EB45D602-67CC-4423-8D22-BDD4607E69BA}"/>
+      <p:pic>
+        <p:nvPicPr>
+          <p:cNvPr id="1026" name="Picture 2" descr="A graph denotes the output of the expression w times x plus b equals z. The output range is 0 to 1, marked along the vertical axis. The output is denoted as a step curve, which oscillates between 0 and 1.">
+            <a:extLst>
+              <a:ext uri="{FF2B5EF4-FFF2-40B4-BE49-F238E27FC236}">
+                <a16:creationId xmlns:a16="http://schemas.microsoft.com/office/drawing/2014/main" id="{4B7D400B-703B-3BC3-6705-F8CD215210D4}"/>
+              </a:ext>
+            </a:extLst>
+          </p:cNvPr>
+          <p:cNvPicPr>
+            <a:picLocks noChangeAspect="1" noChangeArrowheads="1"/>
+          </p:cNvPicPr>
+          <p:nvPr/>
+        </p:nvPicPr>
+        <p:blipFill>
+          <a:blip r:embed="rId3">
+            <a:extLst>
+              <a:ext uri="{28A0092B-C50C-407E-A947-70E740481C1C}">
+                <a14:useLocalDpi xmlns:a14="http://schemas.microsoft.com/office/drawing/2010/main" val="0"/>
+              </a:ext>
+            </a:extLst>
+          </a:blip>
+          <a:srcRect/>
+          <a:stretch>
+            <a:fillRect/>
+          </a:stretch>
+        </p:blipFill>
+        <p:spPr bwMode="auto">
+          <a:xfrm>
+            <a:off x="12304733" y="0"/>
+            <a:ext cx="1924833" cy="1187933"/>
+          </a:xfrm>
+          <a:prstGeom prst="rect">
+            <a:avLst/>
+          </a:prstGeom>
+          <a:noFill/>
+          <a:extLst>
+            <a:ext uri="{909E8E84-426E-40DD-AFC4-6F175D3DCCD1}">
+              <a14:hiddenFill xmlns:a14="http://schemas.microsoft.com/office/drawing/2010/main">
+                <a:solidFill>
+                  <a:srgbClr val="FFFFFF"/>
+                </a:solidFill>
+              </a14:hiddenFill>
+            </a:ext>
+          </a:extLst>
+        </p:spPr>
+      </p:pic>
+      <p:sp>
+        <p:nvSpPr>
+          <p:cNvPr id="3" name="TextBox 2">
+            <a:extLst>
+              <a:ext uri="{FF2B5EF4-FFF2-40B4-BE49-F238E27FC236}">
+                <a16:creationId xmlns:a16="http://schemas.microsoft.com/office/drawing/2014/main" id="{DA5F58E4-DBB0-404F-4262-284322199DB7}"/>
               </a:ext>
             </a:extLst>
           </p:cNvPr>
@@ -6753,7 +7175,7 @@
                 <a:latin typeface="+mj-lt"/>
                 <a:ea typeface="Verdana" panose="020B0604030504040204" pitchFamily="34" charset="0"/>
               </a:rPr>
-              <a:t>Source: Glassner, A. (2021). </a:t>
+              <a:t>Source: Krohn, J. et al (2020). </a:t>
             </a:r>
             <a:r>
               <a:rPr lang="en-US" sz="1400" i="1" dirty="0">
@@ -6766,7 +7188,7 @@
                 <a:latin typeface="+mj-lt"/>
                 <a:ea typeface="Verdana" panose="020B0604030504040204" pitchFamily="34" charset="0"/>
               </a:rPr>
-              <a:t>Deep learning: A visual approach</a:t>
+              <a:t>Deep learning illustrated: A visual, interactive guide to AI</a:t>
             </a:r>
             <a:r>
               <a:rPr lang="en-US" sz="1400" dirty="0">
@@ -6779,7 +7201,7 @@
                 <a:latin typeface="+mj-lt"/>
                 <a:ea typeface="Verdana" panose="020B0604030504040204" pitchFamily="34" charset="0"/>
               </a:rPr>
-              <a:t>. </a:t>
+              <a:t>. New York</a:t>
             </a:r>
             <a:r>
               <a:rPr lang="en-US" sz="1400" b="0" i="0" dirty="0">
@@ -6793,7 +7215,61 @@
                 <a:latin typeface="+mj-lt"/>
                 <a:ea typeface="Verdana" panose="020B0604030504040204" pitchFamily="34" charset="0"/>
               </a:rPr>
-              <a:t>San Francisco, CA: No Starch Press. (Chapter 13)</a:t>
+              <a:t>, NY: </a:t>
+            </a:r>
+            <a:r>
+              <a:rPr lang="en-US" sz="1400" dirty="0">
+                <a:solidFill>
+                  <a:schemeClr val="tx1">
+                    <a:lumMod val="65000"/>
+                    <a:lumOff val="35000"/>
+                  </a:schemeClr>
+                </a:solidFill>
+                <a:latin typeface="+mj-lt"/>
+                <a:ea typeface="Verdana" panose="020B0604030504040204" pitchFamily="34" charset="0"/>
+              </a:rPr>
+              <a:t>Addison-Wesley</a:t>
+            </a:r>
+            <a:r>
+              <a:rPr lang="en-US" sz="1400" b="0" i="0" dirty="0">
+                <a:solidFill>
+                  <a:schemeClr val="tx1">
+                    <a:lumMod val="65000"/>
+                    <a:lumOff val="35000"/>
+                  </a:schemeClr>
+                </a:solidFill>
+                <a:effectLst/>
+                <a:latin typeface="+mj-lt"/>
+                <a:ea typeface="Verdana" panose="020B0604030504040204" pitchFamily="34" charset="0"/>
+              </a:rPr>
+              <a:t>. (Chapter </a:t>
+            </a:r>
+            <a:r>
+              <a:rPr lang="en-US" sz="1400" dirty="0">
+                <a:solidFill>
+                  <a:schemeClr val="tx1">
+                    <a:lumMod val="65000"/>
+                    <a:lumOff val="35000"/>
+                  </a:schemeClr>
+                </a:solidFill>
+                <a:latin typeface="+mj-lt"/>
+                <a:ea typeface="Verdana" panose="020B0604030504040204" pitchFamily="34" charset="0"/>
+              </a:rPr>
+              <a:t>6</a:t>
+            </a:r>
+            <a:r>
+              <a:rPr lang="en-US" sz="1400" b="0" i="0" dirty="0">
+                <a:solidFill>
+                  <a:schemeClr val="tx1">
+                    <a:lumMod val="65000"/>
+                    <a:lumOff val="35000"/>
+                  </a:schemeClr>
+                </a:solidFill>
+                <a:effectLst/>
+                <a:latin typeface="+mj-lt"/>
+                <a:ea typeface="Verdana" panose="020B0604030504040204" pitchFamily="34" charset="0"/>
+              </a:rPr>
+              <a:t>)</a:t>
             </a:r>
             <a:endParaRPr lang="en-US" sz="1400" dirty="0">
               <a:solidFill>
@@ -6808,12 +7284,77 @@
           </a:p>
         </p:txBody>
       </p:sp>
-      <p:sp>
-        <p:nvSpPr>
-          <p:cNvPr id="2" name="TextBox 1">
-            <a:extLst>
-              <a:ext uri="{FF2B5EF4-FFF2-40B4-BE49-F238E27FC236}">
-                <a16:creationId xmlns:a16="http://schemas.microsoft.com/office/drawing/2014/main" id="{6D6347C9-9B30-444A-AE9D-B7DD51DD7144}"/>
+      <p:pic>
+        <p:nvPicPr>
+          <p:cNvPr id="4" name="Picture 3" descr="Chart, histogram&#10;&#10;Description automatically generated">
+            <a:extLst>
+              <a:ext uri="{FF2B5EF4-FFF2-40B4-BE49-F238E27FC236}">
+                <a16:creationId xmlns:a16="http://schemas.microsoft.com/office/drawing/2014/main" id="{FC6AE1FB-EA6C-713F-58C8-FB981BE4297D}"/>
+              </a:ext>
+            </a:extLst>
+          </p:cNvPr>
+          <p:cNvPicPr>
+            <a:picLocks noChangeAspect="1"/>
+          </p:cNvPicPr>
+          <p:nvPr/>
+        </p:nvPicPr>
+        <p:blipFill rotWithShape="1">
+          <a:blip r:embed="rId4">
+            <a:extLst>
+              <a:ext uri="{28A0092B-C50C-407E-A947-70E740481C1C}">
+                <a14:useLocalDpi xmlns:a14="http://schemas.microsoft.com/office/drawing/2010/main" val="0"/>
+              </a:ext>
+            </a:extLst>
+          </a:blip>
+          <a:srcRect t="10932" b="10000"/>
+          <a:stretch/>
+        </p:blipFill>
+        <p:spPr>
+          <a:xfrm>
+            <a:off x="2000250" y="749718"/>
+            <a:ext cx="7429500" cy="5422482"/>
+          </a:xfrm>
+          <a:prstGeom prst="rect">
+            <a:avLst/>
+          </a:prstGeom>
+        </p:spPr>
+      </p:pic>
+    </p:spTree>
+    <p:extLst>
+      <p:ext uri="{BB962C8B-B14F-4D97-AF65-F5344CB8AC3E}">
+        <p14:creationId xmlns:p14="http://schemas.microsoft.com/office/powerpoint/2010/main" val="199997798"/>
+      </p:ext>
+    </p:extLst>
+  </p:cSld>
+  <p:clrMapOvr>
+    <a:masterClrMapping/>
+  </p:clrMapOvr>
+</p:sld>
+</file>
+
+<file path=ppt/slides/slide4.xml><?xml version="1.0" encoding="utf-8"?>
+<p:sld xmlns:a="http://schemas.openxmlformats.org/drawingml/2006/main" xmlns:r="http://schemas.openxmlformats.org/officeDocument/2006/relationships" xmlns:p="http://schemas.openxmlformats.org/presentationml/2006/main">
+  <p:cSld>
+    <p:spTree>
+      <p:nvGrpSpPr>
+        <p:cNvPr id="1" name=""/>
+        <p:cNvGrpSpPr/>
+        <p:nvPr/>
+      </p:nvGrpSpPr>
+      <p:grpSpPr>
+        <a:xfrm>
+          <a:off x="0" y="0"/>
+          <a:ext cx="0" cy="0"/>
+          <a:chOff x="0" y="0"/>
+          <a:chExt cx="0" cy="0"/>
+        </a:xfrm>
+      </p:grpSpPr>
+      <p:sp>
+        <p:nvSpPr>
+          <p:cNvPr id="7" name="TextBox 6">
+            <a:extLst>
+              <a:ext uri="{FF2B5EF4-FFF2-40B4-BE49-F238E27FC236}">
+                <a16:creationId xmlns:a16="http://schemas.microsoft.com/office/drawing/2014/main" id="{EB45D602-67CC-4423-8D22-BDD4607E69BA}"/>
               </a:ext>
             </a:extLst>
           </p:cNvPr>
@@ -6822,7 +7363,101 @@
         </p:nvSpPr>
         <p:spPr>
           <a:xfrm>
-            <a:off x="4552121" y="5505496"/>
+            <a:off x="0" y="6550223"/>
+            <a:ext cx="12192000" cy="307777"/>
+          </a:xfrm>
+          <a:prstGeom prst="rect">
+            <a:avLst/>
+          </a:prstGeom>
+          <a:noFill/>
+        </p:spPr>
+        <p:txBody>
+          <a:bodyPr wrap="square" rtlCol="0">
+            <a:spAutoFit/>
+          </a:bodyPr>
+          <a:lstStyle/>
+          <a:p>
+            <a:r>
+              <a:rPr lang="en-US" sz="1400" dirty="0">
+                <a:solidFill>
+                  <a:schemeClr val="tx1">
+                    <a:lumMod val="65000"/>
+                    <a:lumOff val="35000"/>
+                  </a:schemeClr>
+                </a:solidFill>
+                <a:latin typeface="+mj-lt"/>
+                <a:ea typeface="Verdana" panose="020B0604030504040204" pitchFamily="34" charset="0"/>
+              </a:rPr>
+              <a:t>Source: Glassner, A. (2021). </a:t>
+            </a:r>
+            <a:r>
+              <a:rPr lang="en-US" sz="1400" i="1" dirty="0">
+                <a:solidFill>
+                  <a:schemeClr val="tx1">
+                    <a:lumMod val="65000"/>
+                    <a:lumOff val="35000"/>
+                  </a:schemeClr>
+                </a:solidFill>
+                <a:latin typeface="+mj-lt"/>
+                <a:ea typeface="Verdana" panose="020B0604030504040204" pitchFamily="34" charset="0"/>
+              </a:rPr>
+              <a:t>Deep learning: A visual approach</a:t>
+            </a:r>
+            <a:r>
+              <a:rPr lang="en-US" sz="1400" dirty="0">
+                <a:solidFill>
+                  <a:schemeClr val="tx1">
+                    <a:lumMod val="65000"/>
+                    <a:lumOff val="35000"/>
+                  </a:schemeClr>
+                </a:solidFill>
+                <a:latin typeface="+mj-lt"/>
+                <a:ea typeface="Verdana" panose="020B0604030504040204" pitchFamily="34" charset="0"/>
+              </a:rPr>
+              <a:t>. </a:t>
+            </a:r>
+            <a:r>
+              <a:rPr lang="en-US" sz="1400" b="0" i="0" dirty="0">
+                <a:solidFill>
+                  <a:schemeClr val="tx1">
+                    <a:lumMod val="65000"/>
+                    <a:lumOff val="35000"/>
+                  </a:schemeClr>
+                </a:solidFill>
+                <a:effectLst/>
+                <a:latin typeface="+mj-lt"/>
+                <a:ea typeface="Verdana" panose="020B0604030504040204" pitchFamily="34" charset="0"/>
+              </a:rPr>
+              <a:t>San Francisco, CA: No Starch Press. (Chapter 13)</a:t>
+            </a:r>
+            <a:endParaRPr lang="en-US" sz="1400" dirty="0">
+              <a:solidFill>
+                <a:schemeClr val="tx1">
+                  <a:lumMod val="65000"/>
+                  <a:lumOff val="35000"/>
+                </a:schemeClr>
+              </a:solidFill>
+              <a:latin typeface="+mj-lt"/>
+              <a:ea typeface="Verdana" panose="020B0604030504040204" pitchFamily="34" charset="0"/>
+            </a:endParaRPr>
+          </a:p>
+        </p:txBody>
+      </p:sp>
+      <p:sp>
+        <p:nvSpPr>
+          <p:cNvPr id="2" name="TextBox 1">
+            <a:extLst>
+              <a:ext uri="{FF2B5EF4-FFF2-40B4-BE49-F238E27FC236}">
+                <a16:creationId xmlns:a16="http://schemas.microsoft.com/office/drawing/2014/main" id="{6D6347C9-9B30-444A-AE9D-B7DD51DD7144}"/>
+              </a:ext>
+            </a:extLst>
+          </p:cNvPr>
+          <p:cNvSpPr txBox="1"/>
+          <p:nvPr/>
+        </p:nvSpPr>
+        <p:spPr>
+          <a:xfrm>
+            <a:off x="4552121" y="5820188"/>
             <a:ext cx="3087757" cy="461665"/>
           </a:xfrm>
           <a:prstGeom prst="rect">
@@ -6840,7 +7475,7 @@
             <a:r>
               <a:rPr lang="en-US" sz="2400" dirty="0">
                 <a:solidFill>
-                  <a:srgbClr val="4747FF"/>
+                  <a:srgbClr val="2F3361"/>
                 </a:solidFill>
                 <a:latin typeface="Courier New" panose="02070309020205020404" pitchFamily="49" charset="0"/>
                 <a:cs typeface="Courier New" panose="02070309020205020404" pitchFamily="49" charset="0"/>
@@ -6850,172 +7485,12 @@
           </a:p>
         </p:txBody>
       </p:sp>
-      <p:sp>
-        <p:nvSpPr>
-          <p:cNvPr id="3" name="TextBox 2">
-            <a:extLst>
-              <a:ext uri="{FF2B5EF4-FFF2-40B4-BE49-F238E27FC236}">
-                <a16:creationId xmlns:a16="http://schemas.microsoft.com/office/drawing/2014/main" id="{E36C76D5-706C-465F-83C4-2F7896E6FA9C}"/>
-              </a:ext>
-            </a:extLst>
-          </p:cNvPr>
-          <p:cNvSpPr txBox="1"/>
-          <p:nvPr/>
-        </p:nvSpPr>
-        <p:spPr>
-          <a:xfrm>
-            <a:off x="1848997" y="1720120"/>
-            <a:ext cx="292068" cy="307777"/>
-          </a:xfrm>
-          <a:prstGeom prst="rect">
-            <a:avLst/>
-          </a:prstGeom>
-          <a:noFill/>
-        </p:spPr>
-        <p:txBody>
-          <a:bodyPr wrap="none" rtlCol="0">
-            <a:spAutoFit/>
-          </a:bodyPr>
-          <a:lstStyle/>
-          <a:p>
-            <a:r>
-              <a:rPr lang="en-US" sz="1400" i="1" dirty="0">
-                <a:latin typeface="Courier New" panose="02070309020205020404" pitchFamily="49" charset="0"/>
-                <a:cs typeface="Courier New" panose="02070309020205020404" pitchFamily="49" charset="0"/>
-              </a:rPr>
-              <a:t>y</a:t>
-            </a:r>
-          </a:p>
-        </p:txBody>
-      </p:sp>
-      <p:sp>
-        <p:nvSpPr>
-          <p:cNvPr id="6" name="TextBox 5">
-            <a:extLst>
-              <a:ext uri="{FF2B5EF4-FFF2-40B4-BE49-F238E27FC236}">
-                <a16:creationId xmlns:a16="http://schemas.microsoft.com/office/drawing/2014/main" id="{1E8E6CF4-4B1B-4BDA-84FB-AF2614B5725F}"/>
-              </a:ext>
-            </a:extLst>
-          </p:cNvPr>
-          <p:cNvSpPr txBox="1"/>
-          <p:nvPr/>
-        </p:nvSpPr>
-        <p:spPr>
-          <a:xfrm>
-            <a:off x="4552121" y="4967744"/>
-            <a:ext cx="292068" cy="307777"/>
-          </a:xfrm>
-          <a:prstGeom prst="rect">
-            <a:avLst/>
-          </a:prstGeom>
-          <a:noFill/>
-        </p:spPr>
-        <p:txBody>
-          <a:bodyPr wrap="none" rtlCol="0">
-            <a:spAutoFit/>
-          </a:bodyPr>
-          <a:lstStyle/>
-          <a:p>
-            <a:r>
-              <a:rPr lang="en-US" sz="1400" i="1" dirty="0">
-                <a:latin typeface="Courier New" panose="02070309020205020404" pitchFamily="49" charset="0"/>
-                <a:cs typeface="Courier New" panose="02070309020205020404" pitchFamily="49" charset="0"/>
-              </a:rPr>
-              <a:t>x</a:t>
-            </a:r>
-          </a:p>
-        </p:txBody>
-      </p:sp>
-      <p:cxnSp>
-        <p:nvCxnSpPr>
-          <p:cNvPr id="5" name="Straight Connector 4">
-            <a:extLst>
-              <a:ext uri="{FF2B5EF4-FFF2-40B4-BE49-F238E27FC236}">
-                <a16:creationId xmlns:a16="http://schemas.microsoft.com/office/drawing/2014/main" id="{312A953D-FB29-49ED-80B8-01783FA3B963}"/>
-              </a:ext>
-            </a:extLst>
-          </p:cNvPr>
-          <p:cNvCxnSpPr>
-            <a:cxnSpLocks/>
-          </p:cNvCxnSpPr>
-          <p:nvPr/>
-        </p:nvCxnSpPr>
-        <p:spPr>
-          <a:xfrm>
-            <a:off x="1981779" y="2133600"/>
-            <a:ext cx="19880" cy="2986545"/>
-          </a:xfrm>
-          <a:prstGeom prst="line">
-            <a:avLst/>
-          </a:prstGeom>
-          <a:ln>
-            <a:headEnd type="arrow"/>
-          </a:ln>
-        </p:spPr>
-        <p:style>
-          <a:lnRef idx="1">
-            <a:schemeClr val="accent1"/>
-          </a:lnRef>
-          <a:fillRef idx="0">
-            <a:schemeClr val="accent1"/>
-          </a:fillRef>
-          <a:effectRef idx="0">
-            <a:schemeClr val="accent1"/>
-          </a:effectRef>
-          <a:fontRef idx="minor">
-            <a:schemeClr val="tx1"/>
-          </a:fontRef>
-        </p:style>
-      </p:cxnSp>
-      <p:cxnSp>
-        <p:nvCxnSpPr>
-          <p:cNvPr id="9" name="Straight Connector 8">
-            <a:extLst>
-              <a:ext uri="{FF2B5EF4-FFF2-40B4-BE49-F238E27FC236}">
-                <a16:creationId xmlns:a16="http://schemas.microsoft.com/office/drawing/2014/main" id="{24A48692-27F5-469B-BACF-B0ADB29E0832}"/>
-              </a:ext>
-            </a:extLst>
-          </p:cNvPr>
-          <p:cNvCxnSpPr>
-            <a:cxnSpLocks/>
-            <a:stCxn id="6" idx="1"/>
-          </p:cNvCxnSpPr>
-          <p:nvPr/>
-        </p:nvCxnSpPr>
-        <p:spPr>
-          <a:xfrm flipH="1" flipV="1">
-            <a:off x="2001659" y="5120145"/>
-            <a:ext cx="2550462" cy="1488"/>
-          </a:xfrm>
-          <a:prstGeom prst="line">
-            <a:avLst/>
-          </a:prstGeom>
-          <a:ln>
-            <a:headEnd type="arrow"/>
-            <a:tailEnd type="none"/>
-          </a:ln>
-        </p:spPr>
-        <p:style>
-          <a:lnRef idx="1">
-            <a:schemeClr val="accent1"/>
-          </a:lnRef>
-          <a:fillRef idx="0">
-            <a:schemeClr val="accent1"/>
-          </a:fillRef>
-          <a:effectRef idx="0">
-            <a:schemeClr val="accent1"/>
-          </a:effectRef>
-          <a:fontRef idx="minor">
-            <a:schemeClr val="tx1"/>
-          </a:fontRef>
-        </p:style>
-      </p:cxnSp>
       <p:pic>
         <p:nvPicPr>
-          <p:cNvPr id="8" name="Picture 7" descr="Chart&#10;&#10;Description automatically generated">
-            <a:extLst>
-              <a:ext uri="{FF2B5EF4-FFF2-40B4-BE49-F238E27FC236}">
-                <a16:creationId xmlns:a16="http://schemas.microsoft.com/office/drawing/2014/main" id="{0CB4695C-9BBB-44CB-8105-2908ACD5F37C}"/>
+          <p:cNvPr id="10" name="Picture 9" descr="Chart, line chart&#10;&#10;Description automatically generated">
+            <a:extLst>
+              <a:ext uri="{FF2B5EF4-FFF2-40B4-BE49-F238E27FC236}">
+                <a16:creationId xmlns:a16="http://schemas.microsoft.com/office/drawing/2014/main" id="{1153D44B-AF2C-882C-D746-32585C2FC40F}"/>
               </a:ext>
             </a:extLst>
           </p:cNvPr>
@@ -7024,7 +7499,7 @@
           </p:cNvPicPr>
           <p:nvPr/>
         </p:nvPicPr>
-        <p:blipFill>
+        <p:blipFill rotWithShape="1">
           <a:blip r:embed="rId3">
             <a:extLst>
               <a:ext uri="{28A0092B-C50C-407E-A947-70E740481C1C}">
@@ -7032,14 +7507,13 @@
               </a:ext>
             </a:extLst>
           </a:blip>
-          <a:stretch>
-            <a:fillRect/>
-          </a:stretch>
+          <a:srcRect l="1035" r="6535"/>
+          <a:stretch/>
         </p:blipFill>
         <p:spPr>
           <a:xfrm>
-            <a:off x="2114561" y="2257872"/>
-            <a:ext cx="8211827" cy="2696502"/>
+            <a:off x="303209" y="1037812"/>
+            <a:ext cx="11394621" cy="4782376"/>
           </a:xfrm>
           <a:prstGeom prst="rect">
             <a:avLst/>
@@ -7157,189 +7631,6 @@
 </p:sld>
 </file>
 
-<file path=ppt/slides/slide4.xml><?xml version="1.0" encoding="utf-8"?>
-<p:sld xmlns:a="http://schemas.openxmlformats.org/drawingml/2006/main" xmlns:r="http://schemas.openxmlformats.org/officeDocument/2006/relationships" xmlns:p="http://schemas.openxmlformats.org/presentationml/2006/main">
-  <p:cSld>
-    <p:spTree>
-      <p:nvGrpSpPr>
-        <p:cNvPr id="1" name=""/>
-        <p:cNvGrpSpPr/>
-        <p:nvPr/>
-      </p:nvGrpSpPr>
-      <p:grpSpPr>
-        <a:xfrm>
-          <a:off x="0" y="0"/>
-          <a:ext cx="0" cy="0"/>
-          <a:chOff x="0" y="0"/>
-          <a:chExt cx="0" cy="0"/>
-        </a:xfrm>
-      </p:grpSpPr>
-      <p:sp>
-        <p:nvSpPr>
-          <p:cNvPr id="4" name="TextBox 3">
-            <a:extLst>
-              <a:ext uri="{FF2B5EF4-FFF2-40B4-BE49-F238E27FC236}">
-                <a16:creationId xmlns:a16="http://schemas.microsoft.com/office/drawing/2014/main" id="{5D509CE6-8D0C-486C-BA0E-1B557584FCB2}"/>
-              </a:ext>
-            </a:extLst>
-          </p:cNvPr>
-          <p:cNvSpPr txBox="1"/>
-          <p:nvPr/>
-        </p:nvSpPr>
-        <p:spPr>
-          <a:xfrm>
-            <a:off x="0" y="6550223"/>
-            <a:ext cx="12192000" cy="307777"/>
-          </a:xfrm>
-          <a:prstGeom prst="rect">
-            <a:avLst/>
-          </a:prstGeom>
-          <a:noFill/>
-        </p:spPr>
-        <p:txBody>
-          <a:bodyPr wrap="square" rtlCol="0">
-            <a:spAutoFit/>
-          </a:bodyPr>
-          <a:lstStyle/>
-          <a:p>
-            <a:r>
-              <a:rPr lang="en-US" sz="1400" dirty="0">
-                <a:solidFill>
-                  <a:schemeClr val="tx1">
-                    <a:lumMod val="65000"/>
-                    <a:lumOff val="35000"/>
-                  </a:schemeClr>
-                </a:solidFill>
-                <a:latin typeface="+mj-lt"/>
-                <a:ea typeface="Verdana" panose="020B0604030504040204" pitchFamily="34" charset="0"/>
-              </a:rPr>
-              <a:t>Source: Glassner, A. (2021). </a:t>
-            </a:r>
-            <a:r>
-              <a:rPr lang="en-US" sz="1400" i="1" dirty="0">
-                <a:solidFill>
-                  <a:schemeClr val="tx1">
-                    <a:lumMod val="65000"/>
-                    <a:lumOff val="35000"/>
-                  </a:schemeClr>
-                </a:solidFill>
-                <a:latin typeface="+mj-lt"/>
-                <a:ea typeface="Verdana" panose="020B0604030504040204" pitchFamily="34" charset="0"/>
-              </a:rPr>
-              <a:t>Deep learning: A visual approach</a:t>
-            </a:r>
-            <a:r>
-              <a:rPr lang="en-US" sz="1400" dirty="0">
-                <a:solidFill>
-                  <a:schemeClr val="tx1">
-                    <a:lumMod val="65000"/>
-                    <a:lumOff val="35000"/>
-                  </a:schemeClr>
-                </a:solidFill>
-                <a:latin typeface="+mj-lt"/>
-                <a:ea typeface="Verdana" panose="020B0604030504040204" pitchFamily="34" charset="0"/>
-              </a:rPr>
-              <a:t>. </a:t>
-            </a:r>
-            <a:r>
-              <a:rPr lang="en-US" sz="1400" b="0" i="0" dirty="0">
-                <a:solidFill>
-                  <a:schemeClr val="tx1">
-                    <a:lumMod val="65000"/>
-                    <a:lumOff val="35000"/>
-                  </a:schemeClr>
-                </a:solidFill>
-                <a:effectLst/>
-                <a:latin typeface="+mj-lt"/>
-                <a:ea typeface="Verdana" panose="020B0604030504040204" pitchFamily="34" charset="0"/>
-              </a:rPr>
-              <a:t>San Francisco, CA: No Starch Press. (Chapter 13)</a:t>
-            </a:r>
-            <a:endParaRPr lang="en-US" sz="1400" dirty="0">
-              <a:solidFill>
-                <a:schemeClr val="tx1">
-                  <a:lumMod val="65000"/>
-                  <a:lumOff val="35000"/>
-                </a:schemeClr>
-              </a:solidFill>
-              <a:latin typeface="+mj-lt"/>
-              <a:ea typeface="Verdana" panose="020B0604030504040204" pitchFamily="34" charset="0"/>
-            </a:endParaRPr>
-          </a:p>
-        </p:txBody>
-      </p:sp>
-      <p:pic>
-        <p:nvPicPr>
-          <p:cNvPr id="5" name="Picture 2" descr="F13023">
-            <a:extLst>
-              <a:ext uri="{FF2B5EF4-FFF2-40B4-BE49-F238E27FC236}">
-                <a16:creationId xmlns:a16="http://schemas.microsoft.com/office/drawing/2014/main" id="{8228750C-0D30-4367-BD35-78C99F4E179D}"/>
-              </a:ext>
-            </a:extLst>
-          </p:cNvPr>
-          <p:cNvPicPr>
-            <a:picLocks noChangeAspect="1" noChangeArrowheads="1"/>
-          </p:cNvPicPr>
-          <p:nvPr/>
-        </p:nvPicPr>
-        <p:blipFill>
-          <a:blip r:embed="rId3">
-            <a:extLst>
-              <a:ext uri="{28A0092B-C50C-407E-A947-70E740481C1C}">
-                <a14:useLocalDpi xmlns:a14="http://schemas.microsoft.com/office/drawing/2010/main" val="0"/>
-              </a:ext>
-            </a:extLst>
-          </a:blip>
-          <a:srcRect/>
-          <a:stretch>
-            <a:fillRect/>
-          </a:stretch>
-        </p:blipFill>
-        <p:spPr bwMode="auto">
-          <a:xfrm>
-            <a:off x="3661891" y="909334"/>
-            <a:ext cx="4868217" cy="5039331"/>
-          </a:xfrm>
-          <a:prstGeom prst="rect">
-            <a:avLst/>
-          </a:prstGeom>
-          <a:noFill/>
-          <a:extLst>
-            <a:ext uri="{909E8E84-426E-40DD-AFC4-6F175D3DCCD1}">
-              <a14:hiddenFill xmlns:a14="http://schemas.microsoft.com/office/drawing/2010/main">
-                <a:solidFill>
-                  <a:srgbClr val="FFFFFF"/>
-                </a:solidFill>
-              </a14:hiddenFill>
-            </a:ext>
-          </a:extLst>
-        </p:spPr>
-      </p:pic>
-    </p:spTree>
-    <p:extLst>
-      <p:ext uri="{BB962C8B-B14F-4D97-AF65-F5344CB8AC3E}">
-        <p14:creationId xmlns:p14="http://schemas.microsoft.com/office/powerpoint/2010/main" val="3540474055"/>
-      </p:ext>
-    </p:extLst>
-  </p:cSld>
-  <p:clrMapOvr>
-    <a:masterClrMapping/>
-  </p:clrMapOvr>
-  <mc:AlternateContent xmlns:mc="http://schemas.openxmlformats.org/markup-compatibility/2006" xmlns:p14="http://schemas.microsoft.com/office/powerpoint/2010/main">
-    <mc:Choice Requires="p14">
-      <p:transition spd="med" p14:dur="700">
-        <p:fade/>
-      </p:transition>
-    </mc:Choice>
-    <mc:Fallback xmlns="">
-      <p:transition spd="med">
-        <p:fade/>
-      </p:transition>
-    </mc:Fallback>
-  </mc:AlternateContent>
-</p:sld>
-</file>
-
 <file path=ppt/slides/slide5.xml><?xml version="1.0" encoding="utf-8"?>
 <p:sld xmlns:a="http://schemas.openxmlformats.org/drawingml/2006/main" xmlns:r="http://schemas.openxmlformats.org/officeDocument/2006/relationships" xmlns:p="http://schemas.openxmlformats.org/presentationml/2006/main">
   <p:cSld>
@@ -7453,10 +7744,10 @@
       </p:sp>
       <p:pic>
         <p:nvPicPr>
-          <p:cNvPr id="3074" name="Picture 2" descr="F13031">
-            <a:extLst>
-              <a:ext uri="{FF2B5EF4-FFF2-40B4-BE49-F238E27FC236}">
-                <a16:creationId xmlns:a16="http://schemas.microsoft.com/office/drawing/2014/main" id="{FE32D917-19C8-425A-8F62-32045418BE85}"/>
+          <p:cNvPr id="3074" name="Picture 2" descr="A graph represents the ReLU activation function.">
+            <a:extLst>
+              <a:ext uri="{FF2B5EF4-FFF2-40B4-BE49-F238E27FC236}">
+                <a16:creationId xmlns:a16="http://schemas.microsoft.com/office/drawing/2014/main" id="{FB881738-454E-22F6-E572-67299628381B}"/>
               </a:ext>
             </a:extLst>
           </p:cNvPr>
@@ -7480,8 +7771,8 @@
         </p:blipFill>
         <p:spPr bwMode="auto">
           <a:xfrm>
-            <a:off x="3661891" y="969849"/>
-            <a:ext cx="4868217" cy="4918302"/>
+            <a:off x="12304735" y="0"/>
+            <a:ext cx="2070001" cy="1090357"/>
           </a:xfrm>
           <a:prstGeom prst="rect">
             <a:avLst/>
@@ -7498,10 +7789,45 @@
           </a:extLst>
         </p:spPr>
       </p:pic>
+      <p:pic>
+        <p:nvPicPr>
+          <p:cNvPr id="6" name="Picture 5" descr="Chart&#10;&#10;Description automatically generated">
+            <a:extLst>
+              <a:ext uri="{FF2B5EF4-FFF2-40B4-BE49-F238E27FC236}">
+                <a16:creationId xmlns:a16="http://schemas.microsoft.com/office/drawing/2014/main" id="{B4F6A46C-649E-CE88-BFBF-83F9ADFAF1ED}"/>
+              </a:ext>
+            </a:extLst>
+          </p:cNvPr>
+          <p:cNvPicPr>
+            <a:picLocks noChangeAspect="1"/>
+          </p:cNvPicPr>
+          <p:nvPr/>
+        </p:nvPicPr>
+        <p:blipFill rotWithShape="1">
+          <a:blip r:embed="rId4">
+            <a:extLst>
+              <a:ext uri="{28A0092B-C50C-407E-A947-70E740481C1C}">
+                <a14:useLocalDpi xmlns:a14="http://schemas.microsoft.com/office/drawing/2010/main" val="0"/>
+              </a:ext>
+            </a:extLst>
+          </a:blip>
+          <a:srcRect t="4673"/>
+          <a:stretch/>
+        </p:blipFill>
+        <p:spPr>
+          <a:xfrm>
+            <a:off x="2209800" y="171450"/>
+            <a:ext cx="6810900" cy="6378773"/>
+          </a:xfrm>
+          <a:prstGeom prst="rect">
+            <a:avLst/>
+          </a:prstGeom>
+        </p:spPr>
+      </p:pic>
     </p:spTree>
     <p:extLst>
       <p:ext uri="{BB962C8B-B14F-4D97-AF65-F5344CB8AC3E}">
-        <p14:creationId xmlns:p14="http://schemas.microsoft.com/office/powerpoint/2010/main" val="207206121"/>
+        <p14:creationId xmlns:p14="http://schemas.microsoft.com/office/powerpoint/2010/main" val="3540474055"/>
       </p:ext>
     </p:extLst>
   </p:cSld>
@@ -7636,10 +7962,10 @@
       </p:sp>
       <p:pic>
         <p:nvPicPr>
-          <p:cNvPr id="4098" name="Picture 2" descr="F13032">
-            <a:extLst>
-              <a:ext uri="{FF2B5EF4-FFF2-40B4-BE49-F238E27FC236}">
-                <a16:creationId xmlns:a16="http://schemas.microsoft.com/office/drawing/2014/main" id="{AE6316DE-1ED1-4A08-B4D7-CEFE16BD119E}"/>
+          <p:cNvPr id="1026" name="Picture 2" descr="A graph represents the sigmoid activation function.">
+            <a:extLst>
+              <a:ext uri="{FF2B5EF4-FFF2-40B4-BE49-F238E27FC236}">
+                <a16:creationId xmlns:a16="http://schemas.microsoft.com/office/drawing/2014/main" id="{AC37AACC-2320-AC40-A743-C09CE4716C65}"/>
               </a:ext>
             </a:extLst>
           </p:cNvPr>
@@ -7663,8 +7989,8 @@
         </p:blipFill>
         <p:spPr bwMode="auto">
           <a:xfrm>
-            <a:off x="3781425" y="1047750"/>
-            <a:ext cx="4629150" cy="4762500"/>
+            <a:off x="12279682" y="-1"/>
+            <a:ext cx="2286466" cy="1540701"/>
           </a:xfrm>
           <a:prstGeom prst="rect">
             <a:avLst/>
@@ -7679,6 +8005,259 @@
               </a14:hiddenFill>
             </a:ext>
           </a:extLst>
+        </p:spPr>
+      </p:pic>
+      <p:pic>
+        <p:nvPicPr>
+          <p:cNvPr id="5" name="Picture 4" descr="Chart&#10;&#10;Description automatically generated">
+            <a:extLst>
+              <a:ext uri="{FF2B5EF4-FFF2-40B4-BE49-F238E27FC236}">
+                <a16:creationId xmlns:a16="http://schemas.microsoft.com/office/drawing/2014/main" id="{4BC26F65-2CC6-2501-60AC-F3CD645FA1CE}"/>
+              </a:ext>
+            </a:extLst>
+          </p:cNvPr>
+          <p:cNvPicPr>
+            <a:picLocks noChangeAspect="1"/>
+          </p:cNvPicPr>
+          <p:nvPr/>
+        </p:nvPicPr>
+        <p:blipFill rotWithShape="1">
+          <a:blip r:embed="rId4">
+            <a:extLst>
+              <a:ext uri="{28A0092B-C50C-407E-A947-70E740481C1C}">
+                <a14:useLocalDpi xmlns:a14="http://schemas.microsoft.com/office/drawing/2010/main" val="0"/>
+              </a:ext>
+            </a:extLst>
+          </a:blip>
+          <a:srcRect t="4445"/>
+          <a:stretch/>
+        </p:blipFill>
+        <p:spPr>
+          <a:xfrm>
+            <a:off x="2426079" y="304800"/>
+            <a:ext cx="7022721" cy="6270066"/>
+          </a:xfrm>
+          <a:prstGeom prst="rect">
+            <a:avLst/>
+          </a:prstGeom>
+        </p:spPr>
+      </p:pic>
+    </p:spTree>
+    <p:extLst>
+      <p:ext uri="{BB962C8B-B14F-4D97-AF65-F5344CB8AC3E}">
+        <p14:creationId xmlns:p14="http://schemas.microsoft.com/office/powerpoint/2010/main" val="207206121"/>
+      </p:ext>
+    </p:extLst>
+  </p:cSld>
+  <p:clrMapOvr>
+    <a:masterClrMapping/>
+  </p:clrMapOvr>
+  <mc:AlternateContent xmlns:mc="http://schemas.openxmlformats.org/markup-compatibility/2006" xmlns:p14="http://schemas.microsoft.com/office/powerpoint/2010/main">
+    <mc:Choice Requires="p14">
+      <p:transition spd="med" p14:dur="700">
+        <p:fade/>
+      </p:transition>
+    </mc:Choice>
+    <mc:Fallback xmlns="">
+      <p:transition spd="med">
+        <p:fade/>
+      </p:transition>
+    </mc:Fallback>
+  </mc:AlternateContent>
+</p:sld>
+</file>
+
+<file path=ppt/slides/slide7.xml><?xml version="1.0" encoding="utf-8"?>
+<p:sld xmlns:a="http://schemas.openxmlformats.org/drawingml/2006/main" xmlns:r="http://schemas.openxmlformats.org/officeDocument/2006/relationships" xmlns:p="http://schemas.openxmlformats.org/presentationml/2006/main">
+  <p:cSld>
+    <p:spTree>
+      <p:nvGrpSpPr>
+        <p:cNvPr id="1" name=""/>
+        <p:cNvGrpSpPr/>
+        <p:nvPr/>
+      </p:nvGrpSpPr>
+      <p:grpSpPr>
+        <a:xfrm>
+          <a:off x="0" y="0"/>
+          <a:ext cx="0" cy="0"/>
+          <a:chOff x="0" y="0"/>
+          <a:chExt cx="0" cy="0"/>
+        </a:xfrm>
+      </p:grpSpPr>
+      <p:sp>
+        <p:nvSpPr>
+          <p:cNvPr id="4" name="TextBox 3">
+            <a:extLst>
+              <a:ext uri="{FF2B5EF4-FFF2-40B4-BE49-F238E27FC236}">
+                <a16:creationId xmlns:a16="http://schemas.microsoft.com/office/drawing/2014/main" id="{5D509CE6-8D0C-486C-BA0E-1B557584FCB2}"/>
+              </a:ext>
+            </a:extLst>
+          </p:cNvPr>
+          <p:cNvSpPr txBox="1"/>
+          <p:nvPr/>
+        </p:nvSpPr>
+        <p:spPr>
+          <a:xfrm>
+            <a:off x="0" y="6550223"/>
+            <a:ext cx="12192000" cy="307777"/>
+          </a:xfrm>
+          <a:prstGeom prst="rect">
+            <a:avLst/>
+          </a:prstGeom>
+          <a:noFill/>
+        </p:spPr>
+        <p:txBody>
+          <a:bodyPr wrap="square" rtlCol="0">
+            <a:spAutoFit/>
+          </a:bodyPr>
+          <a:lstStyle/>
+          <a:p>
+            <a:r>
+              <a:rPr lang="en-US" sz="1400" dirty="0">
+                <a:solidFill>
+                  <a:schemeClr val="tx1">
+                    <a:lumMod val="65000"/>
+                    <a:lumOff val="35000"/>
+                  </a:schemeClr>
+                </a:solidFill>
+                <a:latin typeface="+mj-lt"/>
+                <a:ea typeface="Verdana" panose="020B0604030504040204" pitchFamily="34" charset="0"/>
+              </a:rPr>
+              <a:t>Source: Glassner, A. (2021). </a:t>
+            </a:r>
+            <a:r>
+              <a:rPr lang="en-US" sz="1400" i="1" dirty="0">
+                <a:solidFill>
+                  <a:schemeClr val="tx1">
+                    <a:lumMod val="65000"/>
+                    <a:lumOff val="35000"/>
+                  </a:schemeClr>
+                </a:solidFill>
+                <a:latin typeface="+mj-lt"/>
+                <a:ea typeface="Verdana" panose="020B0604030504040204" pitchFamily="34" charset="0"/>
+              </a:rPr>
+              <a:t>Deep learning: A visual approach</a:t>
+            </a:r>
+            <a:r>
+              <a:rPr lang="en-US" sz="1400" dirty="0">
+                <a:solidFill>
+                  <a:schemeClr val="tx1">
+                    <a:lumMod val="65000"/>
+                    <a:lumOff val="35000"/>
+                  </a:schemeClr>
+                </a:solidFill>
+                <a:latin typeface="+mj-lt"/>
+                <a:ea typeface="Verdana" panose="020B0604030504040204" pitchFamily="34" charset="0"/>
+              </a:rPr>
+              <a:t>. </a:t>
+            </a:r>
+            <a:r>
+              <a:rPr lang="en-US" sz="1400" b="0" i="0" dirty="0">
+                <a:solidFill>
+                  <a:schemeClr val="tx1">
+                    <a:lumMod val="65000"/>
+                    <a:lumOff val="35000"/>
+                  </a:schemeClr>
+                </a:solidFill>
+                <a:effectLst/>
+                <a:latin typeface="+mj-lt"/>
+                <a:ea typeface="Verdana" panose="020B0604030504040204" pitchFamily="34" charset="0"/>
+              </a:rPr>
+              <a:t>San Francisco, CA: No Starch Press. (Chapter 13)</a:t>
+            </a:r>
+            <a:endParaRPr lang="en-US" sz="1400" dirty="0">
+              <a:solidFill>
+                <a:schemeClr val="tx1">
+                  <a:lumMod val="65000"/>
+                  <a:lumOff val="35000"/>
+                </a:schemeClr>
+              </a:solidFill>
+              <a:latin typeface="+mj-lt"/>
+              <a:ea typeface="Verdana" panose="020B0604030504040204" pitchFamily="34" charset="0"/>
+            </a:endParaRPr>
+          </a:p>
+        </p:txBody>
+      </p:sp>
+      <p:pic>
+        <p:nvPicPr>
+          <p:cNvPr id="2050" name="Picture 2" descr="A graph represents the tan hyperbolic h activation function.">
+            <a:extLst>
+              <a:ext uri="{FF2B5EF4-FFF2-40B4-BE49-F238E27FC236}">
+                <a16:creationId xmlns:a16="http://schemas.microsoft.com/office/drawing/2014/main" id="{26252BC7-03E8-5301-369B-05EE470EF1DC}"/>
+              </a:ext>
+            </a:extLst>
+          </p:cNvPr>
+          <p:cNvPicPr>
+            <a:picLocks noChangeAspect="1" noChangeArrowheads="1"/>
+          </p:cNvPicPr>
+          <p:nvPr/>
+        </p:nvPicPr>
+        <p:blipFill>
+          <a:blip r:embed="rId3">
+            <a:extLst>
+              <a:ext uri="{28A0092B-C50C-407E-A947-70E740481C1C}">
+                <a14:useLocalDpi xmlns:a14="http://schemas.microsoft.com/office/drawing/2010/main" val="0"/>
+              </a:ext>
+            </a:extLst>
+          </a:blip>
+          <a:srcRect/>
+          <a:stretch>
+            <a:fillRect/>
+          </a:stretch>
+        </p:blipFill>
+        <p:spPr bwMode="auto">
+          <a:xfrm>
+            <a:off x="12292208" y="0"/>
+            <a:ext cx="2232719" cy="1504485"/>
+          </a:xfrm>
+          <a:prstGeom prst="rect">
+            <a:avLst/>
+          </a:prstGeom>
+          <a:noFill/>
+          <a:extLst>
+            <a:ext uri="{909E8E84-426E-40DD-AFC4-6F175D3DCCD1}">
+              <a14:hiddenFill xmlns:a14="http://schemas.microsoft.com/office/drawing/2010/main">
+                <a:solidFill>
+                  <a:srgbClr val="FFFFFF"/>
+                </a:solidFill>
+              </a14:hiddenFill>
+            </a:ext>
+          </a:extLst>
+        </p:spPr>
+      </p:pic>
+      <p:pic>
+        <p:nvPicPr>
+          <p:cNvPr id="5" name="Picture 4">
+            <a:extLst>
+              <a:ext uri="{FF2B5EF4-FFF2-40B4-BE49-F238E27FC236}">
+                <a16:creationId xmlns:a16="http://schemas.microsoft.com/office/drawing/2014/main" id="{63C27AEC-A19F-0AB7-8D8C-2AC325727C9F}"/>
+              </a:ext>
+            </a:extLst>
+          </p:cNvPr>
+          <p:cNvPicPr>
+            <a:picLocks noChangeAspect="1"/>
+          </p:cNvPicPr>
+          <p:nvPr/>
+        </p:nvPicPr>
+        <p:blipFill rotWithShape="1">
+          <a:blip r:embed="rId4">
+            <a:extLst>
+              <a:ext uri="{28A0092B-C50C-407E-A947-70E740481C1C}">
+                <a14:useLocalDpi xmlns:a14="http://schemas.microsoft.com/office/drawing/2010/main" val="0"/>
+              </a:ext>
+            </a:extLst>
+          </a:blip>
+          <a:srcRect t="5556" b="2500"/>
+          <a:stretch/>
+        </p:blipFill>
+        <p:spPr>
+          <a:xfrm>
+            <a:off x="2433736" y="0"/>
+            <a:ext cx="6981627" cy="6550223"/>
+          </a:xfrm>
+          <a:prstGeom prst="rect">
+            <a:avLst/>
+          </a:prstGeom>
         </p:spPr>
       </p:pic>
     </p:spTree>
@@ -7706,7 +8285,7 @@
 </p:sld>
 </file>
 
-<file path=ppt/slides/slide7.xml><?xml version="1.0" encoding="utf-8"?>
+<file path=ppt/slides/slide8.xml><?xml version="1.0" encoding="utf-8"?>
 <p:sld xmlns:a="http://schemas.openxmlformats.org/drawingml/2006/main" xmlns:r="http://schemas.openxmlformats.org/officeDocument/2006/relationships" xmlns:p="http://schemas.openxmlformats.org/presentationml/2006/main">
   <p:cSld>
     <p:spTree>
@@ -8020,7 +8599,7 @@
 </p:sld>
 </file>
 
-<file path=ppt/slides/slide8.xml><?xml version="1.0" encoding="utf-8"?>
+<file path=ppt/slides/slide9.xml><?xml version="1.0" encoding="utf-8"?>
 <p:sld xmlns:a="http://schemas.openxmlformats.org/drawingml/2006/main" xmlns:r="http://schemas.openxmlformats.org/officeDocument/2006/relationships" xmlns:p="http://schemas.openxmlformats.org/presentationml/2006/main">
   <p:cSld>
     <p:spTree>
@@ -8182,130 +8761,6 @@
     <p:extLst>
       <p:ext uri="{BB962C8B-B14F-4D97-AF65-F5344CB8AC3E}">
         <p14:creationId xmlns:p14="http://schemas.microsoft.com/office/powerpoint/2010/main" val="2177157636"/>
-      </p:ext>
-    </p:extLst>
-  </p:cSld>
-  <p:clrMapOvr>
-    <a:masterClrMapping/>
-  </p:clrMapOvr>
-  <mc:AlternateContent xmlns:mc="http://schemas.openxmlformats.org/markup-compatibility/2006" xmlns:p14="http://schemas.microsoft.com/office/powerpoint/2010/main">
-    <mc:Choice Requires="p14">
-      <p:transition spd="med" p14:dur="700">
-        <p:fade/>
-      </p:transition>
-    </mc:Choice>
-    <mc:Fallback xmlns="">
-      <p:transition spd="med">
-        <p:fade/>
-      </p:transition>
-    </mc:Fallback>
-  </mc:AlternateContent>
-</p:sld>
-</file>
-
-<file path=ppt/slides/slide9.xml><?xml version="1.0" encoding="utf-8"?>
-<p:sld xmlns:a="http://schemas.openxmlformats.org/drawingml/2006/main" xmlns:r="http://schemas.openxmlformats.org/officeDocument/2006/relationships" xmlns:p="http://schemas.openxmlformats.org/presentationml/2006/main">
-  <p:cSld>
-    <p:spTree>
-      <p:nvGrpSpPr>
-        <p:cNvPr id="1" name=""/>
-        <p:cNvGrpSpPr/>
-        <p:nvPr/>
-      </p:nvGrpSpPr>
-      <p:grpSpPr>
-        <a:xfrm>
-          <a:off x="0" y="0"/>
-          <a:ext cx="0" cy="0"/>
-          <a:chOff x="0" y="0"/>
-          <a:chExt cx="0" cy="0"/>
-        </a:xfrm>
-      </p:grpSpPr>
-      <p:pic>
-        <p:nvPicPr>
-          <p:cNvPr id="4" name="Picture 3">
-            <a:extLst>
-              <a:ext uri="{FF2B5EF4-FFF2-40B4-BE49-F238E27FC236}">
-                <a16:creationId xmlns:a16="http://schemas.microsoft.com/office/drawing/2014/main" id="{76E66F2E-C91C-4311-B65A-B61BFBC7CF8F}"/>
-              </a:ext>
-            </a:extLst>
-          </p:cNvPr>
-          <p:cNvPicPr>
-            <a:picLocks noChangeAspect="1"/>
-          </p:cNvPicPr>
-          <p:nvPr/>
-        </p:nvPicPr>
-        <p:blipFill>
-          <a:blip r:embed="rId3">
-            <a:extLst>
-              <a:ext uri="{28A0092B-C50C-407E-A947-70E740481C1C}">
-                <a14:useLocalDpi xmlns:a14="http://schemas.microsoft.com/office/drawing/2010/main"/>
-              </a:ext>
-            </a:extLst>
-          </a:blip>
-          <a:stretch>
-            <a:fillRect/>
-          </a:stretch>
-        </p:blipFill>
-        <p:spPr>
-          <a:xfrm>
-            <a:off x="0" y="365760"/>
-            <a:ext cx="3233668" cy="805144"/>
-          </a:xfrm>
-          <a:prstGeom prst="rect">
-            <a:avLst/>
-          </a:prstGeom>
-        </p:spPr>
-      </p:pic>
-      <p:pic>
-        <p:nvPicPr>
-          <p:cNvPr id="3" name="Picture 2">
-            <a:extLst>
-              <a:ext uri="{FF2B5EF4-FFF2-40B4-BE49-F238E27FC236}">
-                <a16:creationId xmlns:a16="http://schemas.microsoft.com/office/drawing/2014/main" id="{6818FEE8-D9DB-43B3-A9CB-DD82942AF9ED}"/>
-              </a:ext>
-            </a:extLst>
-          </p:cNvPr>
-          <p:cNvPicPr>
-            <a:picLocks noChangeAspect="1"/>
-          </p:cNvPicPr>
-          <p:nvPr/>
-        </p:nvPicPr>
-        <p:blipFill>
-          <a:blip r:embed="rId4">
-            <a:clrChange>
-              <a:clrFrom>
-                <a:srgbClr val="F8F9FA"/>
-              </a:clrFrom>
-              <a:clrTo>
-                <a:srgbClr val="F8F9FA">
-                  <a:alpha val="0"/>
-                </a:srgbClr>
-              </a:clrTo>
-            </a:clrChange>
-            <a:extLst>
-              <a:ext uri="{28A0092B-C50C-407E-A947-70E740481C1C}">
-                <a14:useLocalDpi xmlns:a14="http://schemas.microsoft.com/office/drawing/2010/main"/>
-              </a:ext>
-            </a:extLst>
-          </a:blip>
-          <a:stretch>
-            <a:fillRect/>
-          </a:stretch>
-        </p:blipFill>
-        <p:spPr>
-          <a:xfrm>
-            <a:off x="3767137" y="2524125"/>
-            <a:ext cx="4657725" cy="1809750"/>
-          </a:xfrm>
-          <a:prstGeom prst="rect">
-            <a:avLst/>
-          </a:prstGeom>
-        </p:spPr>
-      </p:pic>
-    </p:spTree>
-    <p:extLst>
-      <p:ext uri="{BB962C8B-B14F-4D97-AF65-F5344CB8AC3E}">
-        <p14:creationId xmlns:p14="http://schemas.microsoft.com/office/powerpoint/2010/main" val="4119545744"/>
       </p:ext>
     </p:extLst>
   </p:cSld>

--- a/presentations/02.2_activation_functions.pptx
+++ b/presentations/02.2_activation_functions.pptx
@@ -221,7 +221,7 @@
           <a:p>
             <a:fld id="{FD93C9B2-20F6-4DB1-B471-224337D0AC79}" type="datetimeFigureOut">
               <a:rPr lang="en-US" smtClean="0"/>
-              <a:t>10/10/2022</a:t>
+              <a:t>11/1/2022</a:t>
             </a:fld>
             <a:endParaRPr lang="en-US"/>
           </a:p>
@@ -2574,7 +2574,7 @@
           <a:p>
             <a:fld id="{C3F78080-8D0A-4BE8-A5B4-CB115102D524}" type="datetimeFigureOut">
               <a:rPr lang="en-US" smtClean="0"/>
-              <a:t>10/10/2022</a:t>
+              <a:t>11/1/2022</a:t>
             </a:fld>
             <a:endParaRPr lang="en-US"/>
           </a:p>
@@ -2772,7 +2772,7 @@
           <a:p>
             <a:fld id="{C3F78080-8D0A-4BE8-A5B4-CB115102D524}" type="datetimeFigureOut">
               <a:rPr lang="en-US" smtClean="0"/>
-              <a:t>10/10/2022</a:t>
+              <a:t>11/1/2022</a:t>
             </a:fld>
             <a:endParaRPr lang="en-US"/>
           </a:p>
@@ -2980,7 +2980,7 @@
           <a:p>
             <a:fld id="{C3F78080-8D0A-4BE8-A5B4-CB115102D524}" type="datetimeFigureOut">
               <a:rPr lang="en-US" smtClean="0"/>
-              <a:t>10/10/2022</a:t>
+              <a:t>11/1/2022</a:t>
             </a:fld>
             <a:endParaRPr lang="en-US"/>
           </a:p>
@@ -3178,7 +3178,7 @@
           <a:p>
             <a:fld id="{C3F78080-8D0A-4BE8-A5B4-CB115102D524}" type="datetimeFigureOut">
               <a:rPr lang="en-US" smtClean="0"/>
-              <a:t>10/10/2022</a:t>
+              <a:t>11/1/2022</a:t>
             </a:fld>
             <a:endParaRPr lang="en-US"/>
           </a:p>
@@ -3453,7 +3453,7 @@
           <a:p>
             <a:fld id="{C3F78080-8D0A-4BE8-A5B4-CB115102D524}" type="datetimeFigureOut">
               <a:rPr lang="en-US" smtClean="0"/>
-              <a:t>10/10/2022</a:t>
+              <a:t>11/1/2022</a:t>
             </a:fld>
             <a:endParaRPr lang="en-US"/>
           </a:p>
@@ -3718,7 +3718,7 @@
           <a:p>
             <a:fld id="{C3F78080-8D0A-4BE8-A5B4-CB115102D524}" type="datetimeFigureOut">
               <a:rPr lang="en-US" smtClean="0"/>
-              <a:t>10/10/2022</a:t>
+              <a:t>11/1/2022</a:t>
             </a:fld>
             <a:endParaRPr lang="en-US"/>
           </a:p>
@@ -4130,7 +4130,7 @@
           <a:p>
             <a:fld id="{C3F78080-8D0A-4BE8-A5B4-CB115102D524}" type="datetimeFigureOut">
               <a:rPr lang="en-US" smtClean="0"/>
-              <a:t>10/10/2022</a:t>
+              <a:t>11/1/2022</a:t>
             </a:fld>
             <a:endParaRPr lang="en-US"/>
           </a:p>
@@ -4271,7 +4271,7 @@
           <a:p>
             <a:fld id="{C3F78080-8D0A-4BE8-A5B4-CB115102D524}" type="datetimeFigureOut">
               <a:rPr lang="en-US" smtClean="0"/>
-              <a:t>10/10/2022</a:t>
+              <a:t>11/1/2022</a:t>
             </a:fld>
             <a:endParaRPr lang="en-US"/>
           </a:p>
@@ -4384,7 +4384,7 @@
           <a:p>
             <a:fld id="{C3F78080-8D0A-4BE8-A5B4-CB115102D524}" type="datetimeFigureOut">
               <a:rPr lang="en-US" smtClean="0"/>
-              <a:t>10/10/2022</a:t>
+              <a:t>11/1/2022</a:t>
             </a:fld>
             <a:endParaRPr lang="en-US"/>
           </a:p>
@@ -4695,7 +4695,7 @@
           <a:p>
             <a:fld id="{C3F78080-8D0A-4BE8-A5B4-CB115102D524}" type="datetimeFigureOut">
               <a:rPr lang="en-US" smtClean="0"/>
-              <a:t>10/10/2022</a:t>
+              <a:t>11/1/2022</a:t>
             </a:fld>
             <a:endParaRPr lang="en-US"/>
           </a:p>
@@ -4983,7 +4983,7 @@
           <a:p>
             <a:fld id="{C3F78080-8D0A-4BE8-A5B4-CB115102D524}" type="datetimeFigureOut">
               <a:rPr lang="en-US" smtClean="0"/>
-              <a:t>10/10/2022</a:t>
+              <a:t>11/1/2022</a:t>
             </a:fld>
             <a:endParaRPr lang="en-US"/>
           </a:p>
@@ -5224,7 +5224,7 @@
           <a:p>
             <a:fld id="{C3F78080-8D0A-4BE8-A5B4-CB115102D524}" type="datetimeFigureOut">
               <a:rPr lang="en-US" smtClean="0"/>
-              <a:t>10/10/2022</a:t>
+              <a:t>11/1/2022</a:t>
             </a:fld>
             <a:endParaRPr lang="en-US"/>
           </a:p>
@@ -5659,7 +5659,7 @@
         </p:nvSpPr>
         <p:spPr>
           <a:xfrm>
-            <a:off x="844550" y="5105707"/>
+            <a:off x="521820" y="5105708"/>
             <a:ext cx="10515600" cy="670560"/>
           </a:xfrm>
         </p:spPr>
@@ -5669,7 +5669,7 @@
           <a:p>
             <a:r>
               <a:rPr lang="en-US" dirty="0">
-                <a:latin typeface="Palatino Linotype" panose="02040502050505030304" pitchFamily="18" charset="0"/>
+                <a:latin typeface="Avenir" panose="02000503020000020003" pitchFamily="2" charset="0"/>
                 <a:cs typeface="Segoe UI" panose="020B0502040204020203" pitchFamily="34" charset="0"/>
               </a:rPr>
               <a:t>Activation Functions</a:t>
@@ -5679,10 +5679,10 @@
       </p:sp>
       <p:pic>
         <p:nvPicPr>
-          <p:cNvPr id="7" name="Picture 6" descr="A picture containing text, clipart&#10;&#10;Description automatically generated">
-            <a:extLst>
-              <a:ext uri="{FF2B5EF4-FFF2-40B4-BE49-F238E27FC236}">
-                <a16:creationId xmlns:a16="http://schemas.microsoft.com/office/drawing/2014/main" id="{77FCCB67-39FD-4BE1-9A26-C0B1DF410887}"/>
+          <p:cNvPr id="5" name="Picture 4" descr="Logo&#10;&#10;Description automatically generated">
+            <a:extLst>
+              <a:ext uri="{FF2B5EF4-FFF2-40B4-BE49-F238E27FC236}">
+                <a16:creationId xmlns:a16="http://schemas.microsoft.com/office/drawing/2014/main" id="{7F7BF620-C5B3-4B39-18B0-5B3D447BDEBB}"/>
               </a:ext>
             </a:extLst>
           </p:cNvPr>
@@ -5705,8 +5705,44 @@
         </p:blipFill>
         <p:spPr>
           <a:xfrm>
-            <a:off x="844551" y="3633112"/>
-            <a:ext cx="6154487" cy="1268482"/>
+            <a:off x="147918" y="3159872"/>
+            <a:ext cx="7772400" cy="2109073"/>
+          </a:xfrm>
+          <a:prstGeom prst="rect">
+            <a:avLst/>
+          </a:prstGeom>
+        </p:spPr>
+      </p:pic>
+      <p:pic>
+        <p:nvPicPr>
+          <p:cNvPr id="7" name="Picture 6" descr="Logo, icon&#10;&#10;Description automatically generated">
+            <a:extLst>
+              <a:ext uri="{FF2B5EF4-FFF2-40B4-BE49-F238E27FC236}">
+                <a16:creationId xmlns:a16="http://schemas.microsoft.com/office/drawing/2014/main" id="{7BBCC340-6080-FBFA-F2B4-FFF558BBC298}"/>
+              </a:ext>
+            </a:extLst>
+          </p:cNvPr>
+          <p:cNvPicPr>
+            <a:picLocks noChangeAspect="1"/>
+          </p:cNvPicPr>
+          <p:nvPr/>
+        </p:nvPicPr>
+        <p:blipFill>
+          <a:blip r:embed="rId4">
+            <a:extLst>
+              <a:ext uri="{28A0092B-C50C-407E-A947-70E740481C1C}">
+                <a14:useLocalDpi xmlns:a14="http://schemas.microsoft.com/office/drawing/2010/main" val="0"/>
+              </a:ext>
+            </a:extLst>
+          </a:blip>
+          <a:stretch>
+            <a:fillRect/>
+          </a:stretch>
+        </p:blipFill>
+        <p:spPr>
+          <a:xfrm>
+            <a:off x="11362821" y="6028821"/>
+            <a:ext cx="829179" cy="829179"/>
           </a:xfrm>
           <a:prstGeom prst="rect">
             <a:avLst/>
@@ -5757,10 +5793,10 @@
       </p:grpSpPr>
       <p:pic>
         <p:nvPicPr>
-          <p:cNvPr id="4" name="Picture 3">
-            <a:extLst>
-              <a:ext uri="{FF2B5EF4-FFF2-40B4-BE49-F238E27FC236}">
-                <a16:creationId xmlns:a16="http://schemas.microsoft.com/office/drawing/2014/main" id="{76E66F2E-C91C-4311-B65A-B61BFBC7CF8F}"/>
+          <p:cNvPr id="9" name="Picture 8" descr="Shape&#10;&#10;Description automatically generated with medium confidence">
+            <a:extLst>
+              <a:ext uri="{FF2B5EF4-FFF2-40B4-BE49-F238E27FC236}">
+                <a16:creationId xmlns:a16="http://schemas.microsoft.com/office/drawing/2014/main" id="{D4B7D9DA-40E9-9902-5E5B-3FB88A54FCE2}"/>
               </a:ext>
             </a:extLst>
           </p:cNvPr>
@@ -5773,7 +5809,7 @@
           <a:blip r:embed="rId3">
             <a:extLst>
               <a:ext uri="{28A0092B-C50C-407E-A947-70E740481C1C}">
-                <a14:useLocalDpi xmlns:a14="http://schemas.microsoft.com/office/drawing/2010/main"/>
+                <a14:useLocalDpi xmlns:a14="http://schemas.microsoft.com/office/drawing/2010/main" val="0"/>
               </a:ext>
             </a:extLst>
           </a:blip>
@@ -5783,20 +5819,115 @@
         </p:blipFill>
         <p:spPr>
           <a:xfrm>
-            <a:off x="0" y="365760"/>
-            <a:ext cx="3233668" cy="805144"/>
+            <a:off x="4051908" y="1953266"/>
+            <a:ext cx="4088183" cy="3501050"/>
           </a:xfrm>
           <a:prstGeom prst="rect">
             <a:avLst/>
           </a:prstGeom>
         </p:spPr>
       </p:pic>
+      <p:sp>
+        <p:nvSpPr>
+          <p:cNvPr id="2" name="Pentagon 1">
+            <a:extLst>
+              <a:ext uri="{FF2B5EF4-FFF2-40B4-BE49-F238E27FC236}">
+                <a16:creationId xmlns:a16="http://schemas.microsoft.com/office/drawing/2014/main" id="{358D42F0-6BE3-8697-B095-89F4D789AAD0}"/>
+              </a:ext>
+            </a:extLst>
+          </p:cNvPr>
+          <p:cNvSpPr/>
+          <p:nvPr/>
+        </p:nvSpPr>
+        <p:spPr>
+          <a:xfrm>
+            <a:off x="-13447" y="559959"/>
+            <a:ext cx="2985248" cy="805143"/>
+          </a:xfrm>
+          <a:prstGeom prst="homePlate">
+            <a:avLst/>
+          </a:prstGeom>
+          <a:solidFill>
+            <a:srgbClr val="6D6CCA"/>
+          </a:solidFill>
+          <a:ln w="44450">
+            <a:noFill/>
+          </a:ln>
+          <a:effectLst/>
+        </p:spPr>
+        <p:style>
+          <a:lnRef idx="2">
+            <a:schemeClr val="accent1">
+              <a:shade val="50000"/>
+            </a:schemeClr>
+          </a:lnRef>
+          <a:fillRef idx="1">
+            <a:schemeClr val="accent1"/>
+          </a:fillRef>
+          <a:effectRef idx="0">
+            <a:schemeClr val="accent1"/>
+          </a:effectRef>
+          <a:fontRef idx="minor">
+            <a:schemeClr val="lt1"/>
+          </a:fontRef>
+        </p:style>
+        <p:txBody>
+          <a:bodyPr rtlCol="0" anchor="ctr"/>
+          <a:lstStyle/>
+          <a:p>
+            <a:pPr algn="ctr"/>
+            <a:endParaRPr lang="en-US"/>
+          </a:p>
+        </p:txBody>
+      </p:sp>
+      <p:sp>
+        <p:nvSpPr>
+          <p:cNvPr id="3" name="TextBox 2">
+            <a:extLst>
+              <a:ext uri="{FF2B5EF4-FFF2-40B4-BE49-F238E27FC236}">
+                <a16:creationId xmlns:a16="http://schemas.microsoft.com/office/drawing/2014/main" id="{F77EEAB3-FB35-71C0-1957-2607DEC2DD95}"/>
+              </a:ext>
+            </a:extLst>
+          </p:cNvPr>
+          <p:cNvSpPr txBox="1"/>
+          <p:nvPr/>
+        </p:nvSpPr>
+        <p:spPr>
+          <a:xfrm>
+            <a:off x="-116541" y="714367"/>
+            <a:ext cx="3074895" cy="553998"/>
+          </a:xfrm>
+          <a:prstGeom prst="rect">
+            <a:avLst/>
+          </a:prstGeom>
+          <a:noFill/>
+        </p:spPr>
+        <p:txBody>
+          <a:bodyPr wrap="square" rtlCol="0">
+            <a:spAutoFit/>
+          </a:bodyPr>
+          <a:lstStyle/>
+          <a:p>
+            <a:pPr algn="ctr"/>
+            <a:r>
+              <a:rPr lang="en-US" sz="3000" dirty="0">
+                <a:solidFill>
+                  <a:schemeClr val="bg1"/>
+                </a:solidFill>
+                <a:latin typeface="Avenir Medium" panose="02000503020000020003" pitchFamily="2" charset="0"/>
+                <a:cs typeface="Futura Medium" panose="020B0602020204020303" pitchFamily="34" charset="-79"/>
+              </a:rPr>
+              <a:t>Exercise</a:t>
+            </a:r>
+          </a:p>
+        </p:txBody>
+      </p:sp>
       <p:pic>
         <p:nvPicPr>
-          <p:cNvPr id="9" name="Picture 8" descr="Shape&#10;&#10;Description automatically generated with medium confidence">
-            <a:extLst>
-              <a:ext uri="{FF2B5EF4-FFF2-40B4-BE49-F238E27FC236}">
-                <a16:creationId xmlns:a16="http://schemas.microsoft.com/office/drawing/2014/main" id="{D4B7D9DA-40E9-9902-5E5B-3FB88A54FCE2}"/>
+          <p:cNvPr id="4" name="Picture 3" descr="A picture containing dark, gauge&#10;&#10;Description automatically generated">
+            <a:extLst>
+              <a:ext uri="{FF2B5EF4-FFF2-40B4-BE49-F238E27FC236}">
+                <a16:creationId xmlns:a16="http://schemas.microsoft.com/office/drawing/2014/main" id="{DC3E5137-89C7-7C1E-2B81-697244209584}"/>
               </a:ext>
             </a:extLst>
           </p:cNvPr>
@@ -5819,8 +5950,8 @@
         </p:blipFill>
         <p:spPr>
           <a:xfrm>
-            <a:off x="4051908" y="1953266"/>
-            <a:ext cx="4088183" cy="3501050"/>
+            <a:off x="11378037" y="6031948"/>
+            <a:ext cx="800100" cy="812800"/>
           </a:xfrm>
           <a:prstGeom prst="rect">
             <a:avLst/>
@@ -5871,10 +6002,10 @@
       </p:grpSpPr>
       <p:pic>
         <p:nvPicPr>
-          <p:cNvPr id="4" name="Picture 3">
-            <a:extLst>
-              <a:ext uri="{FF2B5EF4-FFF2-40B4-BE49-F238E27FC236}">
-                <a16:creationId xmlns:a16="http://schemas.microsoft.com/office/drawing/2014/main" id="{76E66F2E-C91C-4311-B65A-B61BFBC7CF8F}"/>
+          <p:cNvPr id="3" name="Picture 2">
+            <a:extLst>
+              <a:ext uri="{FF2B5EF4-FFF2-40B4-BE49-F238E27FC236}">
+                <a16:creationId xmlns:a16="http://schemas.microsoft.com/office/drawing/2014/main" id="{6818FEE8-D9DB-43B3-A9CB-DD82942AF9ED}"/>
               </a:ext>
             </a:extLst>
           </p:cNvPr>
@@ -5885,42 +6016,6 @@
         </p:nvPicPr>
         <p:blipFill>
           <a:blip r:embed="rId3">
-            <a:extLst>
-              <a:ext uri="{28A0092B-C50C-407E-A947-70E740481C1C}">
-                <a14:useLocalDpi xmlns:a14="http://schemas.microsoft.com/office/drawing/2010/main"/>
-              </a:ext>
-            </a:extLst>
-          </a:blip>
-          <a:stretch>
-            <a:fillRect/>
-          </a:stretch>
-        </p:blipFill>
-        <p:spPr>
-          <a:xfrm>
-            <a:off x="0" y="365760"/>
-            <a:ext cx="3233668" cy="805144"/>
-          </a:xfrm>
-          <a:prstGeom prst="rect">
-            <a:avLst/>
-          </a:prstGeom>
-        </p:spPr>
-      </p:pic>
-      <p:pic>
-        <p:nvPicPr>
-          <p:cNvPr id="3" name="Picture 2">
-            <a:extLst>
-              <a:ext uri="{FF2B5EF4-FFF2-40B4-BE49-F238E27FC236}">
-                <a16:creationId xmlns:a16="http://schemas.microsoft.com/office/drawing/2014/main" id="{6818FEE8-D9DB-43B3-A9CB-DD82942AF9ED}"/>
-              </a:ext>
-            </a:extLst>
-          </p:cNvPr>
-          <p:cNvPicPr>
-            <a:picLocks noChangeAspect="1"/>
-          </p:cNvPicPr>
-          <p:nvPr/>
-        </p:nvPicPr>
-        <p:blipFill>
-          <a:blip r:embed="rId4">
             <a:clrChange>
               <a:clrFrom>
                 <a:srgbClr val="F8F9FA"/>
@@ -5945,6 +6040,158 @@
           <a:xfrm>
             <a:off x="3767137" y="2524125"/>
             <a:ext cx="4657725" cy="1809750"/>
+          </a:xfrm>
+          <a:prstGeom prst="rect">
+            <a:avLst/>
+          </a:prstGeom>
+        </p:spPr>
+      </p:pic>
+      <p:grpSp>
+        <p:nvGrpSpPr>
+          <p:cNvPr id="6" name="Group 5">
+            <a:extLst>
+              <a:ext uri="{FF2B5EF4-FFF2-40B4-BE49-F238E27FC236}">
+                <a16:creationId xmlns:a16="http://schemas.microsoft.com/office/drawing/2014/main" id="{A3BF69C7-420F-4142-9E9B-0557941AF73A}"/>
+              </a:ext>
+            </a:extLst>
+          </p:cNvPr>
+          <p:cNvGrpSpPr/>
+          <p:nvPr/>
+        </p:nvGrpSpPr>
+        <p:grpSpPr>
+          <a:xfrm>
+            <a:off x="-116541" y="559959"/>
+            <a:ext cx="3088342" cy="805143"/>
+            <a:chOff x="-116541" y="559959"/>
+            <a:chExt cx="3088342" cy="805143"/>
+          </a:xfrm>
+        </p:grpSpPr>
+        <p:sp>
+          <p:nvSpPr>
+            <p:cNvPr id="2" name="Pentagon 1">
+              <a:extLst>
+                <a:ext uri="{FF2B5EF4-FFF2-40B4-BE49-F238E27FC236}">
+                  <a16:creationId xmlns:a16="http://schemas.microsoft.com/office/drawing/2014/main" id="{7BC5115F-D8CC-0954-BC12-42E7981424E0}"/>
+                </a:ext>
+              </a:extLst>
+            </p:cNvPr>
+            <p:cNvSpPr/>
+            <p:nvPr/>
+          </p:nvSpPr>
+          <p:spPr>
+            <a:xfrm>
+              <a:off x="-13447" y="559959"/>
+              <a:ext cx="2985248" cy="805143"/>
+            </a:xfrm>
+            <a:prstGeom prst="homePlate">
+              <a:avLst/>
+            </a:prstGeom>
+            <a:solidFill>
+              <a:srgbClr val="6D6CCA"/>
+            </a:solidFill>
+            <a:ln w="44450">
+              <a:noFill/>
+            </a:ln>
+            <a:effectLst/>
+          </p:spPr>
+          <p:style>
+            <a:lnRef idx="2">
+              <a:schemeClr val="accent1">
+                <a:shade val="50000"/>
+              </a:schemeClr>
+            </a:lnRef>
+            <a:fillRef idx="1">
+              <a:schemeClr val="accent1"/>
+            </a:fillRef>
+            <a:effectRef idx="0">
+              <a:schemeClr val="accent1"/>
+            </a:effectRef>
+            <a:fontRef idx="minor">
+              <a:schemeClr val="lt1"/>
+            </a:fontRef>
+          </p:style>
+          <p:txBody>
+            <a:bodyPr rtlCol="0" anchor="ctr"/>
+            <a:lstStyle/>
+            <a:p>
+              <a:pPr algn="ctr"/>
+              <a:endParaRPr lang="en-US"/>
+            </a:p>
+          </p:txBody>
+        </p:sp>
+        <p:sp>
+          <p:nvSpPr>
+            <p:cNvPr id="5" name="TextBox 4">
+              <a:extLst>
+                <a:ext uri="{FF2B5EF4-FFF2-40B4-BE49-F238E27FC236}">
+                  <a16:creationId xmlns:a16="http://schemas.microsoft.com/office/drawing/2014/main" id="{41A32E4A-A038-0867-688A-C595DB1A824E}"/>
+                </a:ext>
+              </a:extLst>
+            </p:cNvPr>
+            <p:cNvSpPr txBox="1"/>
+            <p:nvPr/>
+          </p:nvSpPr>
+          <p:spPr>
+            <a:xfrm>
+              <a:off x="-116541" y="714367"/>
+              <a:ext cx="3074895" cy="553998"/>
+            </a:xfrm>
+            <a:prstGeom prst="rect">
+              <a:avLst/>
+            </a:prstGeom>
+            <a:noFill/>
+          </p:spPr>
+          <p:txBody>
+            <a:bodyPr wrap="square" rtlCol="0">
+              <a:spAutoFit/>
+            </a:bodyPr>
+            <a:lstStyle/>
+            <a:p>
+              <a:pPr algn="ctr"/>
+              <a:r>
+                <a:rPr lang="en-US" sz="3000" dirty="0">
+                  <a:solidFill>
+                    <a:schemeClr val="bg1"/>
+                  </a:solidFill>
+                  <a:latin typeface="Avenir Medium" panose="02000503020000020003" pitchFamily="2" charset="0"/>
+                  <a:cs typeface="Futura Medium" panose="020B0602020204020303" pitchFamily="34" charset="-79"/>
+                </a:rPr>
+                <a:t>Exercise</a:t>
+              </a:r>
+            </a:p>
+          </p:txBody>
+        </p:sp>
+      </p:grpSp>
+      <p:pic>
+        <p:nvPicPr>
+          <p:cNvPr id="4" name="Picture 3" descr="A picture containing dark, gauge&#10;&#10;Description automatically generated">
+            <a:extLst>
+              <a:ext uri="{FF2B5EF4-FFF2-40B4-BE49-F238E27FC236}">
+                <a16:creationId xmlns:a16="http://schemas.microsoft.com/office/drawing/2014/main" id="{9D5C083D-132B-6B06-42D2-36907825D022}"/>
+              </a:ext>
+            </a:extLst>
+          </p:cNvPr>
+          <p:cNvPicPr>
+            <a:picLocks noChangeAspect="1"/>
+          </p:cNvPicPr>
+          <p:nvPr/>
+        </p:nvPicPr>
+        <p:blipFill>
+          <a:blip r:embed="rId4">
+            <a:extLst>
+              <a:ext uri="{28A0092B-C50C-407E-A947-70E740481C1C}">
+                <a14:useLocalDpi xmlns:a14="http://schemas.microsoft.com/office/drawing/2010/main" val="0"/>
+              </a:ext>
+            </a:extLst>
+          </a:blip>
+          <a:stretch>
+            <a:fillRect/>
+          </a:stretch>
+        </p:blipFill>
+        <p:spPr>
+          <a:xfrm>
+            <a:off x="11378037" y="6031948"/>
+            <a:ext cx="800100" cy="812800"/>
           </a:xfrm>
           <a:prstGeom prst="rect">
             <a:avLst/>
@@ -6041,6 +6288,7 @@
             </a:lvl1pPr>
           </a:lstStyle>
           <a:p>
+            <a:pPr algn="ctr"/>
             <a:br>
               <a:rPr lang="en-US" sz="3600" dirty="0">
                 <a:solidFill>
@@ -6049,7 +6297,7 @@
                     <a:lumOff val="35000"/>
                   </a:schemeClr>
                 </a:solidFill>
-                <a:latin typeface="Palatino Linotype" panose="02040502050505030304" pitchFamily="18" charset="0"/>
+                <a:latin typeface="Avenir" panose="02000503020000020003" pitchFamily="2" charset="0"/>
               </a:rPr>
             </a:br>
             <a:br>
@@ -6060,7 +6308,7 @@
                     <a:lumOff val="35000"/>
                   </a:schemeClr>
                 </a:solidFill>
-                <a:latin typeface="Palatino Linotype" panose="02040502050505030304" pitchFamily="18" charset="0"/>
+                <a:latin typeface="Avenir" panose="02000503020000020003" pitchFamily="2" charset="0"/>
               </a:rPr>
             </a:br>
             <a:br>
@@ -6071,7 +6319,7 @@
                     <a:lumOff val="35000"/>
                   </a:schemeClr>
                 </a:solidFill>
-                <a:latin typeface="Palatino Linotype" panose="02040502050505030304" pitchFamily="18" charset="0"/>
+                <a:latin typeface="Avenir" panose="02000503020000020003" pitchFamily="2" charset="0"/>
               </a:rPr>
             </a:br>
             <a:br>
@@ -6082,7 +6330,7 @@
                     <a:lumOff val="35000"/>
                   </a:schemeClr>
                 </a:solidFill>
-                <a:latin typeface="Palatino Linotype" panose="02040502050505030304" pitchFamily="18" charset="0"/>
+                <a:latin typeface="Avenir" panose="02000503020000020003" pitchFamily="2" charset="0"/>
               </a:rPr>
             </a:br>
             <a:br>
@@ -6093,7 +6341,7 @@
                     <a:lumOff val="35000"/>
                   </a:schemeClr>
                 </a:solidFill>
-                <a:latin typeface="Palatino Linotype" panose="02040502050505030304" pitchFamily="18" charset="0"/>
+                <a:latin typeface="Avenir" panose="02000503020000020003" pitchFamily="2" charset="0"/>
               </a:rPr>
             </a:br>
             <a:br>
@@ -6104,7 +6352,7 @@
                     <a:lumOff val="35000"/>
                   </a:schemeClr>
                 </a:solidFill>
-                <a:latin typeface="Palatino Linotype" panose="02040502050505030304" pitchFamily="18" charset="0"/>
+                <a:latin typeface="Avenir" panose="02000503020000020003" pitchFamily="2" charset="0"/>
               </a:rPr>
             </a:br>
             <a:br>
@@ -6115,10 +6363,10 @@
                     <a:lumOff val="35000"/>
                   </a:schemeClr>
                 </a:solidFill>
-                <a:latin typeface="Palatino Linotype" panose="02040502050505030304" pitchFamily="18" charset="0"/>
+                <a:latin typeface="Avenir" panose="02000503020000020003" pitchFamily="2" charset="0"/>
               </a:rPr>
             </a:br>
-            <a:br>
+            <a:r>
               <a:rPr lang="en-US" sz="3600" dirty="0">
                 <a:solidFill>
                   <a:schemeClr val="tx1">
@@ -6126,9 +6374,10 @@
                     <a:lumOff val="35000"/>
                   </a:schemeClr>
                 </a:solidFill>
-                <a:latin typeface="Palatino Linotype" panose="02040502050505030304" pitchFamily="18" charset="0"/>
+                <a:latin typeface="Avenir" panose="02000503020000020003" pitchFamily="2" charset="0"/>
               </a:rPr>
-            </a:br>
+              <a:t>(</a:t>
+            </a:r>
             <a:r>
               <a:rPr lang="en-US" sz="3600" dirty="0">
                 <a:solidFill>
@@ -6137,23 +6386,57 @@
                     <a:lumOff val="35000"/>
                   </a:schemeClr>
                 </a:solidFill>
-                <a:latin typeface="Palatino Linotype" panose="02040502050505030304" pitchFamily="18" charset="0"/>
+                <a:effectLst/>
+                <a:latin typeface="Avenir" panose="02000503020000020003" pitchFamily="2" charset="0"/>
               </a:rPr>
-              <a:t>	 (</a:t>
-            </a:r>
-            <a:r>
-              <a:rPr lang="en-US" sz="3600" b="0" i="0" dirty="0">
+              <a:t>Multi-class Classification Using a Perceptron) </a:t>
+            </a:r>
+            <a:r>
+              <a:rPr lang="en-US" sz="3600" dirty="0">
                 <a:solidFill>
                   <a:schemeClr val="tx1">
                     <a:lumMod val="65000"/>
                     <a:lumOff val="35000"/>
                   </a:schemeClr>
                 </a:solidFill>
-                <a:effectLst/>
-                <a:latin typeface="Palatino Linotype" panose="02040502050505030304" pitchFamily="18" charset="0"/>
+                <a:latin typeface="Avenir" panose="02000503020000020003" pitchFamily="2" charset="0"/>
+                <a:cs typeface="Segoe UI Light" panose="020B0502040204020203" pitchFamily="34" charset="0"/>
               </a:rPr>
-              <a:t>Multi-class Classification Using a Perceptron</a:t>
-            </a:r>
+              <a:t>02.3_multi_classifier.ipynb</a:t>
+            </a:r>
+          </a:p>
+        </p:txBody>
+      </p:sp>
+      <p:sp>
+        <p:nvSpPr>
+          <p:cNvPr id="8" name="Title 1">
+            <a:extLst>
+              <a:ext uri="{FF2B5EF4-FFF2-40B4-BE49-F238E27FC236}">
+                <a16:creationId xmlns:a16="http://schemas.microsoft.com/office/drawing/2014/main" id="{6F128DD7-C643-44B7-803E-11F67E24E0DE}"/>
+              </a:ext>
+            </a:extLst>
+          </p:cNvPr>
+          <p:cNvSpPr>
+            <a:spLocks noGrp="1"/>
+          </p:cNvSpPr>
+          <p:nvPr>
+            <p:ph type="title"/>
+          </p:nvPr>
+        </p:nvSpPr>
+        <p:spPr>
+          <a:xfrm>
+            <a:off x="0" y="2312720"/>
+            <a:ext cx="12178137" cy="1116280"/>
+          </a:xfrm>
+          <a:noFill/>
+        </p:spPr>
+        <p:txBody>
+          <a:bodyPr>
+            <a:noAutofit/>
+          </a:bodyPr>
+          <a:lstStyle/>
+          <a:p>
+            <a:pPr algn="ctr"/>
             <a:r>
               <a:rPr lang="en-US" sz="3600" dirty="0">
                 <a:solidFill>
@@ -6162,35 +6445,147 @@
                     <a:lumOff val="35000"/>
                   </a:schemeClr>
                 </a:solidFill>
-                <a:latin typeface="Palatino Linotype" panose="02040502050505030304" pitchFamily="18" charset="0"/>
+                <a:latin typeface="Avenir" panose="02000503020000020003" pitchFamily="2" charset="0"/>
               </a:rPr>
-              <a:t>)</a:t>
-            </a:r>
-          </a:p>
-          <a:p>
-            <a:pPr algn="ctr"/>
-            <a:r>
-              <a:rPr lang="en-US" sz="3200" dirty="0">
+              <a:t>(Perceptron as Binary Classifier) </a:t>
+            </a:r>
+            <a:br>
+              <a:rPr lang="en-US" sz="3600" dirty="0">
                 <a:solidFill>
                   <a:schemeClr val="tx1">
                     <a:lumMod val="65000"/>
                     <a:lumOff val="35000"/>
                   </a:schemeClr>
                 </a:solidFill>
-                <a:latin typeface="Palatino Linotype" panose="02040502050505030304" pitchFamily="18" charset="0"/>
-                <a:cs typeface="Segoe UI Light" panose="020B0502040204020203" pitchFamily="34" charset="0"/>
+                <a:latin typeface="Avenir" panose="02000503020000020003" pitchFamily="2" charset="0"/>
               </a:rPr>
-              <a:t>02.3_multi_classifier.ipynb</a:t>
+            </a:br>
+            <a:r>
+              <a:rPr lang="en-US" sz="3600" dirty="0">
+                <a:solidFill>
+                  <a:schemeClr val="tx1">
+                    <a:lumMod val="65000"/>
+                    <a:lumOff val="35000"/>
+                  </a:schemeClr>
+                </a:solidFill>
+                <a:latin typeface="Avenir" panose="02000503020000020003" pitchFamily="2" charset="0"/>
+              </a:rPr>
+              <a:t>02.2_binary_classifier.ipynb</a:t>
+            </a:r>
+            <a:endParaRPr lang="en-US" sz="3600" dirty="0">
+              <a:solidFill>
+                <a:schemeClr val="tx1">
+                  <a:lumMod val="65000"/>
+                  <a:lumOff val="35000"/>
+                </a:schemeClr>
+              </a:solidFill>
+              <a:latin typeface="Avenir" panose="02000503020000020003" pitchFamily="2" charset="0"/>
+              <a:cs typeface="Segoe UI Light" panose="020B0502040204020203" pitchFamily="34" charset="0"/>
+            </a:endParaRPr>
+          </a:p>
+        </p:txBody>
+      </p:sp>
+      <p:sp>
+        <p:nvSpPr>
+          <p:cNvPr id="2" name="Pentagon 1">
+            <a:extLst>
+              <a:ext uri="{FF2B5EF4-FFF2-40B4-BE49-F238E27FC236}">
+                <a16:creationId xmlns:a16="http://schemas.microsoft.com/office/drawing/2014/main" id="{4AC85853-4046-D097-04ED-5AA786743F06}"/>
+              </a:ext>
+            </a:extLst>
+          </p:cNvPr>
+          <p:cNvSpPr/>
+          <p:nvPr/>
+        </p:nvSpPr>
+        <p:spPr>
+          <a:xfrm>
+            <a:off x="-13447" y="559959"/>
+            <a:ext cx="2985248" cy="805143"/>
+          </a:xfrm>
+          <a:prstGeom prst="homePlate">
+            <a:avLst/>
+          </a:prstGeom>
+          <a:solidFill>
+            <a:srgbClr val="65BB7B"/>
+          </a:solidFill>
+          <a:ln w="44450">
+            <a:noFill/>
+          </a:ln>
+          <a:effectLst/>
+        </p:spPr>
+        <p:style>
+          <a:lnRef idx="2">
+            <a:schemeClr val="accent1">
+              <a:shade val="50000"/>
+            </a:schemeClr>
+          </a:lnRef>
+          <a:fillRef idx="1">
+            <a:schemeClr val="accent1"/>
+          </a:fillRef>
+          <a:effectRef idx="0">
+            <a:schemeClr val="accent1"/>
+          </a:effectRef>
+          <a:fontRef idx="minor">
+            <a:schemeClr val="lt1"/>
+          </a:fontRef>
+        </p:style>
+        <p:txBody>
+          <a:bodyPr rtlCol="0" anchor="ctr"/>
+          <a:lstStyle/>
+          <a:p>
+            <a:pPr algn="ctr"/>
+            <a:endParaRPr lang="en-US"/>
+          </a:p>
+        </p:txBody>
+      </p:sp>
+      <p:sp>
+        <p:nvSpPr>
+          <p:cNvPr id="4" name="TextBox 3">
+            <a:extLst>
+              <a:ext uri="{FF2B5EF4-FFF2-40B4-BE49-F238E27FC236}">
+                <a16:creationId xmlns:a16="http://schemas.microsoft.com/office/drawing/2014/main" id="{D8731487-0B11-0378-C024-7199FF208F46}"/>
+              </a:ext>
+            </a:extLst>
+          </p:cNvPr>
+          <p:cNvSpPr txBox="1"/>
+          <p:nvPr/>
+        </p:nvSpPr>
+        <p:spPr>
+          <a:xfrm>
+            <a:off x="-116541" y="714367"/>
+            <a:ext cx="3074895" cy="553998"/>
+          </a:xfrm>
+          <a:prstGeom prst="rect">
+            <a:avLst/>
+          </a:prstGeom>
+          <a:noFill/>
+        </p:spPr>
+        <p:txBody>
+          <a:bodyPr wrap="square" rtlCol="0">
+            <a:spAutoFit/>
+          </a:bodyPr>
+          <a:lstStyle/>
+          <a:p>
+            <a:pPr algn="ctr"/>
+            <a:r>
+              <a:rPr lang="en-US" sz="3000" dirty="0">
+                <a:solidFill>
+                  <a:schemeClr val="bg1"/>
+                </a:solidFill>
+                <a:latin typeface="Avenir Medium" panose="02000503020000020003" pitchFamily="2" charset="0"/>
+                <a:cs typeface="Futura Medium" panose="020B0602020204020303" pitchFamily="34" charset="-79"/>
+              </a:rPr>
+              <a:t>Practice</a:t>
             </a:r>
           </a:p>
         </p:txBody>
       </p:sp>
       <p:pic>
         <p:nvPicPr>
-          <p:cNvPr id="3" name="Picture 2">
-            <a:extLst>
-              <a:ext uri="{FF2B5EF4-FFF2-40B4-BE49-F238E27FC236}">
-                <a16:creationId xmlns:a16="http://schemas.microsoft.com/office/drawing/2014/main" id="{239D0A82-7D34-4E48-BE20-B982B3990537}"/>
+          <p:cNvPr id="3" name="Picture 2" descr="A picture containing dark, gauge&#10;&#10;Description automatically generated">
+            <a:extLst>
+              <a:ext uri="{FF2B5EF4-FFF2-40B4-BE49-F238E27FC236}">
+                <a16:creationId xmlns:a16="http://schemas.microsoft.com/office/drawing/2014/main" id="{9E4180D6-6AB4-4F30-A00B-8A5E5C8AA4BF}"/>
               </a:ext>
             </a:extLst>
           </p:cNvPr>
@@ -6200,99 +6595,27 @@
           <p:nvPr/>
         </p:nvPicPr>
         <p:blipFill>
-          <a:blip r:embed="rId3"/>
+          <a:blip r:embed="rId3">
+            <a:extLst>
+              <a:ext uri="{28A0092B-C50C-407E-A947-70E740481C1C}">
+                <a14:useLocalDpi xmlns:a14="http://schemas.microsoft.com/office/drawing/2010/main" val="0"/>
+              </a:ext>
+            </a:extLst>
+          </a:blip>
           <a:stretch>
             <a:fillRect/>
           </a:stretch>
         </p:blipFill>
         <p:spPr>
           <a:xfrm>
-            <a:off x="0" y="324192"/>
-            <a:ext cx="3233668" cy="840754"/>
+            <a:off x="11378037" y="6031948"/>
+            <a:ext cx="800100" cy="812800"/>
           </a:xfrm>
           <a:prstGeom prst="rect">
             <a:avLst/>
           </a:prstGeom>
         </p:spPr>
       </p:pic>
-      <p:sp>
-        <p:nvSpPr>
-          <p:cNvPr id="8" name="Title 1">
-            <a:extLst>
-              <a:ext uri="{FF2B5EF4-FFF2-40B4-BE49-F238E27FC236}">
-                <a16:creationId xmlns:a16="http://schemas.microsoft.com/office/drawing/2014/main" id="{6F128DD7-C643-44B7-803E-11F67E24E0DE}"/>
-              </a:ext>
-            </a:extLst>
-          </p:cNvPr>
-          <p:cNvSpPr>
-            <a:spLocks noGrp="1"/>
-          </p:cNvSpPr>
-          <p:nvPr>
-            <p:ph type="title"/>
-          </p:nvPr>
-        </p:nvSpPr>
-        <p:spPr>
-          <a:xfrm>
-            <a:off x="0" y="2312720"/>
-            <a:ext cx="12192000" cy="1116280"/>
-          </a:xfrm>
-          <a:noFill/>
-        </p:spPr>
-        <p:txBody>
-          <a:bodyPr>
-            <a:noAutofit/>
-          </a:bodyPr>
-          <a:lstStyle/>
-          <a:p>
-            <a:pPr algn="ctr"/>
-            <a:r>
-              <a:rPr lang="en-US" sz="3600" dirty="0">
-                <a:solidFill>
-                  <a:schemeClr val="tx1">
-                    <a:lumMod val="65000"/>
-                    <a:lumOff val="35000"/>
-                  </a:schemeClr>
-                </a:solidFill>
-                <a:latin typeface="Palatino Linotype" panose="02040502050505030304" pitchFamily="18" charset="0"/>
-              </a:rPr>
-              <a:t>	(Perceptron as Binary Classifier)</a:t>
-            </a:r>
-            <a:br>
-              <a:rPr lang="en-US" sz="3600" dirty="0">
-                <a:solidFill>
-                  <a:schemeClr val="tx1">
-                    <a:lumMod val="65000"/>
-                    <a:lumOff val="35000"/>
-                  </a:schemeClr>
-                </a:solidFill>
-                <a:latin typeface="Palatino Linotype" panose="02040502050505030304" pitchFamily="18" charset="0"/>
-              </a:rPr>
-            </a:br>
-            <a:r>
-              <a:rPr lang="en-US" sz="3200" dirty="0">
-                <a:solidFill>
-                  <a:schemeClr val="tx1">
-                    <a:lumMod val="65000"/>
-                    <a:lumOff val="35000"/>
-                  </a:schemeClr>
-                </a:solidFill>
-                <a:latin typeface="Palatino Linotype" panose="02040502050505030304" pitchFamily="18" charset="0"/>
-              </a:rPr>
-              <a:t>02.2_binary_classifier.ipynb</a:t>
-            </a:r>
-            <a:endParaRPr lang="en-US" sz="3200" dirty="0">
-              <a:solidFill>
-                <a:schemeClr val="tx1">
-                  <a:lumMod val="65000"/>
-                  <a:lumOff val="35000"/>
-                </a:schemeClr>
-              </a:solidFill>
-              <a:latin typeface="Palatino Linotype" panose="02040502050505030304" pitchFamily="18" charset="0"/>
-              <a:cs typeface="Segoe UI Light" panose="020B0502040204020203" pitchFamily="34" charset="0"/>
-            </a:endParaRPr>
-          </a:p>
-        </p:txBody>
-      </p:sp>
     </p:spTree>
     <p:extLst>
       <p:ext uri="{BB962C8B-B14F-4D97-AF65-F5344CB8AC3E}">
@@ -6436,36 +6759,6 @@
           </a:p>
         </p:txBody>
       </p:sp>
-      <p:pic>
-        <p:nvPicPr>
-          <p:cNvPr id="4" name="Picture 3">
-            <a:extLst>
-              <a:ext uri="{FF2B5EF4-FFF2-40B4-BE49-F238E27FC236}">
-                <a16:creationId xmlns:a16="http://schemas.microsoft.com/office/drawing/2014/main" id="{BF227EC8-F25E-46CD-8CAE-24E18DBDE5CC}"/>
-              </a:ext>
-            </a:extLst>
-          </p:cNvPr>
-          <p:cNvPicPr>
-            <a:picLocks noChangeAspect="1"/>
-          </p:cNvPicPr>
-          <p:nvPr/>
-        </p:nvPicPr>
-        <p:blipFill>
-          <a:blip r:embed="rId3"/>
-          <a:stretch>
-            <a:fillRect/>
-          </a:stretch>
-        </p:blipFill>
-        <p:spPr>
-          <a:xfrm>
-            <a:off x="0" y="365760"/>
-            <a:ext cx="3233668" cy="805144"/>
-          </a:xfrm>
-          <a:prstGeom prst="rect">
-            <a:avLst/>
-          </a:prstGeom>
-        </p:spPr>
-      </p:pic>
       <p:sp>
         <p:nvSpPr>
           <p:cNvPr id="7" name="Title 1">
@@ -6523,6 +6816,7 @@
                     <a:lumOff val="35000"/>
                   </a:schemeClr>
                 </a:solidFill>
+                <a:latin typeface="Avenir" panose="02000503020000020003" pitchFamily="2" charset="0"/>
               </a:rPr>
             </a:br>
             <a:br>
@@ -6533,6 +6827,7 @@
                     <a:lumOff val="35000"/>
                   </a:schemeClr>
                 </a:solidFill>
+                <a:latin typeface="Avenir" panose="02000503020000020003" pitchFamily="2" charset="0"/>
               </a:rPr>
             </a:br>
             <a:br>
@@ -6543,6 +6838,7 @@
                     <a:lumOff val="35000"/>
                   </a:schemeClr>
                 </a:solidFill>
+                <a:latin typeface="Avenir" panose="02000503020000020003" pitchFamily="2" charset="0"/>
               </a:rPr>
             </a:br>
             <a:br>
@@ -6553,6 +6849,7 @@
                     <a:lumOff val="35000"/>
                   </a:schemeClr>
                 </a:solidFill>
+                <a:latin typeface="Avenir" panose="02000503020000020003" pitchFamily="2" charset="0"/>
               </a:rPr>
             </a:br>
             <a:br>
@@ -6563,6 +6860,7 @@
                     <a:lumOff val="35000"/>
                   </a:schemeClr>
                 </a:solidFill>
+                <a:latin typeface="Avenir" panose="02000503020000020003" pitchFamily="2" charset="0"/>
               </a:rPr>
             </a:br>
             <a:br>
@@ -6573,6 +6871,7 @@
                     <a:lumOff val="35000"/>
                   </a:schemeClr>
                 </a:solidFill>
+                <a:latin typeface="Avenir" panose="02000503020000020003" pitchFamily="2" charset="0"/>
               </a:rPr>
             </a:br>
             <a:br>
@@ -6583,6 +6882,7 @@
                     <a:lumOff val="35000"/>
                   </a:schemeClr>
                 </a:solidFill>
+                <a:latin typeface="Avenir" panose="02000503020000020003" pitchFamily="2" charset="0"/>
               </a:rPr>
             </a:br>
             <a:br>
@@ -6593,6 +6893,7 @@
                     <a:lumOff val="35000"/>
                   </a:schemeClr>
                 </a:solidFill>
+                <a:latin typeface="Avenir" panose="02000503020000020003" pitchFamily="2" charset="0"/>
               </a:rPr>
             </a:br>
             <a:r>
@@ -6603,10 +6904,11 @@
                     <a:lumOff val="35000"/>
                   </a:schemeClr>
                 </a:solidFill>
+                <a:latin typeface="Avenir" panose="02000503020000020003" pitchFamily="2" charset="0"/>
               </a:rPr>
-              <a:t>     </a:t>
-            </a:r>
-            <a:r>
+              <a:t>     (Rosenblatt’s Perceptron)</a:t>
+            </a:r>
+            <a:br>
               <a:rPr lang="en-US" sz="3600" dirty="0">
                 <a:solidFill>
                   <a:schemeClr val="tx1">
@@ -6614,11 +6916,10 @@
                     <a:lumOff val="35000"/>
                   </a:schemeClr>
                 </a:solidFill>
-                <a:latin typeface="Palatino Linotype" panose="02040502050505030304" pitchFamily="18" charset="0"/>
+                <a:latin typeface="Avenir" panose="02000503020000020003" pitchFamily="2" charset="0"/>
               </a:rPr>
-              <a:t>(Rosenblatt’s Perceptron)</a:t>
-            </a:r>
-            <a:br>
+            </a:br>
+            <a:r>
               <a:rPr lang="en-US" sz="3600" dirty="0">
                 <a:solidFill>
                   <a:schemeClr val="tx1">
@@ -6626,30 +6927,19 @@
                     <a:lumOff val="35000"/>
                   </a:schemeClr>
                 </a:solidFill>
-                <a:latin typeface="Palatino Linotype" panose="02040502050505030304" pitchFamily="18" charset="0"/>
+                <a:latin typeface="Avenir" panose="02000503020000020003" pitchFamily="2" charset="0"/>
               </a:rPr>
-            </a:br>
-            <a:r>
-              <a:rPr lang="en-US" sz="3600" dirty="0">
+              <a:t>     </a:t>
+            </a:r>
+            <a:r>
+              <a:rPr lang="en-US" sz="2800" dirty="0">
                 <a:solidFill>
                   <a:schemeClr val="tx1">
                     <a:lumMod val="65000"/>
                     <a:lumOff val="35000"/>
                   </a:schemeClr>
                 </a:solidFill>
-                <a:latin typeface="Palatino Linotype" panose="02040502050505030304" pitchFamily="18" charset="0"/>
-              </a:rPr>
-              <a:t>     </a:t>
-            </a:r>
-            <a:r>
-              <a:rPr lang="en-US" sz="2800" dirty="0">
-                <a:solidFill>
-                  <a:schemeClr val="tx1">
-                    <a:lumMod val="65000"/>
-                    <a:lumOff val="35000"/>
-                  </a:schemeClr>
-                </a:solidFill>
-                <a:latin typeface="Palatino Linotype" panose="02040502050505030304" pitchFamily="18" charset="0"/>
+                <a:latin typeface="Avenir" panose="02000503020000020003" pitchFamily="2" charset="0"/>
               </a:rPr>
               <a:t>02.1_perceptron.ipynb</a:t>
             </a:r>
@@ -6660,12 +6950,164 @@
                   <a:lumOff val="35000"/>
                 </a:schemeClr>
               </a:solidFill>
-              <a:latin typeface="Palatino Linotype" panose="02040502050505030304" pitchFamily="18" charset="0"/>
+              <a:latin typeface="Avenir" panose="02000503020000020003" pitchFamily="2" charset="0"/>
               <a:cs typeface="Segoe UI Light" panose="020B0502040204020203" pitchFamily="34" charset="0"/>
             </a:endParaRPr>
           </a:p>
         </p:txBody>
       </p:sp>
+      <p:grpSp>
+        <p:nvGrpSpPr>
+          <p:cNvPr id="2" name="Group 1">
+            <a:extLst>
+              <a:ext uri="{FF2B5EF4-FFF2-40B4-BE49-F238E27FC236}">
+                <a16:creationId xmlns:a16="http://schemas.microsoft.com/office/drawing/2014/main" id="{EC8DD91F-1301-8306-E306-8A987B5349E5}"/>
+              </a:ext>
+            </a:extLst>
+          </p:cNvPr>
+          <p:cNvGrpSpPr/>
+          <p:nvPr/>
+        </p:nvGrpSpPr>
+        <p:grpSpPr>
+          <a:xfrm>
+            <a:off x="-116541" y="559959"/>
+            <a:ext cx="3088342" cy="805143"/>
+            <a:chOff x="-116541" y="559959"/>
+            <a:chExt cx="3088342" cy="805143"/>
+          </a:xfrm>
+        </p:grpSpPr>
+        <p:sp>
+          <p:nvSpPr>
+            <p:cNvPr id="5" name="Pentagon 4">
+              <a:extLst>
+                <a:ext uri="{FF2B5EF4-FFF2-40B4-BE49-F238E27FC236}">
+                  <a16:creationId xmlns:a16="http://schemas.microsoft.com/office/drawing/2014/main" id="{2606BB2E-8CC9-E08E-90DF-7EA30367F007}"/>
+                </a:ext>
+              </a:extLst>
+            </p:cNvPr>
+            <p:cNvSpPr/>
+            <p:nvPr/>
+          </p:nvSpPr>
+          <p:spPr>
+            <a:xfrm>
+              <a:off x="-13447" y="559959"/>
+              <a:ext cx="2985248" cy="805143"/>
+            </a:xfrm>
+            <a:prstGeom prst="homePlate">
+              <a:avLst/>
+            </a:prstGeom>
+            <a:solidFill>
+              <a:srgbClr val="6D6CCA"/>
+            </a:solidFill>
+            <a:ln w="44450">
+              <a:noFill/>
+            </a:ln>
+            <a:effectLst/>
+          </p:spPr>
+          <p:style>
+            <a:lnRef idx="2">
+              <a:schemeClr val="accent1">
+                <a:shade val="50000"/>
+              </a:schemeClr>
+            </a:lnRef>
+            <a:fillRef idx="1">
+              <a:schemeClr val="accent1"/>
+            </a:fillRef>
+            <a:effectRef idx="0">
+              <a:schemeClr val="accent1"/>
+            </a:effectRef>
+            <a:fontRef idx="minor">
+              <a:schemeClr val="lt1"/>
+            </a:fontRef>
+          </p:style>
+          <p:txBody>
+            <a:bodyPr rtlCol="0" anchor="ctr"/>
+            <a:lstStyle/>
+            <a:p>
+              <a:pPr algn="ctr"/>
+              <a:endParaRPr lang="en-US"/>
+            </a:p>
+          </p:txBody>
+        </p:sp>
+        <p:sp>
+          <p:nvSpPr>
+            <p:cNvPr id="6" name="TextBox 5">
+              <a:extLst>
+                <a:ext uri="{FF2B5EF4-FFF2-40B4-BE49-F238E27FC236}">
+                  <a16:creationId xmlns:a16="http://schemas.microsoft.com/office/drawing/2014/main" id="{0DE8D1E3-DEAF-64C6-B25C-43D5EC71C005}"/>
+                </a:ext>
+              </a:extLst>
+            </p:cNvPr>
+            <p:cNvSpPr txBox="1"/>
+            <p:nvPr/>
+          </p:nvSpPr>
+          <p:spPr>
+            <a:xfrm>
+              <a:off x="-116541" y="714367"/>
+              <a:ext cx="3074895" cy="553998"/>
+            </a:xfrm>
+            <a:prstGeom prst="rect">
+              <a:avLst/>
+            </a:prstGeom>
+            <a:noFill/>
+          </p:spPr>
+          <p:txBody>
+            <a:bodyPr wrap="square" rtlCol="0">
+              <a:spAutoFit/>
+            </a:bodyPr>
+            <a:lstStyle/>
+            <a:p>
+              <a:pPr algn="ctr"/>
+              <a:r>
+                <a:rPr lang="en-US" sz="3000" dirty="0">
+                  <a:solidFill>
+                    <a:schemeClr val="bg1"/>
+                  </a:solidFill>
+                  <a:latin typeface="Avenir Medium" panose="02000503020000020003" pitchFamily="2" charset="0"/>
+                  <a:cs typeface="Futura Medium" panose="020B0602020204020303" pitchFamily="34" charset="-79"/>
+                </a:rPr>
+                <a:t>Exercise</a:t>
+              </a:r>
+            </a:p>
+          </p:txBody>
+        </p:sp>
+      </p:grpSp>
+      <p:pic>
+        <p:nvPicPr>
+          <p:cNvPr id="4" name="Picture 3" descr="A picture containing dark, gauge&#10;&#10;Description automatically generated">
+            <a:extLst>
+              <a:ext uri="{FF2B5EF4-FFF2-40B4-BE49-F238E27FC236}">
+                <a16:creationId xmlns:a16="http://schemas.microsoft.com/office/drawing/2014/main" id="{7DE1BA64-0CEE-D8A6-3257-F0FE5F19FA5C}"/>
+              </a:ext>
+            </a:extLst>
+          </p:cNvPr>
+          <p:cNvPicPr>
+            <a:picLocks noChangeAspect="1"/>
+          </p:cNvPicPr>
+          <p:nvPr/>
+        </p:nvPicPr>
+        <p:blipFill>
+          <a:blip r:embed="rId3">
+            <a:extLst>
+              <a:ext uri="{28A0092B-C50C-407E-A947-70E740481C1C}">
+                <a14:useLocalDpi xmlns:a14="http://schemas.microsoft.com/office/drawing/2010/main" val="0"/>
+              </a:ext>
+            </a:extLst>
+          </a:blip>
+          <a:stretch>
+            <a:fillRect/>
+          </a:stretch>
+        </p:blipFill>
+        <p:spPr>
+          <a:xfrm>
+            <a:off x="11378037" y="6031948"/>
+            <a:ext cx="800100" cy="812800"/>
+          </a:xfrm>
+          <a:prstGeom prst="rect">
+            <a:avLst/>
+          </a:prstGeom>
+        </p:spPr>
+      </p:pic>
     </p:spTree>
     <p:extLst>
       <p:ext uri="{BB962C8B-B14F-4D97-AF65-F5344CB8AC3E}">
@@ -6708,53 +7150,6 @@
           <a:chExt cx="0" cy="0"/>
         </a:xfrm>
       </p:grpSpPr>
-      <p:pic>
-        <p:nvPicPr>
-          <p:cNvPr id="1026" name="Picture 2" descr="F13005">
-            <a:extLst>
-              <a:ext uri="{FF2B5EF4-FFF2-40B4-BE49-F238E27FC236}">
-                <a16:creationId xmlns:a16="http://schemas.microsoft.com/office/drawing/2014/main" id="{C96502CA-A68E-4ACD-9B1A-A47EA9C12D54}"/>
-              </a:ext>
-            </a:extLst>
-          </p:cNvPr>
-          <p:cNvPicPr>
-            <a:picLocks noChangeAspect="1" noChangeArrowheads="1"/>
-          </p:cNvPicPr>
-          <p:nvPr/>
-        </p:nvPicPr>
-        <p:blipFill>
-          <a:blip r:embed="rId3">
-            <a:extLst>
-              <a:ext uri="{28A0092B-C50C-407E-A947-70E740481C1C}">
-                <a14:useLocalDpi xmlns:a14="http://schemas.microsoft.com/office/drawing/2010/main" val="0"/>
-              </a:ext>
-            </a:extLst>
-          </a:blip>
-          <a:srcRect/>
-          <a:stretch>
-            <a:fillRect/>
-          </a:stretch>
-        </p:blipFill>
-        <p:spPr bwMode="auto">
-          <a:xfrm>
-            <a:off x="3357563" y="738188"/>
-            <a:ext cx="5476875" cy="5381625"/>
-          </a:xfrm>
-          <a:prstGeom prst="rect">
-            <a:avLst/>
-          </a:prstGeom>
-          <a:noFill/>
-          <a:extLst>
-            <a:ext uri="{909E8E84-426E-40DD-AFC4-6F175D3DCCD1}">
-              <a14:hiddenFill xmlns:a14="http://schemas.microsoft.com/office/drawing/2010/main">
-                <a:solidFill>
-                  <a:srgbClr val="FFFFFF"/>
-                </a:solidFill>
-              </a14:hiddenFill>
-            </a:ext>
-          </a:extLst>
-        </p:spPr>
-      </p:pic>
       <p:sp>
         <p:nvSpPr>
           <p:cNvPr id="26" name="TextBox 25">
@@ -6849,66 +7244,96 @@
           </a:p>
         </p:txBody>
       </p:sp>
-      <p:pic>
-        <p:nvPicPr>
-          <p:cNvPr id="27" name="Picture 26">
-            <a:extLst>
-              <a:ext uri="{FF2B5EF4-FFF2-40B4-BE49-F238E27FC236}">
-                <a16:creationId xmlns:a16="http://schemas.microsoft.com/office/drawing/2014/main" id="{C567A29A-EB71-43AB-8547-CCBEEA9094B9}"/>
-              </a:ext>
-            </a:extLst>
-          </p:cNvPr>
-          <p:cNvPicPr>
-            <a:picLocks noChangeAspect="1"/>
-          </p:cNvPicPr>
+      <p:cxnSp>
+        <p:nvCxnSpPr>
+          <p:cNvPr id="39" name="Straight Arrow Connector 38">
+            <a:extLst>
+              <a:ext uri="{FF2B5EF4-FFF2-40B4-BE49-F238E27FC236}">
+                <a16:creationId xmlns:a16="http://schemas.microsoft.com/office/drawing/2014/main" id="{A480BB73-FE79-C93F-650A-13D84A53484C}"/>
+              </a:ext>
+            </a:extLst>
+          </p:cNvPr>
+          <p:cNvCxnSpPr>
+            <a:cxnSpLocks/>
+          </p:cNvCxnSpPr>
           <p:nvPr/>
-        </p:nvPicPr>
-        <p:blipFill>
-          <a:blip r:embed="rId4"/>
-          <a:stretch>
-            <a:fillRect/>
-          </a:stretch>
-        </p:blipFill>
-        <p:spPr>
-          <a:xfrm>
-            <a:off x="7751119" y="3801873"/>
-            <a:ext cx="1319664" cy="1493304"/>
-          </a:xfrm>
-          <a:prstGeom prst="rect">
+        </p:nvCxnSpPr>
+        <p:spPr>
+          <a:xfrm>
+            <a:off x="6902405" y="3392991"/>
+            <a:ext cx="450869" cy="0"/>
+          </a:xfrm>
+          <a:prstGeom prst="straightConnector1">
             <a:avLst/>
           </a:prstGeom>
-        </p:spPr>
-      </p:pic>
-      <p:pic>
-        <p:nvPicPr>
-          <p:cNvPr id="29" name="Picture 28">
-            <a:extLst>
-              <a:ext uri="{FF2B5EF4-FFF2-40B4-BE49-F238E27FC236}">
-                <a16:creationId xmlns:a16="http://schemas.microsoft.com/office/drawing/2014/main" id="{15CF3381-AE79-4E55-BDD9-20034692FAE5}"/>
-              </a:ext>
-            </a:extLst>
-          </p:cNvPr>
-          <p:cNvPicPr>
-            <a:picLocks noChangeAspect="1"/>
-          </p:cNvPicPr>
+          <a:ln w="38100">
+            <a:solidFill>
+              <a:srgbClr val="3D3880"/>
+            </a:solidFill>
+            <a:headEnd type="none" w="med" len="med"/>
+            <a:tailEnd type="arrow" w="med" len="med"/>
+          </a:ln>
+        </p:spPr>
+        <p:style>
+          <a:lnRef idx="1">
+            <a:schemeClr val="accent1"/>
+          </a:lnRef>
+          <a:fillRef idx="0">
+            <a:schemeClr val="accent1"/>
+          </a:fillRef>
+          <a:effectRef idx="0">
+            <a:schemeClr val="accent1"/>
+          </a:effectRef>
+          <a:fontRef idx="minor">
+            <a:schemeClr val="tx1"/>
+          </a:fontRef>
+        </p:style>
+      </p:cxnSp>
+      <p:cxnSp>
+        <p:nvCxnSpPr>
+          <p:cNvPr id="43" name="Straight Arrow Connector 42">
+            <a:extLst>
+              <a:ext uri="{FF2B5EF4-FFF2-40B4-BE49-F238E27FC236}">
+                <a16:creationId xmlns:a16="http://schemas.microsoft.com/office/drawing/2014/main" id="{35D0A1E8-8354-8E44-4915-7868B1FD0CC2}"/>
+              </a:ext>
+            </a:extLst>
+          </p:cNvPr>
+          <p:cNvCxnSpPr>
+            <a:cxnSpLocks/>
+          </p:cNvCxnSpPr>
           <p:nvPr/>
-        </p:nvPicPr>
-        <p:blipFill>
-          <a:blip r:embed="rId5"/>
-          <a:stretch>
-            <a:fillRect/>
-          </a:stretch>
-        </p:blipFill>
-        <p:spPr>
-          <a:xfrm>
-            <a:off x="6195109" y="3913086"/>
-            <a:ext cx="1297823" cy="1468590"/>
-          </a:xfrm>
-          <a:prstGeom prst="rect">
+        </p:nvCxnSpPr>
+        <p:spPr>
+          <a:xfrm>
+            <a:off x="8374515" y="3398104"/>
+            <a:ext cx="450869" cy="0"/>
+          </a:xfrm>
+          <a:prstGeom prst="straightConnector1">
             <a:avLst/>
           </a:prstGeom>
-        </p:spPr>
-      </p:pic>
+          <a:ln w="38100">
+            <a:solidFill>
+              <a:srgbClr val="3D3880"/>
+            </a:solidFill>
+            <a:headEnd type="none" w="med" len="med"/>
+            <a:tailEnd type="arrow" w="med" len="med"/>
+          </a:ln>
+        </p:spPr>
+        <p:style>
+          <a:lnRef idx="1">
+            <a:schemeClr val="accent1"/>
+          </a:lnRef>
+          <a:fillRef idx="0">
+            <a:schemeClr val="accent1"/>
+          </a:fillRef>
+          <a:effectRef idx="0">
+            <a:schemeClr val="accent1"/>
+          </a:effectRef>
+          <a:fontRef idx="minor">
+            <a:schemeClr val="tx1"/>
+          </a:fontRef>
+        </p:style>
+      </p:cxnSp>
       <p:sp>
         <p:nvSpPr>
           <p:cNvPr id="2" name="Oval 1">
@@ -6930,10 +7355,11 @@
             <a:avLst/>
           </a:prstGeom>
           <a:noFill/>
-          <a:ln>
+          <a:ln w="38100">
             <a:solidFill>
-              <a:schemeClr val="accent5">
-                <a:lumMod val="75000"/>
+              <a:schemeClr val="accent4">
+                <a:lumMod val="60000"/>
+                <a:lumOff val="40000"/>
               </a:schemeClr>
             </a:solidFill>
           </a:ln>
@@ -6957,10 +7383,1180 @@
           <a:lstStyle/>
           <a:p>
             <a:pPr algn="ctr"/>
+            <a:endParaRPr lang="en-US">
+              <a:solidFill>
+                <a:schemeClr val="accent4">
+                  <a:lumMod val="60000"/>
+                  <a:lumOff val="40000"/>
+                </a:schemeClr>
+              </a:solidFill>
+            </a:endParaRPr>
+          </a:p>
+        </p:txBody>
+      </p:sp>
+      <p:sp>
+        <p:nvSpPr>
+          <p:cNvPr id="3" name="Oval 2">
+            <a:extLst>
+              <a:ext uri="{FF2B5EF4-FFF2-40B4-BE49-F238E27FC236}">
+                <a16:creationId xmlns:a16="http://schemas.microsoft.com/office/drawing/2014/main" id="{7CA14B3A-6BFA-D465-EA06-EF3A5974A0B1}"/>
+              </a:ext>
+            </a:extLst>
+          </p:cNvPr>
+          <p:cNvSpPr/>
+          <p:nvPr/>
+        </p:nvSpPr>
+        <p:spPr>
+          <a:xfrm>
+            <a:off x="5763361" y="2825579"/>
+            <a:ext cx="1130471" cy="1130471"/>
+          </a:xfrm>
+          <a:prstGeom prst="ellipse">
+            <a:avLst/>
+          </a:prstGeom>
+          <a:solidFill>
+            <a:srgbClr val="6D6CCA"/>
+          </a:solidFill>
+          <a:ln>
+            <a:noFill/>
+          </a:ln>
+        </p:spPr>
+        <p:style>
+          <a:lnRef idx="2">
+            <a:schemeClr val="accent1">
+              <a:shade val="50000"/>
+            </a:schemeClr>
+          </a:lnRef>
+          <a:fillRef idx="1">
+            <a:schemeClr val="accent1"/>
+          </a:fillRef>
+          <a:effectRef idx="0">
+            <a:schemeClr val="accent1"/>
+          </a:effectRef>
+          <a:fontRef idx="minor">
+            <a:schemeClr val="lt1"/>
+          </a:fontRef>
+        </p:style>
+        <p:txBody>
+          <a:bodyPr rtlCol="0" anchor="ctr"/>
+          <a:lstStyle/>
+          <a:p>
+            <a:pPr algn="ctr"/>
+            <a:r>
+              <a:rPr lang="en-US" sz="8000" dirty="0">
+                <a:latin typeface="Avenir Light" panose="020B0402020203020204" pitchFamily="34" charset="77"/>
+              </a:rPr>
+              <a:t>+</a:t>
+            </a:r>
+          </a:p>
+        </p:txBody>
+      </p:sp>
+      <p:sp>
+        <p:nvSpPr>
+          <p:cNvPr id="4" name="Rounded Rectangle 3">
+            <a:extLst>
+              <a:ext uri="{FF2B5EF4-FFF2-40B4-BE49-F238E27FC236}">
+                <a16:creationId xmlns:a16="http://schemas.microsoft.com/office/drawing/2014/main" id="{56DB8365-DFDE-B3BE-1BE9-B37D2A1AF4FA}"/>
+              </a:ext>
+            </a:extLst>
+          </p:cNvPr>
+          <p:cNvSpPr/>
+          <p:nvPr/>
+        </p:nvSpPr>
+        <p:spPr>
+          <a:xfrm>
+            <a:off x="7353274" y="2941068"/>
+            <a:ext cx="1021241" cy="878207"/>
+          </a:xfrm>
+          <a:prstGeom prst="roundRect">
+            <a:avLst>
+              <a:gd name="adj" fmla="val 32805"/>
+            </a:avLst>
+          </a:prstGeom>
+          <a:solidFill>
+            <a:srgbClr val="62BD7D"/>
+          </a:solidFill>
+          <a:ln>
+            <a:noFill/>
+          </a:ln>
+        </p:spPr>
+        <p:style>
+          <a:lnRef idx="2">
+            <a:schemeClr val="accent1">
+              <a:shade val="50000"/>
+            </a:schemeClr>
+          </a:lnRef>
+          <a:fillRef idx="1">
+            <a:schemeClr val="accent1"/>
+          </a:fillRef>
+          <a:effectRef idx="0">
+            <a:schemeClr val="accent1"/>
+          </a:effectRef>
+          <a:fontRef idx="minor">
+            <a:schemeClr val="lt1"/>
+          </a:fontRef>
+        </p:style>
+        <p:txBody>
+          <a:bodyPr rtlCol="0" anchor="ctr"/>
+          <a:lstStyle/>
+          <a:p>
+            <a:pPr algn="ctr"/>
             <a:endParaRPr lang="en-US"/>
           </a:p>
         </p:txBody>
       </p:sp>
+      <p:cxnSp>
+        <p:nvCxnSpPr>
+          <p:cNvPr id="6" name="Elbow Connector 5">
+            <a:extLst>
+              <a:ext uri="{FF2B5EF4-FFF2-40B4-BE49-F238E27FC236}">
+                <a16:creationId xmlns:a16="http://schemas.microsoft.com/office/drawing/2014/main" id="{5D80067B-A56C-D2F8-24C0-3AFE965185D9}"/>
+              </a:ext>
+            </a:extLst>
+          </p:cNvPr>
+          <p:cNvCxnSpPr>
+            <a:cxnSpLocks/>
+          </p:cNvCxnSpPr>
+          <p:nvPr/>
+        </p:nvCxnSpPr>
+        <p:spPr>
+          <a:xfrm rot="10800000" flipV="1">
+            <a:off x="7580109" y="3152277"/>
+            <a:ext cx="510621" cy="432640"/>
+          </a:xfrm>
+          <a:prstGeom prst="bentConnector3">
+            <a:avLst>
+              <a:gd name="adj1" fmla="val 50000"/>
+            </a:avLst>
+          </a:prstGeom>
+          <a:ln w="38100">
+            <a:solidFill>
+              <a:schemeClr val="bg1"/>
+            </a:solidFill>
+          </a:ln>
+        </p:spPr>
+        <p:style>
+          <a:lnRef idx="1">
+            <a:schemeClr val="accent1"/>
+          </a:lnRef>
+          <a:fillRef idx="0">
+            <a:schemeClr val="accent1"/>
+          </a:fillRef>
+          <a:effectRef idx="0">
+            <a:schemeClr val="accent1"/>
+          </a:effectRef>
+          <a:fontRef idx="minor">
+            <a:schemeClr val="tx1"/>
+          </a:fontRef>
+        </p:style>
+      </p:cxnSp>
+      <p:sp>
+        <p:nvSpPr>
+          <p:cNvPr id="13" name="TextBox 12">
+            <a:extLst>
+              <a:ext uri="{FF2B5EF4-FFF2-40B4-BE49-F238E27FC236}">
+                <a16:creationId xmlns:a16="http://schemas.microsoft.com/office/drawing/2014/main" id="{88DDB678-AF17-4B64-EB73-E6C94F044C15}"/>
+              </a:ext>
+            </a:extLst>
+          </p:cNvPr>
+          <p:cNvSpPr txBox="1"/>
+          <p:nvPr/>
+        </p:nvSpPr>
+        <p:spPr>
+          <a:xfrm>
+            <a:off x="3143520" y="666073"/>
+            <a:ext cx="1040654" cy="338554"/>
+          </a:xfrm>
+          <a:prstGeom prst="rect">
+            <a:avLst/>
+          </a:prstGeom>
+          <a:noFill/>
+        </p:spPr>
+        <p:txBody>
+          <a:bodyPr wrap="square" rtlCol="0">
+            <a:spAutoFit/>
+          </a:bodyPr>
+          <a:lstStyle/>
+          <a:p>
+            <a:pPr algn="ctr"/>
+            <a:r>
+              <a:rPr lang="en-US" sz="1600" dirty="0">
+                <a:solidFill>
+                  <a:srgbClr val="3D3880"/>
+                </a:solidFill>
+                <a:latin typeface="Avenir Medium" panose="02000503020000020003" pitchFamily="2" charset="0"/>
+              </a:rPr>
+              <a:t>Input 1</a:t>
+            </a:r>
+          </a:p>
+        </p:txBody>
+      </p:sp>
+      <p:sp>
+        <p:nvSpPr>
+          <p:cNvPr id="14" name="TextBox 13">
+            <a:extLst>
+              <a:ext uri="{FF2B5EF4-FFF2-40B4-BE49-F238E27FC236}">
+                <a16:creationId xmlns:a16="http://schemas.microsoft.com/office/drawing/2014/main" id="{6B7AC336-2CFC-3A06-2DAE-48AE23D35C19}"/>
+              </a:ext>
+            </a:extLst>
+          </p:cNvPr>
+          <p:cNvSpPr txBox="1"/>
+          <p:nvPr/>
+        </p:nvSpPr>
+        <p:spPr>
+          <a:xfrm>
+            <a:off x="3143520" y="1943421"/>
+            <a:ext cx="1040654" cy="338554"/>
+          </a:xfrm>
+          <a:prstGeom prst="rect">
+            <a:avLst/>
+          </a:prstGeom>
+          <a:noFill/>
+        </p:spPr>
+        <p:txBody>
+          <a:bodyPr wrap="square" rtlCol="0">
+            <a:spAutoFit/>
+          </a:bodyPr>
+          <a:lstStyle/>
+          <a:p>
+            <a:pPr algn="ctr"/>
+            <a:r>
+              <a:rPr lang="en-US" sz="1600" dirty="0">
+                <a:solidFill>
+                  <a:srgbClr val="3D3880"/>
+                </a:solidFill>
+                <a:latin typeface="Avenir Medium" panose="02000503020000020003" pitchFamily="2" charset="0"/>
+              </a:rPr>
+              <a:t>Input 2</a:t>
+            </a:r>
+          </a:p>
+        </p:txBody>
+      </p:sp>
+      <p:sp>
+        <p:nvSpPr>
+          <p:cNvPr id="15" name="TextBox 14">
+            <a:extLst>
+              <a:ext uri="{FF2B5EF4-FFF2-40B4-BE49-F238E27FC236}">
+                <a16:creationId xmlns:a16="http://schemas.microsoft.com/office/drawing/2014/main" id="{D5B3CC96-DFB5-1F3B-DB99-769E6EF731EC}"/>
+              </a:ext>
+            </a:extLst>
+          </p:cNvPr>
+          <p:cNvSpPr txBox="1"/>
+          <p:nvPr/>
+        </p:nvSpPr>
+        <p:spPr>
+          <a:xfrm>
+            <a:off x="3143520" y="3233196"/>
+            <a:ext cx="1040654" cy="338554"/>
+          </a:xfrm>
+          <a:prstGeom prst="rect">
+            <a:avLst/>
+          </a:prstGeom>
+          <a:noFill/>
+        </p:spPr>
+        <p:txBody>
+          <a:bodyPr wrap="square" rtlCol="0">
+            <a:spAutoFit/>
+          </a:bodyPr>
+          <a:lstStyle/>
+          <a:p>
+            <a:pPr algn="ctr"/>
+            <a:r>
+              <a:rPr lang="en-US" sz="1600" dirty="0">
+                <a:solidFill>
+                  <a:srgbClr val="3D3880"/>
+                </a:solidFill>
+                <a:latin typeface="Avenir Medium" panose="02000503020000020003" pitchFamily="2" charset="0"/>
+              </a:rPr>
+              <a:t>Input 3</a:t>
+            </a:r>
+          </a:p>
+        </p:txBody>
+      </p:sp>
+      <p:sp>
+        <p:nvSpPr>
+          <p:cNvPr id="16" name="TextBox 15">
+            <a:extLst>
+              <a:ext uri="{FF2B5EF4-FFF2-40B4-BE49-F238E27FC236}">
+                <a16:creationId xmlns:a16="http://schemas.microsoft.com/office/drawing/2014/main" id="{8CA68D91-28D5-2248-0C88-1FC86750A0B8}"/>
+              </a:ext>
+            </a:extLst>
+          </p:cNvPr>
+          <p:cNvSpPr txBox="1"/>
+          <p:nvPr/>
+        </p:nvSpPr>
+        <p:spPr>
+          <a:xfrm>
+            <a:off x="3110548" y="4507227"/>
+            <a:ext cx="1040654" cy="338554"/>
+          </a:xfrm>
+          <a:prstGeom prst="rect">
+            <a:avLst/>
+          </a:prstGeom>
+          <a:noFill/>
+        </p:spPr>
+        <p:txBody>
+          <a:bodyPr wrap="square" rtlCol="0">
+            <a:spAutoFit/>
+          </a:bodyPr>
+          <a:lstStyle/>
+          <a:p>
+            <a:pPr algn="ctr"/>
+            <a:r>
+              <a:rPr lang="en-US" sz="1600" dirty="0">
+                <a:solidFill>
+                  <a:srgbClr val="3D3880"/>
+                </a:solidFill>
+                <a:latin typeface="Avenir Medium" panose="02000503020000020003" pitchFamily="2" charset="0"/>
+              </a:rPr>
+              <a:t>Input 4</a:t>
+            </a:r>
+          </a:p>
+        </p:txBody>
+      </p:sp>
+      <p:sp>
+        <p:nvSpPr>
+          <p:cNvPr id="17" name="TextBox 16">
+            <a:extLst>
+              <a:ext uri="{FF2B5EF4-FFF2-40B4-BE49-F238E27FC236}">
+                <a16:creationId xmlns:a16="http://schemas.microsoft.com/office/drawing/2014/main" id="{6023C5C0-3467-F6D6-8FF1-FC31A055CD64}"/>
+              </a:ext>
+            </a:extLst>
+          </p:cNvPr>
+          <p:cNvSpPr txBox="1"/>
+          <p:nvPr/>
+        </p:nvSpPr>
+        <p:spPr>
+          <a:xfrm>
+            <a:off x="3240645" y="5792409"/>
+            <a:ext cx="1152935" cy="338554"/>
+          </a:xfrm>
+          <a:prstGeom prst="rect">
+            <a:avLst/>
+          </a:prstGeom>
+          <a:noFill/>
+        </p:spPr>
+        <p:txBody>
+          <a:bodyPr wrap="square" rtlCol="0">
+            <a:spAutoFit/>
+          </a:bodyPr>
+          <a:lstStyle/>
+          <a:p>
+            <a:pPr algn="ctr"/>
+            <a:r>
+              <a:rPr lang="en-US" sz="1600" dirty="0">
+                <a:solidFill>
+                  <a:srgbClr val="3D3880"/>
+                </a:solidFill>
+                <a:latin typeface="Avenir Medium" panose="02000503020000020003" pitchFamily="2" charset="0"/>
+              </a:rPr>
+              <a:t>Bias = 1.0</a:t>
+            </a:r>
+          </a:p>
+        </p:txBody>
+      </p:sp>
+      <p:cxnSp>
+        <p:nvCxnSpPr>
+          <p:cNvPr id="24" name="Straight Arrow Connector 23">
+            <a:extLst>
+              <a:ext uri="{FF2B5EF4-FFF2-40B4-BE49-F238E27FC236}">
+                <a16:creationId xmlns:a16="http://schemas.microsoft.com/office/drawing/2014/main" id="{BC932ABE-BF58-1448-3913-FBEE3E303AE1}"/>
+              </a:ext>
+            </a:extLst>
+          </p:cNvPr>
+          <p:cNvCxnSpPr>
+            <a:cxnSpLocks/>
+          </p:cNvCxnSpPr>
+          <p:nvPr/>
+        </p:nvCxnSpPr>
+        <p:spPr>
+          <a:xfrm>
+            <a:off x="4067521" y="845680"/>
+            <a:ext cx="1929169" cy="2048472"/>
+          </a:xfrm>
+          <a:prstGeom prst="straightConnector1">
+            <a:avLst/>
+          </a:prstGeom>
+          <a:ln w="38100">
+            <a:solidFill>
+              <a:srgbClr val="3D3880"/>
+            </a:solidFill>
+            <a:headEnd type="none" w="med" len="med"/>
+            <a:tailEnd type="arrow" w="med" len="med"/>
+          </a:ln>
+        </p:spPr>
+        <p:style>
+          <a:lnRef idx="1">
+            <a:schemeClr val="accent1"/>
+          </a:lnRef>
+          <a:fillRef idx="0">
+            <a:schemeClr val="accent1"/>
+          </a:fillRef>
+          <a:effectRef idx="0">
+            <a:schemeClr val="accent1"/>
+          </a:effectRef>
+          <a:fontRef idx="minor">
+            <a:schemeClr val="tx1"/>
+          </a:fontRef>
+        </p:style>
+      </p:cxnSp>
+      <p:cxnSp>
+        <p:nvCxnSpPr>
+          <p:cNvPr id="28" name="Straight Arrow Connector 27">
+            <a:extLst>
+              <a:ext uri="{FF2B5EF4-FFF2-40B4-BE49-F238E27FC236}">
+                <a16:creationId xmlns:a16="http://schemas.microsoft.com/office/drawing/2014/main" id="{CD319EBD-55C8-C9A3-590C-89C50581574B}"/>
+              </a:ext>
+            </a:extLst>
+          </p:cNvPr>
+          <p:cNvCxnSpPr>
+            <a:cxnSpLocks/>
+          </p:cNvCxnSpPr>
+          <p:nvPr/>
+        </p:nvCxnSpPr>
+        <p:spPr>
+          <a:xfrm>
+            <a:off x="4017422" y="2097686"/>
+            <a:ext cx="1786481" cy="1058135"/>
+          </a:xfrm>
+          <a:prstGeom prst="straightConnector1">
+            <a:avLst/>
+          </a:prstGeom>
+          <a:ln w="38100">
+            <a:solidFill>
+              <a:srgbClr val="3D3880"/>
+            </a:solidFill>
+            <a:headEnd type="none" w="med" len="med"/>
+            <a:tailEnd type="arrow" w="med" len="med"/>
+          </a:ln>
+        </p:spPr>
+        <p:style>
+          <a:lnRef idx="1">
+            <a:schemeClr val="accent1"/>
+          </a:lnRef>
+          <a:fillRef idx="0">
+            <a:schemeClr val="accent1"/>
+          </a:fillRef>
+          <a:effectRef idx="0">
+            <a:schemeClr val="accent1"/>
+          </a:effectRef>
+          <a:fontRef idx="minor">
+            <a:schemeClr val="tx1"/>
+          </a:fontRef>
+        </p:style>
+      </p:cxnSp>
+      <p:cxnSp>
+        <p:nvCxnSpPr>
+          <p:cNvPr id="31" name="Straight Arrow Connector 30">
+            <a:extLst>
+              <a:ext uri="{FF2B5EF4-FFF2-40B4-BE49-F238E27FC236}">
+                <a16:creationId xmlns:a16="http://schemas.microsoft.com/office/drawing/2014/main" id="{023EADB4-825F-1FD4-0A13-A2B2DBEB0A1C}"/>
+              </a:ext>
+            </a:extLst>
+          </p:cNvPr>
+          <p:cNvCxnSpPr>
+            <a:cxnSpLocks/>
+          </p:cNvCxnSpPr>
+          <p:nvPr/>
+        </p:nvCxnSpPr>
+        <p:spPr>
+          <a:xfrm>
+            <a:off x="4005390" y="3392458"/>
+            <a:ext cx="1749398" cy="11293"/>
+          </a:xfrm>
+          <a:prstGeom prst="straightConnector1">
+            <a:avLst/>
+          </a:prstGeom>
+          <a:ln w="38100">
+            <a:solidFill>
+              <a:srgbClr val="3D3880"/>
+            </a:solidFill>
+            <a:headEnd type="none" w="med" len="med"/>
+            <a:tailEnd type="arrow" w="med" len="med"/>
+          </a:ln>
+        </p:spPr>
+        <p:style>
+          <a:lnRef idx="1">
+            <a:schemeClr val="accent1"/>
+          </a:lnRef>
+          <a:fillRef idx="0">
+            <a:schemeClr val="accent1"/>
+          </a:fillRef>
+          <a:effectRef idx="0">
+            <a:schemeClr val="accent1"/>
+          </a:effectRef>
+          <a:fontRef idx="minor">
+            <a:schemeClr val="tx1"/>
+          </a:fontRef>
+        </p:style>
+      </p:cxnSp>
+      <p:cxnSp>
+        <p:nvCxnSpPr>
+          <p:cNvPr id="33" name="Straight Arrow Connector 32">
+            <a:extLst>
+              <a:ext uri="{FF2B5EF4-FFF2-40B4-BE49-F238E27FC236}">
+                <a16:creationId xmlns:a16="http://schemas.microsoft.com/office/drawing/2014/main" id="{2EF0FEE9-85E4-D9DD-6493-C4145D28D566}"/>
+              </a:ext>
+            </a:extLst>
+          </p:cNvPr>
+          <p:cNvCxnSpPr>
+            <a:cxnSpLocks/>
+          </p:cNvCxnSpPr>
+          <p:nvPr/>
+        </p:nvCxnSpPr>
+        <p:spPr>
+          <a:xfrm flipV="1">
+            <a:off x="4017422" y="3644147"/>
+            <a:ext cx="1781550" cy="1038670"/>
+          </a:xfrm>
+          <a:prstGeom prst="straightConnector1">
+            <a:avLst/>
+          </a:prstGeom>
+          <a:ln w="38100">
+            <a:solidFill>
+              <a:srgbClr val="3D3880"/>
+            </a:solidFill>
+            <a:headEnd type="none" w="med" len="med"/>
+            <a:tailEnd type="arrow" w="med" len="med"/>
+          </a:ln>
+        </p:spPr>
+        <p:style>
+          <a:lnRef idx="1">
+            <a:schemeClr val="accent1"/>
+          </a:lnRef>
+          <a:fillRef idx="0">
+            <a:schemeClr val="accent1"/>
+          </a:fillRef>
+          <a:effectRef idx="0">
+            <a:schemeClr val="accent1"/>
+          </a:effectRef>
+          <a:fontRef idx="minor">
+            <a:schemeClr val="tx1"/>
+          </a:fontRef>
+        </p:style>
+      </p:cxnSp>
+      <p:cxnSp>
+        <p:nvCxnSpPr>
+          <p:cNvPr id="35" name="Straight Arrow Connector 34">
+            <a:extLst>
+              <a:ext uri="{FF2B5EF4-FFF2-40B4-BE49-F238E27FC236}">
+                <a16:creationId xmlns:a16="http://schemas.microsoft.com/office/drawing/2014/main" id="{E52AF25D-B301-5E64-E221-271D51E6F73D}"/>
+              </a:ext>
+            </a:extLst>
+          </p:cNvPr>
+          <p:cNvCxnSpPr>
+            <a:cxnSpLocks/>
+          </p:cNvCxnSpPr>
+          <p:nvPr/>
+        </p:nvCxnSpPr>
+        <p:spPr>
+          <a:xfrm flipV="1">
+            <a:off x="4332875" y="3865584"/>
+            <a:ext cx="1670629" cy="1998641"/>
+          </a:xfrm>
+          <a:prstGeom prst="straightConnector1">
+            <a:avLst/>
+          </a:prstGeom>
+          <a:ln w="38100">
+            <a:solidFill>
+              <a:srgbClr val="3D3880"/>
+            </a:solidFill>
+            <a:headEnd type="none" w="med" len="med"/>
+            <a:tailEnd type="arrow" w="med" len="med"/>
+          </a:ln>
+        </p:spPr>
+        <p:style>
+          <a:lnRef idx="1">
+            <a:schemeClr val="accent1"/>
+          </a:lnRef>
+          <a:fillRef idx="0">
+            <a:schemeClr val="accent1"/>
+          </a:fillRef>
+          <a:effectRef idx="0">
+            <a:schemeClr val="accent1"/>
+          </a:effectRef>
+          <a:fontRef idx="minor">
+            <a:schemeClr val="tx1"/>
+          </a:fontRef>
+        </p:style>
+      </p:cxnSp>
+      <p:sp>
+        <p:nvSpPr>
+          <p:cNvPr id="18" name="TextBox 17">
+            <a:extLst>
+              <a:ext uri="{FF2B5EF4-FFF2-40B4-BE49-F238E27FC236}">
+                <a16:creationId xmlns:a16="http://schemas.microsoft.com/office/drawing/2014/main" id="{BE7D1D4C-2C91-464E-B058-D62386BF251F}"/>
+              </a:ext>
+            </a:extLst>
+          </p:cNvPr>
+          <p:cNvSpPr txBox="1"/>
+          <p:nvPr/>
+        </p:nvSpPr>
+        <p:spPr>
+          <a:xfrm>
+            <a:off x="4726838" y="4663701"/>
+            <a:ext cx="1152935" cy="338554"/>
+          </a:xfrm>
+          <a:prstGeom prst="rect">
+            <a:avLst/>
+          </a:prstGeom>
+          <a:solidFill>
+            <a:schemeClr val="bg1">
+              <a:alpha val="93000"/>
+            </a:schemeClr>
+          </a:solidFill>
+        </p:spPr>
+        <p:txBody>
+          <a:bodyPr wrap="square" rtlCol="0">
+            <a:spAutoFit/>
+          </a:bodyPr>
+          <a:lstStyle/>
+          <a:p>
+            <a:pPr algn="ctr"/>
+            <a:r>
+              <a:rPr lang="en-US" sz="1600" dirty="0">
+                <a:solidFill>
+                  <a:srgbClr val="62BD7D"/>
+                </a:solidFill>
+                <a:latin typeface="Avenir Medium" panose="02000503020000020003" pitchFamily="2" charset="0"/>
+              </a:rPr>
+              <a:t>Weight 5</a:t>
+            </a:r>
+          </a:p>
+        </p:txBody>
+      </p:sp>
+      <p:sp>
+        <p:nvSpPr>
+          <p:cNvPr id="19" name="TextBox 18">
+            <a:extLst>
+              <a:ext uri="{FF2B5EF4-FFF2-40B4-BE49-F238E27FC236}">
+                <a16:creationId xmlns:a16="http://schemas.microsoft.com/office/drawing/2014/main" id="{D1B01FD4-A388-828B-74B2-5ED012EAB9C6}"/>
+              </a:ext>
+            </a:extLst>
+          </p:cNvPr>
+          <p:cNvSpPr txBox="1"/>
+          <p:nvPr/>
+        </p:nvSpPr>
+        <p:spPr>
+          <a:xfrm>
+            <a:off x="4393580" y="4021110"/>
+            <a:ext cx="1152935" cy="338554"/>
+          </a:xfrm>
+          <a:prstGeom prst="rect">
+            <a:avLst/>
+          </a:prstGeom>
+          <a:solidFill>
+            <a:schemeClr val="bg1">
+              <a:alpha val="93000"/>
+            </a:schemeClr>
+          </a:solidFill>
+        </p:spPr>
+        <p:txBody>
+          <a:bodyPr wrap="square" rtlCol="0">
+            <a:spAutoFit/>
+          </a:bodyPr>
+          <a:lstStyle/>
+          <a:p>
+            <a:pPr algn="ctr"/>
+            <a:r>
+              <a:rPr lang="en-US" sz="1600" dirty="0">
+                <a:solidFill>
+                  <a:srgbClr val="62BD7D"/>
+                </a:solidFill>
+                <a:latin typeface="Avenir Medium" panose="02000503020000020003" pitchFamily="2" charset="0"/>
+              </a:rPr>
+              <a:t>Weight 4</a:t>
+            </a:r>
+          </a:p>
+        </p:txBody>
+      </p:sp>
+      <p:sp>
+        <p:nvSpPr>
+          <p:cNvPr id="20" name="TextBox 19">
+            <a:extLst>
+              <a:ext uri="{FF2B5EF4-FFF2-40B4-BE49-F238E27FC236}">
+                <a16:creationId xmlns:a16="http://schemas.microsoft.com/office/drawing/2014/main" id="{42822AEA-30D5-28BA-5FF8-AD664D206764}"/>
+              </a:ext>
+            </a:extLst>
+          </p:cNvPr>
+          <p:cNvSpPr txBox="1"/>
+          <p:nvPr/>
+        </p:nvSpPr>
+        <p:spPr>
+          <a:xfrm>
+            <a:off x="4262852" y="3215244"/>
+            <a:ext cx="1152935" cy="338554"/>
+          </a:xfrm>
+          <a:prstGeom prst="rect">
+            <a:avLst/>
+          </a:prstGeom>
+          <a:solidFill>
+            <a:schemeClr val="bg1">
+              <a:alpha val="93000"/>
+            </a:schemeClr>
+          </a:solidFill>
+        </p:spPr>
+        <p:txBody>
+          <a:bodyPr wrap="square" rtlCol="0">
+            <a:spAutoFit/>
+          </a:bodyPr>
+          <a:lstStyle/>
+          <a:p>
+            <a:pPr algn="ctr"/>
+            <a:r>
+              <a:rPr lang="en-US" sz="1600" dirty="0">
+                <a:solidFill>
+                  <a:srgbClr val="62BD7D"/>
+                </a:solidFill>
+                <a:latin typeface="Avenir Medium" panose="02000503020000020003" pitchFamily="2" charset="0"/>
+              </a:rPr>
+              <a:t>Weight 3</a:t>
+            </a:r>
+          </a:p>
+        </p:txBody>
+      </p:sp>
+      <p:sp>
+        <p:nvSpPr>
+          <p:cNvPr id="21" name="TextBox 20">
+            <a:extLst>
+              <a:ext uri="{FF2B5EF4-FFF2-40B4-BE49-F238E27FC236}">
+                <a16:creationId xmlns:a16="http://schemas.microsoft.com/office/drawing/2014/main" id="{C0017F2F-050D-2871-30CA-19C8AA3BDE24}"/>
+              </a:ext>
+            </a:extLst>
+          </p:cNvPr>
+          <p:cNvSpPr txBox="1"/>
+          <p:nvPr/>
+        </p:nvSpPr>
+        <p:spPr>
+          <a:xfrm>
+            <a:off x="4393579" y="2452281"/>
+            <a:ext cx="1152935" cy="338554"/>
+          </a:xfrm>
+          <a:prstGeom prst="rect">
+            <a:avLst/>
+          </a:prstGeom>
+          <a:solidFill>
+            <a:schemeClr val="bg1">
+              <a:alpha val="93000"/>
+            </a:schemeClr>
+          </a:solidFill>
+        </p:spPr>
+        <p:txBody>
+          <a:bodyPr wrap="square" rtlCol="0">
+            <a:spAutoFit/>
+          </a:bodyPr>
+          <a:lstStyle/>
+          <a:p>
+            <a:pPr algn="ctr"/>
+            <a:r>
+              <a:rPr lang="en-US" sz="1600" dirty="0">
+                <a:solidFill>
+                  <a:srgbClr val="62BD7D"/>
+                </a:solidFill>
+                <a:latin typeface="Avenir Medium" panose="02000503020000020003" pitchFamily="2" charset="0"/>
+              </a:rPr>
+              <a:t>Weight 2</a:t>
+            </a:r>
+          </a:p>
+        </p:txBody>
+      </p:sp>
+      <p:sp>
+        <p:nvSpPr>
+          <p:cNvPr id="22" name="TextBox 21">
+            <a:extLst>
+              <a:ext uri="{FF2B5EF4-FFF2-40B4-BE49-F238E27FC236}">
+                <a16:creationId xmlns:a16="http://schemas.microsoft.com/office/drawing/2014/main" id="{C05AC471-3A6D-542A-8258-CEC3375DEFAB}"/>
+              </a:ext>
+            </a:extLst>
+          </p:cNvPr>
+          <p:cNvSpPr txBox="1"/>
+          <p:nvPr/>
+        </p:nvSpPr>
+        <p:spPr>
+          <a:xfrm>
+            <a:off x="4726837" y="1852582"/>
+            <a:ext cx="1152935" cy="338554"/>
+          </a:xfrm>
+          <a:prstGeom prst="rect">
+            <a:avLst/>
+          </a:prstGeom>
+          <a:solidFill>
+            <a:schemeClr val="bg1">
+              <a:alpha val="93000"/>
+            </a:schemeClr>
+          </a:solidFill>
+        </p:spPr>
+        <p:txBody>
+          <a:bodyPr wrap="square" rtlCol="0">
+            <a:spAutoFit/>
+          </a:bodyPr>
+          <a:lstStyle/>
+          <a:p>
+            <a:pPr algn="ctr"/>
+            <a:r>
+              <a:rPr lang="en-US" sz="1600" dirty="0">
+                <a:solidFill>
+                  <a:srgbClr val="62BD7D"/>
+                </a:solidFill>
+                <a:latin typeface="Avenir Medium" panose="02000503020000020003" pitchFamily="2" charset="0"/>
+              </a:rPr>
+              <a:t>Weight 1</a:t>
+            </a:r>
+          </a:p>
+        </p:txBody>
+      </p:sp>
+      <p:sp>
+        <p:nvSpPr>
+          <p:cNvPr id="44" name="TextBox 43">
+            <a:extLst>
+              <a:ext uri="{FF2B5EF4-FFF2-40B4-BE49-F238E27FC236}">
+                <a16:creationId xmlns:a16="http://schemas.microsoft.com/office/drawing/2014/main" id="{9C6E7E90-4EA8-242A-5C1F-7194A269314B}"/>
+              </a:ext>
+            </a:extLst>
+          </p:cNvPr>
+          <p:cNvSpPr txBox="1"/>
+          <p:nvPr/>
+        </p:nvSpPr>
+        <p:spPr>
+          <a:xfrm>
+            <a:off x="6204835" y="4757579"/>
+            <a:ext cx="1300998" cy="523220"/>
+          </a:xfrm>
+          <a:prstGeom prst="rect">
+            <a:avLst/>
+          </a:prstGeom>
+          <a:noFill/>
+        </p:spPr>
+        <p:txBody>
+          <a:bodyPr wrap="square" rtlCol="0">
+            <a:spAutoFit/>
+          </a:bodyPr>
+          <a:lstStyle/>
+          <a:p>
+            <a:pPr algn="ctr"/>
+            <a:r>
+              <a:rPr lang="en-US" sz="1400" b="1" dirty="0">
+                <a:solidFill>
+                  <a:srgbClr val="3D3880"/>
+                </a:solidFill>
+                <a:latin typeface="Avenir Black" panose="02000503020000020003" pitchFamily="2" charset="0"/>
+              </a:rPr>
+              <a:t>Net Input</a:t>
+            </a:r>
+          </a:p>
+          <a:p>
+            <a:pPr algn="ctr"/>
+            <a:r>
+              <a:rPr lang="en-US" sz="1400" b="1" dirty="0">
+                <a:solidFill>
+                  <a:srgbClr val="3D3880"/>
+                </a:solidFill>
+                <a:latin typeface="Avenir Black" panose="02000503020000020003" pitchFamily="2" charset="0"/>
+              </a:rPr>
+              <a:t>Function</a:t>
+            </a:r>
+          </a:p>
+        </p:txBody>
+      </p:sp>
+      <p:sp>
+        <p:nvSpPr>
+          <p:cNvPr id="45" name="TextBox 44">
+            <a:extLst>
+              <a:ext uri="{FF2B5EF4-FFF2-40B4-BE49-F238E27FC236}">
+                <a16:creationId xmlns:a16="http://schemas.microsoft.com/office/drawing/2014/main" id="{137714E5-58F8-61D3-357C-86F2ECAA9D6C}"/>
+              </a:ext>
+            </a:extLst>
+          </p:cNvPr>
+          <p:cNvSpPr txBox="1"/>
+          <p:nvPr/>
+        </p:nvSpPr>
+        <p:spPr>
+          <a:xfrm>
+            <a:off x="7769785" y="4676504"/>
+            <a:ext cx="1300998" cy="523220"/>
+          </a:xfrm>
+          <a:prstGeom prst="rect">
+            <a:avLst/>
+          </a:prstGeom>
+          <a:noFill/>
+        </p:spPr>
+        <p:txBody>
+          <a:bodyPr wrap="square" rtlCol="0">
+            <a:spAutoFit/>
+          </a:bodyPr>
+          <a:lstStyle/>
+          <a:p>
+            <a:pPr algn="ctr"/>
+            <a:r>
+              <a:rPr lang="en-US" sz="1400" b="1" dirty="0">
+                <a:solidFill>
+                  <a:srgbClr val="3D3880"/>
+                </a:solidFill>
+                <a:latin typeface="Avenir Black" panose="02000503020000020003" pitchFamily="2" charset="0"/>
+              </a:rPr>
+              <a:t>Activation</a:t>
+            </a:r>
+          </a:p>
+          <a:p>
+            <a:pPr algn="ctr"/>
+            <a:r>
+              <a:rPr lang="en-US" sz="1400" b="1" dirty="0">
+                <a:solidFill>
+                  <a:srgbClr val="3D3880"/>
+                </a:solidFill>
+                <a:latin typeface="Avenir Black" panose="02000503020000020003" pitchFamily="2" charset="0"/>
+              </a:rPr>
+              <a:t>Function</a:t>
+            </a:r>
+          </a:p>
+        </p:txBody>
+      </p:sp>
+      <p:grpSp>
+        <p:nvGrpSpPr>
+          <p:cNvPr id="51" name="Group 50">
+            <a:extLst>
+              <a:ext uri="{FF2B5EF4-FFF2-40B4-BE49-F238E27FC236}">
+                <a16:creationId xmlns:a16="http://schemas.microsoft.com/office/drawing/2014/main" id="{87502EE3-8CA3-BA20-72A2-C315D67AB2A8}"/>
+              </a:ext>
+            </a:extLst>
+          </p:cNvPr>
+          <p:cNvGrpSpPr/>
+          <p:nvPr/>
+        </p:nvGrpSpPr>
+        <p:grpSpPr>
+          <a:xfrm>
+            <a:off x="6318957" y="3858135"/>
+            <a:ext cx="990600" cy="831338"/>
+            <a:chOff x="9846733" y="3333203"/>
+            <a:chExt cx="990600" cy="831338"/>
+          </a:xfrm>
+        </p:grpSpPr>
+        <p:cxnSp>
+          <p:nvCxnSpPr>
+            <p:cNvPr id="47" name="Straight Connector 46">
+              <a:extLst>
+                <a:ext uri="{FF2B5EF4-FFF2-40B4-BE49-F238E27FC236}">
+                  <a16:creationId xmlns:a16="http://schemas.microsoft.com/office/drawing/2014/main" id="{80581A8F-B5D4-7135-4A1E-873CD1D07D35}"/>
+                </a:ext>
+              </a:extLst>
+            </p:cNvPr>
+            <p:cNvCxnSpPr/>
+            <p:nvPr/>
+          </p:nvCxnSpPr>
+          <p:spPr>
+            <a:xfrm>
+              <a:off x="9846733" y="4163482"/>
+              <a:ext cx="990600" cy="0"/>
+            </a:xfrm>
+            <a:prstGeom prst="line">
+              <a:avLst/>
+            </a:prstGeom>
+            <a:ln w="28575">
+              <a:solidFill>
+                <a:srgbClr val="002060"/>
+              </a:solidFill>
+            </a:ln>
+          </p:spPr>
+          <p:style>
+            <a:lnRef idx="1">
+              <a:schemeClr val="accent1"/>
+            </a:lnRef>
+            <a:fillRef idx="0">
+              <a:schemeClr val="accent1"/>
+            </a:fillRef>
+            <a:effectRef idx="0">
+              <a:schemeClr val="accent1"/>
+            </a:effectRef>
+            <a:fontRef idx="minor">
+              <a:schemeClr val="tx1"/>
+            </a:fontRef>
+          </p:style>
+        </p:cxnSp>
+        <p:cxnSp>
+          <p:nvCxnSpPr>
+            <p:cNvPr id="48" name="Straight Connector 47">
+              <a:extLst>
+                <a:ext uri="{FF2B5EF4-FFF2-40B4-BE49-F238E27FC236}">
+                  <a16:creationId xmlns:a16="http://schemas.microsoft.com/office/drawing/2014/main" id="{2542440F-5D34-F109-A88A-0FAB21A94534}"/>
+                </a:ext>
+              </a:extLst>
+            </p:cNvPr>
+            <p:cNvCxnSpPr>
+              <a:cxnSpLocks/>
+            </p:cNvCxnSpPr>
+            <p:nvPr/>
+          </p:nvCxnSpPr>
+          <p:spPr>
+            <a:xfrm>
+              <a:off x="10024326" y="3333203"/>
+              <a:ext cx="343214" cy="831338"/>
+            </a:xfrm>
+            <a:prstGeom prst="line">
+              <a:avLst/>
+            </a:prstGeom>
+            <a:ln w="28575">
+              <a:solidFill>
+                <a:srgbClr val="002060"/>
+              </a:solidFill>
+            </a:ln>
+          </p:spPr>
+          <p:style>
+            <a:lnRef idx="1">
+              <a:schemeClr val="accent1"/>
+            </a:lnRef>
+            <a:fillRef idx="0">
+              <a:schemeClr val="accent1"/>
+            </a:fillRef>
+            <a:effectRef idx="0">
+              <a:schemeClr val="accent1"/>
+            </a:effectRef>
+            <a:fontRef idx="minor">
+              <a:schemeClr val="tx1"/>
+            </a:fontRef>
+          </p:style>
+        </p:cxnSp>
+      </p:grpSp>
+      <p:grpSp>
+        <p:nvGrpSpPr>
+          <p:cNvPr id="53" name="Group 52">
+            <a:extLst>
+              <a:ext uri="{FF2B5EF4-FFF2-40B4-BE49-F238E27FC236}">
+                <a16:creationId xmlns:a16="http://schemas.microsoft.com/office/drawing/2014/main" id="{27AA7F02-E11A-B040-9A33-AA85C6DBD216}"/>
+              </a:ext>
+            </a:extLst>
+          </p:cNvPr>
+          <p:cNvGrpSpPr/>
+          <p:nvPr/>
+        </p:nvGrpSpPr>
+        <p:grpSpPr>
+          <a:xfrm>
+            <a:off x="7879215" y="3774718"/>
+            <a:ext cx="990600" cy="831338"/>
+            <a:chOff x="9846733" y="3333203"/>
+            <a:chExt cx="990600" cy="831338"/>
+          </a:xfrm>
+        </p:grpSpPr>
+        <p:cxnSp>
+          <p:nvCxnSpPr>
+            <p:cNvPr id="54" name="Straight Connector 53">
+              <a:extLst>
+                <a:ext uri="{FF2B5EF4-FFF2-40B4-BE49-F238E27FC236}">
+                  <a16:creationId xmlns:a16="http://schemas.microsoft.com/office/drawing/2014/main" id="{3C2CB9B9-9630-3FF6-F419-B40C00657536}"/>
+                </a:ext>
+              </a:extLst>
+            </p:cNvPr>
+            <p:cNvCxnSpPr/>
+            <p:nvPr/>
+          </p:nvCxnSpPr>
+          <p:spPr>
+            <a:xfrm>
+              <a:off x="9846733" y="4163482"/>
+              <a:ext cx="990600" cy="0"/>
+            </a:xfrm>
+            <a:prstGeom prst="line">
+              <a:avLst/>
+            </a:prstGeom>
+            <a:ln w="28575">
+              <a:solidFill>
+                <a:srgbClr val="002060"/>
+              </a:solidFill>
+            </a:ln>
+          </p:spPr>
+          <p:style>
+            <a:lnRef idx="1">
+              <a:schemeClr val="accent1"/>
+            </a:lnRef>
+            <a:fillRef idx="0">
+              <a:schemeClr val="accent1"/>
+            </a:fillRef>
+            <a:effectRef idx="0">
+              <a:schemeClr val="accent1"/>
+            </a:effectRef>
+            <a:fontRef idx="minor">
+              <a:schemeClr val="tx1"/>
+            </a:fontRef>
+          </p:style>
+        </p:cxnSp>
+        <p:cxnSp>
+          <p:nvCxnSpPr>
+            <p:cNvPr id="55" name="Straight Connector 54">
+              <a:extLst>
+                <a:ext uri="{FF2B5EF4-FFF2-40B4-BE49-F238E27FC236}">
+                  <a16:creationId xmlns:a16="http://schemas.microsoft.com/office/drawing/2014/main" id="{443860ED-5AA3-4E35-2B30-5AD3E21FF365}"/>
+                </a:ext>
+              </a:extLst>
+            </p:cNvPr>
+            <p:cNvCxnSpPr>
+              <a:cxnSpLocks/>
+            </p:cNvCxnSpPr>
+            <p:nvPr/>
+          </p:nvCxnSpPr>
+          <p:spPr>
+            <a:xfrm>
+              <a:off x="10024326" y="3333203"/>
+              <a:ext cx="343214" cy="831338"/>
+            </a:xfrm>
+            <a:prstGeom prst="line">
+              <a:avLst/>
+            </a:prstGeom>
+            <a:ln w="28575">
+              <a:solidFill>
+                <a:srgbClr val="002060"/>
+              </a:solidFill>
+            </a:ln>
+          </p:spPr>
+          <p:style>
+            <a:lnRef idx="1">
+              <a:schemeClr val="accent1"/>
+            </a:lnRef>
+            <a:fillRef idx="0">
+              <a:schemeClr val="accent1"/>
+            </a:fillRef>
+            <a:effectRef idx="0">
+              <a:schemeClr val="accent1"/>
+            </a:effectRef>
+            <a:fontRef idx="minor">
+              <a:schemeClr val="tx1"/>
+            </a:fontRef>
+          </p:style>
+        </p:cxnSp>
+      </p:grpSp>
+      <p:pic>
+        <p:nvPicPr>
+          <p:cNvPr id="56" name="Picture 55" descr="A picture containing dark, gauge&#10;&#10;Description automatically generated">
+            <a:extLst>
+              <a:ext uri="{FF2B5EF4-FFF2-40B4-BE49-F238E27FC236}">
+                <a16:creationId xmlns:a16="http://schemas.microsoft.com/office/drawing/2014/main" id="{DCEFF2FA-2F57-4E0A-5DDA-FE6D57432A31}"/>
+              </a:ext>
+            </a:extLst>
+          </p:cNvPr>
+          <p:cNvPicPr>
+            <a:picLocks noChangeAspect="1"/>
+          </p:cNvPicPr>
+          <p:nvPr/>
+        </p:nvPicPr>
+        <p:blipFill>
+          <a:blip r:embed="rId3">
+            <a:extLst>
+              <a:ext uri="{28A0092B-C50C-407E-A947-70E740481C1C}">
+                <a14:useLocalDpi xmlns:a14="http://schemas.microsoft.com/office/drawing/2010/main" val="0"/>
+              </a:ext>
+            </a:extLst>
+          </a:blip>
+          <a:stretch>
+            <a:fillRect/>
+          </a:stretch>
+        </p:blipFill>
+        <p:spPr>
+          <a:xfrm>
+            <a:off x="11378037" y="6031948"/>
+            <a:ext cx="800100" cy="812800"/>
+          </a:xfrm>
+          <a:prstGeom prst="rect">
+            <a:avLst/>
+          </a:prstGeom>
+        </p:spPr>
+      </p:pic>
     </p:spTree>
     <p:extLst>
       <p:ext uri="{BB962C8B-B14F-4D97-AF65-F5344CB8AC3E}">
@@ -7118,8 +8714,8 @@
         </p:blipFill>
         <p:spPr bwMode="auto">
           <a:xfrm>
-            <a:off x="12304733" y="0"/>
-            <a:ext cx="1924833" cy="1187933"/>
+            <a:off x="12658723" y="1004552"/>
+            <a:ext cx="2588781" cy="1597697"/>
           </a:xfrm>
           <a:prstGeom prst="rect">
             <a:avLst/>
@@ -7289,7 +8885,7 @@
           <p:cNvPr id="4" name="Picture 3" descr="Chart, histogram&#10;&#10;Description automatically generated">
             <a:extLst>
               <a:ext uri="{FF2B5EF4-FFF2-40B4-BE49-F238E27FC236}">
-                <a16:creationId xmlns:a16="http://schemas.microsoft.com/office/drawing/2014/main" id="{FC6AE1FB-EA6C-713F-58C8-FB981BE4297D}"/>
+                <a16:creationId xmlns:a16="http://schemas.microsoft.com/office/drawing/2014/main" id="{D152DBCC-7DFD-6A79-1572-854767863321}"/>
               </a:ext>
             </a:extLst>
           </p:cNvPr>
@@ -7313,6 +8909,195 @@
           <a:xfrm>
             <a:off x="2000250" y="749718"/>
             <a:ext cx="7429500" cy="5422482"/>
+          </a:xfrm>
+          <a:prstGeom prst="rect">
+            <a:avLst/>
+          </a:prstGeom>
+        </p:spPr>
+      </p:pic>
+      <p:sp>
+        <p:nvSpPr>
+          <p:cNvPr id="2" name="TextBox 1">
+            <a:extLst>
+              <a:ext uri="{FF2B5EF4-FFF2-40B4-BE49-F238E27FC236}">
+                <a16:creationId xmlns:a16="http://schemas.microsoft.com/office/drawing/2014/main" id="{ED5304B8-388F-490C-6918-1D5C1667BB5B}"/>
+              </a:ext>
+            </a:extLst>
+          </p:cNvPr>
+          <p:cNvSpPr txBox="1"/>
+          <p:nvPr/>
+        </p:nvSpPr>
+        <p:spPr>
+          <a:xfrm>
+            <a:off x="4994856" y="1004552"/>
+            <a:ext cx="2202287" cy="400110"/>
+          </a:xfrm>
+          <a:prstGeom prst="rect">
+            <a:avLst/>
+          </a:prstGeom>
+          <a:solidFill>
+            <a:schemeClr val="bg1"/>
+          </a:solidFill>
+        </p:spPr>
+        <p:txBody>
+          <a:bodyPr wrap="square" rtlCol="0">
+            <a:spAutoFit/>
+          </a:bodyPr>
+          <a:lstStyle/>
+          <a:p>
+            <a:pPr algn="ctr"/>
+            <a:r>
+              <a:rPr lang="en-US" sz="2000" dirty="0">
+                <a:solidFill>
+                  <a:srgbClr val="3D3880"/>
+                </a:solidFill>
+                <a:latin typeface="Avenir Medium" panose="02000503020000020003" pitchFamily="2" charset="0"/>
+              </a:rPr>
+              <a:t>perceptron</a:t>
+            </a:r>
+          </a:p>
+        </p:txBody>
+      </p:sp>
+      <p:sp>
+        <p:nvSpPr>
+          <p:cNvPr id="5" name="TextBox 4">
+            <a:extLst>
+              <a:ext uri="{FF2B5EF4-FFF2-40B4-BE49-F238E27FC236}">
+                <a16:creationId xmlns:a16="http://schemas.microsoft.com/office/drawing/2014/main" id="{DD47A4AF-D2F6-2072-C815-67EA4D4DBB23}"/>
+              </a:ext>
+            </a:extLst>
+          </p:cNvPr>
+          <p:cNvSpPr txBox="1"/>
+          <p:nvPr/>
+        </p:nvSpPr>
+        <p:spPr>
+          <a:xfrm>
+            <a:off x="2434107" y="3230452"/>
+            <a:ext cx="1064653" cy="707886"/>
+          </a:xfrm>
+          <a:prstGeom prst="rect">
+            <a:avLst/>
+          </a:prstGeom>
+          <a:solidFill>
+            <a:schemeClr val="bg1"/>
+          </a:solidFill>
+        </p:spPr>
+        <p:txBody>
+          <a:bodyPr wrap="square" rtlCol="0">
+            <a:spAutoFit/>
+          </a:bodyPr>
+          <a:lstStyle/>
+          <a:p>
+            <a:pPr algn="ctr"/>
+            <a:r>
+              <a:rPr lang="en-US" sz="2000" b="1" dirty="0">
+                <a:solidFill>
+                  <a:srgbClr val="3D3880"/>
+                </a:solidFill>
+                <a:latin typeface="Avenir Black" panose="02000503020000020003" pitchFamily="2" charset="0"/>
+              </a:rPr>
+              <a:t>y</a:t>
+            </a:r>
+          </a:p>
+          <a:p>
+            <a:pPr algn="ctr"/>
+            <a:r>
+              <a:rPr lang="en-US" sz="2000" dirty="0">
+                <a:solidFill>
+                  <a:srgbClr val="3D3880"/>
+                </a:solidFill>
+                <a:latin typeface="Avenir Medium" panose="02000503020000020003" pitchFamily="2" charset="0"/>
+              </a:rPr>
+              <a:t>output</a:t>
+            </a:r>
+          </a:p>
+        </p:txBody>
+      </p:sp>
+      <p:sp>
+        <p:nvSpPr>
+          <p:cNvPr id="6" name="TextBox 5">
+            <a:extLst>
+              <a:ext uri="{FF2B5EF4-FFF2-40B4-BE49-F238E27FC236}">
+                <a16:creationId xmlns:a16="http://schemas.microsoft.com/office/drawing/2014/main" id="{1E2D9568-A710-13B9-3570-6E18DDB0B159}"/>
+              </a:ext>
+            </a:extLst>
+          </p:cNvPr>
+          <p:cNvSpPr txBox="1"/>
+          <p:nvPr/>
+        </p:nvSpPr>
+        <p:spPr>
+          <a:xfrm>
+            <a:off x="5278191" y="5336001"/>
+            <a:ext cx="1064653" cy="707886"/>
+          </a:xfrm>
+          <a:prstGeom prst="rect">
+            <a:avLst/>
+          </a:prstGeom>
+          <a:solidFill>
+            <a:schemeClr val="bg1"/>
+          </a:solidFill>
+        </p:spPr>
+        <p:txBody>
+          <a:bodyPr wrap="square" rtlCol="0">
+            <a:spAutoFit/>
+          </a:bodyPr>
+          <a:lstStyle/>
+          <a:p>
+            <a:pPr algn="ctr"/>
+            <a:r>
+              <a:rPr lang="en-US" sz="2000" b="1" dirty="0">
+                <a:solidFill>
+                  <a:srgbClr val="3D3880"/>
+                </a:solidFill>
+                <a:latin typeface="Avenir Black" panose="02000503020000020003" pitchFamily="2" charset="0"/>
+              </a:rPr>
+              <a:t>x</a:t>
+            </a:r>
+          </a:p>
+          <a:p>
+            <a:pPr algn="ctr"/>
+            <a:r>
+              <a:rPr lang="en-US" sz="2000" dirty="0">
+                <a:solidFill>
+                  <a:srgbClr val="3D3880"/>
+                </a:solidFill>
+                <a:latin typeface="Avenir Medium" panose="02000503020000020003" pitchFamily="2" charset="0"/>
+              </a:rPr>
+              <a:t>input</a:t>
+            </a:r>
+          </a:p>
+        </p:txBody>
+      </p:sp>
+      <p:pic>
+        <p:nvPicPr>
+          <p:cNvPr id="7" name="Picture 6" descr="A picture containing dark, gauge&#10;&#10;Description automatically generated">
+            <a:extLst>
+              <a:ext uri="{FF2B5EF4-FFF2-40B4-BE49-F238E27FC236}">
+                <a16:creationId xmlns:a16="http://schemas.microsoft.com/office/drawing/2014/main" id="{84DBE39F-4C93-5C6D-486C-F0956787BFC4}"/>
+              </a:ext>
+            </a:extLst>
+          </p:cNvPr>
+          <p:cNvPicPr>
+            <a:picLocks noChangeAspect="1"/>
+          </p:cNvPicPr>
+          <p:nvPr/>
+        </p:nvPicPr>
+        <p:blipFill>
+          <a:blip r:embed="rId5">
+            <a:extLst>
+              <a:ext uri="{28A0092B-C50C-407E-A947-70E740481C1C}">
+                <a14:useLocalDpi xmlns:a14="http://schemas.microsoft.com/office/drawing/2010/main" val="0"/>
+              </a:ext>
+            </a:extLst>
+          </a:blip>
+          <a:stretch>
+            <a:fillRect/>
+          </a:stretch>
+        </p:blipFill>
+        <p:spPr>
+          <a:xfrm>
+            <a:off x="11378037" y="6031948"/>
+            <a:ext cx="800100" cy="812800"/>
           </a:xfrm>
           <a:prstGeom prst="rect">
             <a:avLst/>
@@ -7457,7 +9242,7 @@
         </p:nvSpPr>
         <p:spPr>
           <a:xfrm>
-            <a:off x="4552121" y="5820188"/>
+            <a:off x="15410621" y="5328373"/>
             <a:ext cx="3087757" cy="461665"/>
           </a:xfrm>
           <a:prstGeom prst="rect">
@@ -7475,7 +9260,7 @@
             <a:r>
               <a:rPr lang="en-US" sz="2400" dirty="0">
                 <a:solidFill>
-                  <a:srgbClr val="2F3361"/>
+                  <a:srgbClr val="4747FF"/>
                 </a:solidFill>
                 <a:latin typeface="Courier New" panose="02070309020205020404" pitchFamily="49" charset="0"/>
                 <a:cs typeface="Courier New" panose="02070309020205020404" pitchFamily="49" charset="0"/>
@@ -7485,12 +9270,208 @@
           </a:p>
         </p:txBody>
       </p:sp>
+      <p:sp>
+        <p:nvSpPr>
+          <p:cNvPr id="3" name="TextBox 2">
+            <a:extLst>
+              <a:ext uri="{FF2B5EF4-FFF2-40B4-BE49-F238E27FC236}">
+                <a16:creationId xmlns:a16="http://schemas.microsoft.com/office/drawing/2014/main" id="{E36C76D5-706C-465F-83C4-2F7896E6FA9C}"/>
+              </a:ext>
+            </a:extLst>
+          </p:cNvPr>
+          <p:cNvSpPr txBox="1"/>
+          <p:nvPr/>
+        </p:nvSpPr>
+        <p:spPr>
+          <a:xfrm>
+            <a:off x="12707497" y="1542997"/>
+            <a:ext cx="292068" cy="307777"/>
+          </a:xfrm>
+          <a:prstGeom prst="rect">
+            <a:avLst/>
+          </a:prstGeom>
+          <a:noFill/>
+        </p:spPr>
+        <p:txBody>
+          <a:bodyPr wrap="none" rtlCol="0">
+            <a:spAutoFit/>
+          </a:bodyPr>
+          <a:lstStyle/>
+          <a:p>
+            <a:r>
+              <a:rPr lang="en-US" sz="1400" i="1" dirty="0">
+                <a:latin typeface="Courier New" panose="02070309020205020404" pitchFamily="49" charset="0"/>
+                <a:cs typeface="Courier New" panose="02070309020205020404" pitchFamily="49" charset="0"/>
+              </a:rPr>
+              <a:t>y</a:t>
+            </a:r>
+          </a:p>
+        </p:txBody>
+      </p:sp>
+      <p:sp>
+        <p:nvSpPr>
+          <p:cNvPr id="6" name="TextBox 5">
+            <a:extLst>
+              <a:ext uri="{FF2B5EF4-FFF2-40B4-BE49-F238E27FC236}">
+                <a16:creationId xmlns:a16="http://schemas.microsoft.com/office/drawing/2014/main" id="{1E8E6CF4-4B1B-4BDA-84FB-AF2614B5725F}"/>
+              </a:ext>
+            </a:extLst>
+          </p:cNvPr>
+          <p:cNvSpPr txBox="1"/>
+          <p:nvPr/>
+        </p:nvSpPr>
+        <p:spPr>
+          <a:xfrm>
+            <a:off x="15410621" y="4790621"/>
+            <a:ext cx="292068" cy="307777"/>
+          </a:xfrm>
+          <a:prstGeom prst="rect">
+            <a:avLst/>
+          </a:prstGeom>
+          <a:noFill/>
+        </p:spPr>
+        <p:txBody>
+          <a:bodyPr wrap="none" rtlCol="0">
+            <a:spAutoFit/>
+          </a:bodyPr>
+          <a:lstStyle/>
+          <a:p>
+            <a:r>
+              <a:rPr lang="en-US" sz="1400" i="1" dirty="0">
+                <a:latin typeface="Courier New" panose="02070309020205020404" pitchFamily="49" charset="0"/>
+                <a:cs typeface="Courier New" panose="02070309020205020404" pitchFamily="49" charset="0"/>
+              </a:rPr>
+              <a:t>x</a:t>
+            </a:r>
+          </a:p>
+        </p:txBody>
+      </p:sp>
+      <p:cxnSp>
+        <p:nvCxnSpPr>
+          <p:cNvPr id="5" name="Straight Connector 4">
+            <a:extLst>
+              <a:ext uri="{FF2B5EF4-FFF2-40B4-BE49-F238E27FC236}">
+                <a16:creationId xmlns:a16="http://schemas.microsoft.com/office/drawing/2014/main" id="{312A953D-FB29-49ED-80B8-01783FA3B963}"/>
+              </a:ext>
+            </a:extLst>
+          </p:cNvPr>
+          <p:cNvCxnSpPr>
+            <a:cxnSpLocks/>
+          </p:cNvCxnSpPr>
+          <p:nvPr/>
+        </p:nvCxnSpPr>
+        <p:spPr>
+          <a:xfrm>
+            <a:off x="12840279" y="1956477"/>
+            <a:ext cx="19880" cy="2986545"/>
+          </a:xfrm>
+          <a:prstGeom prst="line">
+            <a:avLst/>
+          </a:prstGeom>
+          <a:ln>
+            <a:headEnd type="arrow"/>
+          </a:ln>
+        </p:spPr>
+        <p:style>
+          <a:lnRef idx="1">
+            <a:schemeClr val="accent1"/>
+          </a:lnRef>
+          <a:fillRef idx="0">
+            <a:schemeClr val="accent1"/>
+          </a:fillRef>
+          <a:effectRef idx="0">
+            <a:schemeClr val="accent1"/>
+          </a:effectRef>
+          <a:fontRef idx="minor">
+            <a:schemeClr val="tx1"/>
+          </a:fontRef>
+        </p:style>
+      </p:cxnSp>
+      <p:cxnSp>
+        <p:nvCxnSpPr>
+          <p:cNvPr id="9" name="Straight Connector 8">
+            <a:extLst>
+              <a:ext uri="{FF2B5EF4-FFF2-40B4-BE49-F238E27FC236}">
+                <a16:creationId xmlns:a16="http://schemas.microsoft.com/office/drawing/2014/main" id="{24A48692-27F5-469B-BACF-B0ADB29E0832}"/>
+              </a:ext>
+            </a:extLst>
+          </p:cNvPr>
+          <p:cNvCxnSpPr>
+            <a:cxnSpLocks/>
+            <a:stCxn id="6" idx="1"/>
+          </p:cNvCxnSpPr>
+          <p:nvPr/>
+        </p:nvCxnSpPr>
+        <p:spPr>
+          <a:xfrm flipH="1" flipV="1">
+            <a:off x="12860159" y="4943022"/>
+            <a:ext cx="2550462" cy="1488"/>
+          </a:xfrm>
+          <a:prstGeom prst="line">
+            <a:avLst/>
+          </a:prstGeom>
+          <a:ln>
+            <a:headEnd type="arrow"/>
+            <a:tailEnd type="none"/>
+          </a:ln>
+        </p:spPr>
+        <p:style>
+          <a:lnRef idx="1">
+            <a:schemeClr val="accent1"/>
+          </a:lnRef>
+          <a:fillRef idx="0">
+            <a:schemeClr val="accent1"/>
+          </a:fillRef>
+          <a:effectRef idx="0">
+            <a:schemeClr val="accent1"/>
+          </a:effectRef>
+          <a:fontRef idx="minor">
+            <a:schemeClr val="tx1"/>
+          </a:fontRef>
+        </p:style>
+      </p:cxnSp>
+      <p:pic>
+        <p:nvPicPr>
+          <p:cNvPr id="8" name="Picture 7" descr="Chart&#10;&#10;Description automatically generated">
+            <a:extLst>
+              <a:ext uri="{FF2B5EF4-FFF2-40B4-BE49-F238E27FC236}">
+                <a16:creationId xmlns:a16="http://schemas.microsoft.com/office/drawing/2014/main" id="{0CB4695C-9BBB-44CB-8105-2908ACD5F37C}"/>
+              </a:ext>
+            </a:extLst>
+          </p:cNvPr>
+          <p:cNvPicPr>
+            <a:picLocks noChangeAspect="1"/>
+          </p:cNvPicPr>
+          <p:nvPr/>
+        </p:nvPicPr>
+        <p:blipFill>
+          <a:blip r:embed="rId3">
+            <a:extLst>
+              <a:ext uri="{28A0092B-C50C-407E-A947-70E740481C1C}">
+                <a14:useLocalDpi xmlns:a14="http://schemas.microsoft.com/office/drawing/2010/main" val="0"/>
+              </a:ext>
+            </a:extLst>
+          </a:blip>
+          <a:stretch>
+            <a:fillRect/>
+          </a:stretch>
+        </p:blipFill>
+        <p:spPr>
+          <a:xfrm>
+            <a:off x="12973061" y="2080749"/>
+            <a:ext cx="8211827" cy="2696502"/>
+          </a:xfrm>
+          <a:prstGeom prst="rect">
+            <a:avLst/>
+          </a:prstGeom>
+        </p:spPr>
+      </p:pic>
       <p:pic>
         <p:nvPicPr>
           <p:cNvPr id="10" name="Picture 9" descr="Chart, line chart&#10;&#10;Description automatically generated">
             <a:extLst>
               <a:ext uri="{FF2B5EF4-FFF2-40B4-BE49-F238E27FC236}">
-                <a16:creationId xmlns:a16="http://schemas.microsoft.com/office/drawing/2014/main" id="{1153D44B-AF2C-882C-D746-32585C2FC40F}"/>
+                <a16:creationId xmlns:a16="http://schemas.microsoft.com/office/drawing/2014/main" id="{3032905D-0A5B-29F3-989A-CE1CDA437B68}"/>
               </a:ext>
             </a:extLst>
           </p:cNvPr>
@@ -7500,7 +9481,7 @@
           <p:nvPr/>
         </p:nvPicPr>
         <p:blipFill rotWithShape="1">
-          <a:blip r:embed="rId3">
+          <a:blip r:embed="rId4">
             <a:extLst>
               <a:ext uri="{28A0092B-C50C-407E-A947-70E740481C1C}">
                 <a14:useLocalDpi xmlns:a14="http://schemas.microsoft.com/office/drawing/2010/main" val="0"/>
@@ -7512,8 +9493,154 @@
         </p:blipFill>
         <p:spPr>
           <a:xfrm>
-            <a:off x="303209" y="1037812"/>
+            <a:off x="560786" y="1007662"/>
             <a:ext cx="11394621" cy="4782376"/>
+          </a:xfrm>
+          <a:prstGeom prst="rect">
+            <a:avLst/>
+          </a:prstGeom>
+        </p:spPr>
+      </p:pic>
+      <p:sp>
+        <p:nvSpPr>
+          <p:cNvPr id="4" name="TextBox 3">
+            <a:extLst>
+              <a:ext uri="{FF2B5EF4-FFF2-40B4-BE49-F238E27FC236}">
+                <a16:creationId xmlns:a16="http://schemas.microsoft.com/office/drawing/2014/main" id="{A0C893D6-148C-B8F9-6A88-F5739A888504}"/>
+              </a:ext>
+            </a:extLst>
+          </p:cNvPr>
+          <p:cNvSpPr txBox="1"/>
+          <p:nvPr/>
+        </p:nvSpPr>
+        <p:spPr>
+          <a:xfrm>
+            <a:off x="257577" y="3264696"/>
+            <a:ext cx="1026496" cy="707886"/>
+          </a:xfrm>
+          <a:prstGeom prst="rect">
+            <a:avLst/>
+          </a:prstGeom>
+          <a:solidFill>
+            <a:schemeClr val="bg1"/>
+          </a:solidFill>
+        </p:spPr>
+        <p:txBody>
+          <a:bodyPr wrap="square" rtlCol="0">
+            <a:spAutoFit/>
+          </a:bodyPr>
+          <a:lstStyle/>
+          <a:p>
+            <a:pPr algn="ctr"/>
+            <a:r>
+              <a:rPr lang="en-US" sz="2000" b="1" dirty="0">
+                <a:solidFill>
+                  <a:srgbClr val="3D3880"/>
+                </a:solidFill>
+                <a:latin typeface="Avenir Black" panose="02000503020000020003" pitchFamily="2" charset="0"/>
+              </a:rPr>
+              <a:t>y</a:t>
+            </a:r>
+          </a:p>
+          <a:p>
+            <a:pPr algn="ctr"/>
+            <a:r>
+              <a:rPr lang="en-US" sz="2000" dirty="0">
+                <a:solidFill>
+                  <a:srgbClr val="3D3880"/>
+                </a:solidFill>
+                <a:latin typeface="Avenir Medium" panose="02000503020000020003" pitchFamily="2" charset="0"/>
+              </a:rPr>
+              <a:t>output</a:t>
+            </a:r>
+          </a:p>
+        </p:txBody>
+      </p:sp>
+      <p:sp>
+        <p:nvSpPr>
+          <p:cNvPr id="11" name="TextBox 10">
+            <a:extLst>
+              <a:ext uri="{FF2B5EF4-FFF2-40B4-BE49-F238E27FC236}">
+                <a16:creationId xmlns:a16="http://schemas.microsoft.com/office/drawing/2014/main" id="{B71D1BCC-5A0F-ECF2-6151-061B4E619D55}"/>
+              </a:ext>
+            </a:extLst>
+          </p:cNvPr>
+          <p:cNvSpPr txBox="1"/>
+          <p:nvPr/>
+        </p:nvSpPr>
+        <p:spPr>
+          <a:xfrm>
+            <a:off x="3050146" y="5256105"/>
+            <a:ext cx="1064653" cy="707886"/>
+          </a:xfrm>
+          <a:prstGeom prst="rect">
+            <a:avLst/>
+          </a:prstGeom>
+          <a:solidFill>
+            <a:schemeClr val="bg1"/>
+          </a:solidFill>
+        </p:spPr>
+        <p:txBody>
+          <a:bodyPr wrap="square" rtlCol="0">
+            <a:spAutoFit/>
+          </a:bodyPr>
+          <a:lstStyle/>
+          <a:p>
+            <a:pPr algn="ctr"/>
+            <a:r>
+              <a:rPr lang="en-US" sz="2000" b="1" dirty="0">
+                <a:solidFill>
+                  <a:srgbClr val="3D3880"/>
+                </a:solidFill>
+                <a:latin typeface="Avenir Black" panose="02000503020000020003" pitchFamily="2" charset="0"/>
+              </a:rPr>
+              <a:t>x</a:t>
+            </a:r>
+          </a:p>
+          <a:p>
+            <a:pPr algn="ctr"/>
+            <a:r>
+              <a:rPr lang="en-US" sz="2000" dirty="0">
+                <a:solidFill>
+                  <a:srgbClr val="3D3880"/>
+                </a:solidFill>
+                <a:latin typeface="Avenir Medium" panose="02000503020000020003" pitchFamily="2" charset="0"/>
+              </a:rPr>
+              <a:t>input</a:t>
+            </a:r>
+          </a:p>
+        </p:txBody>
+      </p:sp>
+      <p:pic>
+        <p:nvPicPr>
+          <p:cNvPr id="12" name="Picture 11" descr="A picture containing dark, gauge&#10;&#10;Description automatically generated">
+            <a:extLst>
+              <a:ext uri="{FF2B5EF4-FFF2-40B4-BE49-F238E27FC236}">
+                <a16:creationId xmlns:a16="http://schemas.microsoft.com/office/drawing/2014/main" id="{6BAE1593-4517-E241-F2E4-ADA5B24DD1B9}"/>
+              </a:ext>
+            </a:extLst>
+          </p:cNvPr>
+          <p:cNvPicPr>
+            <a:picLocks noChangeAspect="1"/>
+          </p:cNvPicPr>
+          <p:nvPr/>
+        </p:nvPicPr>
+        <p:blipFill>
+          <a:blip r:embed="rId5">
+            <a:extLst>
+              <a:ext uri="{28A0092B-C50C-407E-A947-70E740481C1C}">
+                <a14:useLocalDpi xmlns:a14="http://schemas.microsoft.com/office/drawing/2010/main" val="0"/>
+              </a:ext>
+            </a:extLst>
+          </a:blip>
+          <a:stretch>
+            <a:fillRect/>
+          </a:stretch>
+        </p:blipFill>
+        <p:spPr>
+          <a:xfrm>
+            <a:off x="11378037" y="6031948"/>
+            <a:ext cx="800100" cy="812800"/>
           </a:xfrm>
           <a:prstGeom prst="rect">
             <a:avLst/>
@@ -7744,10 +9871,10 @@
       </p:sp>
       <p:pic>
         <p:nvPicPr>
-          <p:cNvPr id="3074" name="Picture 2" descr="A graph represents the ReLU activation function.">
-            <a:extLst>
-              <a:ext uri="{FF2B5EF4-FFF2-40B4-BE49-F238E27FC236}">
-                <a16:creationId xmlns:a16="http://schemas.microsoft.com/office/drawing/2014/main" id="{FB881738-454E-22F6-E572-67299628381B}"/>
+          <p:cNvPr id="5" name="Picture 2" descr="F13023">
+            <a:extLst>
+              <a:ext uri="{FF2B5EF4-FFF2-40B4-BE49-F238E27FC236}">
+                <a16:creationId xmlns:a16="http://schemas.microsoft.com/office/drawing/2014/main" id="{8228750C-0D30-4367-BD35-78C99F4E179D}"/>
               </a:ext>
             </a:extLst>
           </p:cNvPr>
@@ -7771,8 +9898,8 @@
         </p:blipFill>
         <p:spPr bwMode="auto">
           <a:xfrm>
-            <a:off x="12304735" y="0"/>
-            <a:ext cx="2070001" cy="1090357"/>
+            <a:off x="12785608" y="307777"/>
+            <a:ext cx="1584784" cy="1640488"/>
           </a:xfrm>
           <a:prstGeom prst="rect">
             <a:avLst/>
@@ -7791,10 +9918,57 @@
       </p:pic>
       <p:pic>
         <p:nvPicPr>
-          <p:cNvPr id="6" name="Picture 5" descr="Chart&#10;&#10;Description automatically generated">
-            <a:extLst>
-              <a:ext uri="{FF2B5EF4-FFF2-40B4-BE49-F238E27FC236}">
-                <a16:creationId xmlns:a16="http://schemas.microsoft.com/office/drawing/2014/main" id="{B4F6A46C-649E-CE88-BFBF-83F9ADFAF1ED}"/>
+          <p:cNvPr id="3074" name="Picture 2" descr="A graph represents the ReLU activation function.">
+            <a:extLst>
+              <a:ext uri="{FF2B5EF4-FFF2-40B4-BE49-F238E27FC236}">
+                <a16:creationId xmlns:a16="http://schemas.microsoft.com/office/drawing/2014/main" id="{FB881738-454E-22F6-E572-67299628381B}"/>
+              </a:ext>
+            </a:extLst>
+          </p:cNvPr>
+          <p:cNvPicPr>
+            <a:picLocks noChangeAspect="1" noChangeArrowheads="1"/>
+          </p:cNvPicPr>
+          <p:nvPr/>
+        </p:nvPicPr>
+        <p:blipFill>
+          <a:blip r:embed="rId4">
+            <a:extLst>
+              <a:ext uri="{28A0092B-C50C-407E-A947-70E740481C1C}">
+                <a14:useLocalDpi xmlns:a14="http://schemas.microsoft.com/office/drawing/2010/main" val="0"/>
+              </a:ext>
+            </a:extLst>
+          </a:blip>
+          <a:srcRect/>
+          <a:stretch>
+            <a:fillRect/>
+          </a:stretch>
+        </p:blipFill>
+        <p:spPr bwMode="auto">
+          <a:xfrm>
+            <a:off x="12813190" y="2357384"/>
+            <a:ext cx="3114403" cy="1640488"/>
+          </a:xfrm>
+          <a:prstGeom prst="rect">
+            <a:avLst/>
+          </a:prstGeom>
+          <a:noFill/>
+          <a:extLst>
+            <a:ext uri="{909E8E84-426E-40DD-AFC4-6F175D3DCCD1}">
+              <a14:hiddenFill xmlns:a14="http://schemas.microsoft.com/office/drawing/2010/main">
+                <a:solidFill>
+                  <a:srgbClr val="FFFFFF"/>
+                </a:solidFill>
+              </a14:hiddenFill>
+            </a:ext>
+          </a:extLst>
+        </p:spPr>
+      </p:pic>
+      <p:pic>
+        <p:nvPicPr>
+          <p:cNvPr id="3" name="Picture 2" descr="Chart&#10;&#10;Description automatically generated">
+            <a:extLst>
+              <a:ext uri="{FF2B5EF4-FFF2-40B4-BE49-F238E27FC236}">
+                <a16:creationId xmlns:a16="http://schemas.microsoft.com/office/drawing/2014/main" id="{8D7FB3FA-C600-A7AC-290D-F418168ABDE6}"/>
               </a:ext>
             </a:extLst>
           </p:cNvPr>
@@ -7804,7 +9978,7 @@
           <p:nvPr/>
         </p:nvPicPr>
         <p:blipFill rotWithShape="1">
-          <a:blip r:embed="rId4">
+          <a:blip r:embed="rId5">
             <a:extLst>
               <a:ext uri="{28A0092B-C50C-407E-A947-70E740481C1C}">
                 <a14:useLocalDpi xmlns:a14="http://schemas.microsoft.com/office/drawing/2010/main" val="0"/>
@@ -7818,6 +9992,201 @@
           <a:xfrm>
             <a:off x="2209800" y="171450"/>
             <a:ext cx="6810900" cy="6378773"/>
+          </a:xfrm>
+          <a:prstGeom prst="rect">
+            <a:avLst/>
+          </a:prstGeom>
+        </p:spPr>
+      </p:pic>
+      <p:sp>
+        <p:nvSpPr>
+          <p:cNvPr id="2" name="TextBox 1">
+            <a:extLst>
+              <a:ext uri="{FF2B5EF4-FFF2-40B4-BE49-F238E27FC236}">
+                <a16:creationId xmlns:a16="http://schemas.microsoft.com/office/drawing/2014/main" id="{7DD74165-7052-6466-9F6E-3866EA233094}"/>
+              </a:ext>
+            </a:extLst>
+          </p:cNvPr>
+          <p:cNvSpPr txBox="1"/>
+          <p:nvPr/>
+        </p:nvSpPr>
+        <p:spPr>
+          <a:xfrm>
+            <a:off x="1906073" y="2854463"/>
+            <a:ext cx="1064653" cy="646331"/>
+          </a:xfrm>
+          <a:prstGeom prst="rect">
+            <a:avLst/>
+          </a:prstGeom>
+          <a:solidFill>
+            <a:schemeClr val="bg1"/>
+          </a:solidFill>
+        </p:spPr>
+        <p:txBody>
+          <a:bodyPr wrap="square" rtlCol="0">
+            <a:spAutoFit/>
+          </a:bodyPr>
+          <a:lstStyle/>
+          <a:p>
+            <a:pPr algn="ctr"/>
+            <a:r>
+              <a:rPr lang="en-US" b="1" dirty="0">
+                <a:solidFill>
+                  <a:srgbClr val="3D3880"/>
+                </a:solidFill>
+                <a:latin typeface="Avenir Black" panose="02000503020000020003" pitchFamily="2" charset="0"/>
+              </a:rPr>
+              <a:t>y</a:t>
+            </a:r>
+          </a:p>
+          <a:p>
+            <a:pPr algn="ctr"/>
+            <a:r>
+              <a:rPr lang="en-US" dirty="0">
+                <a:solidFill>
+                  <a:srgbClr val="3D3880"/>
+                </a:solidFill>
+                <a:latin typeface="Avenir Medium" panose="02000503020000020003" pitchFamily="2" charset="0"/>
+              </a:rPr>
+              <a:t>output</a:t>
+            </a:r>
+          </a:p>
+        </p:txBody>
+      </p:sp>
+      <p:sp>
+        <p:nvSpPr>
+          <p:cNvPr id="6" name="TextBox 5">
+            <a:extLst>
+              <a:ext uri="{FF2B5EF4-FFF2-40B4-BE49-F238E27FC236}">
+                <a16:creationId xmlns:a16="http://schemas.microsoft.com/office/drawing/2014/main" id="{2ED1D8A8-DDB4-733B-7FC2-0B5C1DA05952}"/>
+              </a:ext>
+            </a:extLst>
+          </p:cNvPr>
+          <p:cNvSpPr txBox="1"/>
+          <p:nvPr/>
+        </p:nvSpPr>
+        <p:spPr>
+          <a:xfrm>
+            <a:off x="5381222" y="5952906"/>
+            <a:ext cx="1064653" cy="646331"/>
+          </a:xfrm>
+          <a:prstGeom prst="rect">
+            <a:avLst/>
+          </a:prstGeom>
+          <a:solidFill>
+            <a:schemeClr val="bg1"/>
+          </a:solidFill>
+        </p:spPr>
+        <p:txBody>
+          <a:bodyPr wrap="square" rtlCol="0">
+            <a:spAutoFit/>
+          </a:bodyPr>
+          <a:lstStyle/>
+          <a:p>
+            <a:pPr algn="ctr"/>
+            <a:r>
+              <a:rPr lang="en-US" b="1" dirty="0">
+                <a:solidFill>
+                  <a:srgbClr val="3D3880"/>
+                </a:solidFill>
+                <a:latin typeface="Avenir Black" panose="02000503020000020003" pitchFamily="2" charset="0"/>
+              </a:rPr>
+              <a:t>x</a:t>
+            </a:r>
+          </a:p>
+          <a:p>
+            <a:pPr algn="ctr"/>
+            <a:r>
+              <a:rPr lang="en-US" dirty="0">
+                <a:solidFill>
+                  <a:srgbClr val="3D3880"/>
+                </a:solidFill>
+                <a:latin typeface="Avenir Medium" panose="02000503020000020003" pitchFamily="2" charset="0"/>
+              </a:rPr>
+              <a:t>input</a:t>
+            </a:r>
+          </a:p>
+        </p:txBody>
+      </p:sp>
+      <p:sp>
+        <p:nvSpPr>
+          <p:cNvPr id="7" name="TextBox 6">
+            <a:extLst>
+              <a:ext uri="{FF2B5EF4-FFF2-40B4-BE49-F238E27FC236}">
+                <a16:creationId xmlns:a16="http://schemas.microsoft.com/office/drawing/2014/main" id="{BAA9BE3B-8D4F-EF8C-3F90-786DBF69F113}"/>
+              </a:ext>
+            </a:extLst>
+          </p:cNvPr>
+          <p:cNvSpPr txBox="1"/>
+          <p:nvPr/>
+        </p:nvSpPr>
+        <p:spPr>
+          <a:xfrm>
+            <a:off x="4812404" y="107722"/>
+            <a:ext cx="2202287" cy="400110"/>
+          </a:xfrm>
+          <a:prstGeom prst="rect">
+            <a:avLst/>
+          </a:prstGeom>
+          <a:solidFill>
+            <a:schemeClr val="bg1"/>
+          </a:solidFill>
+        </p:spPr>
+        <p:txBody>
+          <a:bodyPr wrap="square" rtlCol="0">
+            <a:spAutoFit/>
+          </a:bodyPr>
+          <a:lstStyle/>
+          <a:p>
+            <a:pPr algn="ctr"/>
+            <a:r>
+              <a:rPr lang="en-US" sz="2000" dirty="0" err="1">
+                <a:solidFill>
+                  <a:srgbClr val="3D3880"/>
+                </a:solidFill>
+                <a:latin typeface="Avenir Medium" panose="02000503020000020003" pitchFamily="2" charset="0"/>
+              </a:rPr>
+              <a:t>ReLU</a:t>
+            </a:r>
+            <a:endParaRPr lang="en-US" sz="2000" dirty="0">
+              <a:solidFill>
+                <a:srgbClr val="3D3880"/>
+              </a:solidFill>
+              <a:latin typeface="Avenir Medium" panose="02000503020000020003" pitchFamily="2" charset="0"/>
+            </a:endParaRPr>
+          </a:p>
+        </p:txBody>
+      </p:sp>
+      <p:pic>
+        <p:nvPicPr>
+          <p:cNvPr id="8" name="Picture 7" descr="A picture containing dark, gauge&#10;&#10;Description automatically generated">
+            <a:extLst>
+              <a:ext uri="{FF2B5EF4-FFF2-40B4-BE49-F238E27FC236}">
+                <a16:creationId xmlns:a16="http://schemas.microsoft.com/office/drawing/2014/main" id="{3E2B248F-CC84-3707-2045-A906217A24DA}"/>
+              </a:ext>
+            </a:extLst>
+          </p:cNvPr>
+          <p:cNvPicPr>
+            <a:picLocks noChangeAspect="1"/>
+          </p:cNvPicPr>
+          <p:nvPr/>
+        </p:nvPicPr>
+        <p:blipFill>
+          <a:blip r:embed="rId6">
+            <a:extLst>
+              <a:ext uri="{28A0092B-C50C-407E-A947-70E740481C1C}">
+                <a14:useLocalDpi xmlns:a14="http://schemas.microsoft.com/office/drawing/2010/main" val="0"/>
+              </a:ext>
+            </a:extLst>
+          </a:blip>
+          <a:stretch>
+            <a:fillRect/>
+          </a:stretch>
+        </p:blipFill>
+        <p:spPr>
+          <a:xfrm>
+            <a:off x="11378037" y="6031948"/>
+            <a:ext cx="800100" cy="812800"/>
           </a:xfrm>
           <a:prstGeom prst="rect">
             <a:avLst/>
@@ -7962,10 +10331,10 @@
       </p:sp>
       <p:pic>
         <p:nvPicPr>
-          <p:cNvPr id="1026" name="Picture 2" descr="A graph represents the sigmoid activation function.">
-            <a:extLst>
-              <a:ext uri="{FF2B5EF4-FFF2-40B4-BE49-F238E27FC236}">
-                <a16:creationId xmlns:a16="http://schemas.microsoft.com/office/drawing/2014/main" id="{AC37AACC-2320-AC40-A743-C09CE4716C65}"/>
+          <p:cNvPr id="3074" name="Picture 2" descr="F13031">
+            <a:extLst>
+              <a:ext uri="{FF2B5EF4-FFF2-40B4-BE49-F238E27FC236}">
+                <a16:creationId xmlns:a16="http://schemas.microsoft.com/office/drawing/2014/main" id="{FE32D917-19C8-425A-8F62-32045418BE85}"/>
               </a:ext>
             </a:extLst>
           </p:cNvPr>
@@ -7989,8 +10358,8 @@
         </p:blipFill>
         <p:spPr bwMode="auto">
           <a:xfrm>
-            <a:off x="12279682" y="-1"/>
-            <a:ext cx="2286466" cy="1540701"/>
+            <a:off x="12492643" y="182019"/>
+            <a:ext cx="1754119" cy="1772165"/>
           </a:xfrm>
           <a:prstGeom prst="rect">
             <a:avLst/>
@@ -8009,10 +10378,266 @@
       </p:pic>
       <p:pic>
         <p:nvPicPr>
-          <p:cNvPr id="5" name="Picture 4" descr="Chart&#10;&#10;Description automatically generated">
-            <a:extLst>
-              <a:ext uri="{FF2B5EF4-FFF2-40B4-BE49-F238E27FC236}">
-                <a16:creationId xmlns:a16="http://schemas.microsoft.com/office/drawing/2014/main" id="{4BC26F65-2CC6-2501-60AC-F3CD645FA1CE}"/>
+          <p:cNvPr id="1026" name="Picture 2" descr="A graph represents the sigmoid activation function.">
+            <a:extLst>
+              <a:ext uri="{FF2B5EF4-FFF2-40B4-BE49-F238E27FC236}">
+                <a16:creationId xmlns:a16="http://schemas.microsoft.com/office/drawing/2014/main" id="{AC37AACC-2320-AC40-A743-C09CE4716C65}"/>
+              </a:ext>
+            </a:extLst>
+          </p:cNvPr>
+          <p:cNvPicPr>
+            <a:picLocks noChangeAspect="1" noChangeArrowheads="1"/>
+          </p:cNvPicPr>
+          <p:nvPr/>
+        </p:nvPicPr>
+        <p:blipFill>
+          <a:blip r:embed="rId4">
+            <a:extLst>
+              <a:ext uri="{28A0092B-C50C-407E-A947-70E740481C1C}">
+                <a14:useLocalDpi xmlns:a14="http://schemas.microsoft.com/office/drawing/2010/main" val="0"/>
+              </a:ext>
+            </a:extLst>
+          </a:blip>
+          <a:srcRect/>
+          <a:stretch>
+            <a:fillRect/>
+          </a:stretch>
+        </p:blipFill>
+        <p:spPr bwMode="auto">
+          <a:xfrm>
+            <a:off x="12492643" y="2197727"/>
+            <a:ext cx="2629968" cy="1772165"/>
+          </a:xfrm>
+          <a:prstGeom prst="rect">
+            <a:avLst/>
+          </a:prstGeom>
+          <a:noFill/>
+          <a:extLst>
+            <a:ext uri="{909E8E84-426E-40DD-AFC4-6F175D3DCCD1}">
+              <a14:hiddenFill xmlns:a14="http://schemas.microsoft.com/office/drawing/2010/main">
+                <a:solidFill>
+                  <a:srgbClr val="FFFFFF"/>
+                </a:solidFill>
+              </a14:hiddenFill>
+            </a:ext>
+          </a:extLst>
+        </p:spPr>
+      </p:pic>
+      <p:grpSp>
+        <p:nvGrpSpPr>
+          <p:cNvPr id="5" name="Group 4">
+            <a:extLst>
+              <a:ext uri="{FF2B5EF4-FFF2-40B4-BE49-F238E27FC236}">
+                <a16:creationId xmlns:a16="http://schemas.microsoft.com/office/drawing/2014/main" id="{764DFAD8-7232-C85E-9475-AAB45C28B582}"/>
+              </a:ext>
+            </a:extLst>
+          </p:cNvPr>
+          <p:cNvGrpSpPr/>
+          <p:nvPr/>
+        </p:nvGrpSpPr>
+        <p:grpSpPr>
+          <a:xfrm>
+            <a:off x="2073498" y="304800"/>
+            <a:ext cx="7375302" cy="6270066"/>
+            <a:chOff x="2073498" y="304800"/>
+            <a:chExt cx="7375302" cy="6270066"/>
+          </a:xfrm>
+        </p:grpSpPr>
+        <p:pic>
+          <p:nvPicPr>
+            <p:cNvPr id="6" name="Picture 5" descr="Chart&#10;&#10;Description automatically generated">
+              <a:extLst>
+                <a:ext uri="{FF2B5EF4-FFF2-40B4-BE49-F238E27FC236}">
+                  <a16:creationId xmlns:a16="http://schemas.microsoft.com/office/drawing/2014/main" id="{83067D72-EE9F-86CD-3CBE-8B40FF518308}"/>
+                </a:ext>
+              </a:extLst>
+            </p:cNvPr>
+            <p:cNvPicPr>
+              <a:picLocks noChangeAspect="1"/>
+            </p:cNvPicPr>
+            <p:nvPr/>
+          </p:nvPicPr>
+          <p:blipFill rotWithShape="1">
+            <a:blip r:embed="rId5">
+              <a:extLst>
+                <a:ext uri="{28A0092B-C50C-407E-A947-70E740481C1C}">
+                  <a14:useLocalDpi xmlns:a14="http://schemas.microsoft.com/office/drawing/2010/main" val="0"/>
+                </a:ext>
+              </a:extLst>
+            </a:blip>
+            <a:srcRect t="4445"/>
+            <a:stretch/>
+          </p:blipFill>
+          <p:spPr>
+            <a:xfrm>
+              <a:off x="2426079" y="304800"/>
+              <a:ext cx="7022721" cy="6270066"/>
+            </a:xfrm>
+            <a:prstGeom prst="rect">
+              <a:avLst/>
+            </a:prstGeom>
+          </p:spPr>
+        </p:pic>
+        <p:sp>
+          <p:nvSpPr>
+            <p:cNvPr id="2" name="TextBox 1">
+              <a:extLst>
+                <a:ext uri="{FF2B5EF4-FFF2-40B4-BE49-F238E27FC236}">
+                  <a16:creationId xmlns:a16="http://schemas.microsoft.com/office/drawing/2014/main" id="{DE87D824-3F05-A322-95C8-132F252C726C}"/>
+                </a:ext>
+              </a:extLst>
+            </p:cNvPr>
+            <p:cNvSpPr txBox="1"/>
+            <p:nvPr/>
+          </p:nvSpPr>
+          <p:spPr>
+            <a:xfrm>
+              <a:off x="2073498" y="2729867"/>
+              <a:ext cx="1064653" cy="707886"/>
+            </a:xfrm>
+            <a:prstGeom prst="rect">
+              <a:avLst/>
+            </a:prstGeom>
+            <a:solidFill>
+              <a:schemeClr val="bg1"/>
+            </a:solidFill>
+          </p:spPr>
+          <p:txBody>
+            <a:bodyPr wrap="square" rtlCol="0">
+              <a:spAutoFit/>
+            </a:bodyPr>
+            <a:lstStyle/>
+            <a:p>
+              <a:pPr algn="ctr"/>
+              <a:r>
+                <a:rPr lang="en-US" sz="2000" b="1" dirty="0">
+                  <a:solidFill>
+                    <a:srgbClr val="3D3880"/>
+                  </a:solidFill>
+                  <a:latin typeface="Avenir Black" panose="02000503020000020003" pitchFamily="2" charset="0"/>
+                </a:rPr>
+                <a:t>y</a:t>
+              </a:r>
+            </a:p>
+            <a:p>
+              <a:pPr algn="ctr"/>
+              <a:r>
+                <a:rPr lang="en-US" sz="2000" dirty="0">
+                  <a:solidFill>
+                    <a:srgbClr val="3D3880"/>
+                  </a:solidFill>
+                  <a:latin typeface="Avenir Medium" panose="02000503020000020003" pitchFamily="2" charset="0"/>
+                </a:rPr>
+                <a:t>output</a:t>
+              </a:r>
+            </a:p>
+          </p:txBody>
+        </p:sp>
+        <p:sp>
+          <p:nvSpPr>
+            <p:cNvPr id="3" name="TextBox 2">
+              <a:extLst>
+                <a:ext uri="{FF2B5EF4-FFF2-40B4-BE49-F238E27FC236}">
+                  <a16:creationId xmlns:a16="http://schemas.microsoft.com/office/drawing/2014/main" id="{42CB940A-BB9B-8EA0-0295-BAC0FD70AB85}"/>
+                </a:ext>
+              </a:extLst>
+            </p:cNvPr>
+            <p:cNvSpPr txBox="1"/>
+            <p:nvPr/>
+          </p:nvSpPr>
+          <p:spPr>
+            <a:xfrm>
+              <a:off x="5537915" y="5841222"/>
+              <a:ext cx="1064653" cy="707886"/>
+            </a:xfrm>
+            <a:prstGeom prst="rect">
+              <a:avLst/>
+            </a:prstGeom>
+            <a:solidFill>
+              <a:schemeClr val="bg1"/>
+            </a:solidFill>
+          </p:spPr>
+          <p:txBody>
+            <a:bodyPr wrap="square" rtlCol="0">
+              <a:spAutoFit/>
+            </a:bodyPr>
+            <a:lstStyle/>
+            <a:p>
+              <a:pPr algn="ctr"/>
+              <a:r>
+                <a:rPr lang="en-US" sz="2000" b="1" dirty="0">
+                  <a:solidFill>
+                    <a:srgbClr val="3D3880"/>
+                  </a:solidFill>
+                  <a:latin typeface="Avenir Black" panose="02000503020000020003" pitchFamily="2" charset="0"/>
+                </a:rPr>
+                <a:t>x</a:t>
+              </a:r>
+            </a:p>
+            <a:p>
+              <a:pPr algn="ctr"/>
+              <a:r>
+                <a:rPr lang="en-US" sz="2000" dirty="0">
+                  <a:solidFill>
+                    <a:srgbClr val="3D3880"/>
+                  </a:solidFill>
+                  <a:latin typeface="Avenir Medium" panose="02000503020000020003" pitchFamily="2" charset="0"/>
+                </a:rPr>
+                <a:t>input</a:t>
+              </a:r>
+            </a:p>
+          </p:txBody>
+        </p:sp>
+      </p:grpSp>
+      <p:sp>
+        <p:nvSpPr>
+          <p:cNvPr id="7" name="TextBox 6">
+            <a:extLst>
+              <a:ext uri="{FF2B5EF4-FFF2-40B4-BE49-F238E27FC236}">
+                <a16:creationId xmlns:a16="http://schemas.microsoft.com/office/drawing/2014/main" id="{2FEC9B70-4973-4B9B-F858-914276CD0DEC}"/>
+              </a:ext>
+            </a:extLst>
+          </p:cNvPr>
+          <p:cNvSpPr txBox="1"/>
+          <p:nvPr/>
+        </p:nvSpPr>
+        <p:spPr>
+          <a:xfrm>
+            <a:off x="4939327" y="182019"/>
+            <a:ext cx="2202287" cy="400110"/>
+          </a:xfrm>
+          <a:prstGeom prst="rect">
+            <a:avLst/>
+          </a:prstGeom>
+          <a:solidFill>
+            <a:schemeClr val="bg1"/>
+          </a:solidFill>
+        </p:spPr>
+        <p:txBody>
+          <a:bodyPr wrap="square" rtlCol="0">
+            <a:spAutoFit/>
+          </a:bodyPr>
+          <a:lstStyle/>
+          <a:p>
+            <a:pPr algn="ctr"/>
+            <a:r>
+              <a:rPr lang="en-US" sz="2000" dirty="0">
+                <a:solidFill>
+                  <a:srgbClr val="3D3880"/>
+                </a:solidFill>
+                <a:latin typeface="Avenir Medium" panose="02000503020000020003" pitchFamily="2" charset="0"/>
+              </a:rPr>
+              <a:t>sigmoid</a:t>
+            </a:r>
+          </a:p>
+        </p:txBody>
+      </p:sp>
+      <p:pic>
+        <p:nvPicPr>
+          <p:cNvPr id="8" name="Picture 7" descr="A picture containing dark, gauge&#10;&#10;Description automatically generated">
+            <a:extLst>
+              <a:ext uri="{FF2B5EF4-FFF2-40B4-BE49-F238E27FC236}">
+                <a16:creationId xmlns:a16="http://schemas.microsoft.com/office/drawing/2014/main" id="{50BD2109-812D-BBC6-44EA-22C23DF74081}"/>
               </a:ext>
             </a:extLst>
           </p:cNvPr>
@@ -8021,21 +10646,22 @@
           </p:cNvPicPr>
           <p:nvPr/>
         </p:nvPicPr>
-        <p:blipFill rotWithShape="1">
-          <a:blip r:embed="rId4">
+        <p:blipFill>
+          <a:blip r:embed="rId6">
             <a:extLst>
               <a:ext uri="{28A0092B-C50C-407E-A947-70E740481C1C}">
                 <a14:useLocalDpi xmlns:a14="http://schemas.microsoft.com/office/drawing/2010/main" val="0"/>
               </a:ext>
             </a:extLst>
           </a:blip>
-          <a:srcRect t="4445"/>
-          <a:stretch/>
+          <a:stretch>
+            <a:fillRect/>
+          </a:stretch>
         </p:blipFill>
         <p:spPr>
           <a:xfrm>
-            <a:off x="2426079" y="304800"/>
-            <a:ext cx="7022721" cy="6270066"/>
+            <a:off x="11378037" y="6031948"/>
+            <a:ext cx="800100" cy="812800"/>
           </a:xfrm>
           <a:prstGeom prst="rect">
             <a:avLst/>
@@ -8180,10 +10806,10 @@
       </p:sp>
       <p:pic>
         <p:nvPicPr>
-          <p:cNvPr id="2050" name="Picture 2" descr="A graph represents the tan hyperbolic h activation function.">
-            <a:extLst>
-              <a:ext uri="{FF2B5EF4-FFF2-40B4-BE49-F238E27FC236}">
-                <a16:creationId xmlns:a16="http://schemas.microsoft.com/office/drawing/2014/main" id="{26252BC7-03E8-5301-369B-05EE470EF1DC}"/>
+          <p:cNvPr id="4098" name="Picture 2" descr="F13032">
+            <a:extLst>
+              <a:ext uri="{FF2B5EF4-FFF2-40B4-BE49-F238E27FC236}">
+                <a16:creationId xmlns:a16="http://schemas.microsoft.com/office/drawing/2014/main" id="{AE6316DE-1ED1-4A08-B4D7-CEFE16BD119E}"/>
               </a:ext>
             </a:extLst>
           </p:cNvPr>
@@ -8207,8 +10833,8 @@
         </p:blipFill>
         <p:spPr bwMode="auto">
           <a:xfrm>
-            <a:off x="12292208" y="0"/>
-            <a:ext cx="2232719" cy="1504485"/>
+            <a:off x="12512675" y="238692"/>
+            <a:ext cx="2034893" cy="2093511"/>
           </a:xfrm>
           <a:prstGeom prst="rect">
             <a:avLst/>
@@ -8227,10 +10853,57 @@
       </p:pic>
       <p:pic>
         <p:nvPicPr>
-          <p:cNvPr id="5" name="Picture 4">
-            <a:extLst>
-              <a:ext uri="{FF2B5EF4-FFF2-40B4-BE49-F238E27FC236}">
-                <a16:creationId xmlns:a16="http://schemas.microsoft.com/office/drawing/2014/main" id="{63C27AEC-A19F-0AB7-8D8C-2AC325727C9F}"/>
+          <p:cNvPr id="2050" name="Picture 2" descr="A graph represents the tan hyperbolic h activation function.">
+            <a:extLst>
+              <a:ext uri="{FF2B5EF4-FFF2-40B4-BE49-F238E27FC236}">
+                <a16:creationId xmlns:a16="http://schemas.microsoft.com/office/drawing/2014/main" id="{26252BC7-03E8-5301-369B-05EE470EF1DC}"/>
+              </a:ext>
+            </a:extLst>
+          </p:cNvPr>
+          <p:cNvPicPr>
+            <a:picLocks noChangeAspect="1" noChangeArrowheads="1"/>
+          </p:cNvPicPr>
+          <p:nvPr/>
+        </p:nvPicPr>
+        <p:blipFill>
+          <a:blip r:embed="rId4">
+            <a:extLst>
+              <a:ext uri="{28A0092B-C50C-407E-A947-70E740481C1C}">
+                <a14:useLocalDpi xmlns:a14="http://schemas.microsoft.com/office/drawing/2010/main" val="0"/>
+              </a:ext>
+            </a:extLst>
+          </a:blip>
+          <a:srcRect/>
+          <a:stretch>
+            <a:fillRect/>
+          </a:stretch>
+        </p:blipFill>
+        <p:spPr bwMode="auto">
+          <a:xfrm>
+            <a:off x="12512675" y="2743200"/>
+            <a:ext cx="2923375" cy="1969873"/>
+          </a:xfrm>
+          <a:prstGeom prst="rect">
+            <a:avLst/>
+          </a:prstGeom>
+          <a:noFill/>
+          <a:extLst>
+            <a:ext uri="{909E8E84-426E-40DD-AFC4-6F175D3DCCD1}">
+              <a14:hiddenFill xmlns:a14="http://schemas.microsoft.com/office/drawing/2010/main">
+                <a:solidFill>
+                  <a:srgbClr val="FFFFFF"/>
+                </a:solidFill>
+              </a14:hiddenFill>
+            </a:ext>
+          </a:extLst>
+        </p:spPr>
+      </p:pic>
+      <p:pic>
+        <p:nvPicPr>
+          <p:cNvPr id="3" name="Picture 2">
+            <a:extLst>
+              <a:ext uri="{FF2B5EF4-FFF2-40B4-BE49-F238E27FC236}">
+                <a16:creationId xmlns:a16="http://schemas.microsoft.com/office/drawing/2014/main" id="{1B367A5E-9C5C-8D14-C48F-B9A3440436AC}"/>
               </a:ext>
             </a:extLst>
           </p:cNvPr>
@@ -8240,7 +10913,7 @@
           <p:nvPr/>
         </p:nvPicPr>
         <p:blipFill rotWithShape="1">
-          <a:blip r:embed="rId4">
+          <a:blip r:embed="rId5">
             <a:extLst>
               <a:ext uri="{28A0092B-C50C-407E-A947-70E740481C1C}">
                 <a14:useLocalDpi xmlns:a14="http://schemas.microsoft.com/office/drawing/2010/main" val="0"/>
@@ -8254,6 +10927,195 @@
           <a:xfrm>
             <a:off x="2433736" y="0"/>
             <a:ext cx="6981627" cy="6550223"/>
+          </a:xfrm>
+          <a:prstGeom prst="rect">
+            <a:avLst/>
+          </a:prstGeom>
+        </p:spPr>
+      </p:pic>
+      <p:sp>
+        <p:nvSpPr>
+          <p:cNvPr id="2" name="TextBox 1">
+            <a:extLst>
+              <a:ext uri="{FF2B5EF4-FFF2-40B4-BE49-F238E27FC236}">
+                <a16:creationId xmlns:a16="http://schemas.microsoft.com/office/drawing/2014/main" id="{926C53E3-D5A4-6722-5A40-762C6D24A07F}"/>
+              </a:ext>
+            </a:extLst>
+          </p:cNvPr>
+          <p:cNvSpPr txBox="1"/>
+          <p:nvPr/>
+        </p:nvSpPr>
+        <p:spPr>
+          <a:xfrm>
+            <a:off x="2213882" y="2617857"/>
+            <a:ext cx="1064653" cy="707886"/>
+          </a:xfrm>
+          <a:prstGeom prst="rect">
+            <a:avLst/>
+          </a:prstGeom>
+          <a:solidFill>
+            <a:schemeClr val="bg1"/>
+          </a:solidFill>
+        </p:spPr>
+        <p:txBody>
+          <a:bodyPr wrap="square" rtlCol="0">
+            <a:spAutoFit/>
+          </a:bodyPr>
+          <a:lstStyle/>
+          <a:p>
+            <a:pPr algn="ctr"/>
+            <a:r>
+              <a:rPr lang="en-US" sz="2000" b="1" dirty="0">
+                <a:solidFill>
+                  <a:srgbClr val="3D3880"/>
+                </a:solidFill>
+                <a:latin typeface="Avenir Black" panose="02000503020000020003" pitchFamily="2" charset="0"/>
+              </a:rPr>
+              <a:t>y</a:t>
+            </a:r>
+          </a:p>
+          <a:p>
+            <a:pPr algn="ctr"/>
+            <a:r>
+              <a:rPr lang="en-US" sz="2000" dirty="0">
+                <a:solidFill>
+                  <a:srgbClr val="3D3880"/>
+                </a:solidFill>
+                <a:latin typeface="Avenir Medium" panose="02000503020000020003" pitchFamily="2" charset="0"/>
+              </a:rPr>
+              <a:t>output</a:t>
+            </a:r>
+          </a:p>
+        </p:txBody>
+      </p:sp>
+      <p:sp>
+        <p:nvSpPr>
+          <p:cNvPr id="5" name="TextBox 4">
+            <a:extLst>
+              <a:ext uri="{FF2B5EF4-FFF2-40B4-BE49-F238E27FC236}">
+                <a16:creationId xmlns:a16="http://schemas.microsoft.com/office/drawing/2014/main" id="{1E5C1178-5802-1057-11F6-CBB1E93153AD}"/>
+              </a:ext>
+            </a:extLst>
+          </p:cNvPr>
+          <p:cNvSpPr txBox="1"/>
+          <p:nvPr/>
+        </p:nvSpPr>
+        <p:spPr>
+          <a:xfrm>
+            <a:off x="5508133" y="5777942"/>
+            <a:ext cx="1064653" cy="707886"/>
+          </a:xfrm>
+          <a:prstGeom prst="rect">
+            <a:avLst/>
+          </a:prstGeom>
+          <a:solidFill>
+            <a:schemeClr val="bg1"/>
+          </a:solidFill>
+        </p:spPr>
+        <p:txBody>
+          <a:bodyPr wrap="square" rtlCol="0">
+            <a:spAutoFit/>
+          </a:bodyPr>
+          <a:lstStyle/>
+          <a:p>
+            <a:pPr algn="ctr"/>
+            <a:r>
+              <a:rPr lang="en-US" sz="2000" b="1" dirty="0">
+                <a:solidFill>
+                  <a:srgbClr val="3D3880"/>
+                </a:solidFill>
+                <a:latin typeface="Avenir Black" panose="02000503020000020003" pitchFamily="2" charset="0"/>
+              </a:rPr>
+              <a:t>x</a:t>
+            </a:r>
+          </a:p>
+          <a:p>
+            <a:pPr algn="ctr"/>
+            <a:r>
+              <a:rPr lang="en-US" sz="2000" dirty="0">
+                <a:solidFill>
+                  <a:srgbClr val="3D3880"/>
+                </a:solidFill>
+                <a:latin typeface="Avenir Medium" panose="02000503020000020003" pitchFamily="2" charset="0"/>
+              </a:rPr>
+              <a:t>input</a:t>
+            </a:r>
+          </a:p>
+        </p:txBody>
+      </p:sp>
+      <p:sp>
+        <p:nvSpPr>
+          <p:cNvPr id="6" name="TextBox 5">
+            <a:extLst>
+              <a:ext uri="{FF2B5EF4-FFF2-40B4-BE49-F238E27FC236}">
+                <a16:creationId xmlns:a16="http://schemas.microsoft.com/office/drawing/2014/main" id="{881EE780-7509-49ED-C47F-15D850FC8F00}"/>
+              </a:ext>
+            </a:extLst>
+          </p:cNvPr>
+          <p:cNvSpPr txBox="1"/>
+          <p:nvPr/>
+        </p:nvSpPr>
+        <p:spPr>
+          <a:xfrm>
+            <a:off x="4887800" y="38637"/>
+            <a:ext cx="2202287" cy="400110"/>
+          </a:xfrm>
+          <a:prstGeom prst="rect">
+            <a:avLst/>
+          </a:prstGeom>
+          <a:solidFill>
+            <a:schemeClr val="bg1"/>
+          </a:solidFill>
+        </p:spPr>
+        <p:txBody>
+          <a:bodyPr wrap="square" rtlCol="0">
+            <a:spAutoFit/>
+          </a:bodyPr>
+          <a:lstStyle/>
+          <a:p>
+            <a:pPr algn="ctr"/>
+            <a:r>
+              <a:rPr lang="en-US" sz="2000" dirty="0">
+                <a:solidFill>
+                  <a:srgbClr val="3D3880"/>
+                </a:solidFill>
+                <a:latin typeface="Avenir Medium" panose="02000503020000020003" pitchFamily="2" charset="0"/>
+              </a:rPr>
+              <a:t>tanh</a:t>
+            </a:r>
+          </a:p>
+        </p:txBody>
+      </p:sp>
+      <p:pic>
+        <p:nvPicPr>
+          <p:cNvPr id="7" name="Picture 6" descr="A picture containing dark, gauge&#10;&#10;Description automatically generated">
+            <a:extLst>
+              <a:ext uri="{FF2B5EF4-FFF2-40B4-BE49-F238E27FC236}">
+                <a16:creationId xmlns:a16="http://schemas.microsoft.com/office/drawing/2014/main" id="{922B4A0E-7123-6C2B-C06B-DB8974AF9564}"/>
+              </a:ext>
+            </a:extLst>
+          </p:cNvPr>
+          <p:cNvPicPr>
+            <a:picLocks noChangeAspect="1"/>
+          </p:cNvPicPr>
+          <p:nvPr/>
+        </p:nvPicPr>
+        <p:blipFill>
+          <a:blip r:embed="rId6">
+            <a:extLst>
+              <a:ext uri="{28A0092B-C50C-407E-A947-70E740481C1C}">
+                <a14:useLocalDpi xmlns:a14="http://schemas.microsoft.com/office/drawing/2010/main" val="0"/>
+              </a:ext>
+            </a:extLst>
+          </a:blip>
+          <a:stretch>
+            <a:fillRect/>
+          </a:stretch>
+        </p:blipFill>
+        <p:spPr>
+          <a:xfrm>
+            <a:off x="11378037" y="6031948"/>
+            <a:ext cx="800100" cy="812800"/>
           </a:xfrm>
           <a:prstGeom prst="rect">
             <a:avLst/>
@@ -8350,7 +11212,7 @@
         </p:nvSpPr>
         <p:spPr>
           <a:xfrm>
-            <a:off x="1619251" y="983891"/>
+            <a:off x="1619251" y="994777"/>
             <a:ext cx="2829181" cy="815404"/>
           </a:xfrm>
         </p:spPr>
@@ -8363,7 +11225,7 @@
             <a:pPr algn="ctr"/>
             <a:r>
               <a:rPr lang="en-US" sz="2000" dirty="0">
-                <a:latin typeface="Segoe UI Light" panose="020B0502040204020203" pitchFamily="34" charset="0"/>
+                <a:latin typeface="Avenir" panose="02000503020000020003" pitchFamily="2" charset="0"/>
                 <a:cs typeface="Segoe UI Light" panose="020B0502040204020203" pitchFamily="34" charset="0"/>
               </a:rPr>
               <a:t>Linear</a:t>
@@ -8387,7 +11249,7 @@
         </p:nvSpPr>
         <p:spPr>
           <a:xfrm>
-            <a:off x="4681409" y="983891"/>
+            <a:off x="4681409" y="994777"/>
             <a:ext cx="2829181" cy="815404"/>
           </a:xfrm>
           <a:prstGeom prst="rect">
@@ -8421,7 +11283,7 @@
             <a:pPr algn="ctr"/>
             <a:r>
               <a:rPr lang="en-US" sz="2000" dirty="0">
-                <a:latin typeface="Segoe UI Light" panose="020B0502040204020203" pitchFamily="34" charset="0"/>
+                <a:latin typeface="Avenir" panose="02000503020000020003" pitchFamily="2" charset="0"/>
                 <a:cs typeface="Segoe UI Light" panose="020B0502040204020203" pitchFamily="34" charset="0"/>
               </a:rPr>
               <a:t>ReLU</a:t>
@@ -8445,7 +11307,7 @@
         </p:nvSpPr>
         <p:spPr>
           <a:xfrm>
-            <a:off x="7743567" y="983891"/>
+            <a:off x="7743567" y="994777"/>
             <a:ext cx="2829181" cy="815404"/>
           </a:xfrm>
           <a:prstGeom prst="rect">
@@ -8479,7 +11341,7 @@
             <a:pPr algn="ctr"/>
             <a:r>
               <a:rPr lang="en-US" sz="2000" dirty="0">
-                <a:latin typeface="Segoe UI Light" panose="020B0502040204020203" pitchFamily="34" charset="0"/>
+                <a:latin typeface="Avenir" panose="02000503020000020003" pitchFamily="2" charset="0"/>
                 <a:cs typeface="Segoe UI Light" panose="020B0502040204020203" pitchFamily="34" charset="0"/>
               </a:rPr>
               <a:t>Sigmoid</a:t>
@@ -8568,6 +11430,42 @@
           <a:xfrm>
             <a:off x="8157641" y="3899617"/>
             <a:ext cx="2571751" cy="2057398"/>
+          </a:xfrm>
+          <a:prstGeom prst="rect">
+            <a:avLst/>
+          </a:prstGeom>
+        </p:spPr>
+      </p:pic>
+      <p:pic>
+        <p:nvPicPr>
+          <p:cNvPr id="2" name="Picture 1" descr="A picture containing dark, gauge&#10;&#10;Description automatically generated">
+            <a:extLst>
+              <a:ext uri="{FF2B5EF4-FFF2-40B4-BE49-F238E27FC236}">
+                <a16:creationId xmlns:a16="http://schemas.microsoft.com/office/drawing/2014/main" id="{981CD412-B580-E6F4-7C10-33278A6C7211}"/>
+              </a:ext>
+            </a:extLst>
+          </p:cNvPr>
+          <p:cNvPicPr>
+            <a:picLocks noChangeAspect="1"/>
+          </p:cNvPicPr>
+          <p:nvPr/>
+        </p:nvPicPr>
+        <p:blipFill>
+          <a:blip r:embed="rId7">
+            <a:extLst>
+              <a:ext uri="{28A0092B-C50C-407E-A947-70E740481C1C}">
+                <a14:useLocalDpi xmlns:a14="http://schemas.microsoft.com/office/drawing/2010/main" val="0"/>
+              </a:ext>
+            </a:extLst>
+          </a:blip>
+          <a:stretch>
+            <a:fillRect/>
+          </a:stretch>
+        </p:blipFill>
+        <p:spPr>
+          <a:xfrm>
+            <a:off x="11378037" y="6031948"/>
+            <a:ext cx="800100" cy="812800"/>
           </a:xfrm>
           <a:prstGeom prst="rect">
             <a:avLst/>
@@ -8757,6 +11655,1135 @@
           </a:extLst>
         </p:spPr>
       </p:pic>
+      <p:sp>
+        <p:nvSpPr>
+          <p:cNvPr id="23" name="Rectangle 22">
+            <a:extLst>
+              <a:ext uri="{FF2B5EF4-FFF2-40B4-BE49-F238E27FC236}">
+                <a16:creationId xmlns:a16="http://schemas.microsoft.com/office/drawing/2014/main" id="{38223EEF-67EF-32D2-7D48-D64ED519DD09}"/>
+              </a:ext>
+            </a:extLst>
+          </p:cNvPr>
+          <p:cNvSpPr/>
+          <p:nvPr/>
+        </p:nvSpPr>
+        <p:spPr>
+          <a:xfrm>
+            <a:off x="6020701" y="1786298"/>
+            <a:ext cx="1218298" cy="3549062"/>
+          </a:xfrm>
+          <a:prstGeom prst="rect">
+            <a:avLst/>
+          </a:prstGeom>
+          <a:solidFill>
+            <a:schemeClr val="bg1"/>
+          </a:solidFill>
+          <a:ln>
+            <a:noFill/>
+          </a:ln>
+        </p:spPr>
+        <p:style>
+          <a:lnRef idx="2">
+            <a:schemeClr val="accent1">
+              <a:shade val="50000"/>
+            </a:schemeClr>
+          </a:lnRef>
+          <a:fillRef idx="1">
+            <a:schemeClr val="accent1"/>
+          </a:fillRef>
+          <a:effectRef idx="0">
+            <a:schemeClr val="accent1"/>
+          </a:effectRef>
+          <a:fontRef idx="minor">
+            <a:schemeClr val="lt1"/>
+          </a:fontRef>
+        </p:style>
+        <p:txBody>
+          <a:bodyPr rtlCol="0" anchor="ctr"/>
+          <a:lstStyle/>
+          <a:p>
+            <a:pPr algn="ctr"/>
+            <a:endParaRPr lang="en-US"/>
+          </a:p>
+        </p:txBody>
+      </p:sp>
+      <p:sp>
+        <p:nvSpPr>
+          <p:cNvPr id="2" name="Rectangle 1">
+            <a:extLst>
+              <a:ext uri="{FF2B5EF4-FFF2-40B4-BE49-F238E27FC236}">
+                <a16:creationId xmlns:a16="http://schemas.microsoft.com/office/drawing/2014/main" id="{365BD08F-95FD-23AF-68FE-40A722B67E7B}"/>
+              </a:ext>
+            </a:extLst>
+          </p:cNvPr>
+          <p:cNvSpPr/>
+          <p:nvPr/>
+        </p:nvSpPr>
+        <p:spPr>
+          <a:xfrm>
+            <a:off x="6030226" y="1809422"/>
+            <a:ext cx="1218297" cy="3438853"/>
+          </a:xfrm>
+          <a:prstGeom prst="rect">
+            <a:avLst/>
+          </a:prstGeom>
+          <a:solidFill>
+            <a:srgbClr val="6D6CCA"/>
+          </a:solidFill>
+          <a:ln>
+            <a:noFill/>
+          </a:ln>
+        </p:spPr>
+        <p:style>
+          <a:lnRef idx="2">
+            <a:schemeClr val="accent1">
+              <a:shade val="50000"/>
+            </a:schemeClr>
+          </a:lnRef>
+          <a:fillRef idx="1">
+            <a:schemeClr val="accent1"/>
+          </a:fillRef>
+          <a:effectRef idx="0">
+            <a:schemeClr val="accent1"/>
+          </a:effectRef>
+          <a:fontRef idx="minor">
+            <a:schemeClr val="lt1"/>
+          </a:fontRef>
+        </p:style>
+        <p:txBody>
+          <a:bodyPr rtlCol="0" anchor="ctr"/>
+          <a:lstStyle/>
+          <a:p>
+            <a:pPr algn="ctr"/>
+            <a:endParaRPr lang="en-US"/>
+          </a:p>
+        </p:txBody>
+      </p:sp>
+      <p:sp>
+        <p:nvSpPr>
+          <p:cNvPr id="3" name="TextBox 2">
+            <a:extLst>
+              <a:ext uri="{FF2B5EF4-FFF2-40B4-BE49-F238E27FC236}">
+                <a16:creationId xmlns:a16="http://schemas.microsoft.com/office/drawing/2014/main" id="{56EC4D29-ECE3-F92E-316C-CEE338896344}"/>
+              </a:ext>
+            </a:extLst>
+          </p:cNvPr>
+          <p:cNvSpPr txBox="1"/>
+          <p:nvPr/>
+        </p:nvSpPr>
+        <p:spPr>
+          <a:xfrm>
+            <a:off x="6025389" y="3239088"/>
+            <a:ext cx="1230086" cy="400110"/>
+          </a:xfrm>
+          <a:prstGeom prst="rect">
+            <a:avLst/>
+          </a:prstGeom>
+          <a:noFill/>
+        </p:spPr>
+        <p:txBody>
+          <a:bodyPr wrap="square" rtlCol="0">
+            <a:spAutoFit/>
+          </a:bodyPr>
+          <a:lstStyle/>
+          <a:p>
+            <a:pPr algn="ctr"/>
+            <a:r>
+              <a:rPr lang="en-US" sz="2000" dirty="0">
+                <a:solidFill>
+                  <a:schemeClr val="bg1"/>
+                </a:solidFill>
+                <a:latin typeface="Avenir Medium" panose="02000503020000020003" pitchFamily="2" charset="0"/>
+                <a:cs typeface="Futura Medium" panose="020B0602020204020303" pitchFamily="34" charset="-79"/>
+              </a:rPr>
+              <a:t>Softmax</a:t>
+            </a:r>
+          </a:p>
+        </p:txBody>
+      </p:sp>
+      <p:sp>
+        <p:nvSpPr>
+          <p:cNvPr id="14" name="Rectangle 13">
+            <a:extLst>
+              <a:ext uri="{FF2B5EF4-FFF2-40B4-BE49-F238E27FC236}">
+                <a16:creationId xmlns:a16="http://schemas.microsoft.com/office/drawing/2014/main" id="{2FA008DD-4181-5D9E-2491-9E9A7D1DF570}"/>
+              </a:ext>
+            </a:extLst>
+          </p:cNvPr>
+          <p:cNvSpPr/>
+          <p:nvPr/>
+        </p:nvSpPr>
+        <p:spPr>
+          <a:xfrm>
+            <a:off x="5018312" y="1836938"/>
+            <a:ext cx="881744" cy="585053"/>
+          </a:xfrm>
+          <a:prstGeom prst="rect">
+            <a:avLst/>
+          </a:prstGeom>
+          <a:solidFill>
+            <a:schemeClr val="bg1"/>
+          </a:solidFill>
+          <a:ln>
+            <a:noFill/>
+          </a:ln>
+        </p:spPr>
+        <p:style>
+          <a:lnRef idx="2">
+            <a:schemeClr val="accent1">
+              <a:shade val="50000"/>
+            </a:schemeClr>
+          </a:lnRef>
+          <a:fillRef idx="1">
+            <a:schemeClr val="accent1"/>
+          </a:fillRef>
+          <a:effectRef idx="0">
+            <a:schemeClr val="accent1"/>
+          </a:effectRef>
+          <a:fontRef idx="minor">
+            <a:schemeClr val="lt1"/>
+          </a:fontRef>
+        </p:style>
+        <p:txBody>
+          <a:bodyPr rtlCol="0" anchor="ctr"/>
+          <a:lstStyle/>
+          <a:p>
+            <a:pPr algn="ctr"/>
+            <a:endParaRPr lang="en-US"/>
+          </a:p>
+        </p:txBody>
+      </p:sp>
+      <p:sp>
+        <p:nvSpPr>
+          <p:cNvPr id="15" name="Rectangle 14">
+            <a:extLst>
+              <a:ext uri="{FF2B5EF4-FFF2-40B4-BE49-F238E27FC236}">
+                <a16:creationId xmlns:a16="http://schemas.microsoft.com/office/drawing/2014/main" id="{C5146E29-2088-EC19-41F7-B3A112B69D64}"/>
+              </a:ext>
+            </a:extLst>
+          </p:cNvPr>
+          <p:cNvSpPr/>
+          <p:nvPr/>
+        </p:nvSpPr>
+        <p:spPr>
+          <a:xfrm>
+            <a:off x="5008786" y="2872350"/>
+            <a:ext cx="881744" cy="585053"/>
+          </a:xfrm>
+          <a:prstGeom prst="rect">
+            <a:avLst/>
+          </a:prstGeom>
+          <a:solidFill>
+            <a:schemeClr val="bg1"/>
+          </a:solidFill>
+          <a:ln>
+            <a:noFill/>
+          </a:ln>
+        </p:spPr>
+        <p:style>
+          <a:lnRef idx="2">
+            <a:schemeClr val="accent1">
+              <a:shade val="50000"/>
+            </a:schemeClr>
+          </a:lnRef>
+          <a:fillRef idx="1">
+            <a:schemeClr val="accent1"/>
+          </a:fillRef>
+          <a:effectRef idx="0">
+            <a:schemeClr val="accent1"/>
+          </a:effectRef>
+          <a:fontRef idx="minor">
+            <a:schemeClr val="lt1"/>
+          </a:fontRef>
+        </p:style>
+        <p:txBody>
+          <a:bodyPr rtlCol="0" anchor="ctr"/>
+          <a:lstStyle/>
+          <a:p>
+            <a:pPr algn="ctr"/>
+            <a:endParaRPr lang="en-US"/>
+          </a:p>
+        </p:txBody>
+      </p:sp>
+      <p:sp>
+        <p:nvSpPr>
+          <p:cNvPr id="16" name="Rectangle 15">
+            <a:extLst>
+              <a:ext uri="{FF2B5EF4-FFF2-40B4-BE49-F238E27FC236}">
+                <a16:creationId xmlns:a16="http://schemas.microsoft.com/office/drawing/2014/main" id="{C71B073C-29C2-0B21-516E-C282C067B5B9}"/>
+              </a:ext>
+            </a:extLst>
+          </p:cNvPr>
+          <p:cNvSpPr/>
+          <p:nvPr/>
+        </p:nvSpPr>
+        <p:spPr>
+          <a:xfrm>
+            <a:off x="5012868" y="3868502"/>
+            <a:ext cx="881744" cy="585053"/>
+          </a:xfrm>
+          <a:prstGeom prst="rect">
+            <a:avLst/>
+          </a:prstGeom>
+          <a:solidFill>
+            <a:schemeClr val="bg1"/>
+          </a:solidFill>
+          <a:ln>
+            <a:noFill/>
+          </a:ln>
+        </p:spPr>
+        <p:style>
+          <a:lnRef idx="2">
+            <a:schemeClr val="accent1">
+              <a:shade val="50000"/>
+            </a:schemeClr>
+          </a:lnRef>
+          <a:fillRef idx="1">
+            <a:schemeClr val="accent1"/>
+          </a:fillRef>
+          <a:effectRef idx="0">
+            <a:schemeClr val="accent1"/>
+          </a:effectRef>
+          <a:fontRef idx="minor">
+            <a:schemeClr val="lt1"/>
+          </a:fontRef>
+        </p:style>
+        <p:txBody>
+          <a:bodyPr rtlCol="0" anchor="ctr"/>
+          <a:lstStyle/>
+          <a:p>
+            <a:pPr algn="ctr"/>
+            <a:endParaRPr lang="en-US"/>
+          </a:p>
+        </p:txBody>
+      </p:sp>
+      <p:sp>
+        <p:nvSpPr>
+          <p:cNvPr id="5" name="Rectangle 4">
+            <a:extLst>
+              <a:ext uri="{FF2B5EF4-FFF2-40B4-BE49-F238E27FC236}">
+                <a16:creationId xmlns:a16="http://schemas.microsoft.com/office/drawing/2014/main" id="{0752908F-90BA-C5A2-27A2-4F1699D620B4}"/>
+              </a:ext>
+            </a:extLst>
+          </p:cNvPr>
+          <p:cNvSpPr/>
+          <p:nvPr/>
+        </p:nvSpPr>
+        <p:spPr>
+          <a:xfrm>
+            <a:off x="7742463" y="2267437"/>
+            <a:ext cx="1962150" cy="2565819"/>
+          </a:xfrm>
+          <a:prstGeom prst="rect">
+            <a:avLst/>
+          </a:prstGeom>
+          <a:solidFill>
+            <a:schemeClr val="bg1"/>
+          </a:solidFill>
+          <a:ln>
+            <a:noFill/>
+          </a:ln>
+        </p:spPr>
+        <p:style>
+          <a:lnRef idx="2">
+            <a:schemeClr val="accent1">
+              <a:shade val="50000"/>
+            </a:schemeClr>
+          </a:lnRef>
+          <a:fillRef idx="1">
+            <a:schemeClr val="accent1"/>
+          </a:fillRef>
+          <a:effectRef idx="0">
+            <a:schemeClr val="accent1"/>
+          </a:effectRef>
+          <a:fontRef idx="minor">
+            <a:schemeClr val="lt1"/>
+          </a:fontRef>
+        </p:style>
+        <p:txBody>
+          <a:bodyPr rtlCol="0" anchor="ctr"/>
+          <a:lstStyle/>
+          <a:p>
+            <a:pPr algn="ctr"/>
+            <a:endParaRPr lang="en-US"/>
+          </a:p>
+        </p:txBody>
+      </p:sp>
+      <p:sp>
+        <p:nvSpPr>
+          <p:cNvPr id="6" name="TextBox 5">
+            <a:extLst>
+              <a:ext uri="{FF2B5EF4-FFF2-40B4-BE49-F238E27FC236}">
+                <a16:creationId xmlns:a16="http://schemas.microsoft.com/office/drawing/2014/main" id="{6C990231-69DE-BCF9-2C0C-FFEC888FE812}"/>
+              </a:ext>
+            </a:extLst>
+          </p:cNvPr>
+          <p:cNvSpPr txBox="1"/>
+          <p:nvPr/>
+        </p:nvSpPr>
+        <p:spPr>
+          <a:xfrm>
+            <a:off x="4849584" y="4175543"/>
+            <a:ext cx="1230086" cy="369332"/>
+          </a:xfrm>
+          <a:prstGeom prst="rect">
+            <a:avLst/>
+          </a:prstGeom>
+          <a:noFill/>
+        </p:spPr>
+        <p:txBody>
+          <a:bodyPr wrap="square" rtlCol="0">
+            <a:spAutoFit/>
+          </a:bodyPr>
+          <a:lstStyle/>
+          <a:p>
+            <a:pPr algn="ctr"/>
+            <a:r>
+              <a:rPr lang="en-US" dirty="0">
+                <a:solidFill>
+                  <a:schemeClr val="tx1">
+                    <a:lumMod val="95000"/>
+                    <a:lumOff val="5000"/>
+                  </a:schemeClr>
+                </a:solidFill>
+                <a:latin typeface="Avenir Medium" panose="02000503020000020003" pitchFamily="2" charset="0"/>
+                <a:cs typeface="Futura Medium" panose="020B0602020204020303" pitchFamily="34" charset="-79"/>
+              </a:rPr>
+              <a:t>C score</a:t>
+            </a:r>
+          </a:p>
+        </p:txBody>
+      </p:sp>
+      <p:sp>
+        <p:nvSpPr>
+          <p:cNvPr id="7" name="TextBox 6">
+            <a:extLst>
+              <a:ext uri="{FF2B5EF4-FFF2-40B4-BE49-F238E27FC236}">
+                <a16:creationId xmlns:a16="http://schemas.microsoft.com/office/drawing/2014/main" id="{266FACFF-130D-F006-EBCB-E56FD3D25C57}"/>
+              </a:ext>
+            </a:extLst>
+          </p:cNvPr>
+          <p:cNvSpPr txBox="1"/>
+          <p:nvPr/>
+        </p:nvSpPr>
+        <p:spPr>
+          <a:xfrm>
+            <a:off x="4849584" y="3190277"/>
+            <a:ext cx="1230086" cy="369332"/>
+          </a:xfrm>
+          <a:prstGeom prst="rect">
+            <a:avLst/>
+          </a:prstGeom>
+          <a:noFill/>
+        </p:spPr>
+        <p:txBody>
+          <a:bodyPr wrap="square" rtlCol="0">
+            <a:spAutoFit/>
+          </a:bodyPr>
+          <a:lstStyle/>
+          <a:p>
+            <a:pPr algn="ctr"/>
+            <a:r>
+              <a:rPr lang="en-US" dirty="0">
+                <a:solidFill>
+                  <a:schemeClr val="tx1">
+                    <a:lumMod val="95000"/>
+                    <a:lumOff val="5000"/>
+                  </a:schemeClr>
+                </a:solidFill>
+                <a:latin typeface="Avenir Medium" panose="02000503020000020003" pitchFamily="2" charset="0"/>
+                <a:cs typeface="Futura Medium" panose="020B0602020204020303" pitchFamily="34" charset="-79"/>
+              </a:rPr>
+              <a:t>B score</a:t>
+            </a:r>
+          </a:p>
+        </p:txBody>
+      </p:sp>
+      <p:sp>
+        <p:nvSpPr>
+          <p:cNvPr id="8" name="TextBox 7">
+            <a:extLst>
+              <a:ext uri="{FF2B5EF4-FFF2-40B4-BE49-F238E27FC236}">
+                <a16:creationId xmlns:a16="http://schemas.microsoft.com/office/drawing/2014/main" id="{997FCCFA-C2B5-31C8-D7CD-37EC060DDCAB}"/>
+              </a:ext>
+            </a:extLst>
+          </p:cNvPr>
+          <p:cNvSpPr txBox="1"/>
+          <p:nvPr/>
+        </p:nvSpPr>
+        <p:spPr>
+          <a:xfrm>
+            <a:off x="4865914" y="2133093"/>
+            <a:ext cx="1230086" cy="369332"/>
+          </a:xfrm>
+          <a:prstGeom prst="rect">
+            <a:avLst/>
+          </a:prstGeom>
+          <a:noFill/>
+        </p:spPr>
+        <p:txBody>
+          <a:bodyPr wrap="square" rtlCol="0">
+            <a:spAutoFit/>
+          </a:bodyPr>
+          <a:lstStyle/>
+          <a:p>
+            <a:pPr algn="ctr"/>
+            <a:r>
+              <a:rPr lang="en-US" dirty="0">
+                <a:solidFill>
+                  <a:schemeClr val="tx1">
+                    <a:lumMod val="95000"/>
+                    <a:lumOff val="5000"/>
+                  </a:schemeClr>
+                </a:solidFill>
+                <a:latin typeface="Avenir Medium" panose="02000503020000020003" pitchFamily="2" charset="0"/>
+                <a:cs typeface="Futura Medium" panose="020B0602020204020303" pitchFamily="34" charset="-79"/>
+              </a:rPr>
+              <a:t>A score</a:t>
+            </a:r>
+          </a:p>
+        </p:txBody>
+      </p:sp>
+      <p:sp>
+        <p:nvSpPr>
+          <p:cNvPr id="9" name="TextBox 8">
+            <a:extLst>
+              <a:ext uri="{FF2B5EF4-FFF2-40B4-BE49-F238E27FC236}">
+                <a16:creationId xmlns:a16="http://schemas.microsoft.com/office/drawing/2014/main" id="{C234681E-6255-E02A-682D-3EA9467A0F03}"/>
+              </a:ext>
+            </a:extLst>
+          </p:cNvPr>
+          <p:cNvSpPr txBox="1"/>
+          <p:nvPr/>
+        </p:nvSpPr>
+        <p:spPr>
+          <a:xfrm>
+            <a:off x="3984170" y="1522640"/>
+            <a:ext cx="1230086" cy="707886"/>
+          </a:xfrm>
+          <a:prstGeom prst="rect">
+            <a:avLst/>
+          </a:prstGeom>
+          <a:noFill/>
+        </p:spPr>
+        <p:txBody>
+          <a:bodyPr wrap="square" rtlCol="0">
+            <a:spAutoFit/>
+          </a:bodyPr>
+          <a:lstStyle/>
+          <a:p>
+            <a:pPr algn="ctr"/>
+            <a:r>
+              <a:rPr lang="en-US" sz="2000" dirty="0">
+                <a:solidFill>
+                  <a:schemeClr val="tx1">
+                    <a:lumMod val="95000"/>
+                    <a:lumOff val="5000"/>
+                  </a:schemeClr>
+                </a:solidFill>
+                <a:latin typeface="Avenir Medium" panose="02000503020000020003" pitchFamily="2" charset="0"/>
+                <a:cs typeface="Futura Medium" panose="020B0602020204020303" pitchFamily="34" charset="-79"/>
+              </a:rPr>
+              <a:t>Output</a:t>
+            </a:r>
+          </a:p>
+          <a:p>
+            <a:pPr algn="ctr"/>
+            <a:r>
+              <a:rPr lang="en-US" sz="2000" dirty="0">
+                <a:solidFill>
+                  <a:schemeClr val="tx1">
+                    <a:lumMod val="95000"/>
+                    <a:lumOff val="5000"/>
+                  </a:schemeClr>
+                </a:solidFill>
+                <a:latin typeface="Avenir Medium" panose="02000503020000020003" pitchFamily="2" charset="0"/>
+                <a:cs typeface="Futura Medium" panose="020B0602020204020303" pitchFamily="34" charset="-79"/>
+              </a:rPr>
+              <a:t>neurons</a:t>
+            </a:r>
+          </a:p>
+        </p:txBody>
+      </p:sp>
+      <p:sp>
+        <p:nvSpPr>
+          <p:cNvPr id="10" name="TextBox 9">
+            <a:extLst>
+              <a:ext uri="{FF2B5EF4-FFF2-40B4-BE49-F238E27FC236}">
+                <a16:creationId xmlns:a16="http://schemas.microsoft.com/office/drawing/2014/main" id="{96123C13-221C-7D3F-4455-487765D0FB1E}"/>
+              </a:ext>
+            </a:extLst>
+          </p:cNvPr>
+          <p:cNvSpPr txBox="1"/>
+          <p:nvPr/>
+        </p:nvSpPr>
+        <p:spPr>
+          <a:xfrm>
+            <a:off x="7516583" y="3339679"/>
+            <a:ext cx="2324101" cy="400110"/>
+          </a:xfrm>
+          <a:prstGeom prst="rect">
+            <a:avLst/>
+          </a:prstGeom>
+          <a:noFill/>
+        </p:spPr>
+        <p:txBody>
+          <a:bodyPr wrap="square" rtlCol="0">
+            <a:spAutoFit/>
+          </a:bodyPr>
+          <a:lstStyle/>
+          <a:p>
+            <a:pPr algn="ctr"/>
+            <a:r>
+              <a:rPr lang="en-US" sz="2000" dirty="0">
+                <a:solidFill>
+                  <a:schemeClr val="tx1">
+                    <a:lumMod val="95000"/>
+                    <a:lumOff val="5000"/>
+                  </a:schemeClr>
+                </a:solidFill>
+                <a:latin typeface="Avenir Medium" panose="02000503020000020003" pitchFamily="2" charset="0"/>
+                <a:cs typeface="Futura Medium" panose="020B0602020204020303" pitchFamily="34" charset="-79"/>
+              </a:rPr>
+              <a:t>Probability of B</a:t>
+            </a:r>
+          </a:p>
+        </p:txBody>
+      </p:sp>
+      <p:sp>
+        <p:nvSpPr>
+          <p:cNvPr id="11" name="TextBox 10">
+            <a:extLst>
+              <a:ext uri="{FF2B5EF4-FFF2-40B4-BE49-F238E27FC236}">
+                <a16:creationId xmlns:a16="http://schemas.microsoft.com/office/drawing/2014/main" id="{309835EB-1425-F58E-72F5-C570E381F164}"/>
+              </a:ext>
+            </a:extLst>
+          </p:cNvPr>
+          <p:cNvSpPr txBox="1"/>
+          <p:nvPr/>
+        </p:nvSpPr>
+        <p:spPr>
+          <a:xfrm>
+            <a:off x="7522026" y="4312643"/>
+            <a:ext cx="2324101" cy="400110"/>
+          </a:xfrm>
+          <a:prstGeom prst="rect">
+            <a:avLst/>
+          </a:prstGeom>
+          <a:noFill/>
+        </p:spPr>
+        <p:txBody>
+          <a:bodyPr wrap="square" rtlCol="0">
+            <a:spAutoFit/>
+          </a:bodyPr>
+          <a:lstStyle/>
+          <a:p>
+            <a:pPr algn="ctr"/>
+            <a:r>
+              <a:rPr lang="en-US" sz="2000" dirty="0">
+                <a:solidFill>
+                  <a:schemeClr val="tx1">
+                    <a:lumMod val="95000"/>
+                    <a:lumOff val="5000"/>
+                  </a:schemeClr>
+                </a:solidFill>
+                <a:latin typeface="Avenir Medium" panose="02000503020000020003" pitchFamily="2" charset="0"/>
+                <a:cs typeface="Futura Medium" panose="020B0602020204020303" pitchFamily="34" charset="-79"/>
+              </a:rPr>
+              <a:t>Probability of C</a:t>
+            </a:r>
+          </a:p>
+        </p:txBody>
+      </p:sp>
+      <p:sp>
+        <p:nvSpPr>
+          <p:cNvPr id="12" name="TextBox 11">
+            <a:extLst>
+              <a:ext uri="{FF2B5EF4-FFF2-40B4-BE49-F238E27FC236}">
+                <a16:creationId xmlns:a16="http://schemas.microsoft.com/office/drawing/2014/main" id="{FBDD25C5-19ED-4682-1A5A-4690AEE833B6}"/>
+              </a:ext>
+            </a:extLst>
+          </p:cNvPr>
+          <p:cNvSpPr txBox="1"/>
+          <p:nvPr/>
+        </p:nvSpPr>
+        <p:spPr>
+          <a:xfrm>
+            <a:off x="7532912" y="2307748"/>
+            <a:ext cx="2324101" cy="400110"/>
+          </a:xfrm>
+          <a:prstGeom prst="rect">
+            <a:avLst/>
+          </a:prstGeom>
+          <a:noFill/>
+        </p:spPr>
+        <p:txBody>
+          <a:bodyPr wrap="square" rtlCol="0">
+            <a:spAutoFit/>
+          </a:bodyPr>
+          <a:lstStyle/>
+          <a:p>
+            <a:pPr algn="ctr"/>
+            <a:r>
+              <a:rPr lang="en-US" sz="2000" dirty="0">
+                <a:solidFill>
+                  <a:schemeClr val="tx1">
+                    <a:lumMod val="95000"/>
+                    <a:lumOff val="5000"/>
+                  </a:schemeClr>
+                </a:solidFill>
+                <a:latin typeface="Avenir Medium" panose="02000503020000020003" pitchFamily="2" charset="0"/>
+                <a:cs typeface="Futura Medium" panose="020B0602020204020303" pitchFamily="34" charset="-79"/>
+              </a:rPr>
+              <a:t>Probability of A</a:t>
+            </a:r>
+          </a:p>
+        </p:txBody>
+      </p:sp>
+      <p:sp>
+        <p:nvSpPr>
+          <p:cNvPr id="13" name="Rectangle 12">
+            <a:extLst>
+              <a:ext uri="{FF2B5EF4-FFF2-40B4-BE49-F238E27FC236}">
+                <a16:creationId xmlns:a16="http://schemas.microsoft.com/office/drawing/2014/main" id="{6CC0159A-4028-AFC0-734C-EF80547E08F7}"/>
+              </a:ext>
+            </a:extLst>
+          </p:cNvPr>
+          <p:cNvSpPr/>
+          <p:nvPr/>
+        </p:nvSpPr>
+        <p:spPr>
+          <a:xfrm>
+            <a:off x="3837211" y="1522640"/>
+            <a:ext cx="1213759" cy="585053"/>
+          </a:xfrm>
+          <a:prstGeom prst="rect">
+            <a:avLst/>
+          </a:prstGeom>
+          <a:solidFill>
+            <a:schemeClr val="bg1"/>
+          </a:solidFill>
+          <a:ln>
+            <a:noFill/>
+          </a:ln>
+        </p:spPr>
+        <p:style>
+          <a:lnRef idx="2">
+            <a:schemeClr val="accent1">
+              <a:shade val="50000"/>
+            </a:schemeClr>
+          </a:lnRef>
+          <a:fillRef idx="1">
+            <a:schemeClr val="accent1"/>
+          </a:fillRef>
+          <a:effectRef idx="0">
+            <a:schemeClr val="accent1"/>
+          </a:effectRef>
+          <a:fontRef idx="minor">
+            <a:schemeClr val="lt1"/>
+          </a:fontRef>
+        </p:style>
+        <p:txBody>
+          <a:bodyPr rtlCol="0" anchor="ctr"/>
+          <a:lstStyle/>
+          <a:p>
+            <a:pPr algn="ctr"/>
+            <a:endParaRPr lang="en-US"/>
+          </a:p>
+        </p:txBody>
+      </p:sp>
+      <p:sp>
+        <p:nvSpPr>
+          <p:cNvPr id="20" name="Rectangle 19">
+            <a:extLst>
+              <a:ext uri="{FF2B5EF4-FFF2-40B4-BE49-F238E27FC236}">
+                <a16:creationId xmlns:a16="http://schemas.microsoft.com/office/drawing/2014/main" id="{FDCE571D-2A99-98AF-AE5A-5109BF9EEE1A}"/>
+              </a:ext>
+            </a:extLst>
+          </p:cNvPr>
+          <p:cNvSpPr/>
+          <p:nvPr/>
+        </p:nvSpPr>
+        <p:spPr>
+          <a:xfrm>
+            <a:off x="4342942" y="2107693"/>
+            <a:ext cx="650423" cy="2725563"/>
+          </a:xfrm>
+          <a:prstGeom prst="rect">
+            <a:avLst/>
+          </a:prstGeom>
+          <a:solidFill>
+            <a:schemeClr val="bg1"/>
+          </a:solidFill>
+          <a:ln>
+            <a:noFill/>
+          </a:ln>
+        </p:spPr>
+        <p:style>
+          <a:lnRef idx="2">
+            <a:schemeClr val="accent1">
+              <a:shade val="50000"/>
+            </a:schemeClr>
+          </a:lnRef>
+          <a:fillRef idx="1">
+            <a:schemeClr val="accent1"/>
+          </a:fillRef>
+          <a:effectRef idx="0">
+            <a:schemeClr val="accent1"/>
+          </a:effectRef>
+          <a:fontRef idx="minor">
+            <a:schemeClr val="lt1"/>
+          </a:fontRef>
+        </p:style>
+        <p:txBody>
+          <a:bodyPr rtlCol="0" anchor="ctr"/>
+          <a:lstStyle/>
+          <a:p>
+            <a:pPr algn="ctr"/>
+            <a:endParaRPr lang="en-US"/>
+          </a:p>
+        </p:txBody>
+      </p:sp>
+      <p:sp>
+        <p:nvSpPr>
+          <p:cNvPr id="17" name="Rounded Rectangle 16">
+            <a:extLst>
+              <a:ext uri="{FF2B5EF4-FFF2-40B4-BE49-F238E27FC236}">
+                <a16:creationId xmlns:a16="http://schemas.microsoft.com/office/drawing/2014/main" id="{F7D902FF-2F69-23C7-F31E-25D25885E2D2}"/>
+              </a:ext>
+            </a:extLst>
+          </p:cNvPr>
+          <p:cNvSpPr/>
+          <p:nvPr/>
+        </p:nvSpPr>
+        <p:spPr>
+          <a:xfrm>
+            <a:off x="4345212" y="2207478"/>
+            <a:ext cx="650423" cy="585053"/>
+          </a:xfrm>
+          <a:prstGeom prst="roundRect">
+            <a:avLst>
+              <a:gd name="adj" fmla="val 32456"/>
+            </a:avLst>
+          </a:prstGeom>
+          <a:solidFill>
+            <a:srgbClr val="65BB7B"/>
+          </a:solidFill>
+          <a:ln>
+            <a:noFill/>
+          </a:ln>
+        </p:spPr>
+        <p:style>
+          <a:lnRef idx="2">
+            <a:schemeClr val="accent1">
+              <a:shade val="50000"/>
+            </a:schemeClr>
+          </a:lnRef>
+          <a:fillRef idx="1">
+            <a:schemeClr val="accent1"/>
+          </a:fillRef>
+          <a:effectRef idx="0">
+            <a:schemeClr val="accent1"/>
+          </a:effectRef>
+          <a:fontRef idx="minor">
+            <a:schemeClr val="lt1"/>
+          </a:fontRef>
+        </p:style>
+        <p:txBody>
+          <a:bodyPr rtlCol="0" anchor="ctr"/>
+          <a:lstStyle/>
+          <a:p>
+            <a:pPr algn="ctr"/>
+            <a:endParaRPr lang="en-US"/>
+          </a:p>
+        </p:txBody>
+      </p:sp>
+      <p:sp>
+        <p:nvSpPr>
+          <p:cNvPr id="18" name="Rounded Rectangle 17">
+            <a:extLst>
+              <a:ext uri="{FF2B5EF4-FFF2-40B4-BE49-F238E27FC236}">
+                <a16:creationId xmlns:a16="http://schemas.microsoft.com/office/drawing/2014/main" id="{0BD2396B-CA64-14A3-0A68-33C137FAA1AD}"/>
+              </a:ext>
+            </a:extLst>
+          </p:cNvPr>
+          <p:cNvSpPr/>
+          <p:nvPr/>
+        </p:nvSpPr>
+        <p:spPr>
+          <a:xfrm>
+            <a:off x="4345212" y="3234507"/>
+            <a:ext cx="650423" cy="585053"/>
+          </a:xfrm>
+          <a:prstGeom prst="roundRect">
+            <a:avLst>
+              <a:gd name="adj" fmla="val 32456"/>
+            </a:avLst>
+          </a:prstGeom>
+          <a:solidFill>
+            <a:srgbClr val="65BB7B"/>
+          </a:solidFill>
+          <a:ln>
+            <a:noFill/>
+          </a:ln>
+        </p:spPr>
+        <p:style>
+          <a:lnRef idx="2">
+            <a:schemeClr val="accent1">
+              <a:shade val="50000"/>
+            </a:schemeClr>
+          </a:lnRef>
+          <a:fillRef idx="1">
+            <a:schemeClr val="accent1"/>
+          </a:fillRef>
+          <a:effectRef idx="0">
+            <a:schemeClr val="accent1"/>
+          </a:effectRef>
+          <a:fontRef idx="minor">
+            <a:schemeClr val="lt1"/>
+          </a:fontRef>
+        </p:style>
+        <p:txBody>
+          <a:bodyPr rtlCol="0" anchor="ctr"/>
+          <a:lstStyle/>
+          <a:p>
+            <a:pPr algn="ctr"/>
+            <a:endParaRPr lang="en-US"/>
+          </a:p>
+        </p:txBody>
+      </p:sp>
+      <p:sp>
+        <p:nvSpPr>
+          <p:cNvPr id="19" name="Rounded Rectangle 18">
+            <a:extLst>
+              <a:ext uri="{FF2B5EF4-FFF2-40B4-BE49-F238E27FC236}">
+                <a16:creationId xmlns:a16="http://schemas.microsoft.com/office/drawing/2014/main" id="{ED370B83-4755-0031-4615-641D4E3247F4}"/>
+              </a:ext>
+            </a:extLst>
+          </p:cNvPr>
+          <p:cNvSpPr/>
+          <p:nvPr/>
+        </p:nvSpPr>
+        <p:spPr>
+          <a:xfrm>
+            <a:off x="4342942" y="4208733"/>
+            <a:ext cx="650423" cy="585053"/>
+          </a:xfrm>
+          <a:prstGeom prst="roundRect">
+            <a:avLst>
+              <a:gd name="adj" fmla="val 32456"/>
+            </a:avLst>
+          </a:prstGeom>
+          <a:solidFill>
+            <a:srgbClr val="65BB7B"/>
+          </a:solidFill>
+          <a:ln>
+            <a:noFill/>
+          </a:ln>
+        </p:spPr>
+        <p:style>
+          <a:lnRef idx="2">
+            <a:schemeClr val="accent1">
+              <a:shade val="50000"/>
+            </a:schemeClr>
+          </a:lnRef>
+          <a:fillRef idx="1">
+            <a:schemeClr val="accent1"/>
+          </a:fillRef>
+          <a:effectRef idx="0">
+            <a:schemeClr val="accent1"/>
+          </a:effectRef>
+          <a:fontRef idx="minor">
+            <a:schemeClr val="lt1"/>
+          </a:fontRef>
+        </p:style>
+        <p:txBody>
+          <a:bodyPr rtlCol="0" anchor="ctr"/>
+          <a:lstStyle/>
+          <a:p>
+            <a:pPr algn="ctr"/>
+            <a:endParaRPr lang="en-US"/>
+          </a:p>
+        </p:txBody>
+      </p:sp>
+      <p:sp>
+        <p:nvSpPr>
+          <p:cNvPr id="21" name="Rectangle 20">
+            <a:extLst>
+              <a:ext uri="{FF2B5EF4-FFF2-40B4-BE49-F238E27FC236}">
+                <a16:creationId xmlns:a16="http://schemas.microsoft.com/office/drawing/2014/main" id="{7D430E52-B296-266F-BE9D-8372C783DD21}"/>
+              </a:ext>
+            </a:extLst>
+          </p:cNvPr>
+          <p:cNvSpPr/>
+          <p:nvPr/>
+        </p:nvSpPr>
+        <p:spPr>
+          <a:xfrm>
+            <a:off x="2768593" y="3232691"/>
+            <a:ext cx="934361" cy="585053"/>
+          </a:xfrm>
+          <a:prstGeom prst="rect">
+            <a:avLst/>
+          </a:prstGeom>
+          <a:solidFill>
+            <a:schemeClr val="bg1"/>
+          </a:solidFill>
+          <a:ln>
+            <a:noFill/>
+          </a:ln>
+        </p:spPr>
+        <p:style>
+          <a:lnRef idx="2">
+            <a:schemeClr val="accent1">
+              <a:shade val="50000"/>
+            </a:schemeClr>
+          </a:lnRef>
+          <a:fillRef idx="1">
+            <a:schemeClr val="accent1"/>
+          </a:fillRef>
+          <a:effectRef idx="0">
+            <a:schemeClr val="accent1"/>
+          </a:effectRef>
+          <a:fontRef idx="minor">
+            <a:schemeClr val="lt1"/>
+          </a:fontRef>
+        </p:style>
+        <p:txBody>
+          <a:bodyPr rtlCol="0" anchor="ctr"/>
+          <a:lstStyle/>
+          <a:p>
+            <a:pPr algn="ctr"/>
+            <a:endParaRPr lang="en-US"/>
+          </a:p>
+        </p:txBody>
+      </p:sp>
+      <p:sp>
+        <p:nvSpPr>
+          <p:cNvPr id="22" name="TextBox 21">
+            <a:extLst>
+              <a:ext uri="{FF2B5EF4-FFF2-40B4-BE49-F238E27FC236}">
+                <a16:creationId xmlns:a16="http://schemas.microsoft.com/office/drawing/2014/main" id="{9C2D88DD-E49F-EB19-20EB-D896FE5CAEE2}"/>
+              </a:ext>
+            </a:extLst>
+          </p:cNvPr>
+          <p:cNvSpPr txBox="1"/>
+          <p:nvPr/>
+        </p:nvSpPr>
+        <p:spPr>
+          <a:xfrm>
+            <a:off x="2560552" y="3270419"/>
+            <a:ext cx="1230086" cy="400110"/>
+          </a:xfrm>
+          <a:prstGeom prst="rect">
+            <a:avLst/>
+          </a:prstGeom>
+          <a:noFill/>
+        </p:spPr>
+        <p:txBody>
+          <a:bodyPr wrap="square" rtlCol="0">
+            <a:spAutoFit/>
+          </a:bodyPr>
+          <a:lstStyle/>
+          <a:p>
+            <a:pPr algn="ctr"/>
+            <a:r>
+              <a:rPr lang="en-US" sz="2000" dirty="0">
+                <a:solidFill>
+                  <a:schemeClr val="tx1">
+                    <a:lumMod val="95000"/>
+                    <a:lumOff val="5000"/>
+                  </a:schemeClr>
+                </a:solidFill>
+                <a:latin typeface="Avenir Medium" panose="02000503020000020003" pitchFamily="2" charset="0"/>
+                <a:cs typeface="Futura Medium" panose="020B0602020204020303" pitchFamily="34" charset="-79"/>
+              </a:rPr>
+              <a:t>Network</a:t>
+            </a:r>
+          </a:p>
+        </p:txBody>
+      </p:sp>
+      <p:pic>
+        <p:nvPicPr>
+          <p:cNvPr id="24" name="Picture 23" descr="A picture containing dark, gauge&#10;&#10;Description automatically generated">
+            <a:extLst>
+              <a:ext uri="{FF2B5EF4-FFF2-40B4-BE49-F238E27FC236}">
+                <a16:creationId xmlns:a16="http://schemas.microsoft.com/office/drawing/2014/main" id="{C584833B-84BA-1DD7-56AD-10170EB5DF68}"/>
+              </a:ext>
+            </a:extLst>
+          </p:cNvPr>
+          <p:cNvPicPr>
+            <a:picLocks noChangeAspect="1"/>
+          </p:cNvPicPr>
+          <p:nvPr/>
+        </p:nvPicPr>
+        <p:blipFill>
+          <a:blip r:embed="rId4">
+            <a:extLst>
+              <a:ext uri="{28A0092B-C50C-407E-A947-70E740481C1C}">
+                <a14:useLocalDpi xmlns:a14="http://schemas.microsoft.com/office/drawing/2010/main" val="0"/>
+              </a:ext>
+            </a:extLst>
+          </a:blip>
+          <a:stretch>
+            <a:fillRect/>
+          </a:stretch>
+        </p:blipFill>
+        <p:spPr>
+          <a:xfrm>
+            <a:off x="11378037" y="6031948"/>
+            <a:ext cx="800100" cy="812800"/>
+          </a:xfrm>
+          <a:prstGeom prst="rect">
+            <a:avLst/>
+          </a:prstGeom>
+        </p:spPr>
+      </p:pic>
+      <p:sp>
+        <p:nvSpPr>
+          <p:cNvPr id="26" name="TextBox 25">
+            <a:extLst>
+              <a:ext uri="{FF2B5EF4-FFF2-40B4-BE49-F238E27FC236}">
+                <a16:creationId xmlns:a16="http://schemas.microsoft.com/office/drawing/2014/main" id="{196278BB-6E82-685D-BD66-0A287F66E40C}"/>
+              </a:ext>
+            </a:extLst>
+          </p:cNvPr>
+          <p:cNvSpPr txBox="1"/>
+          <p:nvPr/>
+        </p:nvSpPr>
+        <p:spPr>
+          <a:xfrm>
+            <a:off x="4008661" y="1312722"/>
+            <a:ext cx="1230086" cy="707886"/>
+          </a:xfrm>
+          <a:prstGeom prst="rect">
+            <a:avLst/>
+          </a:prstGeom>
+          <a:noFill/>
+        </p:spPr>
+        <p:txBody>
+          <a:bodyPr wrap="square" rtlCol="0">
+            <a:spAutoFit/>
+          </a:bodyPr>
+          <a:lstStyle/>
+          <a:p>
+            <a:pPr algn="ctr"/>
+            <a:r>
+              <a:rPr lang="en-US" sz="2000" dirty="0">
+                <a:solidFill>
+                  <a:schemeClr val="tx1">
+                    <a:lumMod val="95000"/>
+                    <a:lumOff val="5000"/>
+                  </a:schemeClr>
+                </a:solidFill>
+                <a:latin typeface="Avenir Medium" panose="02000503020000020003" pitchFamily="2" charset="0"/>
+                <a:cs typeface="Futura Medium" panose="020B0602020204020303" pitchFamily="34" charset="-79"/>
+              </a:rPr>
+              <a:t>Output Neurons</a:t>
+            </a:r>
+          </a:p>
+        </p:txBody>
+      </p:sp>
     </p:spTree>
     <p:extLst>
       <p:ext uri="{BB962C8B-B14F-4D97-AF65-F5344CB8AC3E}">

--- a/presentations/02.2_activation_functions.pptx
+++ b/presentations/02.2_activation_functions.pptx
@@ -5,7 +5,7 @@
     <p:sldMasterId id="2147483648" r:id="rId1"/>
   </p:sldMasterIdLst>
   <p:notesMasterIdLst>
-    <p:notesMasterId r:id="rId16"/>
+    <p:notesMasterId r:id="rId17"/>
   </p:notesMasterIdLst>
   <p:sldIdLst>
     <p:sldId id="322" r:id="rId2"/>
@@ -17,11 +17,12 @@
     <p:sldId id="326" r:id="rId8"/>
     <p:sldId id="300" r:id="rId9"/>
     <p:sldId id="327" r:id="rId10"/>
-    <p:sldId id="323" r:id="rId11"/>
-    <p:sldId id="329" r:id="rId12"/>
-    <p:sldId id="305" r:id="rId13"/>
-    <p:sldId id="328" r:id="rId14"/>
-    <p:sldId id="309" r:id="rId15"/>
+    <p:sldId id="331" r:id="rId11"/>
+    <p:sldId id="323" r:id="rId12"/>
+    <p:sldId id="329" r:id="rId13"/>
+    <p:sldId id="305" r:id="rId14"/>
+    <p:sldId id="328" r:id="rId15"/>
+    <p:sldId id="309" r:id="rId16"/>
   </p:sldIdLst>
   <p:sldSz cx="12192000" cy="6858000"/>
   <p:notesSz cx="6858000" cy="9144000"/>
@@ -221,7 +222,7 @@
           <a:p>
             <a:fld id="{FD93C9B2-20F6-4DB1-B471-224337D0AC79}" type="datetimeFigureOut">
               <a:rPr lang="en-US" smtClean="0"/>
-              <a:t>11/1/2022</a:t>
+              <a:t>11/7/2022</a:t>
             </a:fld>
             <a:endParaRPr lang="en-US"/>
           </a:p>
@@ -623,6 +624,157 @@
           <a:bodyPr/>
           <a:lstStyle/>
           <a:p>
+            <a:pPr marL="0" indent="0">
+              <a:buNone/>
+            </a:pPr>
+            <a:r>
+              <a:rPr lang="en-US" dirty="0"/>
+              <a:t>The following recommendations come from Jon Krohn’s wonderful book: </a:t>
+            </a:r>
+            <a:r>
+              <a:rPr lang="en-US" i="1" dirty="0"/>
+              <a:t>Deep Learning Illustrated:</a:t>
+            </a:r>
+          </a:p>
+          <a:p>
+            <a:pPr marL="0" indent="0">
+              <a:buNone/>
+            </a:pPr>
+            <a:endParaRPr lang="en-US" dirty="0"/>
+          </a:p>
+          <a:p>
+            <a:pPr marL="228600" indent="-228600">
+              <a:buAutoNum type="arabicPeriod"/>
+            </a:pPr>
+            <a:r>
+              <a:rPr lang="en-US" dirty="0"/>
+              <a:t>Because it’s either all on or off, the perceptron is not a practical consideration for deep neural networks.</a:t>
+            </a:r>
+          </a:p>
+          <a:p>
+            <a:pPr marL="228600" indent="-228600">
+              <a:buAutoNum type="arabicPeriod"/>
+            </a:pPr>
+            <a:r>
+              <a:rPr lang="en-US" dirty="0"/>
+              <a:t>The Sigmoid is an acceptable option, but neural networks comprised of sigmoid functions tend to train slower than those with Tanh or ReLU functions.  Limit the use of sigmoid functions to situations where the neuron needs to provide output within the range of 0 – 1. </a:t>
+            </a:r>
+          </a:p>
+          <a:p>
+            <a:pPr marL="228600" indent="-228600">
+              <a:buAutoNum type="arabicPeriod"/>
+            </a:pPr>
+            <a:r>
+              <a:rPr lang="en-US" dirty="0"/>
+              <a:t>The Tanh is a solid choice as the 0 centered output helps networks train rapidly.</a:t>
+            </a:r>
+          </a:p>
+          <a:p>
+            <a:pPr marL="228600" indent="-228600">
+              <a:buAutoNum type="arabicPeriod"/>
+            </a:pPr>
+            <a:r>
+              <a:rPr lang="en-US" dirty="0"/>
+              <a:t>According to Krohn, the best choice is the ReLU (Rectified Linear Unit) because of its computation efficiency.  This function tends to lead to well-calibrated neural networks in the shortest training time. </a:t>
+            </a:r>
+          </a:p>
+          <a:p>
+            <a:pPr marL="228600" indent="-228600">
+              <a:buAutoNum type="arabicPeriod"/>
+            </a:pPr>
+            <a:endParaRPr lang="en-US" dirty="0"/>
+          </a:p>
+          <a:p>
+            <a:pPr marL="0" indent="0">
+              <a:buNone/>
+            </a:pPr>
+            <a:r>
+              <a:rPr lang="en-US" dirty="0"/>
+              <a:t>In recent years, Keras has released a variety of advanced activation functions.  Leaky ReLU, parametric ReLU, and exponential linear unit are all derived from the basic ReLU function.  Refer to the Keras documentation for more information about these options.</a:t>
+            </a:r>
+          </a:p>
+        </p:txBody>
+      </p:sp>
+      <p:sp>
+        <p:nvSpPr>
+          <p:cNvPr id="4" name="Slide Number Placeholder 3"/>
+          <p:cNvSpPr>
+            <a:spLocks noGrp="1"/>
+          </p:cNvSpPr>
+          <p:nvPr>
+            <p:ph type="sldNum" sz="quarter" idx="5"/>
+          </p:nvPr>
+        </p:nvSpPr>
+        <p:spPr/>
+        <p:txBody>
+          <a:bodyPr/>
+          <a:lstStyle/>
+          <a:p>
+            <a:fld id="{3148858F-F1DB-4027-9C85-CCA6849540DD}" type="slidenum">
+              <a:rPr lang="en-US" smtClean="0"/>
+              <a:t>10</a:t>
+            </a:fld>
+            <a:endParaRPr lang="en-US"/>
+          </a:p>
+        </p:txBody>
+      </p:sp>
+    </p:spTree>
+    <p:extLst>
+      <p:ext uri="{BB962C8B-B14F-4D97-AF65-F5344CB8AC3E}">
+        <p14:creationId xmlns:p14="http://schemas.microsoft.com/office/powerpoint/2010/main" val="585459922"/>
+      </p:ext>
+    </p:extLst>
+  </p:cSld>
+  <p:clrMapOvr>
+    <a:masterClrMapping/>
+  </p:clrMapOvr>
+</p:notes>
+</file>
+
+<file path=ppt/notesSlides/notesSlide11.xml><?xml version="1.0" encoding="utf-8"?>
+<p:notes xmlns:a="http://schemas.openxmlformats.org/drawingml/2006/main" xmlns:r="http://schemas.openxmlformats.org/officeDocument/2006/relationships" xmlns:p="http://schemas.openxmlformats.org/presentationml/2006/main">
+  <p:cSld>
+    <p:spTree>
+      <p:nvGrpSpPr>
+        <p:cNvPr id="1" name=""/>
+        <p:cNvGrpSpPr/>
+        <p:nvPr/>
+      </p:nvGrpSpPr>
+      <p:grpSpPr>
+        <a:xfrm>
+          <a:off x="0" y="0"/>
+          <a:ext cx="0" cy="0"/>
+          <a:chOff x="0" y="0"/>
+          <a:chExt cx="0" cy="0"/>
+        </a:xfrm>
+      </p:grpSpPr>
+      <p:sp>
+        <p:nvSpPr>
+          <p:cNvPr id="2" name="Slide Image Placeholder 1"/>
+          <p:cNvSpPr>
+            <a:spLocks noGrp="1" noRot="1" noChangeAspect="1"/>
+          </p:cNvSpPr>
+          <p:nvPr>
+            <p:ph type="sldImg"/>
+          </p:nvPr>
+        </p:nvSpPr>
+        <p:spPr/>
+      </p:sp>
+      <p:sp>
+        <p:nvSpPr>
+          <p:cNvPr id="3" name="Notes Placeholder 2"/>
+          <p:cNvSpPr>
+            <a:spLocks noGrp="1"/>
+          </p:cNvSpPr>
+          <p:nvPr>
+            <p:ph type="body" idx="1"/>
+          </p:nvPr>
+        </p:nvSpPr>
+        <p:spPr/>
+        <p:txBody>
+          <a:bodyPr/>
+          <a:lstStyle/>
+          <a:p>
             <a:pPr marL="0" marR="0" lvl="0" indent="0" algn="l" defTabSz="914400" rtl="0" eaLnBrk="1" fontAlgn="auto" latinLnBrk="0" hangingPunct="1">
               <a:lnSpc>
                 <a:spcPct val="100000"/>
@@ -741,7 +893,7 @@
           <a:p>
             <a:fld id="{3148858F-F1DB-4027-9C85-CCA6849540DD}" type="slidenum">
               <a:rPr lang="en-US" smtClean="0"/>
-              <a:t>10</a:t>
+              <a:t>11</a:t>
             </a:fld>
             <a:endParaRPr lang="en-US"/>
           </a:p>
@@ -760,7 +912,7 @@
 </p:notes>
 </file>
 
-<file path=ppt/notesSlides/notesSlide11.xml><?xml version="1.0" encoding="utf-8"?>
+<file path=ppt/notesSlides/notesSlide12.xml><?xml version="1.0" encoding="utf-8"?>
 <p:notes xmlns:a="http://schemas.openxmlformats.org/drawingml/2006/main" xmlns:r="http://schemas.openxmlformats.org/officeDocument/2006/relationships" xmlns:p="http://schemas.openxmlformats.org/presentationml/2006/main">
   <p:cSld>
     <p:spTree>
@@ -1077,7 +1229,7 @@
           <a:p>
             <a:fld id="{3148858F-F1DB-4027-9C85-CCA6849540DD}" type="slidenum">
               <a:rPr lang="en-US" smtClean="0"/>
-              <a:t>11</a:t>
+              <a:t>12</a:t>
             </a:fld>
             <a:endParaRPr lang="en-US"/>
           </a:p>
@@ -1087,90 +1239,6 @@
     <p:extLst>
       <p:ext uri="{BB962C8B-B14F-4D97-AF65-F5344CB8AC3E}">
         <p14:creationId xmlns:p14="http://schemas.microsoft.com/office/powerpoint/2010/main" val="418680798"/>
-      </p:ext>
-    </p:extLst>
-  </p:cSld>
-  <p:clrMapOvr>
-    <a:masterClrMapping/>
-  </p:clrMapOvr>
-</p:notes>
-</file>
-
-<file path=ppt/notesSlides/notesSlide12.xml><?xml version="1.0" encoding="utf-8"?>
-<p:notes xmlns:a="http://schemas.openxmlformats.org/drawingml/2006/main" xmlns:r="http://schemas.openxmlformats.org/officeDocument/2006/relationships" xmlns:p="http://schemas.openxmlformats.org/presentationml/2006/main">
-  <p:cSld>
-    <p:spTree>
-      <p:nvGrpSpPr>
-        <p:cNvPr id="1" name=""/>
-        <p:cNvGrpSpPr/>
-        <p:nvPr/>
-      </p:nvGrpSpPr>
-      <p:grpSpPr>
-        <a:xfrm>
-          <a:off x="0" y="0"/>
-          <a:ext cx="0" cy="0"/>
-          <a:chOff x="0" y="0"/>
-          <a:chExt cx="0" cy="0"/>
-        </a:xfrm>
-      </p:grpSpPr>
-      <p:sp>
-        <p:nvSpPr>
-          <p:cNvPr id="2" name="Slide Image Placeholder 1"/>
-          <p:cNvSpPr>
-            <a:spLocks noGrp="1" noRot="1" noChangeAspect="1"/>
-          </p:cNvSpPr>
-          <p:nvPr>
-            <p:ph type="sldImg"/>
-          </p:nvPr>
-        </p:nvSpPr>
-        <p:spPr/>
-      </p:sp>
-      <p:sp>
-        <p:nvSpPr>
-          <p:cNvPr id="3" name="Notes Placeholder 2"/>
-          <p:cNvSpPr>
-            <a:spLocks noGrp="1"/>
-          </p:cNvSpPr>
-          <p:nvPr>
-            <p:ph type="body" idx="1"/>
-          </p:nvPr>
-        </p:nvSpPr>
-        <p:spPr/>
-        <p:txBody>
-          <a:bodyPr/>
-          <a:lstStyle/>
-          <a:p>
-            <a:endParaRPr lang="en-US" dirty="0"/>
-          </a:p>
-        </p:txBody>
-      </p:sp>
-      <p:sp>
-        <p:nvSpPr>
-          <p:cNvPr id="4" name="Slide Number Placeholder 3"/>
-          <p:cNvSpPr>
-            <a:spLocks noGrp="1"/>
-          </p:cNvSpPr>
-          <p:nvPr>
-            <p:ph type="sldNum" sz="quarter" idx="5"/>
-          </p:nvPr>
-        </p:nvSpPr>
-        <p:spPr/>
-        <p:txBody>
-          <a:bodyPr/>
-          <a:lstStyle/>
-          <a:p>
-            <a:fld id="{3148858F-F1DB-4027-9C85-CCA6849540DD}" type="slidenum">
-              <a:rPr lang="en-US" smtClean="0"/>
-              <a:t>12</a:t>
-            </a:fld>
-            <a:endParaRPr lang="en-US"/>
-          </a:p>
-        </p:txBody>
-      </p:sp>
-    </p:spTree>
-    <p:extLst>
-      <p:ext uri="{BB962C8B-B14F-4D97-AF65-F5344CB8AC3E}">
-        <p14:creationId xmlns:p14="http://schemas.microsoft.com/office/powerpoint/2010/main" val="1974960137"/>
       </p:ext>
     </p:extLst>
   </p:cSld>
@@ -1224,6 +1292,90 @@
           <a:bodyPr/>
           <a:lstStyle/>
           <a:p>
+            <a:endParaRPr lang="en-US" dirty="0"/>
+          </a:p>
+        </p:txBody>
+      </p:sp>
+      <p:sp>
+        <p:nvSpPr>
+          <p:cNvPr id="4" name="Slide Number Placeholder 3"/>
+          <p:cNvSpPr>
+            <a:spLocks noGrp="1"/>
+          </p:cNvSpPr>
+          <p:nvPr>
+            <p:ph type="sldNum" sz="quarter" idx="5"/>
+          </p:nvPr>
+        </p:nvSpPr>
+        <p:spPr/>
+        <p:txBody>
+          <a:bodyPr/>
+          <a:lstStyle/>
+          <a:p>
+            <a:fld id="{3148858F-F1DB-4027-9C85-CCA6849540DD}" type="slidenum">
+              <a:rPr lang="en-US" smtClean="0"/>
+              <a:t>13</a:t>
+            </a:fld>
+            <a:endParaRPr lang="en-US"/>
+          </a:p>
+        </p:txBody>
+      </p:sp>
+    </p:spTree>
+    <p:extLst>
+      <p:ext uri="{BB962C8B-B14F-4D97-AF65-F5344CB8AC3E}">
+        <p14:creationId xmlns:p14="http://schemas.microsoft.com/office/powerpoint/2010/main" val="1974960137"/>
+      </p:ext>
+    </p:extLst>
+  </p:cSld>
+  <p:clrMapOvr>
+    <a:masterClrMapping/>
+  </p:clrMapOvr>
+</p:notes>
+</file>
+
+<file path=ppt/notesSlides/notesSlide14.xml><?xml version="1.0" encoding="utf-8"?>
+<p:notes xmlns:a="http://schemas.openxmlformats.org/drawingml/2006/main" xmlns:r="http://schemas.openxmlformats.org/officeDocument/2006/relationships" xmlns:p="http://schemas.openxmlformats.org/presentationml/2006/main">
+  <p:cSld>
+    <p:spTree>
+      <p:nvGrpSpPr>
+        <p:cNvPr id="1" name=""/>
+        <p:cNvGrpSpPr/>
+        <p:nvPr/>
+      </p:nvGrpSpPr>
+      <p:grpSpPr>
+        <a:xfrm>
+          <a:off x="0" y="0"/>
+          <a:ext cx="0" cy="0"/>
+          <a:chOff x="0" y="0"/>
+          <a:chExt cx="0" cy="0"/>
+        </a:xfrm>
+      </p:grpSpPr>
+      <p:sp>
+        <p:nvSpPr>
+          <p:cNvPr id="2" name="Slide Image Placeholder 1"/>
+          <p:cNvSpPr>
+            <a:spLocks noGrp="1" noRot="1" noChangeAspect="1"/>
+          </p:cNvSpPr>
+          <p:nvPr>
+            <p:ph type="sldImg"/>
+          </p:nvPr>
+        </p:nvSpPr>
+        <p:spPr/>
+      </p:sp>
+      <p:sp>
+        <p:nvSpPr>
+          <p:cNvPr id="3" name="Notes Placeholder 2"/>
+          <p:cNvSpPr>
+            <a:spLocks noGrp="1"/>
+          </p:cNvSpPr>
+          <p:nvPr>
+            <p:ph type="body" idx="1"/>
+          </p:nvPr>
+        </p:nvSpPr>
+        <p:spPr/>
+        <p:txBody>
+          <a:bodyPr/>
+          <a:lstStyle/>
+          <a:p>
             <a:pPr marL="0" marR="0" lvl="0" indent="0" algn="l" defTabSz="914400" rtl="0" eaLnBrk="1" fontAlgn="auto" latinLnBrk="0" hangingPunct="1">
               <a:lnSpc>
                 <a:spcPct val="100000"/>
@@ -1298,7 +1450,7 @@
           <a:p>
             <a:fld id="{3148858F-F1DB-4027-9C85-CCA6849540DD}" type="slidenum">
               <a:rPr lang="en-US" smtClean="0"/>
-              <a:t>13</a:t>
+              <a:t>14</a:t>
             </a:fld>
             <a:endParaRPr lang="en-US"/>
           </a:p>
@@ -1317,7 +1469,7 @@
 </p:notes>
 </file>
 
-<file path=ppt/notesSlides/notesSlide14.xml><?xml version="1.0" encoding="utf-8"?>
+<file path=ppt/notesSlides/notesSlide15.xml><?xml version="1.0" encoding="utf-8"?>
 <p:notes xmlns:a="http://schemas.openxmlformats.org/drawingml/2006/main" xmlns:r="http://schemas.openxmlformats.org/officeDocument/2006/relationships" xmlns:p="http://schemas.openxmlformats.org/presentationml/2006/main">
   <p:cSld>
     <p:spTree>
@@ -1405,7 +1557,7 @@
           <a:p>
             <a:fld id="{3148858F-F1DB-4027-9C85-CCA6849540DD}" type="slidenum">
               <a:rPr lang="en-US" smtClean="0"/>
-              <a:t>14</a:t>
+              <a:t>15</a:t>
             </a:fld>
             <a:endParaRPr lang="en-US"/>
           </a:p>
@@ -2574,7 +2726,7 @@
           <a:p>
             <a:fld id="{C3F78080-8D0A-4BE8-A5B4-CB115102D524}" type="datetimeFigureOut">
               <a:rPr lang="en-US" smtClean="0"/>
-              <a:t>11/1/2022</a:t>
+              <a:t>11/7/2022</a:t>
             </a:fld>
             <a:endParaRPr lang="en-US"/>
           </a:p>
@@ -2772,7 +2924,7 @@
           <a:p>
             <a:fld id="{C3F78080-8D0A-4BE8-A5B4-CB115102D524}" type="datetimeFigureOut">
               <a:rPr lang="en-US" smtClean="0"/>
-              <a:t>11/1/2022</a:t>
+              <a:t>11/7/2022</a:t>
             </a:fld>
             <a:endParaRPr lang="en-US"/>
           </a:p>
@@ -2980,7 +3132,7 @@
           <a:p>
             <a:fld id="{C3F78080-8D0A-4BE8-A5B4-CB115102D524}" type="datetimeFigureOut">
               <a:rPr lang="en-US" smtClean="0"/>
-              <a:t>11/1/2022</a:t>
+              <a:t>11/7/2022</a:t>
             </a:fld>
             <a:endParaRPr lang="en-US"/>
           </a:p>
@@ -3178,7 +3330,7 @@
           <a:p>
             <a:fld id="{C3F78080-8D0A-4BE8-A5B4-CB115102D524}" type="datetimeFigureOut">
               <a:rPr lang="en-US" smtClean="0"/>
-              <a:t>11/1/2022</a:t>
+              <a:t>11/7/2022</a:t>
             </a:fld>
             <a:endParaRPr lang="en-US"/>
           </a:p>
@@ -3453,7 +3605,7 @@
           <a:p>
             <a:fld id="{C3F78080-8D0A-4BE8-A5B4-CB115102D524}" type="datetimeFigureOut">
               <a:rPr lang="en-US" smtClean="0"/>
-              <a:t>11/1/2022</a:t>
+              <a:t>11/7/2022</a:t>
             </a:fld>
             <a:endParaRPr lang="en-US"/>
           </a:p>
@@ -3718,7 +3870,7 @@
           <a:p>
             <a:fld id="{C3F78080-8D0A-4BE8-A5B4-CB115102D524}" type="datetimeFigureOut">
               <a:rPr lang="en-US" smtClean="0"/>
-              <a:t>11/1/2022</a:t>
+              <a:t>11/7/2022</a:t>
             </a:fld>
             <a:endParaRPr lang="en-US"/>
           </a:p>
@@ -4130,7 +4282,7 @@
           <a:p>
             <a:fld id="{C3F78080-8D0A-4BE8-A5B4-CB115102D524}" type="datetimeFigureOut">
               <a:rPr lang="en-US" smtClean="0"/>
-              <a:t>11/1/2022</a:t>
+              <a:t>11/7/2022</a:t>
             </a:fld>
             <a:endParaRPr lang="en-US"/>
           </a:p>
@@ -4271,7 +4423,7 @@
           <a:p>
             <a:fld id="{C3F78080-8D0A-4BE8-A5B4-CB115102D524}" type="datetimeFigureOut">
               <a:rPr lang="en-US" smtClean="0"/>
-              <a:t>11/1/2022</a:t>
+              <a:t>11/7/2022</a:t>
             </a:fld>
             <a:endParaRPr lang="en-US"/>
           </a:p>
@@ -4384,7 +4536,7 @@
           <a:p>
             <a:fld id="{C3F78080-8D0A-4BE8-A5B4-CB115102D524}" type="datetimeFigureOut">
               <a:rPr lang="en-US" smtClean="0"/>
-              <a:t>11/1/2022</a:t>
+              <a:t>11/7/2022</a:t>
             </a:fld>
             <a:endParaRPr lang="en-US"/>
           </a:p>
@@ -4695,7 +4847,7 @@
           <a:p>
             <a:fld id="{C3F78080-8D0A-4BE8-A5B4-CB115102D524}" type="datetimeFigureOut">
               <a:rPr lang="en-US" smtClean="0"/>
-              <a:t>11/1/2022</a:t>
+              <a:t>11/7/2022</a:t>
             </a:fld>
             <a:endParaRPr lang="en-US"/>
           </a:p>
@@ -4983,7 +5135,7 @@
           <a:p>
             <a:fld id="{C3F78080-8D0A-4BE8-A5B4-CB115102D524}" type="datetimeFigureOut">
               <a:rPr lang="en-US" smtClean="0"/>
-              <a:t>11/1/2022</a:t>
+              <a:t>11/7/2022</a:t>
             </a:fld>
             <a:endParaRPr lang="en-US"/>
           </a:p>
@@ -5224,7 +5376,7 @@
           <a:p>
             <a:fld id="{C3F78080-8D0A-4BE8-A5B4-CB115102D524}" type="datetimeFigureOut">
               <a:rPr lang="en-US" smtClean="0"/>
-              <a:t>11/1/2022</a:t>
+              <a:t>11/7/2022</a:t>
             </a:fld>
             <a:endParaRPr lang="en-US"/>
           </a:p>
@@ -5791,6 +5943,718 @@
           <a:chExt cx="0" cy="0"/>
         </a:xfrm>
       </p:grpSpPr>
+      <p:sp>
+        <p:nvSpPr>
+          <p:cNvPr id="2" name="TextBox 1">
+            <a:extLst>
+              <a:ext uri="{FF2B5EF4-FFF2-40B4-BE49-F238E27FC236}">
+                <a16:creationId xmlns:a16="http://schemas.microsoft.com/office/drawing/2014/main" id="{D1F3B29A-AACD-1561-D3B4-0B5FEB8BE11E}"/>
+              </a:ext>
+            </a:extLst>
+          </p:cNvPr>
+          <p:cNvSpPr txBox="1"/>
+          <p:nvPr/>
+        </p:nvSpPr>
+        <p:spPr>
+          <a:xfrm>
+            <a:off x="1634833" y="2243985"/>
+            <a:ext cx="10557165" cy="523220"/>
+          </a:xfrm>
+          <a:prstGeom prst="rect">
+            <a:avLst/>
+          </a:prstGeom>
+          <a:noFill/>
+        </p:spPr>
+        <p:txBody>
+          <a:bodyPr wrap="square">
+            <a:spAutoFit/>
+          </a:bodyPr>
+          <a:lstStyle/>
+          <a:p>
+            <a:pPr marL="457200" indent="-457200">
+              <a:buFont typeface="Courier New" panose="02070309020205020404" pitchFamily="49" charset="0"/>
+              <a:buChar char="o"/>
+            </a:pPr>
+            <a:r>
+              <a:rPr lang="en-US" sz="2800" u="none" strike="noStrike" baseline="0" dirty="0">
+                <a:latin typeface="Avenir" panose="02000503020000020003" pitchFamily="2" charset="0"/>
+                <a:cs typeface="Arial" panose="020B0604020202020204" pitchFamily="34" charset="0"/>
+              </a:rPr>
+              <a:t>The </a:t>
+            </a:r>
+            <a:r>
+              <a:rPr lang="en-US" sz="2800" i="1" u="none" strike="noStrike" baseline="0" dirty="0">
+                <a:latin typeface="Avenir" panose="02000503020000020003" pitchFamily="2" charset="0"/>
+                <a:cs typeface="Arial" panose="020B0604020202020204" pitchFamily="34" charset="0"/>
+              </a:rPr>
+              <a:t>Perceptron</a:t>
+            </a:r>
+            <a:endParaRPr lang="en-US" sz="2800" dirty="0">
+              <a:latin typeface="Avenir" panose="02000503020000020003" pitchFamily="2" charset="0"/>
+              <a:cs typeface="Arial" panose="020B0604020202020204" pitchFamily="34" charset="0"/>
+            </a:endParaRPr>
+          </a:p>
+        </p:txBody>
+      </p:sp>
+      <p:sp>
+        <p:nvSpPr>
+          <p:cNvPr id="3" name="TextBox 2">
+            <a:extLst>
+              <a:ext uri="{FF2B5EF4-FFF2-40B4-BE49-F238E27FC236}">
+                <a16:creationId xmlns:a16="http://schemas.microsoft.com/office/drawing/2014/main" id="{D7701655-7D41-DC02-833A-FAFC4AAF7A6A}"/>
+              </a:ext>
+            </a:extLst>
+          </p:cNvPr>
+          <p:cNvSpPr txBox="1"/>
+          <p:nvPr/>
+        </p:nvSpPr>
+        <p:spPr>
+          <a:xfrm>
+            <a:off x="1634834" y="3135078"/>
+            <a:ext cx="10557165" cy="523220"/>
+          </a:xfrm>
+          <a:prstGeom prst="rect">
+            <a:avLst/>
+          </a:prstGeom>
+          <a:noFill/>
+        </p:spPr>
+        <p:txBody>
+          <a:bodyPr wrap="square">
+            <a:spAutoFit/>
+          </a:bodyPr>
+          <a:lstStyle/>
+          <a:p>
+            <a:pPr marL="457200" indent="-457200">
+              <a:buFont typeface="Courier New" panose="02070309020205020404" pitchFamily="49" charset="0"/>
+              <a:buChar char="o"/>
+            </a:pPr>
+            <a:r>
+              <a:rPr lang="en-US" sz="2800" u="none" strike="noStrike" baseline="0" dirty="0">
+                <a:latin typeface="Avenir" panose="02000503020000020003" pitchFamily="2" charset="0"/>
+                <a:cs typeface="Arial" panose="020B0604020202020204" pitchFamily="34" charset="0"/>
+              </a:rPr>
+              <a:t>The </a:t>
+            </a:r>
+            <a:r>
+              <a:rPr lang="en-US" sz="2800" i="1" u="none" strike="noStrike" baseline="0" dirty="0">
+                <a:latin typeface="Avenir" panose="02000503020000020003" pitchFamily="2" charset="0"/>
+                <a:cs typeface="Arial" panose="020B0604020202020204" pitchFamily="34" charset="0"/>
+              </a:rPr>
+              <a:t>Sigmoid</a:t>
+            </a:r>
+            <a:endParaRPr lang="en-US" sz="2800" dirty="0">
+              <a:latin typeface="Avenir" panose="02000503020000020003" pitchFamily="2" charset="0"/>
+              <a:cs typeface="Arial" panose="020B0604020202020204" pitchFamily="34" charset="0"/>
+            </a:endParaRPr>
+          </a:p>
+        </p:txBody>
+      </p:sp>
+      <p:sp>
+        <p:nvSpPr>
+          <p:cNvPr id="4" name="Title 1">
+            <a:extLst>
+              <a:ext uri="{FF2B5EF4-FFF2-40B4-BE49-F238E27FC236}">
+                <a16:creationId xmlns:a16="http://schemas.microsoft.com/office/drawing/2014/main" id="{9DE96B20-09B4-B6BB-5387-54DDEE8D503B}"/>
+              </a:ext>
+            </a:extLst>
+          </p:cNvPr>
+          <p:cNvSpPr txBox="1">
+            <a:spLocks/>
+          </p:cNvSpPr>
+          <p:nvPr/>
+        </p:nvSpPr>
+        <p:spPr>
+          <a:xfrm>
+            <a:off x="0" y="793808"/>
+            <a:ext cx="12192000" cy="606943"/>
+          </a:xfrm>
+          <a:prstGeom prst="rect">
+            <a:avLst/>
+          </a:prstGeom>
+          <a:noFill/>
+        </p:spPr>
+        <p:txBody>
+          <a:bodyPr>
+            <a:noAutofit/>
+          </a:bodyPr>
+          <a:lstStyle>
+            <a:lvl1pPr algn="l" defTabSz="914400" rtl="0" eaLnBrk="1" latinLnBrk="0" hangingPunct="1">
+              <a:lnSpc>
+                <a:spcPct val="90000"/>
+              </a:lnSpc>
+              <a:spcBef>
+                <a:spcPct val="0"/>
+              </a:spcBef>
+              <a:buNone/>
+              <a:defRPr sz="4400" kern="1200">
+                <a:solidFill>
+                  <a:schemeClr val="tx1"/>
+                </a:solidFill>
+                <a:latin typeface="+mj-lt"/>
+                <a:ea typeface="+mj-ea"/>
+                <a:cs typeface="+mj-cs"/>
+              </a:defRPr>
+            </a:lvl1pPr>
+          </a:lstStyle>
+          <a:p>
+            <a:pPr algn="ctr"/>
+            <a:r>
+              <a:rPr lang="en-US" sz="3600" b="1" dirty="0">
+                <a:solidFill>
+                  <a:schemeClr val="tx1">
+                    <a:lumMod val="75000"/>
+                    <a:lumOff val="25000"/>
+                  </a:schemeClr>
+                </a:solidFill>
+                <a:latin typeface="Avenir Black" panose="02000503020000020003" pitchFamily="2" charset="0"/>
+                <a:cs typeface="Arial" panose="020B0604020202020204" pitchFamily="34" charset="0"/>
+              </a:rPr>
+              <a:t>Activation Function Recommendations</a:t>
+            </a:r>
+          </a:p>
+        </p:txBody>
+      </p:sp>
+      <p:sp>
+        <p:nvSpPr>
+          <p:cNvPr id="5" name="TextBox 4">
+            <a:extLst>
+              <a:ext uri="{FF2B5EF4-FFF2-40B4-BE49-F238E27FC236}">
+                <a16:creationId xmlns:a16="http://schemas.microsoft.com/office/drawing/2014/main" id="{250A24AE-2646-D6E9-25F3-58B54E27662C}"/>
+              </a:ext>
+            </a:extLst>
+          </p:cNvPr>
+          <p:cNvSpPr txBox="1"/>
+          <p:nvPr/>
+        </p:nvSpPr>
+        <p:spPr>
+          <a:xfrm>
+            <a:off x="1634835" y="4026171"/>
+            <a:ext cx="10557161" cy="523220"/>
+          </a:xfrm>
+          <a:prstGeom prst="rect">
+            <a:avLst/>
+          </a:prstGeom>
+          <a:noFill/>
+        </p:spPr>
+        <p:txBody>
+          <a:bodyPr wrap="square">
+            <a:spAutoFit/>
+          </a:bodyPr>
+          <a:lstStyle/>
+          <a:p>
+            <a:pPr marL="457200" indent="-457200">
+              <a:buFont typeface="Courier New" panose="02070309020205020404" pitchFamily="49" charset="0"/>
+              <a:buChar char="o"/>
+            </a:pPr>
+            <a:r>
+              <a:rPr lang="en-US" sz="2800" u="none" strike="noStrike" baseline="0" dirty="0">
+                <a:latin typeface="Avenir" panose="02000503020000020003" pitchFamily="2" charset="0"/>
+                <a:cs typeface="Arial" panose="020B0604020202020204" pitchFamily="34" charset="0"/>
+              </a:rPr>
+              <a:t>The </a:t>
+            </a:r>
+            <a:r>
+              <a:rPr lang="en-US" sz="2800" i="1" u="none" strike="noStrike" baseline="0" dirty="0">
+                <a:latin typeface="Avenir" panose="02000503020000020003" pitchFamily="2" charset="0"/>
+                <a:cs typeface="Arial" panose="020B0604020202020204" pitchFamily="34" charset="0"/>
+              </a:rPr>
+              <a:t>Tanh</a:t>
+            </a:r>
+            <a:endParaRPr lang="en-US" sz="2800" dirty="0">
+              <a:latin typeface="Avenir" panose="02000503020000020003" pitchFamily="2" charset="0"/>
+              <a:cs typeface="Arial" panose="020B0604020202020204" pitchFamily="34" charset="0"/>
+            </a:endParaRPr>
+          </a:p>
+        </p:txBody>
+      </p:sp>
+      <p:pic>
+        <p:nvPicPr>
+          <p:cNvPr id="6" name="Picture 5" descr="A picture containing dark, gauge&#10;&#10;Description automatically generated">
+            <a:extLst>
+              <a:ext uri="{FF2B5EF4-FFF2-40B4-BE49-F238E27FC236}">
+                <a16:creationId xmlns:a16="http://schemas.microsoft.com/office/drawing/2014/main" id="{08E9D0E9-A243-6926-8EA1-96522CB1166B}"/>
+              </a:ext>
+            </a:extLst>
+          </p:cNvPr>
+          <p:cNvPicPr>
+            <a:picLocks noChangeAspect="1"/>
+          </p:cNvPicPr>
+          <p:nvPr/>
+        </p:nvPicPr>
+        <p:blipFill>
+          <a:blip r:embed="rId3">
+            <a:extLst>
+              <a:ext uri="{28A0092B-C50C-407E-A947-70E740481C1C}">
+                <a14:useLocalDpi xmlns:a14="http://schemas.microsoft.com/office/drawing/2010/main" val="0"/>
+              </a:ext>
+            </a:extLst>
+          </a:blip>
+          <a:stretch>
+            <a:fillRect/>
+          </a:stretch>
+        </p:blipFill>
+        <p:spPr>
+          <a:xfrm>
+            <a:off x="11378037" y="6031948"/>
+            <a:ext cx="800100" cy="812800"/>
+          </a:xfrm>
+          <a:prstGeom prst="rect">
+            <a:avLst/>
+          </a:prstGeom>
+        </p:spPr>
+      </p:pic>
+      <p:sp>
+        <p:nvSpPr>
+          <p:cNvPr id="7" name="TextBox 6">
+            <a:extLst>
+              <a:ext uri="{FF2B5EF4-FFF2-40B4-BE49-F238E27FC236}">
+                <a16:creationId xmlns:a16="http://schemas.microsoft.com/office/drawing/2014/main" id="{CAD40E05-EABD-1D48-9C7E-3B5636892515}"/>
+              </a:ext>
+            </a:extLst>
+          </p:cNvPr>
+          <p:cNvSpPr txBox="1"/>
+          <p:nvPr/>
+        </p:nvSpPr>
+        <p:spPr>
+          <a:xfrm>
+            <a:off x="1634839" y="4917264"/>
+            <a:ext cx="10557161" cy="523220"/>
+          </a:xfrm>
+          <a:prstGeom prst="rect">
+            <a:avLst/>
+          </a:prstGeom>
+          <a:noFill/>
+        </p:spPr>
+        <p:txBody>
+          <a:bodyPr wrap="square">
+            <a:spAutoFit/>
+          </a:bodyPr>
+          <a:lstStyle/>
+          <a:p>
+            <a:pPr marL="457200" indent="-457200">
+              <a:buFont typeface="Courier New" panose="02070309020205020404" pitchFamily="49" charset="0"/>
+              <a:buChar char="o"/>
+            </a:pPr>
+            <a:r>
+              <a:rPr lang="en-US" sz="2800" u="none" strike="noStrike" baseline="0" dirty="0">
+                <a:latin typeface="Avenir" panose="02000503020000020003" pitchFamily="2" charset="0"/>
+                <a:cs typeface="Arial" panose="020B0604020202020204" pitchFamily="34" charset="0"/>
+              </a:rPr>
+              <a:t>The </a:t>
+            </a:r>
+            <a:r>
+              <a:rPr lang="en-US" sz="2800" i="1" dirty="0">
+                <a:latin typeface="Avenir" panose="02000503020000020003" pitchFamily="2" charset="0"/>
+                <a:cs typeface="Arial" panose="020B0604020202020204" pitchFamily="34" charset="0"/>
+              </a:rPr>
+              <a:t>ReLU</a:t>
+            </a:r>
+            <a:endParaRPr lang="en-US" sz="2800" dirty="0">
+              <a:latin typeface="Avenir" panose="02000503020000020003" pitchFamily="2" charset="0"/>
+              <a:cs typeface="Arial" panose="020B0604020202020204" pitchFamily="34" charset="0"/>
+            </a:endParaRPr>
+          </a:p>
+        </p:txBody>
+      </p:sp>
+      <p:sp>
+        <p:nvSpPr>
+          <p:cNvPr id="8" name="TextBox 7">
+            <a:extLst>
+              <a:ext uri="{FF2B5EF4-FFF2-40B4-BE49-F238E27FC236}">
+                <a16:creationId xmlns:a16="http://schemas.microsoft.com/office/drawing/2014/main" id="{E310DC65-CF60-4AE7-F7FE-FB16F70D115F}"/>
+              </a:ext>
+            </a:extLst>
+          </p:cNvPr>
+          <p:cNvSpPr txBox="1"/>
+          <p:nvPr/>
+        </p:nvSpPr>
+        <p:spPr>
+          <a:xfrm>
+            <a:off x="0" y="6550223"/>
+            <a:ext cx="12192000" cy="307777"/>
+          </a:xfrm>
+          <a:prstGeom prst="rect">
+            <a:avLst/>
+          </a:prstGeom>
+          <a:noFill/>
+        </p:spPr>
+        <p:txBody>
+          <a:bodyPr wrap="square" rtlCol="0">
+            <a:spAutoFit/>
+          </a:bodyPr>
+          <a:lstStyle/>
+          <a:p>
+            <a:r>
+              <a:rPr lang="en-US" sz="1400" dirty="0">
+                <a:solidFill>
+                  <a:schemeClr val="tx1">
+                    <a:lumMod val="65000"/>
+                    <a:lumOff val="35000"/>
+                  </a:schemeClr>
+                </a:solidFill>
+                <a:latin typeface="+mj-lt"/>
+                <a:ea typeface="Verdana" panose="020B0604030504040204" pitchFamily="34" charset="0"/>
+              </a:rPr>
+              <a:t>Source: Krohn, J. (2020). </a:t>
+            </a:r>
+            <a:r>
+              <a:rPr lang="en-US" sz="1400" i="1" dirty="0">
+                <a:solidFill>
+                  <a:schemeClr val="tx1">
+                    <a:lumMod val="65000"/>
+                    <a:lumOff val="35000"/>
+                  </a:schemeClr>
+                </a:solidFill>
+                <a:latin typeface="+mj-lt"/>
+                <a:ea typeface="Verdana" panose="020B0604030504040204" pitchFamily="34" charset="0"/>
+              </a:rPr>
+              <a:t>Deep learning Illustrated</a:t>
+            </a:r>
+            <a:r>
+              <a:rPr lang="en-US" sz="1400" dirty="0">
+                <a:solidFill>
+                  <a:schemeClr val="tx1">
+                    <a:lumMod val="65000"/>
+                    <a:lumOff val="35000"/>
+                  </a:schemeClr>
+                </a:solidFill>
+                <a:latin typeface="+mj-lt"/>
+                <a:ea typeface="Verdana" panose="020B0604030504040204" pitchFamily="34" charset="0"/>
+              </a:rPr>
+              <a:t>. New York</a:t>
+            </a:r>
+            <a:r>
+              <a:rPr lang="en-US" sz="1400" b="0" i="0" dirty="0">
+                <a:solidFill>
+                  <a:schemeClr val="tx1">
+                    <a:lumMod val="65000"/>
+                    <a:lumOff val="35000"/>
+                  </a:schemeClr>
+                </a:solidFill>
+                <a:effectLst/>
+                <a:latin typeface="+mj-lt"/>
+                <a:ea typeface="Verdana" panose="020B0604030504040204" pitchFamily="34" charset="0"/>
+              </a:rPr>
+              <a:t>, NY: Addison-Wesley. (</a:t>
+            </a:r>
+            <a:r>
+              <a:rPr lang="en-US" sz="1400" dirty="0">
+                <a:solidFill>
+                  <a:schemeClr val="tx1">
+                    <a:lumMod val="65000"/>
+                    <a:lumOff val="35000"/>
+                  </a:schemeClr>
+                </a:solidFill>
+                <a:latin typeface="+mj-lt"/>
+                <a:ea typeface="Verdana" panose="020B0604030504040204" pitchFamily="34" charset="0"/>
+              </a:rPr>
+              <a:t>p. 96</a:t>
+            </a:r>
+            <a:r>
+              <a:rPr lang="en-US" sz="1400" b="0" i="0" dirty="0">
+                <a:solidFill>
+                  <a:schemeClr val="tx1">
+                    <a:lumMod val="65000"/>
+                    <a:lumOff val="35000"/>
+                  </a:schemeClr>
+                </a:solidFill>
+                <a:effectLst/>
+                <a:latin typeface="+mj-lt"/>
+                <a:ea typeface="Verdana" panose="020B0604030504040204" pitchFamily="34" charset="0"/>
+              </a:rPr>
+              <a:t>)</a:t>
+            </a:r>
+            <a:endParaRPr lang="en-US" sz="1400" dirty="0">
+              <a:solidFill>
+                <a:schemeClr val="tx1">
+                  <a:lumMod val="65000"/>
+                  <a:lumOff val="35000"/>
+                </a:schemeClr>
+              </a:solidFill>
+              <a:latin typeface="+mj-lt"/>
+              <a:ea typeface="Verdana" panose="020B0604030504040204" pitchFamily="34" charset="0"/>
+            </a:endParaRPr>
+          </a:p>
+        </p:txBody>
+      </p:sp>
+    </p:spTree>
+    <p:extLst>
+      <p:ext uri="{BB962C8B-B14F-4D97-AF65-F5344CB8AC3E}">
+        <p14:creationId xmlns:p14="http://schemas.microsoft.com/office/powerpoint/2010/main" val="3993506023"/>
+      </p:ext>
+    </p:extLst>
+  </p:cSld>
+  <p:clrMapOvr>
+    <a:masterClrMapping/>
+  </p:clrMapOvr>
+  <p:timing>
+    <p:tnLst>
+      <p:par>
+        <p:cTn id="1" dur="indefinite" restart="never" nodeType="tmRoot">
+          <p:childTnLst>
+            <p:seq concurrent="1" nextAc="seek">
+              <p:cTn id="2" dur="indefinite" nodeType="mainSeq">
+                <p:childTnLst>
+                  <p:par>
+                    <p:cTn id="3" fill="hold">
+                      <p:stCondLst>
+                        <p:cond delay="indefinite"/>
+                      </p:stCondLst>
+                      <p:childTnLst>
+                        <p:par>
+                          <p:cTn id="4" fill="hold">
+                            <p:stCondLst>
+                              <p:cond delay="0"/>
+                            </p:stCondLst>
+                            <p:childTnLst>
+                              <p:par>
+                                <p:cTn id="5" presetID="10" presetClass="entr" presetSubtype="0" fill="hold" grpId="0" nodeType="clickEffect">
+                                  <p:stCondLst>
+                                    <p:cond delay="0"/>
+                                  </p:stCondLst>
+                                  <p:childTnLst>
+                                    <p:set>
+                                      <p:cBhvr>
+                                        <p:cTn id="6" dur="1" fill="hold">
+                                          <p:stCondLst>
+                                            <p:cond delay="0"/>
+                                          </p:stCondLst>
+                                        </p:cTn>
+                                        <p:tgtEl>
+                                          <p:spTgt spid="2"/>
+                                        </p:tgtEl>
+                                        <p:attrNameLst>
+                                          <p:attrName>style.visibility</p:attrName>
+                                        </p:attrNameLst>
+                                      </p:cBhvr>
+                                      <p:to>
+                                        <p:strVal val="visible"/>
+                                      </p:to>
+                                    </p:set>
+                                    <p:animEffect transition="in" filter="fade">
+                                      <p:cBhvr>
+                                        <p:cTn id="7" dur="500"/>
+                                        <p:tgtEl>
+                                          <p:spTgt spid="2"/>
+                                        </p:tgtEl>
+                                      </p:cBhvr>
+                                    </p:animEffect>
+                                  </p:childTnLst>
+                                </p:cTn>
+                              </p:par>
+                            </p:childTnLst>
+                          </p:cTn>
+                        </p:par>
+                      </p:childTnLst>
+                    </p:cTn>
+                  </p:par>
+                  <p:par>
+                    <p:cTn id="8" fill="hold">
+                      <p:stCondLst>
+                        <p:cond delay="indefinite"/>
+                      </p:stCondLst>
+                      <p:childTnLst>
+                        <p:par>
+                          <p:cTn id="9" fill="hold">
+                            <p:stCondLst>
+                              <p:cond delay="0"/>
+                            </p:stCondLst>
+                            <p:childTnLst>
+                              <p:par>
+                                <p:cTn id="10" presetID="10" presetClass="entr" presetSubtype="0" fill="hold" grpId="0" nodeType="clickEffect">
+                                  <p:stCondLst>
+                                    <p:cond delay="0"/>
+                                  </p:stCondLst>
+                                  <p:childTnLst>
+                                    <p:set>
+                                      <p:cBhvr>
+                                        <p:cTn id="11" dur="1" fill="hold">
+                                          <p:stCondLst>
+                                            <p:cond delay="0"/>
+                                          </p:stCondLst>
+                                        </p:cTn>
+                                        <p:tgtEl>
+                                          <p:spTgt spid="3"/>
+                                        </p:tgtEl>
+                                        <p:attrNameLst>
+                                          <p:attrName>style.visibility</p:attrName>
+                                        </p:attrNameLst>
+                                      </p:cBhvr>
+                                      <p:to>
+                                        <p:strVal val="visible"/>
+                                      </p:to>
+                                    </p:set>
+                                    <p:animEffect transition="in" filter="fade">
+                                      <p:cBhvr>
+                                        <p:cTn id="12" dur="500"/>
+                                        <p:tgtEl>
+                                          <p:spTgt spid="3"/>
+                                        </p:tgtEl>
+                                      </p:cBhvr>
+                                    </p:animEffect>
+                                  </p:childTnLst>
+                                </p:cTn>
+                              </p:par>
+                            </p:childTnLst>
+                          </p:cTn>
+                        </p:par>
+                      </p:childTnLst>
+                    </p:cTn>
+                  </p:par>
+                  <p:par>
+                    <p:cTn id="13" fill="hold">
+                      <p:stCondLst>
+                        <p:cond delay="indefinite"/>
+                      </p:stCondLst>
+                      <p:childTnLst>
+                        <p:par>
+                          <p:cTn id="14" fill="hold">
+                            <p:stCondLst>
+                              <p:cond delay="0"/>
+                            </p:stCondLst>
+                            <p:childTnLst>
+                              <p:par>
+                                <p:cTn id="15" presetID="10" presetClass="entr" presetSubtype="0" fill="hold" grpId="0" nodeType="clickEffect">
+                                  <p:stCondLst>
+                                    <p:cond delay="0"/>
+                                  </p:stCondLst>
+                                  <p:childTnLst>
+                                    <p:set>
+                                      <p:cBhvr>
+                                        <p:cTn id="16" dur="1" fill="hold">
+                                          <p:stCondLst>
+                                            <p:cond delay="0"/>
+                                          </p:stCondLst>
+                                        </p:cTn>
+                                        <p:tgtEl>
+                                          <p:spTgt spid="5"/>
+                                        </p:tgtEl>
+                                        <p:attrNameLst>
+                                          <p:attrName>style.visibility</p:attrName>
+                                        </p:attrNameLst>
+                                      </p:cBhvr>
+                                      <p:to>
+                                        <p:strVal val="visible"/>
+                                      </p:to>
+                                    </p:set>
+                                    <p:animEffect transition="in" filter="fade">
+                                      <p:cBhvr>
+                                        <p:cTn id="17" dur="500"/>
+                                        <p:tgtEl>
+                                          <p:spTgt spid="5"/>
+                                        </p:tgtEl>
+                                      </p:cBhvr>
+                                    </p:animEffect>
+                                  </p:childTnLst>
+                                </p:cTn>
+                              </p:par>
+                            </p:childTnLst>
+                          </p:cTn>
+                        </p:par>
+                      </p:childTnLst>
+                    </p:cTn>
+                  </p:par>
+                  <p:par>
+                    <p:cTn id="18" fill="hold">
+                      <p:stCondLst>
+                        <p:cond delay="indefinite"/>
+                      </p:stCondLst>
+                      <p:childTnLst>
+                        <p:par>
+                          <p:cTn id="19" fill="hold">
+                            <p:stCondLst>
+                              <p:cond delay="0"/>
+                            </p:stCondLst>
+                            <p:childTnLst>
+                              <p:par>
+                                <p:cTn id="20" presetID="10" presetClass="entr" presetSubtype="0" fill="hold" grpId="0" nodeType="clickEffect">
+                                  <p:stCondLst>
+                                    <p:cond delay="0"/>
+                                  </p:stCondLst>
+                                  <p:childTnLst>
+                                    <p:set>
+                                      <p:cBhvr>
+                                        <p:cTn id="21" dur="1" fill="hold">
+                                          <p:stCondLst>
+                                            <p:cond delay="0"/>
+                                          </p:stCondLst>
+                                        </p:cTn>
+                                        <p:tgtEl>
+                                          <p:spTgt spid="7"/>
+                                        </p:tgtEl>
+                                        <p:attrNameLst>
+                                          <p:attrName>style.visibility</p:attrName>
+                                        </p:attrNameLst>
+                                      </p:cBhvr>
+                                      <p:to>
+                                        <p:strVal val="visible"/>
+                                      </p:to>
+                                    </p:set>
+                                    <p:animEffect transition="in" filter="fade">
+                                      <p:cBhvr>
+                                        <p:cTn id="22" dur="500"/>
+                                        <p:tgtEl>
+                                          <p:spTgt spid="7"/>
+                                        </p:tgtEl>
+                                      </p:cBhvr>
+                                    </p:animEffect>
+                                  </p:childTnLst>
+                                </p:cTn>
+                              </p:par>
+                            </p:childTnLst>
+                          </p:cTn>
+                        </p:par>
+                      </p:childTnLst>
+                    </p:cTn>
+                  </p:par>
+                </p:childTnLst>
+              </p:cTn>
+              <p:prevCondLst>
+                <p:cond evt="onPrev" delay="0">
+                  <p:tgtEl>
+                    <p:sldTgt/>
+                  </p:tgtEl>
+                </p:cond>
+              </p:prevCondLst>
+              <p:nextCondLst>
+                <p:cond evt="onNext" delay="0">
+                  <p:tgtEl>
+                    <p:sldTgt/>
+                  </p:tgtEl>
+                </p:cond>
+              </p:nextCondLst>
+            </p:seq>
+          </p:childTnLst>
+        </p:cTn>
+      </p:par>
+    </p:tnLst>
+    <p:bldLst>
+      <p:bldP spid="2" grpId="0"/>
+      <p:bldP spid="3" grpId="0"/>
+      <p:bldP spid="5" grpId="0"/>
+      <p:bldP spid="7" grpId="0"/>
+    </p:bldLst>
+  </p:timing>
+</p:sld>
+</file>
+
+<file path=ppt/slides/slide11.xml><?xml version="1.0" encoding="utf-8"?>
+<p:sld xmlns:a="http://schemas.openxmlformats.org/drawingml/2006/main" xmlns:r="http://schemas.openxmlformats.org/officeDocument/2006/relationships" xmlns:p="http://schemas.openxmlformats.org/presentationml/2006/main">
+  <p:cSld>
+    <p:spTree>
+      <p:nvGrpSpPr>
+        <p:cNvPr id="1" name=""/>
+        <p:cNvGrpSpPr/>
+        <p:nvPr/>
+      </p:nvGrpSpPr>
+      <p:grpSpPr>
+        <a:xfrm>
+          <a:off x="0" y="0"/>
+          <a:ext cx="0" cy="0"/>
+          <a:chOff x="0" y="0"/>
+          <a:chExt cx="0" cy="0"/>
+        </a:xfrm>
+      </p:grpSpPr>
       <p:pic>
         <p:nvPicPr>
           <p:cNvPr id="9" name="Picture 8" descr="Shape&#10;&#10;Description automatically generated with medium confidence">
@@ -5983,7 +6847,7 @@
 </p:sld>
 </file>
 
-<file path=ppt/slides/slide11.xml><?xml version="1.0" encoding="utf-8"?>
+<file path=ppt/slides/slide12.xml><?xml version="1.0" encoding="utf-8"?>
 <p:sld xmlns:a="http://schemas.openxmlformats.org/drawingml/2006/main" xmlns:r="http://schemas.openxmlformats.org/officeDocument/2006/relationships" xmlns:p="http://schemas.openxmlformats.org/presentationml/2006/main">
   <p:cSld>
     <p:spTree>
@@ -6223,7 +7087,7 @@
 </p:sld>
 </file>
 
-<file path=ppt/slides/slide12.xml><?xml version="1.0" encoding="utf-8"?>
+<file path=ppt/slides/slide13.xml><?xml version="1.0" encoding="utf-8"?>
 <p:sld xmlns:a="http://schemas.openxmlformats.org/drawingml/2006/main" xmlns:r="http://schemas.openxmlformats.org/officeDocument/2006/relationships" xmlns:p="http://schemas.openxmlformats.org/presentationml/2006/main">
   <p:cSld>
     <p:spTree>
@@ -6641,7 +7505,7 @@
 </p:sld>
 </file>
 
-<file path=ppt/slides/slide13.xml><?xml version="1.0" encoding="utf-8"?>
+<file path=ppt/slides/slide14.xml><?xml version="1.0" encoding="utf-8"?>
 <p:sld xmlns:a="http://schemas.openxmlformats.org/drawingml/2006/main" xmlns:r="http://schemas.openxmlformats.org/officeDocument/2006/relationships" xmlns:p="http://schemas.openxmlformats.org/presentationml/2006/main">
   <p:cSld>
     <p:spTree>
@@ -6683,7 +7547,7 @@
 </p:sld>
 </file>
 
-<file path=ppt/slides/slide14.xml><?xml version="1.0" encoding="utf-8"?>
+<file path=ppt/slides/slide15.xml><?xml version="1.0" encoding="utf-8"?>
 <p:sld xmlns:a="http://schemas.openxmlformats.org/drawingml/2006/main" xmlns:r="http://schemas.openxmlformats.org/officeDocument/2006/relationships" xmlns:p="http://schemas.openxmlformats.org/presentationml/2006/main">
   <p:cSld>
     <p:spTree>

--- a/presentations/02.2_activation_functions.pptx
+++ b/presentations/02.2_activation_functions.pptx
@@ -222,7 +222,7 @@
           <a:p>
             <a:fld id="{FD93C9B2-20F6-4DB1-B471-224337D0AC79}" type="datetimeFigureOut">
               <a:rPr lang="en-US" smtClean="0"/>
-              <a:t>11/7/2022</a:t>
+              <a:t>11/14/2022</a:t>
             </a:fld>
             <a:endParaRPr lang="en-US"/>
           </a:p>
@@ -2726,7 +2726,7 @@
           <a:p>
             <a:fld id="{C3F78080-8D0A-4BE8-A5B4-CB115102D524}" type="datetimeFigureOut">
               <a:rPr lang="en-US" smtClean="0"/>
-              <a:t>11/7/2022</a:t>
+              <a:t>11/14/2022</a:t>
             </a:fld>
             <a:endParaRPr lang="en-US"/>
           </a:p>
@@ -2924,7 +2924,7 @@
           <a:p>
             <a:fld id="{C3F78080-8D0A-4BE8-A5B4-CB115102D524}" type="datetimeFigureOut">
               <a:rPr lang="en-US" smtClean="0"/>
-              <a:t>11/7/2022</a:t>
+              <a:t>11/14/2022</a:t>
             </a:fld>
             <a:endParaRPr lang="en-US"/>
           </a:p>
@@ -3132,7 +3132,7 @@
           <a:p>
             <a:fld id="{C3F78080-8D0A-4BE8-A5B4-CB115102D524}" type="datetimeFigureOut">
               <a:rPr lang="en-US" smtClean="0"/>
-              <a:t>11/7/2022</a:t>
+              <a:t>11/14/2022</a:t>
             </a:fld>
             <a:endParaRPr lang="en-US"/>
           </a:p>
@@ -3330,7 +3330,7 @@
           <a:p>
             <a:fld id="{C3F78080-8D0A-4BE8-A5B4-CB115102D524}" type="datetimeFigureOut">
               <a:rPr lang="en-US" smtClean="0"/>
-              <a:t>11/7/2022</a:t>
+              <a:t>11/14/2022</a:t>
             </a:fld>
             <a:endParaRPr lang="en-US"/>
           </a:p>
@@ -3605,7 +3605,7 @@
           <a:p>
             <a:fld id="{C3F78080-8D0A-4BE8-A5B4-CB115102D524}" type="datetimeFigureOut">
               <a:rPr lang="en-US" smtClean="0"/>
-              <a:t>11/7/2022</a:t>
+              <a:t>11/14/2022</a:t>
             </a:fld>
             <a:endParaRPr lang="en-US"/>
           </a:p>
@@ -3870,7 +3870,7 @@
           <a:p>
             <a:fld id="{C3F78080-8D0A-4BE8-A5B4-CB115102D524}" type="datetimeFigureOut">
               <a:rPr lang="en-US" smtClean="0"/>
-              <a:t>11/7/2022</a:t>
+              <a:t>11/14/2022</a:t>
             </a:fld>
             <a:endParaRPr lang="en-US"/>
           </a:p>
@@ -4282,7 +4282,7 @@
           <a:p>
             <a:fld id="{C3F78080-8D0A-4BE8-A5B4-CB115102D524}" type="datetimeFigureOut">
               <a:rPr lang="en-US" smtClean="0"/>
-              <a:t>11/7/2022</a:t>
+              <a:t>11/14/2022</a:t>
             </a:fld>
             <a:endParaRPr lang="en-US"/>
           </a:p>
@@ -4423,7 +4423,7 @@
           <a:p>
             <a:fld id="{C3F78080-8D0A-4BE8-A5B4-CB115102D524}" type="datetimeFigureOut">
               <a:rPr lang="en-US" smtClean="0"/>
-              <a:t>11/7/2022</a:t>
+              <a:t>11/14/2022</a:t>
             </a:fld>
             <a:endParaRPr lang="en-US"/>
           </a:p>
@@ -4536,7 +4536,7 @@
           <a:p>
             <a:fld id="{C3F78080-8D0A-4BE8-A5B4-CB115102D524}" type="datetimeFigureOut">
               <a:rPr lang="en-US" smtClean="0"/>
-              <a:t>11/7/2022</a:t>
+              <a:t>11/14/2022</a:t>
             </a:fld>
             <a:endParaRPr lang="en-US"/>
           </a:p>
@@ -4847,7 +4847,7 @@
           <a:p>
             <a:fld id="{C3F78080-8D0A-4BE8-A5B4-CB115102D524}" type="datetimeFigureOut">
               <a:rPr lang="en-US" smtClean="0"/>
-              <a:t>11/7/2022</a:t>
+              <a:t>11/14/2022</a:t>
             </a:fld>
             <a:endParaRPr lang="en-US"/>
           </a:p>
@@ -5135,7 +5135,7 @@
           <a:p>
             <a:fld id="{C3F78080-8D0A-4BE8-A5B4-CB115102D524}" type="datetimeFigureOut">
               <a:rPr lang="en-US" smtClean="0"/>
-              <a:t>11/7/2022</a:t>
+              <a:t>11/14/2022</a:t>
             </a:fld>
             <a:endParaRPr lang="en-US"/>
           </a:p>
@@ -5376,7 +5376,7 @@
           <a:p>
             <a:fld id="{C3F78080-8D0A-4BE8-A5B4-CB115102D524}" type="datetimeFigureOut">
               <a:rPr lang="en-US" smtClean="0"/>
-              <a:t>11/7/2022</a:t>
+              <a:t>11/14/2022</a:t>
             </a:fld>
             <a:endParaRPr lang="en-US"/>
           </a:p>
@@ -5893,7 +5893,7 @@
         </p:blipFill>
         <p:spPr>
           <a:xfrm>
-            <a:off x="11362821" y="6028821"/>
+            <a:off x="11189401" y="5902393"/>
             <a:ext cx="829179" cy="829179"/>
           </a:xfrm>
           <a:prstGeom prst="rect">
@@ -5957,7 +5957,7 @@
         </p:nvSpPr>
         <p:spPr>
           <a:xfrm>
-            <a:off x="1634833" y="2243985"/>
+            <a:off x="1620970" y="1919026"/>
             <a:ext cx="10557165" cy="523220"/>
           </a:xfrm>
           <a:prstGeom prst="rect">
@@ -6010,7 +6010,7 @@
         </p:nvSpPr>
         <p:spPr>
           <a:xfrm>
-            <a:off x="1634834" y="3135078"/>
+            <a:off x="1620971" y="2810119"/>
             <a:ext cx="10557165" cy="523220"/>
           </a:xfrm>
           <a:prstGeom prst="rect">
@@ -6128,7 +6128,7 @@
         </p:nvSpPr>
         <p:spPr>
           <a:xfrm>
-            <a:off x="1634835" y="4026171"/>
+            <a:off x="1620972" y="3701212"/>
             <a:ext cx="10557161" cy="523220"/>
           </a:xfrm>
           <a:prstGeom prst="rect">
@@ -6217,7 +6217,7 @@
         </p:nvSpPr>
         <p:spPr>
           <a:xfrm>
-            <a:off x="1634839" y="4917264"/>
+            <a:off x="1620976" y="4592305"/>
             <a:ext cx="10557161" cy="523220"/>
           </a:xfrm>
           <a:prstGeom prst="rect">
@@ -6712,7 +6712,7 @@
             <a:avLst/>
           </a:prstGeom>
           <a:solidFill>
-            <a:srgbClr val="6D6CCA"/>
+            <a:srgbClr val="5A5AA8"/>
           </a:solidFill>
           <a:ln w="44450">
             <a:noFill/>
@@ -6951,10 +6951,12 @@
               <a:avLst/>
             </a:prstGeom>
             <a:solidFill>
-              <a:srgbClr val="6D6CCA"/>
+              <a:srgbClr val="5A5AA8"/>
             </a:solidFill>
-            <a:ln w="44450">
-              <a:noFill/>
+            <a:ln w="3175">
+              <a:solidFill>
+                <a:schemeClr val="tx1"/>
+              </a:solidFill>
             </a:ln>
             <a:effectLst/>
           </p:spPr>
@@ -7372,8 +7374,10 @@
           <a:solidFill>
             <a:srgbClr val="65BB7B"/>
           </a:solidFill>
-          <a:ln w="44450">
-            <a:noFill/>
+          <a:ln w="3175">
+            <a:solidFill>
+              <a:schemeClr val="tx1"/>
+            </a:solidFill>
           </a:ln>
           <a:effectLst/>
         </p:spPr>
@@ -7861,10 +7865,12 @@
               <a:avLst/>
             </a:prstGeom>
             <a:solidFill>
-              <a:srgbClr val="6D6CCA"/>
+              <a:srgbClr val="5A5AA8"/>
             </a:solidFill>
-            <a:ln w="44450">
-              <a:noFill/>
+            <a:ln w="3175">
+              <a:solidFill>
+                <a:schemeClr val="tx1"/>
+              </a:solidFill>
             </a:ln>
             <a:effectLst/>
           </p:spPr>
@@ -8279,10 +8285,12 @@
             <a:avLst/>
           </a:prstGeom>
           <a:solidFill>
-            <a:srgbClr val="6D6CCA"/>
+            <a:srgbClr val="D3D3F1"/>
           </a:solidFill>
-          <a:ln>
-            <a:noFill/>
+          <a:ln w="28575">
+            <a:solidFill>
+              <a:schemeClr val="tx1"/>
+            </a:solidFill>
           </a:ln>
         </p:spPr>
         <p:style>
@@ -8308,6 +8316,9 @@
             <a:pPr algn="ctr"/>
             <a:r>
               <a:rPr lang="en-US" sz="8000" dirty="0">
+                <a:solidFill>
+                  <a:schemeClr val="tx1"/>
+                </a:solidFill>
                 <a:latin typeface="Avenir Light" panose="020B0402020203020204" pitchFamily="34" charset="77"/>
               </a:rPr>
               <a:t>+</a:t>
@@ -8338,10 +8349,12 @@
             </a:avLst>
           </a:prstGeom>
           <a:solidFill>
-            <a:srgbClr val="62BD7D"/>
+            <a:srgbClr val="D6EECF"/>
           </a:solidFill>
-          <a:ln>
-            <a:noFill/>
+          <a:ln w="28575">
+            <a:solidFill>
+              <a:schemeClr val="tx1"/>
+            </a:solidFill>
           </a:ln>
         </p:spPr>
         <p:style>
@@ -8395,7 +8408,7 @@
           </a:prstGeom>
           <a:ln w="38100">
             <a:solidFill>
-              <a:schemeClr val="bg1"/>
+              <a:schemeClr val="tx1"/>
             </a:solidFill>
           </a:ln>
         </p:spPr>
@@ -8880,7 +8893,7 @@
             <a:r>
               <a:rPr lang="en-US" sz="1600" dirty="0">
                 <a:solidFill>
-                  <a:srgbClr val="62BD7D"/>
+                  <a:srgbClr val="3D3880"/>
                 </a:solidFill>
                 <a:latin typeface="Avenir Medium" panose="02000503020000020003" pitchFamily="2" charset="0"/>
               </a:rPr>
@@ -8925,7 +8938,7 @@
             <a:r>
               <a:rPr lang="en-US" sz="1600" dirty="0">
                 <a:solidFill>
-                  <a:srgbClr val="62BD7D"/>
+                  <a:srgbClr val="3D3880"/>
                 </a:solidFill>
                 <a:latin typeface="Avenir Medium" panose="02000503020000020003" pitchFamily="2" charset="0"/>
               </a:rPr>
@@ -8948,8 +8961,8 @@
         </p:nvSpPr>
         <p:spPr>
           <a:xfrm>
-            <a:off x="4262852" y="3215244"/>
-            <a:ext cx="1152935" cy="338554"/>
+            <a:off x="4343883" y="3215244"/>
+            <a:ext cx="1071904" cy="338554"/>
           </a:xfrm>
           <a:prstGeom prst="rect">
             <a:avLst/>
@@ -8970,7 +8983,7 @@
             <a:r>
               <a:rPr lang="en-US" sz="1600" dirty="0">
                 <a:solidFill>
-                  <a:srgbClr val="62BD7D"/>
+                  <a:srgbClr val="3D3880"/>
                 </a:solidFill>
                 <a:latin typeface="Avenir Medium" panose="02000503020000020003" pitchFamily="2" charset="0"/>
               </a:rPr>
@@ -9015,7 +9028,7 @@
             <a:r>
               <a:rPr lang="en-US" sz="1600" dirty="0">
                 <a:solidFill>
-                  <a:srgbClr val="62BD7D"/>
+                  <a:srgbClr val="3D3880"/>
                 </a:solidFill>
                 <a:latin typeface="Avenir Medium" panose="02000503020000020003" pitchFamily="2" charset="0"/>
               </a:rPr>
@@ -9060,7 +9073,7 @@
             <a:r>
               <a:rPr lang="en-US" sz="1600" dirty="0">
                 <a:solidFill>
-                  <a:srgbClr val="62BD7D"/>
+                  <a:srgbClr val="3D3880"/>
                 </a:solidFill>
                 <a:latin typeface="Avenir Medium" panose="02000503020000020003" pitchFamily="2" charset="0"/>
               </a:rPr>
@@ -12592,10 +12605,12 @@
             <a:avLst/>
           </a:prstGeom>
           <a:solidFill>
-            <a:srgbClr val="6D6CCA"/>
+            <a:srgbClr val="D3D3F1"/>
           </a:solidFill>
-          <a:ln>
-            <a:noFill/>
+          <a:ln w="19050">
+            <a:solidFill>
+              <a:schemeClr val="tx1"/>
+            </a:solidFill>
           </a:ln>
         </p:spPr>
         <p:style>
@@ -12654,9 +12669,6 @@
             <a:pPr algn="ctr"/>
             <a:r>
               <a:rPr lang="en-US" sz="2000" dirty="0">
-                <a:solidFill>
-                  <a:schemeClr val="bg1"/>
-                </a:solidFill>
                 <a:latin typeface="Avenir Medium" panose="02000503020000020003" pitchFamily="2" charset="0"/>
                 <a:cs typeface="Futura Medium" panose="020B0602020204020303" pitchFamily="34" charset="-79"/>
               </a:rPr>
@@ -13331,10 +13343,12 @@
             </a:avLst>
           </a:prstGeom>
           <a:solidFill>
-            <a:srgbClr val="65BB7B"/>
+            <a:srgbClr val="D6EECF"/>
           </a:solidFill>
-          <a:ln>
-            <a:noFill/>
+          <a:ln w="19050">
+            <a:solidFill>
+              <a:schemeClr val="tx1"/>
+            </a:solidFill>
           </a:ln>
         </p:spPr>
         <p:style>
@@ -13385,10 +13399,12 @@
             </a:avLst>
           </a:prstGeom>
           <a:solidFill>
-            <a:srgbClr val="65BB7B"/>
+            <a:srgbClr val="D6EECF"/>
           </a:solidFill>
-          <a:ln>
-            <a:noFill/>
+          <a:ln w="19050">
+            <a:solidFill>
+              <a:schemeClr val="tx1"/>
+            </a:solidFill>
           </a:ln>
         </p:spPr>
         <p:style>
@@ -13439,10 +13455,12 @@
             </a:avLst>
           </a:prstGeom>
           <a:solidFill>
-            <a:srgbClr val="65BB7B"/>
+            <a:srgbClr val="D6EECF"/>
           </a:solidFill>
-          <a:ln>
-            <a:noFill/>
+          <a:ln w="19050">
+            <a:solidFill>
+              <a:schemeClr val="tx1"/>
+            </a:solidFill>
           </a:ln>
         </p:spPr>
         <p:style>

--- a/presentations/02.2_activation_functions.pptx
+++ b/presentations/02.2_activation_functions.pptx
@@ -222,7 +222,7 @@
           <a:p>
             <a:fld id="{FD93C9B2-20F6-4DB1-B471-224337D0AC79}" type="datetimeFigureOut">
               <a:rPr lang="en-US" smtClean="0"/>
-              <a:t>11/14/2022</a:t>
+              <a:t>11/15/2022</a:t>
             </a:fld>
             <a:endParaRPr lang="en-US"/>
           </a:p>
@@ -1706,7 +1706,7 @@
                 <a:ea typeface="+mn-ea"/>
                 <a:cs typeface="+mn-cs"/>
               </a:rPr>
-              <a:t>In this presentation, I want to take a closer look at the activation function and some of the options available to us.  The choice of activation function is important as it can have a major impact on how well a deep model learns.  </a:t>
+              <a:t>In this presentation, I want to take a closer look at the activation function and some of the options available to us.  The choice of activation function is important as it can have a major impact on how well your model learns.  </a:t>
             </a:r>
           </a:p>
           <a:p>
@@ -1849,7 +1849,7 @@
           <a:p>
             <a:r>
               <a:rPr lang="en-US" dirty="0"/>
-              <a:t>Rosenblatt’s original perceptron was a simple animal.  When z was any value less than or equal to zero, the perceptron output 0.  If z became positive to even the tiniest extent, the perceptron outputs 1.  But this sudden and extreme transition is not optimal during training.  Essentially, the neuron has no finesse – it’s either yelling or its silent. </a:t>
+              <a:t>Rosenblatt’s original perceptron was a simple animal.  When z was less than or equal to zero, the perceptron output 0.  If z became positive, the perceptron outputs a 1.  But this sudden and extreme transition is not optimal during training.  Essentially, the neuron has no finesse – it’s either yelling or its silent. </a:t>
             </a:r>
           </a:p>
           <a:p>
@@ -1951,7 +1951,7 @@
                 <a:effectLst/>
                 <a:latin typeface="+mn-lt"/>
               </a:rPr>
-              <a:t>Let’s first consider activation functions comprised of one or more straight lines, also known as </a:t>
+              <a:t>Activation functions comprised of one or more straight lines are called </a:t>
             </a:r>
             <a:r>
               <a:rPr lang="en-US" b="1" i="0" dirty="0">
@@ -1971,7 +1971,7 @@
                 <a:effectLst/>
                 <a:latin typeface="+mn-lt"/>
               </a:rPr>
-              <a:t> functions.  </a:t>
+              <a:t> functions.  Unlike the simple perceptron, these functions have a learning gradient.</a:t>
             </a:r>
           </a:p>
           <a:p>
@@ -1995,7 +1995,7 @@
                 <a:effectLst/>
                 <a:latin typeface="+mn-lt"/>
               </a:rPr>
-              <a:t>Now in Python, a </a:t>
+              <a:t>As we learned in our Python workshop series, a </a:t>
             </a:r>
             <a:r>
               <a:rPr lang="en-US" b="0" i="0" dirty="0">
@@ -2005,7 +2005,7 @@
                 <a:effectLst/>
                 <a:latin typeface="Verdana" panose="020B0604030504040204" pitchFamily="34" charset="0"/>
               </a:rPr>
-              <a:t>function is a named block of code that only runs when it is called.  Most functions allow you to pass data – called parameters – into them.  Most functions also return a value once they’ve been executed.  Here we see a simple function called f, with one parameter called x.  When we pass a value on the x-axis to this function, it returns a value that is then assigned to a variable named y.</a:t>
+              <a:t>function is a named block of code that runs when it is called.  Most functions allow you to pass data – called parameters – into them.  Most functions also return a value once they’ve been executed.  Here we see a simple function called f, with one parameter called x.  When we pass a value on the x-axis to this function, it returns a value that is then assigned to a variable named y.</a:t>
             </a:r>
           </a:p>
           <a:p>
@@ -2029,26 +2029,13 @@
                 <a:effectLst/>
                 <a:latin typeface="Verdana" panose="020B0604030504040204" pitchFamily="34" charset="0"/>
               </a:rPr>
-              <a:t>Pictured here are graphs for three different linear functions.  In the case of the graph on the left, i</a:t>
+              <a:t>Pictured here are graphs for three different linear functions.  The function on the left is an identity function.  In other words, y equals x.  Whatever you pass to the function is what you get out of it.  With the ot</a:t>
             </a:r>
             <a:r>
               <a:rPr lang="en-US" dirty="0">
                 <a:latin typeface="+mn-lt"/>
               </a:rPr>
-              <a:t>f we pick any point on the X axis, and go vertically up until we hit the line, the value of that intersection on the Y axis is the same as the value on the X axis.  That is, the output, or y value, of this curve is always the same as the input, or x value. We call this the identity function.</a:t>
-            </a:r>
-          </a:p>
-          <a:p>
-            <a:endParaRPr lang="en-US" dirty="0">
-              <a:latin typeface="+mn-lt"/>
-            </a:endParaRPr>
-          </a:p>
-          <a:p>
-            <a:r>
-              <a:rPr lang="en-US" dirty="0">
-                <a:latin typeface="+mn-lt"/>
-              </a:rPr>
-              <a:t>With the other two graphs, the lines are tilted, reflecting different slopes.  This is typically what we see in simple linear regression.</a:t>
+              <a:t>her two graphs, the lines are tilted, reflecting different slopes.  This is typically what we see in simple linear regression.</a:t>
             </a:r>
           </a:p>
         </p:txBody>
@@ -2135,7 +2122,7 @@
           <a:p>
             <a:r>
               <a:rPr lang="en-US" dirty="0"/>
-              <a:t>The ReLU, or rectified linear unit outputs 0 for all negative inputs, otherwise the output is the input.</a:t>
+              <a:t>The ReLU (rectified linear unit) function outputs 0 for all negative inputs, otherwise the output is the input.</a:t>
             </a:r>
           </a:p>
           <a:p>
@@ -2520,26 +2507,11 @@
           <a:p>
             <a:r>
               <a:rPr lang="en-US" i="0" dirty="0"/>
-              <a:t>There’s an operation that we typically apply only to the output neurons of a classifier neural network, and even then, only if there are two or more output neurons. </a:t>
+              <a:t>And finally, there’s a function we typically use only in the output layer of a neural network.  And only if there are two or more output neurons.  It’s called the softmax function.  A softmax turns the numbers that come out of a classification network into a set of probabilities where all the class probabilities add up to 1.</a:t>
             </a:r>
           </a:p>
           <a:p>
             <a:endParaRPr lang="en-US" i="0" dirty="0"/>
-          </a:p>
-          <a:p>
-            <a:r>
-              <a:rPr lang="en-US" i="0" dirty="0"/>
-              <a:t>It’s not an activation function in the sense that we’ve been using the term because it takes as input the outputs of all the output neurons simultaneously. It processes them together and then produces a new output value for each neuron. Though it’s not quite an activation function, it’s similar enough to include it in this discussion.</a:t>
-            </a:r>
-          </a:p>
-          <a:p>
-            <a:endParaRPr lang="en-US" i="0" dirty="0"/>
-          </a:p>
-          <a:p>
-            <a:r>
-              <a:rPr lang="en-US" i="0" dirty="0"/>
-              <a:t>The technique is called softmax. The purpose of softmax is to turn the numbers that come out of a classification network into class probabilities where all the probabilities add up to 1.</a:t>
-            </a:r>
           </a:p>
         </p:txBody>
       </p:sp>
@@ -2726,7 +2698,7 @@
           <a:p>
             <a:fld id="{C3F78080-8D0A-4BE8-A5B4-CB115102D524}" type="datetimeFigureOut">
               <a:rPr lang="en-US" smtClean="0"/>
-              <a:t>11/14/2022</a:t>
+              <a:t>11/15/2022</a:t>
             </a:fld>
             <a:endParaRPr lang="en-US"/>
           </a:p>
@@ -2924,7 +2896,7 @@
           <a:p>
             <a:fld id="{C3F78080-8D0A-4BE8-A5B4-CB115102D524}" type="datetimeFigureOut">
               <a:rPr lang="en-US" smtClean="0"/>
-              <a:t>11/14/2022</a:t>
+              <a:t>11/15/2022</a:t>
             </a:fld>
             <a:endParaRPr lang="en-US"/>
           </a:p>
@@ -3132,7 +3104,7 @@
           <a:p>
             <a:fld id="{C3F78080-8D0A-4BE8-A5B4-CB115102D524}" type="datetimeFigureOut">
               <a:rPr lang="en-US" smtClean="0"/>
-              <a:t>11/14/2022</a:t>
+              <a:t>11/15/2022</a:t>
             </a:fld>
             <a:endParaRPr lang="en-US"/>
           </a:p>
@@ -3330,7 +3302,7 @@
           <a:p>
             <a:fld id="{C3F78080-8D0A-4BE8-A5B4-CB115102D524}" type="datetimeFigureOut">
               <a:rPr lang="en-US" smtClean="0"/>
-              <a:t>11/14/2022</a:t>
+              <a:t>11/15/2022</a:t>
             </a:fld>
             <a:endParaRPr lang="en-US"/>
           </a:p>
@@ -3605,7 +3577,7 @@
           <a:p>
             <a:fld id="{C3F78080-8D0A-4BE8-A5B4-CB115102D524}" type="datetimeFigureOut">
               <a:rPr lang="en-US" smtClean="0"/>
-              <a:t>11/14/2022</a:t>
+              <a:t>11/15/2022</a:t>
             </a:fld>
             <a:endParaRPr lang="en-US"/>
           </a:p>
@@ -3870,7 +3842,7 @@
           <a:p>
             <a:fld id="{C3F78080-8D0A-4BE8-A5B4-CB115102D524}" type="datetimeFigureOut">
               <a:rPr lang="en-US" smtClean="0"/>
-              <a:t>11/14/2022</a:t>
+              <a:t>11/15/2022</a:t>
             </a:fld>
             <a:endParaRPr lang="en-US"/>
           </a:p>
@@ -4282,7 +4254,7 @@
           <a:p>
             <a:fld id="{C3F78080-8D0A-4BE8-A5B4-CB115102D524}" type="datetimeFigureOut">
               <a:rPr lang="en-US" smtClean="0"/>
-              <a:t>11/14/2022</a:t>
+              <a:t>11/15/2022</a:t>
             </a:fld>
             <a:endParaRPr lang="en-US"/>
           </a:p>
@@ -4423,7 +4395,7 @@
           <a:p>
             <a:fld id="{C3F78080-8D0A-4BE8-A5B4-CB115102D524}" type="datetimeFigureOut">
               <a:rPr lang="en-US" smtClean="0"/>
-              <a:t>11/14/2022</a:t>
+              <a:t>11/15/2022</a:t>
             </a:fld>
             <a:endParaRPr lang="en-US"/>
           </a:p>
@@ -4536,7 +4508,7 @@
           <a:p>
             <a:fld id="{C3F78080-8D0A-4BE8-A5B4-CB115102D524}" type="datetimeFigureOut">
               <a:rPr lang="en-US" smtClean="0"/>
-              <a:t>11/14/2022</a:t>
+              <a:t>11/15/2022</a:t>
             </a:fld>
             <a:endParaRPr lang="en-US"/>
           </a:p>
@@ -4847,7 +4819,7 @@
           <a:p>
             <a:fld id="{C3F78080-8D0A-4BE8-A5B4-CB115102D524}" type="datetimeFigureOut">
               <a:rPr lang="en-US" smtClean="0"/>
-              <a:t>11/14/2022</a:t>
+              <a:t>11/15/2022</a:t>
             </a:fld>
             <a:endParaRPr lang="en-US"/>
           </a:p>
@@ -5135,7 +5107,7 @@
           <a:p>
             <a:fld id="{C3F78080-8D0A-4BE8-A5B4-CB115102D524}" type="datetimeFigureOut">
               <a:rPr lang="en-US" smtClean="0"/>
-              <a:t>11/14/2022</a:t>
+              <a:t>11/15/2022</a:t>
             </a:fld>
             <a:endParaRPr lang="en-US"/>
           </a:p>
@@ -5376,7 +5348,7 @@
           <a:p>
             <a:fld id="{C3F78080-8D0A-4BE8-A5B4-CB115102D524}" type="datetimeFigureOut">
               <a:rPr lang="en-US" smtClean="0"/>
-              <a:t>11/14/2022</a:t>
+              <a:t>11/15/2022</a:t>
             </a:fld>
             <a:endParaRPr lang="en-US"/>
           </a:p>
@@ -10119,7 +10091,7 @@
         </p:nvSpPr>
         <p:spPr>
           <a:xfrm>
-            <a:off x="15410621" y="5328373"/>
+            <a:off x="4714217" y="584592"/>
             <a:ext cx="3087757" cy="461665"/>
           </a:xfrm>
           <a:prstGeom prst="rect">
@@ -10137,7 +10109,7 @@
             <a:r>
               <a:rPr lang="en-US" sz="2400" dirty="0">
                 <a:solidFill>
-                  <a:srgbClr val="4747FF"/>
+                  <a:srgbClr val="3D3880"/>
                 </a:solidFill>
                 <a:latin typeface="Courier New" panose="02070309020205020404" pitchFamily="49" charset="0"/>
                 <a:cs typeface="Courier New" panose="02070309020205020404" pitchFamily="49" charset="0"/>

--- a/presentations/02.2_activation_functions.pptx
+++ b/presentations/02.2_activation_functions.pptx
@@ -5,7 +5,7 @@
     <p:sldMasterId id="2147483648" r:id="rId1"/>
   </p:sldMasterIdLst>
   <p:notesMasterIdLst>
-    <p:notesMasterId r:id="rId17"/>
+    <p:notesMasterId r:id="rId15"/>
   </p:notesMasterIdLst>
   <p:sldIdLst>
     <p:sldId id="322" r:id="rId2"/>
@@ -21,8 +21,6 @@
     <p:sldId id="323" r:id="rId12"/>
     <p:sldId id="329" r:id="rId13"/>
     <p:sldId id="305" r:id="rId14"/>
-    <p:sldId id="328" r:id="rId15"/>
-    <p:sldId id="309" r:id="rId16"/>
   </p:sldIdLst>
   <p:sldSz cx="12192000" cy="6858000"/>
   <p:notesSz cx="6858000" cy="9144000"/>
@@ -690,7 +688,7 @@
             </a:pPr>
             <a:r>
               <a:rPr lang="en-US" dirty="0"/>
-              <a:t>In recent years, Keras has released a variety of advanced activation functions.  Leaky ReLU, parametric ReLU, and exponential linear unit are all derived from the basic ReLU function.  Refer to the Keras documentation for more information about these options.</a:t>
+              <a:t>In recent years, Keras has released a variety of advanced activation functions.  Leaky ReLU, parametric ReLU, and exponential linear unit are all derived from the basic ReLU function.  For more information about these options, see the Keras documentation.</a:t>
             </a:r>
           </a:p>
         </p:txBody>
@@ -1332,250 +1330,6 @@
 </p:notes>
 </file>
 
-<file path=ppt/notesSlides/notesSlide14.xml><?xml version="1.0" encoding="utf-8"?>
-<p:notes xmlns:a="http://schemas.openxmlformats.org/drawingml/2006/main" xmlns:r="http://schemas.openxmlformats.org/officeDocument/2006/relationships" xmlns:p="http://schemas.openxmlformats.org/presentationml/2006/main">
-  <p:cSld>
-    <p:spTree>
-      <p:nvGrpSpPr>
-        <p:cNvPr id="1" name=""/>
-        <p:cNvGrpSpPr/>
-        <p:nvPr/>
-      </p:nvGrpSpPr>
-      <p:grpSpPr>
-        <a:xfrm>
-          <a:off x="0" y="0"/>
-          <a:ext cx="0" cy="0"/>
-          <a:chOff x="0" y="0"/>
-          <a:chExt cx="0" cy="0"/>
-        </a:xfrm>
-      </p:grpSpPr>
-      <p:sp>
-        <p:nvSpPr>
-          <p:cNvPr id="2" name="Slide Image Placeholder 1"/>
-          <p:cNvSpPr>
-            <a:spLocks noGrp="1" noRot="1" noChangeAspect="1"/>
-          </p:cNvSpPr>
-          <p:nvPr>
-            <p:ph type="sldImg"/>
-          </p:nvPr>
-        </p:nvSpPr>
-        <p:spPr/>
-      </p:sp>
-      <p:sp>
-        <p:nvSpPr>
-          <p:cNvPr id="3" name="Notes Placeholder 2"/>
-          <p:cNvSpPr>
-            <a:spLocks noGrp="1"/>
-          </p:cNvSpPr>
-          <p:nvPr>
-            <p:ph type="body" idx="1"/>
-          </p:nvPr>
-        </p:nvSpPr>
-        <p:spPr/>
-        <p:txBody>
-          <a:bodyPr/>
-          <a:lstStyle/>
-          <a:p>
-            <a:pPr marL="0" marR="0" lvl="0" indent="0" algn="l" defTabSz="914400" rtl="0" eaLnBrk="1" fontAlgn="auto" latinLnBrk="0" hangingPunct="1">
-              <a:lnSpc>
-                <a:spcPct val="100000"/>
-              </a:lnSpc>
-              <a:spcBef>
-                <a:spcPts val="0"/>
-              </a:spcBef>
-              <a:spcAft>
-                <a:spcPts val="0"/>
-              </a:spcAft>
-              <a:buClrTx/>
-              <a:buSzTx/>
-              <a:buFontTx/>
-              <a:buNone/>
-              <a:tabLst/>
-              <a:defRPr/>
-            </a:pPr>
-            <a:endParaRPr lang="en-US" sz="1200" dirty="0">
-              <a:solidFill>
-                <a:schemeClr val="tx1">
-                  <a:lumMod val="65000"/>
-                  <a:lumOff val="35000"/>
-                </a:schemeClr>
-              </a:solidFill>
-              <a:latin typeface="Palatino Linotype" panose="02040502050505030304" pitchFamily="18" charset="0"/>
-            </a:endParaRPr>
-          </a:p>
-          <a:p>
-            <a:pPr marL="0" marR="0" lvl="0" indent="0" algn="l" defTabSz="914400" rtl="0" eaLnBrk="1" fontAlgn="auto" latinLnBrk="0" hangingPunct="1">
-              <a:lnSpc>
-                <a:spcPct val="100000"/>
-              </a:lnSpc>
-              <a:spcBef>
-                <a:spcPts val="0"/>
-              </a:spcBef>
-              <a:spcAft>
-                <a:spcPts val="0"/>
-              </a:spcAft>
-              <a:buClrTx/>
-              <a:buSzTx/>
-              <a:buFontTx/>
-              <a:buNone/>
-              <a:tabLst/>
-              <a:defRPr/>
-            </a:pPr>
-            <a:endParaRPr lang="en-US" sz="1200" dirty="0">
-              <a:solidFill>
-                <a:schemeClr val="tx1">
-                  <a:lumMod val="65000"/>
-                  <a:lumOff val="35000"/>
-                </a:schemeClr>
-              </a:solidFill>
-              <a:latin typeface="Palatino Linotype" panose="02040502050505030304" pitchFamily="18" charset="0"/>
-            </a:endParaRPr>
-          </a:p>
-        </p:txBody>
-      </p:sp>
-      <p:sp>
-        <p:nvSpPr>
-          <p:cNvPr id="4" name="Slide Number Placeholder 3"/>
-          <p:cNvSpPr>
-            <a:spLocks noGrp="1"/>
-          </p:cNvSpPr>
-          <p:nvPr>
-            <p:ph type="sldNum" sz="quarter" idx="5"/>
-          </p:nvPr>
-        </p:nvSpPr>
-        <p:spPr/>
-        <p:txBody>
-          <a:bodyPr/>
-          <a:lstStyle/>
-          <a:p>
-            <a:fld id="{3148858F-F1DB-4027-9C85-CCA6849540DD}" type="slidenum">
-              <a:rPr lang="en-US" smtClean="0"/>
-              <a:t>14</a:t>
-            </a:fld>
-            <a:endParaRPr lang="en-US"/>
-          </a:p>
-        </p:txBody>
-      </p:sp>
-    </p:spTree>
-    <p:extLst>
-      <p:ext uri="{BB962C8B-B14F-4D97-AF65-F5344CB8AC3E}">
-        <p14:creationId xmlns:p14="http://schemas.microsoft.com/office/powerpoint/2010/main" val="3984198268"/>
-      </p:ext>
-    </p:extLst>
-  </p:cSld>
-  <p:clrMapOvr>
-    <a:masterClrMapping/>
-  </p:clrMapOvr>
-</p:notes>
-</file>
-
-<file path=ppt/notesSlides/notesSlide15.xml><?xml version="1.0" encoding="utf-8"?>
-<p:notes xmlns:a="http://schemas.openxmlformats.org/drawingml/2006/main" xmlns:r="http://schemas.openxmlformats.org/officeDocument/2006/relationships" xmlns:p="http://schemas.openxmlformats.org/presentationml/2006/main">
-  <p:cSld>
-    <p:spTree>
-      <p:nvGrpSpPr>
-        <p:cNvPr id="1" name=""/>
-        <p:cNvGrpSpPr/>
-        <p:nvPr/>
-      </p:nvGrpSpPr>
-      <p:grpSpPr>
-        <a:xfrm>
-          <a:off x="0" y="0"/>
-          <a:ext cx="0" cy="0"/>
-          <a:chOff x="0" y="0"/>
-          <a:chExt cx="0" cy="0"/>
-        </a:xfrm>
-      </p:grpSpPr>
-      <p:sp>
-        <p:nvSpPr>
-          <p:cNvPr id="2" name="Slide Image Placeholder 1"/>
-          <p:cNvSpPr>
-            <a:spLocks noGrp="1" noRot="1" noChangeAspect="1"/>
-          </p:cNvSpPr>
-          <p:nvPr>
-            <p:ph type="sldImg"/>
-          </p:nvPr>
-        </p:nvSpPr>
-        <p:spPr/>
-      </p:sp>
-      <p:sp>
-        <p:nvSpPr>
-          <p:cNvPr id="3" name="Notes Placeholder 2"/>
-          <p:cNvSpPr>
-            <a:spLocks noGrp="1"/>
-          </p:cNvSpPr>
-          <p:nvPr>
-            <p:ph type="body" idx="1"/>
-          </p:nvPr>
-        </p:nvSpPr>
-        <p:spPr/>
-        <p:txBody>
-          <a:bodyPr/>
-          <a:lstStyle/>
-          <a:p>
-            <a:pPr marL="0" marR="0" lvl="0" indent="0" algn="l" defTabSz="914400" rtl="0" eaLnBrk="1" fontAlgn="auto" latinLnBrk="0" hangingPunct="1">
-              <a:lnSpc>
-                <a:spcPct val="100000"/>
-              </a:lnSpc>
-              <a:spcBef>
-                <a:spcPts val="0"/>
-              </a:spcBef>
-              <a:spcAft>
-                <a:spcPts val="0"/>
-              </a:spcAft>
-              <a:buClrTx/>
-              <a:buSzTx/>
-              <a:buFontTx/>
-              <a:buNone/>
-              <a:tabLst/>
-              <a:defRPr/>
-            </a:pPr>
-            <a:r>
-              <a:rPr lang="en-US" dirty="0"/>
-              <a:t>The learning experience for this workshop starts on page 55 of the textbook.  For additional information, please watch the exercise 2.01 orientation video.</a:t>
-            </a:r>
-          </a:p>
-          <a:p>
-            <a:endParaRPr lang="en-US" dirty="0"/>
-          </a:p>
-        </p:txBody>
-      </p:sp>
-      <p:sp>
-        <p:nvSpPr>
-          <p:cNvPr id="4" name="Slide Number Placeholder 3"/>
-          <p:cNvSpPr>
-            <a:spLocks noGrp="1"/>
-          </p:cNvSpPr>
-          <p:nvPr>
-            <p:ph type="sldNum" sz="quarter" idx="5"/>
-          </p:nvPr>
-        </p:nvSpPr>
-        <p:spPr/>
-        <p:txBody>
-          <a:bodyPr/>
-          <a:lstStyle/>
-          <a:p>
-            <a:fld id="{3148858F-F1DB-4027-9C85-CCA6849540DD}" type="slidenum">
-              <a:rPr lang="en-US" smtClean="0"/>
-              <a:t>15</a:t>
-            </a:fld>
-            <a:endParaRPr lang="en-US"/>
-          </a:p>
-        </p:txBody>
-      </p:sp>
-    </p:spTree>
-    <p:extLst>
-      <p:ext uri="{BB962C8B-B14F-4D97-AF65-F5344CB8AC3E}">
-        <p14:creationId xmlns:p14="http://schemas.microsoft.com/office/powerpoint/2010/main" val="1401395996"/>
-      </p:ext>
-    </p:extLst>
-  </p:cSld>
-  <p:clrMapOvr>
-    <a:masterClrMapping/>
-  </p:clrMapOvr>
-</p:notes>
-</file>
-
 <file path=ppt/notesSlides/notesSlide2.xml><?xml version="1.0" encoding="utf-8"?>
 <p:notes xmlns:a="http://schemas.openxmlformats.org/drawingml/2006/main" xmlns:r="http://schemas.openxmlformats.org/officeDocument/2006/relationships" xmlns:p="http://schemas.openxmlformats.org/presentationml/2006/main">
   <p:cSld>
@@ -1849,7 +1603,7 @@
           <a:p>
             <a:r>
               <a:rPr lang="en-US" dirty="0"/>
-              <a:t>Rosenblatt’s original perceptron was a simple animal.  When z was less than or equal to zero, the perceptron output 0.  If z became positive, the perceptron outputs a 1.  But this sudden and extreme transition is not optimal during training.  Essentially, the neuron has no finesse – it’s either yelling or its silent. </a:t>
+              <a:t>Rosenblatt’s original perceptron was a simple animal.  When z is less than or equal to zero, the perceptron outputs 0.  If z became positive, the perceptron outputs a 1.  But this sudden and extreme transition is not optimal during training.  Essentially, the neuron has no finesse – it’s either yelling or its silent. </a:t>
             </a:r>
           </a:p>
           <a:p>
@@ -1944,34 +1698,24 @@
           <a:lstStyle/>
           <a:p>
             <a:r>
-              <a:rPr lang="en-US" b="0" i="0" dirty="0">
+              <a:rPr lang="en-US" b="1" i="0" dirty="0">
                 <a:solidFill>
                   <a:srgbClr val="3D3B49"/>
                 </a:solidFill>
                 <a:effectLst/>
                 <a:latin typeface="+mn-lt"/>
               </a:rPr>
-              <a:t>Activation functions comprised of one or more straight lines are called </a:t>
-            </a:r>
-            <a:r>
-              <a:rPr lang="en-US" b="1" i="0" dirty="0">
+              <a:t>Linear</a:t>
+            </a:r>
+            <a:r>
+              <a:rPr lang="en-US" b="0" i="0" dirty="0">
                 <a:solidFill>
                   <a:srgbClr val="3D3B49"/>
                 </a:solidFill>
                 <a:effectLst/>
                 <a:latin typeface="+mn-lt"/>
               </a:rPr>
-              <a:t>linear</a:t>
-            </a:r>
-            <a:r>
-              <a:rPr lang="en-US" b="0" i="0" dirty="0">
-                <a:solidFill>
-                  <a:srgbClr val="3D3B49"/>
-                </a:solidFill>
-                <a:effectLst/>
-                <a:latin typeface="+mn-lt"/>
-              </a:rPr>
-              <a:t> functions.  Unlike the simple perceptron, these functions have a learning gradient.</a:t>
+              <a:t> functions consist of one or more straight lines.  Unlike the simple perceptron, these functions have a learning gradient.</a:t>
             </a:r>
           </a:p>
           <a:p>
@@ -2005,7 +1749,7 @@
                 <a:effectLst/>
                 <a:latin typeface="Verdana" panose="020B0604030504040204" pitchFamily="34" charset="0"/>
               </a:rPr>
-              <a:t>function is a named block of code that runs when it is called.  Most functions allow you to pass data – called parameters – into them.  Most functions also return a value once they’ve been executed.  Here we see a simple function called f, with one parameter called x.  When we pass a value on the x-axis to this function, it returns a value that is then assigned to a variable named y.</a:t>
+              <a:t>function is a named block of code that runs when it is called.  Most functions allow you to pass data – called parameters – into them.  Most functions also return a value once they’ve been executed.  Here we see a simple function called f, with one parameter called x.  When we pass an input value on the x-axis to this function, it returns a y output value.</a:t>
             </a:r>
           </a:p>
           <a:p>
@@ -7460,500 +7204,6 @@
     <p:extLst>
       <p:ext uri="{BB962C8B-B14F-4D97-AF65-F5344CB8AC3E}">
         <p14:creationId xmlns:p14="http://schemas.microsoft.com/office/powerpoint/2010/main" val="994788979"/>
-      </p:ext>
-    </p:extLst>
-  </p:cSld>
-  <p:clrMapOvr>
-    <a:masterClrMapping/>
-  </p:clrMapOvr>
-  <mc:AlternateContent xmlns:mc="http://schemas.openxmlformats.org/markup-compatibility/2006" xmlns:p14="http://schemas.microsoft.com/office/powerpoint/2010/main">
-    <mc:Choice Requires="p14">
-      <p:transition spd="med" p14:dur="700">
-        <p:fade/>
-      </p:transition>
-    </mc:Choice>
-    <mc:Fallback xmlns="">
-      <p:transition spd="med">
-        <p:fade/>
-      </p:transition>
-    </mc:Fallback>
-  </mc:AlternateContent>
-</p:sld>
-</file>
-
-<file path=ppt/slides/slide14.xml><?xml version="1.0" encoding="utf-8"?>
-<p:sld xmlns:a="http://schemas.openxmlformats.org/drawingml/2006/main" xmlns:r="http://schemas.openxmlformats.org/officeDocument/2006/relationships" xmlns:p="http://schemas.openxmlformats.org/presentationml/2006/main">
-  <p:cSld>
-    <p:spTree>
-      <p:nvGrpSpPr>
-        <p:cNvPr id="1" name=""/>
-        <p:cNvGrpSpPr/>
-        <p:nvPr/>
-      </p:nvGrpSpPr>
-      <p:grpSpPr>
-        <a:xfrm>
-          <a:off x="0" y="0"/>
-          <a:ext cx="0" cy="0"/>
-          <a:chOff x="0" y="0"/>
-          <a:chExt cx="0" cy="0"/>
-        </a:xfrm>
-      </p:grpSpPr>
-    </p:spTree>
-    <p:extLst>
-      <p:ext uri="{BB962C8B-B14F-4D97-AF65-F5344CB8AC3E}">
-        <p14:creationId xmlns:p14="http://schemas.microsoft.com/office/powerpoint/2010/main" val="3567181481"/>
-      </p:ext>
-    </p:extLst>
-  </p:cSld>
-  <p:clrMapOvr>
-    <a:masterClrMapping/>
-  </p:clrMapOvr>
-  <mc:AlternateContent xmlns:mc="http://schemas.openxmlformats.org/markup-compatibility/2006" xmlns:p14="http://schemas.microsoft.com/office/powerpoint/2010/main">
-    <mc:Choice Requires="p14">
-      <p:transition spd="med" p14:dur="700">
-        <p:fade/>
-      </p:transition>
-    </mc:Choice>
-    <mc:Fallback xmlns="">
-      <p:transition spd="med">
-        <p:fade/>
-      </p:transition>
-    </mc:Fallback>
-  </mc:AlternateContent>
-</p:sld>
-</file>
-
-<file path=ppt/slides/slide15.xml><?xml version="1.0" encoding="utf-8"?>
-<p:sld xmlns:a="http://schemas.openxmlformats.org/drawingml/2006/main" xmlns:r="http://schemas.openxmlformats.org/officeDocument/2006/relationships" xmlns:p="http://schemas.openxmlformats.org/presentationml/2006/main">
-  <p:cSld>
-    <p:spTree>
-      <p:nvGrpSpPr>
-        <p:cNvPr id="1" name=""/>
-        <p:cNvGrpSpPr/>
-        <p:nvPr/>
-      </p:nvGrpSpPr>
-      <p:grpSpPr>
-        <a:xfrm>
-          <a:off x="0" y="0"/>
-          <a:ext cx="0" cy="0"/>
-          <a:chOff x="0" y="0"/>
-          <a:chExt cx="0" cy="0"/>
-        </a:xfrm>
-      </p:grpSpPr>
-      <p:sp>
-        <p:nvSpPr>
-          <p:cNvPr id="3" name="Text Placeholder 2">
-            <a:extLst>
-              <a:ext uri="{FF2B5EF4-FFF2-40B4-BE49-F238E27FC236}">
-                <a16:creationId xmlns:a16="http://schemas.microsoft.com/office/drawing/2014/main" id="{098BC2D2-CCF7-4C63-8489-B46BF394FCA2}"/>
-              </a:ext>
-            </a:extLst>
-          </p:cNvPr>
-          <p:cNvSpPr>
-            <a:spLocks noGrp="1"/>
-          </p:cNvSpPr>
-          <p:nvPr>
-            <p:ph type="body" idx="1"/>
-          </p:nvPr>
-        </p:nvSpPr>
-        <p:spPr>
-          <a:xfrm>
-            <a:off x="0" y="4285400"/>
-            <a:ext cx="12192000" cy="518830"/>
-          </a:xfrm>
-        </p:spPr>
-        <p:txBody>
-          <a:bodyPr>
-            <a:normAutofit/>
-          </a:bodyPr>
-          <a:lstStyle/>
-          <a:p>
-            <a:endParaRPr lang="en-US" dirty="0">
-              <a:latin typeface="Palatino Linotype" panose="02040502050505030304" pitchFamily="18" charset="0"/>
-              <a:cs typeface="Segoe UI" panose="020B0502040204020203" pitchFamily="34" charset="0"/>
-            </a:endParaRPr>
-          </a:p>
-          <a:p>
-            <a:endParaRPr lang="en-US" dirty="0">
-              <a:latin typeface="Palatino Linotype" panose="02040502050505030304" pitchFamily="18" charset="0"/>
-              <a:cs typeface="Segoe UI" panose="020B0502040204020203" pitchFamily="34" charset="0"/>
-            </a:endParaRPr>
-          </a:p>
-          <a:p>
-            <a:endParaRPr lang="en-US" dirty="0">
-              <a:latin typeface="Palatino Linotype" panose="02040502050505030304" pitchFamily="18" charset="0"/>
-              <a:cs typeface="Segoe UI" panose="020B0502040204020203" pitchFamily="34" charset="0"/>
-            </a:endParaRPr>
-          </a:p>
-          <a:p>
-            <a:endParaRPr lang="en-US" dirty="0">
-              <a:latin typeface="Palatino Linotype" panose="02040502050505030304" pitchFamily="18" charset="0"/>
-              <a:cs typeface="Segoe UI" panose="020B0502040204020203" pitchFamily="34" charset="0"/>
-            </a:endParaRPr>
-          </a:p>
-          <a:p>
-            <a:endParaRPr lang="en-US" dirty="0">
-              <a:latin typeface="Palatino Linotype" panose="02040502050505030304" pitchFamily="18" charset="0"/>
-              <a:cs typeface="Segoe UI" panose="020B0502040204020203" pitchFamily="34" charset="0"/>
-            </a:endParaRPr>
-          </a:p>
-        </p:txBody>
-      </p:sp>
-      <p:sp>
-        <p:nvSpPr>
-          <p:cNvPr id="7" name="Title 1">
-            <a:extLst>
-              <a:ext uri="{FF2B5EF4-FFF2-40B4-BE49-F238E27FC236}">
-                <a16:creationId xmlns:a16="http://schemas.microsoft.com/office/drawing/2014/main" id="{E6A37720-E754-4A7F-B066-206AB0275CF9}"/>
-              </a:ext>
-            </a:extLst>
-          </p:cNvPr>
-          <p:cNvSpPr txBox="1">
-            <a:spLocks/>
-          </p:cNvSpPr>
-          <p:nvPr/>
-        </p:nvSpPr>
-        <p:spPr>
-          <a:xfrm>
-            <a:off x="0" y="2883665"/>
-            <a:ext cx="12192000" cy="1090669"/>
-          </a:xfrm>
-          <a:prstGeom prst="rect">
-            <a:avLst/>
-          </a:prstGeom>
-          <a:noFill/>
-        </p:spPr>
-        <p:txBody>
-          <a:bodyPr vert="horz" lIns="91440" tIns="45720" rIns="91440" bIns="45720" rtlCol="0" anchor="b">
-            <a:noAutofit/>
-          </a:bodyPr>
-          <a:lstStyle>
-            <a:lvl1pPr algn="l" defTabSz="914400" rtl="0" eaLnBrk="1" latinLnBrk="0" hangingPunct="1">
-              <a:lnSpc>
-                <a:spcPct val="90000"/>
-              </a:lnSpc>
-              <a:spcBef>
-                <a:spcPct val="0"/>
-              </a:spcBef>
-              <a:buNone/>
-              <a:defRPr sz="6000" kern="1200">
-                <a:solidFill>
-                  <a:schemeClr val="tx1"/>
-                </a:solidFill>
-                <a:latin typeface="+mj-lt"/>
-                <a:ea typeface="+mj-ea"/>
-                <a:cs typeface="+mj-cs"/>
-              </a:defRPr>
-            </a:lvl1pPr>
-          </a:lstStyle>
-          <a:p>
-            <a:pPr algn="ctr"/>
-            <a:br>
-              <a:rPr lang="en-US" sz="3600" dirty="0">
-                <a:solidFill>
-                  <a:schemeClr val="tx1">
-                    <a:lumMod val="65000"/>
-                    <a:lumOff val="35000"/>
-                  </a:schemeClr>
-                </a:solidFill>
-                <a:latin typeface="Avenir" panose="02000503020000020003" pitchFamily="2" charset="0"/>
-              </a:rPr>
-            </a:br>
-            <a:br>
-              <a:rPr lang="en-US" sz="3600" dirty="0">
-                <a:solidFill>
-                  <a:schemeClr val="tx1">
-                    <a:lumMod val="65000"/>
-                    <a:lumOff val="35000"/>
-                  </a:schemeClr>
-                </a:solidFill>
-                <a:latin typeface="Avenir" panose="02000503020000020003" pitchFamily="2" charset="0"/>
-              </a:rPr>
-            </a:br>
-            <a:br>
-              <a:rPr lang="en-US" sz="3600" dirty="0">
-                <a:solidFill>
-                  <a:schemeClr val="tx1">
-                    <a:lumMod val="65000"/>
-                    <a:lumOff val="35000"/>
-                  </a:schemeClr>
-                </a:solidFill>
-                <a:latin typeface="Avenir" panose="02000503020000020003" pitchFamily="2" charset="0"/>
-              </a:rPr>
-            </a:br>
-            <a:br>
-              <a:rPr lang="en-US" sz="3600" dirty="0">
-                <a:solidFill>
-                  <a:schemeClr val="tx1">
-                    <a:lumMod val="65000"/>
-                    <a:lumOff val="35000"/>
-                  </a:schemeClr>
-                </a:solidFill>
-                <a:latin typeface="Avenir" panose="02000503020000020003" pitchFamily="2" charset="0"/>
-              </a:rPr>
-            </a:br>
-            <a:br>
-              <a:rPr lang="en-US" sz="3600" dirty="0">
-                <a:solidFill>
-                  <a:schemeClr val="tx1">
-                    <a:lumMod val="65000"/>
-                    <a:lumOff val="35000"/>
-                  </a:schemeClr>
-                </a:solidFill>
-                <a:latin typeface="Avenir" panose="02000503020000020003" pitchFamily="2" charset="0"/>
-              </a:rPr>
-            </a:br>
-            <a:br>
-              <a:rPr lang="en-US" sz="3600" dirty="0">
-                <a:solidFill>
-                  <a:schemeClr val="tx1">
-                    <a:lumMod val="65000"/>
-                    <a:lumOff val="35000"/>
-                  </a:schemeClr>
-                </a:solidFill>
-                <a:latin typeface="Avenir" panose="02000503020000020003" pitchFamily="2" charset="0"/>
-              </a:rPr>
-            </a:br>
-            <a:br>
-              <a:rPr lang="en-US" sz="3600" dirty="0">
-                <a:solidFill>
-                  <a:schemeClr val="tx1">
-                    <a:lumMod val="65000"/>
-                    <a:lumOff val="35000"/>
-                  </a:schemeClr>
-                </a:solidFill>
-                <a:latin typeface="Avenir" panose="02000503020000020003" pitchFamily="2" charset="0"/>
-              </a:rPr>
-            </a:br>
-            <a:br>
-              <a:rPr lang="en-US" sz="3600" dirty="0">
-                <a:solidFill>
-                  <a:schemeClr val="tx1">
-                    <a:lumMod val="65000"/>
-                    <a:lumOff val="35000"/>
-                  </a:schemeClr>
-                </a:solidFill>
-                <a:latin typeface="Avenir" panose="02000503020000020003" pitchFamily="2" charset="0"/>
-              </a:rPr>
-            </a:br>
-            <a:r>
-              <a:rPr lang="en-US" sz="3600" dirty="0">
-                <a:solidFill>
-                  <a:schemeClr val="tx1">
-                    <a:lumMod val="65000"/>
-                    <a:lumOff val="35000"/>
-                  </a:schemeClr>
-                </a:solidFill>
-                <a:latin typeface="Avenir" panose="02000503020000020003" pitchFamily="2" charset="0"/>
-              </a:rPr>
-              <a:t>     (Rosenblatt’s Perceptron)</a:t>
-            </a:r>
-            <a:br>
-              <a:rPr lang="en-US" sz="3600" dirty="0">
-                <a:solidFill>
-                  <a:schemeClr val="tx1">
-                    <a:lumMod val="65000"/>
-                    <a:lumOff val="35000"/>
-                  </a:schemeClr>
-                </a:solidFill>
-                <a:latin typeface="Avenir" panose="02000503020000020003" pitchFamily="2" charset="0"/>
-              </a:rPr>
-            </a:br>
-            <a:r>
-              <a:rPr lang="en-US" sz="3600" dirty="0">
-                <a:solidFill>
-                  <a:schemeClr val="tx1">
-                    <a:lumMod val="65000"/>
-                    <a:lumOff val="35000"/>
-                  </a:schemeClr>
-                </a:solidFill>
-                <a:latin typeface="Avenir" panose="02000503020000020003" pitchFamily="2" charset="0"/>
-              </a:rPr>
-              <a:t>     </a:t>
-            </a:r>
-            <a:r>
-              <a:rPr lang="en-US" sz="2800" dirty="0">
-                <a:solidFill>
-                  <a:schemeClr val="tx1">
-                    <a:lumMod val="65000"/>
-                    <a:lumOff val="35000"/>
-                  </a:schemeClr>
-                </a:solidFill>
-                <a:latin typeface="Avenir" panose="02000503020000020003" pitchFamily="2" charset="0"/>
-              </a:rPr>
-              <a:t>02.1_perceptron.ipynb</a:t>
-            </a:r>
-            <a:endParaRPr lang="en-US" sz="2800" dirty="0">
-              <a:solidFill>
-                <a:schemeClr val="tx1">
-                  <a:lumMod val="65000"/>
-                  <a:lumOff val="35000"/>
-                </a:schemeClr>
-              </a:solidFill>
-              <a:latin typeface="Avenir" panose="02000503020000020003" pitchFamily="2" charset="0"/>
-              <a:cs typeface="Segoe UI Light" panose="020B0502040204020203" pitchFamily="34" charset="0"/>
-            </a:endParaRPr>
-          </a:p>
-        </p:txBody>
-      </p:sp>
-      <p:grpSp>
-        <p:nvGrpSpPr>
-          <p:cNvPr id="2" name="Group 1">
-            <a:extLst>
-              <a:ext uri="{FF2B5EF4-FFF2-40B4-BE49-F238E27FC236}">
-                <a16:creationId xmlns:a16="http://schemas.microsoft.com/office/drawing/2014/main" id="{EC8DD91F-1301-8306-E306-8A987B5349E5}"/>
-              </a:ext>
-            </a:extLst>
-          </p:cNvPr>
-          <p:cNvGrpSpPr/>
-          <p:nvPr/>
-        </p:nvGrpSpPr>
-        <p:grpSpPr>
-          <a:xfrm>
-            <a:off x="-116541" y="559959"/>
-            <a:ext cx="3088342" cy="805143"/>
-            <a:chOff x="-116541" y="559959"/>
-            <a:chExt cx="3088342" cy="805143"/>
-          </a:xfrm>
-        </p:grpSpPr>
-        <p:sp>
-          <p:nvSpPr>
-            <p:cNvPr id="5" name="Pentagon 4">
-              <a:extLst>
-                <a:ext uri="{FF2B5EF4-FFF2-40B4-BE49-F238E27FC236}">
-                  <a16:creationId xmlns:a16="http://schemas.microsoft.com/office/drawing/2014/main" id="{2606BB2E-8CC9-E08E-90DF-7EA30367F007}"/>
-                </a:ext>
-              </a:extLst>
-            </p:cNvPr>
-            <p:cNvSpPr/>
-            <p:nvPr/>
-          </p:nvSpPr>
-          <p:spPr>
-            <a:xfrm>
-              <a:off x="-13447" y="559959"/>
-              <a:ext cx="2985248" cy="805143"/>
-            </a:xfrm>
-            <a:prstGeom prst="homePlate">
-              <a:avLst/>
-            </a:prstGeom>
-            <a:solidFill>
-              <a:srgbClr val="5A5AA8"/>
-            </a:solidFill>
-            <a:ln w="3175">
-              <a:solidFill>
-                <a:schemeClr val="tx1"/>
-              </a:solidFill>
-            </a:ln>
-            <a:effectLst/>
-          </p:spPr>
-          <p:style>
-            <a:lnRef idx="2">
-              <a:schemeClr val="accent1">
-                <a:shade val="50000"/>
-              </a:schemeClr>
-            </a:lnRef>
-            <a:fillRef idx="1">
-              <a:schemeClr val="accent1"/>
-            </a:fillRef>
-            <a:effectRef idx="0">
-              <a:schemeClr val="accent1"/>
-            </a:effectRef>
-            <a:fontRef idx="minor">
-              <a:schemeClr val="lt1"/>
-            </a:fontRef>
-          </p:style>
-          <p:txBody>
-            <a:bodyPr rtlCol="0" anchor="ctr"/>
-            <a:lstStyle/>
-            <a:p>
-              <a:pPr algn="ctr"/>
-              <a:endParaRPr lang="en-US"/>
-            </a:p>
-          </p:txBody>
-        </p:sp>
-        <p:sp>
-          <p:nvSpPr>
-            <p:cNvPr id="6" name="TextBox 5">
-              <a:extLst>
-                <a:ext uri="{FF2B5EF4-FFF2-40B4-BE49-F238E27FC236}">
-                  <a16:creationId xmlns:a16="http://schemas.microsoft.com/office/drawing/2014/main" id="{0DE8D1E3-DEAF-64C6-B25C-43D5EC71C005}"/>
-                </a:ext>
-              </a:extLst>
-            </p:cNvPr>
-            <p:cNvSpPr txBox="1"/>
-            <p:nvPr/>
-          </p:nvSpPr>
-          <p:spPr>
-            <a:xfrm>
-              <a:off x="-116541" y="714367"/>
-              <a:ext cx="3074895" cy="553998"/>
-            </a:xfrm>
-            <a:prstGeom prst="rect">
-              <a:avLst/>
-            </a:prstGeom>
-            <a:noFill/>
-          </p:spPr>
-          <p:txBody>
-            <a:bodyPr wrap="square" rtlCol="0">
-              <a:spAutoFit/>
-            </a:bodyPr>
-            <a:lstStyle/>
-            <a:p>
-              <a:pPr algn="ctr"/>
-              <a:r>
-                <a:rPr lang="en-US" sz="3000" dirty="0">
-                  <a:solidFill>
-                    <a:schemeClr val="bg1"/>
-                  </a:solidFill>
-                  <a:latin typeface="Avenir Medium" panose="02000503020000020003" pitchFamily="2" charset="0"/>
-                  <a:cs typeface="Futura Medium" panose="020B0602020204020303" pitchFamily="34" charset="-79"/>
-                </a:rPr>
-                <a:t>Exercise</a:t>
-              </a:r>
-            </a:p>
-          </p:txBody>
-        </p:sp>
-      </p:grpSp>
-      <p:pic>
-        <p:nvPicPr>
-          <p:cNvPr id="4" name="Picture 3" descr="A picture containing dark, gauge&#10;&#10;Description automatically generated">
-            <a:extLst>
-              <a:ext uri="{FF2B5EF4-FFF2-40B4-BE49-F238E27FC236}">
-                <a16:creationId xmlns:a16="http://schemas.microsoft.com/office/drawing/2014/main" id="{7DE1BA64-0CEE-D8A6-3257-F0FE5F19FA5C}"/>
-              </a:ext>
-            </a:extLst>
-          </p:cNvPr>
-          <p:cNvPicPr>
-            <a:picLocks noChangeAspect="1"/>
-          </p:cNvPicPr>
-          <p:nvPr/>
-        </p:nvPicPr>
-        <p:blipFill>
-          <a:blip r:embed="rId3">
-            <a:extLst>
-              <a:ext uri="{28A0092B-C50C-407E-A947-70E740481C1C}">
-                <a14:useLocalDpi xmlns:a14="http://schemas.microsoft.com/office/drawing/2010/main" val="0"/>
-              </a:ext>
-            </a:extLst>
-          </a:blip>
-          <a:stretch>
-            <a:fillRect/>
-          </a:stretch>
-        </p:blipFill>
-        <p:spPr>
-          <a:xfrm>
-            <a:off x="11378037" y="6031948"/>
-            <a:ext cx="800100" cy="812800"/>
-          </a:xfrm>
-          <a:prstGeom prst="rect">
-            <a:avLst/>
-          </a:prstGeom>
-        </p:spPr>
-      </p:pic>
-    </p:spTree>
-    <p:extLst>
-      <p:ext uri="{BB962C8B-B14F-4D97-AF65-F5344CB8AC3E}">
-        <p14:creationId xmlns:p14="http://schemas.microsoft.com/office/powerpoint/2010/main" val="4096204018"/>
       </p:ext>
     </p:extLst>
   </p:cSld>

--- a/presentations/02.2_activation_functions.pptx
+++ b/presentations/02.2_activation_functions.pptx
@@ -17,7 +17,7 @@
     <p:sldId id="326" r:id="rId8"/>
     <p:sldId id="300" r:id="rId9"/>
     <p:sldId id="327" r:id="rId10"/>
-    <p:sldId id="331" r:id="rId11"/>
+    <p:sldId id="332" r:id="rId11"/>
     <p:sldId id="323" r:id="rId12"/>
     <p:sldId id="329" r:id="rId13"/>
     <p:sldId id="305" r:id="rId14"/>
@@ -138,6 +138,1014 @@
 </p:presentation>
 </file>
 
+<file path=ppt/revisionInfo.xml><?xml version="1.0" encoding="utf-8"?>
+<p1510:revInfo xmlns:a="http://schemas.openxmlformats.org/drawingml/2006/main" xmlns:r="http://schemas.openxmlformats.org/officeDocument/2006/relationships" xmlns:p1510="http://schemas.microsoft.com/office/powerpoint/2015/10/main">
+  <p1510:revLst>
+    <p1510:client id="{EBEC8E73-0CD2-437E-94CD-ECBAF3F361A2}" v="213" dt="2023-05-08T18:57:41.655"/>
+  </p1510:revLst>
+</p1510:revInfo>
+</file>
+
+<file path=ppt/changesInfos/changesInfo1.xml><?xml version="1.0" encoding="utf-8"?>
+<pc:chgInfo xmlns:a="http://schemas.openxmlformats.org/drawingml/2006/main" xmlns:r="http://schemas.openxmlformats.org/officeDocument/2006/relationships" xmlns:ac="http://schemas.microsoft.com/office/drawing/2013/main/command" xmlns:pc="http://schemas.microsoft.com/office/powerpoint/2013/main/command">
+  <pc:docChgLst>
+    <pc:chgData name="Maxwell,Daniel" userId="1b6ea79d-60d7-472e-a79a-e3fa9de1dfad" providerId="ADAL" clId="{EBEC8E73-0CD2-437E-94CD-ECBAF3F361A2}"/>
+    <pc:docChg chg="custSel addSld delSld modSld">
+      <pc:chgData name="Maxwell,Daniel" userId="1b6ea79d-60d7-472e-a79a-e3fa9de1dfad" providerId="ADAL" clId="{EBEC8E73-0CD2-437E-94CD-ECBAF3F361A2}" dt="2023-05-08T18:57:41.655" v="4188"/>
+      <pc:docMkLst>
+        <pc:docMk/>
+      </pc:docMkLst>
+      <pc:sldChg chg="addSp delSp modSp mod modTransition modAnim modNotesTx">
+        <pc:chgData name="Maxwell,Daniel" userId="1b6ea79d-60d7-472e-a79a-e3fa9de1dfad" providerId="ADAL" clId="{EBEC8E73-0CD2-437E-94CD-ECBAF3F361A2}" dt="2023-05-08T15:54:09.255" v="1823"/>
+        <pc:sldMkLst>
+          <pc:docMk/>
+          <pc:sldMk cId="2329276547" sldId="298"/>
+        </pc:sldMkLst>
+        <pc:spChg chg="add mod">
+          <ac:chgData name="Maxwell,Daniel" userId="1b6ea79d-60d7-472e-a79a-e3fa9de1dfad" providerId="ADAL" clId="{EBEC8E73-0CD2-437E-94CD-ECBAF3F361A2}" dt="2023-05-08T15:37:40.628" v="1742" actId="1076"/>
+          <ac:spMkLst>
+            <pc:docMk/>
+            <pc:sldMk cId="2329276547" sldId="298"/>
+            <ac:spMk id="5" creationId="{1AA24F5D-4A27-D93F-697E-A6ECB5B050C6}"/>
+          </ac:spMkLst>
+        </pc:spChg>
+        <pc:picChg chg="add del mod">
+          <ac:chgData name="Maxwell,Daniel" userId="1b6ea79d-60d7-472e-a79a-e3fa9de1dfad" providerId="ADAL" clId="{EBEC8E73-0CD2-437E-94CD-ECBAF3F361A2}" dt="2023-05-08T13:45:44.545" v="248"/>
+          <ac:picMkLst>
+            <pc:docMk/>
+            <pc:sldMk cId="2329276547" sldId="298"/>
+            <ac:picMk id="5" creationId="{21388DFB-04A2-AF2B-4A09-FF8DF195527C}"/>
+          </ac:picMkLst>
+        </pc:picChg>
+        <pc:picChg chg="add del mod">
+          <ac:chgData name="Maxwell,Daniel" userId="1b6ea79d-60d7-472e-a79a-e3fa9de1dfad" providerId="ADAL" clId="{EBEC8E73-0CD2-437E-94CD-ECBAF3F361A2}" dt="2023-05-08T13:48:37.130" v="506"/>
+          <ac:picMkLst>
+            <pc:docMk/>
+            <pc:sldMk cId="2329276547" sldId="298"/>
+            <ac:picMk id="7" creationId="{86304C68-981E-7181-330E-871CB457E545}"/>
+          </ac:picMkLst>
+        </pc:picChg>
+        <pc:picChg chg="add del mod">
+          <ac:chgData name="Maxwell,Daniel" userId="1b6ea79d-60d7-472e-a79a-e3fa9de1dfad" providerId="ADAL" clId="{EBEC8E73-0CD2-437E-94CD-ECBAF3F361A2}" dt="2023-05-08T15:38:30.614" v="1743"/>
+          <ac:picMkLst>
+            <pc:docMk/>
+            <pc:sldMk cId="2329276547" sldId="298"/>
+            <ac:picMk id="7" creationId="{B7B6D74D-E83F-73EB-DBC7-C519AEE19628}"/>
+          </ac:picMkLst>
+        </pc:picChg>
+        <pc:picChg chg="add del mod">
+          <ac:chgData name="Maxwell,Daniel" userId="1b6ea79d-60d7-472e-a79a-e3fa9de1dfad" providerId="ADAL" clId="{EBEC8E73-0CD2-437E-94CD-ECBAF3F361A2}" dt="2023-05-08T13:48:53.961" v="508"/>
+          <ac:picMkLst>
+            <pc:docMk/>
+            <pc:sldMk cId="2329276547" sldId="298"/>
+            <ac:picMk id="8" creationId="{4E946592-37F6-A57C-2F82-3E435B0342F9}"/>
+          </ac:picMkLst>
+        </pc:picChg>
+        <pc:picChg chg="add del mod">
+          <ac:chgData name="Maxwell,Daniel" userId="1b6ea79d-60d7-472e-a79a-e3fa9de1dfad" providerId="ADAL" clId="{EBEC8E73-0CD2-437E-94CD-ECBAF3F361A2}" dt="2023-05-08T15:41:11.319" v="1745"/>
+          <ac:picMkLst>
+            <pc:docMk/>
+            <pc:sldMk cId="2329276547" sldId="298"/>
+            <ac:picMk id="8" creationId="{AAC23E4C-FB42-45B4-2229-3773A6BF3104}"/>
+          </ac:picMkLst>
+        </pc:picChg>
+        <pc:picChg chg="add del mod">
+          <ac:chgData name="Maxwell,Daniel" userId="1b6ea79d-60d7-472e-a79a-e3fa9de1dfad" providerId="ADAL" clId="{EBEC8E73-0CD2-437E-94CD-ECBAF3F361A2}" dt="2023-05-08T15:41:22.174" v="1747"/>
+          <ac:picMkLst>
+            <pc:docMk/>
+            <pc:sldMk cId="2329276547" sldId="298"/>
+            <ac:picMk id="9" creationId="{0D79ADEC-E7AD-649B-06AE-C597ED5BCA27}"/>
+          </ac:picMkLst>
+        </pc:picChg>
+        <pc:picChg chg="add del mod">
+          <ac:chgData name="Maxwell,Daniel" userId="1b6ea79d-60d7-472e-a79a-e3fa9de1dfad" providerId="ADAL" clId="{EBEC8E73-0CD2-437E-94CD-ECBAF3F361A2}" dt="2023-05-08T13:49:28.138" v="510"/>
+          <ac:picMkLst>
+            <pc:docMk/>
+            <pc:sldMk cId="2329276547" sldId="298"/>
+            <ac:picMk id="9" creationId="{93461F53-856D-585E-0438-9F9D76CEE9BC}"/>
+          </ac:picMkLst>
+        </pc:picChg>
+        <pc:picChg chg="add del mod">
+          <ac:chgData name="Maxwell,Daniel" userId="1b6ea79d-60d7-472e-a79a-e3fa9de1dfad" providerId="ADAL" clId="{EBEC8E73-0CD2-437E-94CD-ECBAF3F361A2}" dt="2023-05-08T13:51:53.697" v="585"/>
+          <ac:picMkLst>
+            <pc:docMk/>
+            <pc:sldMk cId="2329276547" sldId="298"/>
+            <ac:picMk id="10" creationId="{5909B2FB-6598-6B78-6A20-6518F3933523}"/>
+          </ac:picMkLst>
+        </pc:picChg>
+        <pc:picChg chg="add del mod">
+          <ac:chgData name="Maxwell,Daniel" userId="1b6ea79d-60d7-472e-a79a-e3fa9de1dfad" providerId="ADAL" clId="{EBEC8E73-0CD2-437E-94CD-ECBAF3F361A2}" dt="2023-05-08T15:41:48.618" v="1749"/>
+          <ac:picMkLst>
+            <pc:docMk/>
+            <pc:sldMk cId="2329276547" sldId="298"/>
+            <ac:picMk id="10" creationId="{6D5BF9CE-64C6-7874-1B71-8498B7A5DBE3}"/>
+          </ac:picMkLst>
+        </pc:picChg>
+        <pc:picChg chg="add del mod">
+          <ac:chgData name="Maxwell,Daniel" userId="1b6ea79d-60d7-472e-a79a-e3fa9de1dfad" providerId="ADAL" clId="{EBEC8E73-0CD2-437E-94CD-ECBAF3F361A2}" dt="2023-05-08T13:52:04.574" v="587"/>
+          <ac:picMkLst>
+            <pc:docMk/>
+            <pc:sldMk cId="2329276547" sldId="298"/>
+            <ac:picMk id="11" creationId="{5A3740E4-CE19-61A8-918A-8BA805C62DE7}"/>
+          </ac:picMkLst>
+        </pc:picChg>
+        <pc:picChg chg="add del mod">
+          <ac:chgData name="Maxwell,Daniel" userId="1b6ea79d-60d7-472e-a79a-e3fa9de1dfad" providerId="ADAL" clId="{EBEC8E73-0CD2-437E-94CD-ECBAF3F361A2}" dt="2023-05-08T15:42:16.039" v="1751"/>
+          <ac:picMkLst>
+            <pc:docMk/>
+            <pc:sldMk cId="2329276547" sldId="298"/>
+            <ac:picMk id="11" creationId="{F9D7D07E-4CFB-837F-A0EB-A2B4B70BFE99}"/>
+          </ac:picMkLst>
+        </pc:picChg>
+        <pc:picChg chg="add del mod">
+          <ac:chgData name="Maxwell,Daniel" userId="1b6ea79d-60d7-472e-a79a-e3fa9de1dfad" providerId="ADAL" clId="{EBEC8E73-0CD2-437E-94CD-ECBAF3F361A2}" dt="2023-05-08T15:46:10.374" v="1753"/>
+          <ac:picMkLst>
+            <pc:docMk/>
+            <pc:sldMk cId="2329276547" sldId="298"/>
+            <ac:picMk id="12" creationId="{40247B68-F76E-746D-2DA9-36ACA1C0D100}"/>
+          </ac:picMkLst>
+        </pc:picChg>
+        <pc:picChg chg="add del mod">
+          <ac:chgData name="Maxwell,Daniel" userId="1b6ea79d-60d7-472e-a79a-e3fa9de1dfad" providerId="ADAL" clId="{EBEC8E73-0CD2-437E-94CD-ECBAF3F361A2}" dt="2023-05-08T13:54:18.371" v="589"/>
+          <ac:picMkLst>
+            <pc:docMk/>
+            <pc:sldMk cId="2329276547" sldId="298"/>
+            <ac:picMk id="12" creationId="{FFB49574-233D-B57C-0E19-1893FF8026C2}"/>
+          </ac:picMkLst>
+        </pc:picChg>
+        <pc:picChg chg="add del mod">
+          <ac:chgData name="Maxwell,Daniel" userId="1b6ea79d-60d7-472e-a79a-e3fa9de1dfad" providerId="ADAL" clId="{EBEC8E73-0CD2-437E-94CD-ECBAF3F361A2}" dt="2023-05-08T13:54:35.329" v="591"/>
+          <ac:picMkLst>
+            <pc:docMk/>
+            <pc:sldMk cId="2329276547" sldId="298"/>
+            <ac:picMk id="23" creationId="{0CEE5BA1-03A4-F27B-C7F1-62DC23B69ACF}"/>
+          </ac:picMkLst>
+        </pc:picChg>
+        <pc:picChg chg="add del mod">
+          <ac:chgData name="Maxwell,Daniel" userId="1b6ea79d-60d7-472e-a79a-e3fa9de1dfad" providerId="ADAL" clId="{EBEC8E73-0CD2-437E-94CD-ECBAF3F361A2}" dt="2023-05-08T15:46:31.460" v="1755"/>
+          <ac:picMkLst>
+            <pc:docMk/>
+            <pc:sldMk cId="2329276547" sldId="298"/>
+            <ac:picMk id="23" creationId="{A6889053-8540-82E1-71B4-9A3CCC289AB3}"/>
+          </ac:picMkLst>
+        </pc:picChg>
+        <pc:picChg chg="add del mod">
+          <ac:chgData name="Maxwell,Daniel" userId="1b6ea79d-60d7-472e-a79a-e3fa9de1dfad" providerId="ADAL" clId="{EBEC8E73-0CD2-437E-94CD-ECBAF3F361A2}" dt="2023-05-08T15:47:41.119" v="1762"/>
+          <ac:picMkLst>
+            <pc:docMk/>
+            <pc:sldMk cId="2329276547" sldId="298"/>
+            <ac:picMk id="25" creationId="{3A390AD2-5A25-17F6-EF73-915E3EF0A700}"/>
+          </ac:picMkLst>
+        </pc:picChg>
+        <pc:picChg chg="add del mod">
+          <ac:chgData name="Maxwell,Daniel" userId="1b6ea79d-60d7-472e-a79a-e3fa9de1dfad" providerId="ADAL" clId="{EBEC8E73-0CD2-437E-94CD-ECBAF3F361A2}" dt="2023-05-08T14:06:18.439" v="1071"/>
+          <ac:picMkLst>
+            <pc:docMk/>
+            <pc:sldMk cId="2329276547" sldId="298"/>
+            <ac:picMk id="25" creationId="{F37A0972-5571-C588-CF97-328D5C163D61}"/>
+          </ac:picMkLst>
+        </pc:picChg>
+        <pc:picChg chg="add del mod">
+          <ac:chgData name="Maxwell,Daniel" userId="1b6ea79d-60d7-472e-a79a-e3fa9de1dfad" providerId="ADAL" clId="{EBEC8E73-0CD2-437E-94CD-ECBAF3F361A2}" dt="2023-05-08T14:07:47.536" v="1084"/>
+          <ac:picMkLst>
+            <pc:docMk/>
+            <pc:sldMk cId="2329276547" sldId="298"/>
+            <ac:picMk id="27" creationId="{3ADF1200-8321-0E8C-3B66-2D5AE20E17E0}"/>
+          </ac:picMkLst>
+        </pc:picChg>
+        <pc:picChg chg="add del mod">
+          <ac:chgData name="Maxwell,Daniel" userId="1b6ea79d-60d7-472e-a79a-e3fa9de1dfad" providerId="ADAL" clId="{EBEC8E73-0CD2-437E-94CD-ECBAF3F361A2}" dt="2023-05-08T15:48:11.717" v="1764"/>
+          <ac:picMkLst>
+            <pc:docMk/>
+            <pc:sldMk cId="2329276547" sldId="298"/>
+            <ac:picMk id="27" creationId="{4365CE65-4D36-FB80-A98E-93C6ECC037ED}"/>
+          </ac:picMkLst>
+        </pc:picChg>
+        <pc:picChg chg="add del mod">
+          <ac:chgData name="Maxwell,Daniel" userId="1b6ea79d-60d7-472e-a79a-e3fa9de1dfad" providerId="ADAL" clId="{EBEC8E73-0CD2-437E-94CD-ECBAF3F361A2}" dt="2023-05-08T15:35:28.277" v="1727"/>
+          <ac:picMkLst>
+            <pc:docMk/>
+            <pc:sldMk cId="2329276547" sldId="298"/>
+            <ac:picMk id="29" creationId="{BB2987F4-E0C1-E974-0D76-F29B3A8D4325}"/>
+          </ac:picMkLst>
+        </pc:picChg>
+        <pc:picChg chg="add del mod">
+          <ac:chgData name="Maxwell,Daniel" userId="1b6ea79d-60d7-472e-a79a-e3fa9de1dfad" providerId="ADAL" clId="{EBEC8E73-0CD2-437E-94CD-ECBAF3F361A2}" dt="2023-05-08T15:49:53.031" v="1766"/>
+          <ac:picMkLst>
+            <pc:docMk/>
+            <pc:sldMk cId="2329276547" sldId="298"/>
+            <ac:picMk id="30" creationId="{85EC5324-302E-6F35-8FD3-788D03B29D75}"/>
+          </ac:picMkLst>
+        </pc:picChg>
+        <pc:picChg chg="add del mod">
+          <ac:chgData name="Maxwell,Daniel" userId="1b6ea79d-60d7-472e-a79a-e3fa9de1dfad" providerId="ADAL" clId="{EBEC8E73-0CD2-437E-94CD-ECBAF3F361A2}" dt="2023-05-08T15:50:07.731" v="1768"/>
+          <ac:picMkLst>
+            <pc:docMk/>
+            <pc:sldMk cId="2329276547" sldId="298"/>
+            <ac:picMk id="32" creationId="{E9FC0623-5605-7470-727C-8B17B21B7E5D}"/>
+          </ac:picMkLst>
+        </pc:picChg>
+        <pc:picChg chg="add del mod">
+          <ac:chgData name="Maxwell,Daniel" userId="1b6ea79d-60d7-472e-a79a-e3fa9de1dfad" providerId="ADAL" clId="{EBEC8E73-0CD2-437E-94CD-ECBAF3F361A2}" dt="2023-05-08T15:52:33.391" v="1820"/>
+          <ac:picMkLst>
+            <pc:docMk/>
+            <pc:sldMk cId="2329276547" sldId="298"/>
+            <ac:picMk id="34" creationId="{F9229910-8E42-DE4B-B2B5-7C6B43A9AF27}"/>
+          </ac:picMkLst>
+        </pc:picChg>
+        <pc:picChg chg="add del mod">
+          <ac:chgData name="Maxwell,Daniel" userId="1b6ea79d-60d7-472e-a79a-e3fa9de1dfad" providerId="ADAL" clId="{EBEC8E73-0CD2-437E-94CD-ECBAF3F361A2}" dt="2023-05-08T15:53:04.743" v="1822"/>
+          <ac:picMkLst>
+            <pc:docMk/>
+            <pc:sldMk cId="2329276547" sldId="298"/>
+            <ac:picMk id="36" creationId="{BF90072C-6C38-9669-EFA1-4277B8829851}"/>
+          </ac:picMkLst>
+        </pc:picChg>
+        <pc:picChg chg="add mod">
+          <ac:chgData name="Maxwell,Daniel" userId="1b6ea79d-60d7-472e-a79a-e3fa9de1dfad" providerId="ADAL" clId="{EBEC8E73-0CD2-437E-94CD-ECBAF3F361A2}" dt="2023-05-08T15:54:09.255" v="1823"/>
+          <ac:picMkLst>
+            <pc:docMk/>
+            <pc:sldMk cId="2329276547" sldId="298"/>
+            <ac:picMk id="37" creationId="{C7B4D151-0376-32D2-571D-4B38974E2A80}"/>
+          </ac:picMkLst>
+        </pc:picChg>
+      </pc:sldChg>
+      <pc:sldChg chg="addSp delSp modSp modTransition modAnim modNotesTx">
+        <pc:chgData name="Maxwell,Daniel" userId="1b6ea79d-60d7-472e-a79a-e3fa9de1dfad" providerId="ADAL" clId="{EBEC8E73-0CD2-437E-94CD-ECBAF3F361A2}" dt="2023-05-08T17:22:26.322" v="2903"/>
+        <pc:sldMkLst>
+          <pc:docMk/>
+          <pc:sldMk cId="221275194" sldId="300"/>
+        </pc:sldMkLst>
+        <pc:picChg chg="add del mod">
+          <ac:chgData name="Maxwell,Daniel" userId="1b6ea79d-60d7-472e-a79a-e3fa9de1dfad" providerId="ADAL" clId="{EBEC8E73-0CD2-437E-94CD-ECBAF3F361A2}" dt="2023-05-08T17:14:16.091" v="2540"/>
+          <ac:picMkLst>
+            <pc:docMk/>
+            <pc:sldMk cId="221275194" sldId="300"/>
+            <ac:picMk id="3" creationId="{3088EBD4-3AF6-709F-B5A6-FD4D02337D6A}"/>
+          </ac:picMkLst>
+        </pc:picChg>
+        <pc:picChg chg="add del mod">
+          <ac:chgData name="Maxwell,Daniel" userId="1b6ea79d-60d7-472e-a79a-e3fa9de1dfad" providerId="ADAL" clId="{EBEC8E73-0CD2-437E-94CD-ECBAF3F361A2}" dt="2023-05-08T17:16:20.842" v="2656"/>
+          <ac:picMkLst>
+            <pc:docMk/>
+            <pc:sldMk cId="221275194" sldId="300"/>
+            <ac:picMk id="4" creationId="{DE1D4EB3-445F-1E0A-A068-7456EF9C0FC9}"/>
+          </ac:picMkLst>
+        </pc:picChg>
+        <pc:picChg chg="add del mod">
+          <ac:chgData name="Maxwell,Daniel" userId="1b6ea79d-60d7-472e-a79a-e3fa9de1dfad" providerId="ADAL" clId="{EBEC8E73-0CD2-437E-94CD-ECBAF3F361A2}" dt="2023-05-08T17:16:45.588" v="2658"/>
+          <ac:picMkLst>
+            <pc:docMk/>
+            <pc:sldMk cId="221275194" sldId="300"/>
+            <ac:picMk id="5" creationId="{23311EEC-EFC7-810A-C2BB-18061C75B685}"/>
+          </ac:picMkLst>
+        </pc:picChg>
+        <pc:picChg chg="add del mod">
+          <ac:chgData name="Maxwell,Daniel" userId="1b6ea79d-60d7-472e-a79a-e3fa9de1dfad" providerId="ADAL" clId="{EBEC8E73-0CD2-437E-94CD-ECBAF3F361A2}" dt="2023-05-08T17:18:19.060" v="2794"/>
+          <ac:picMkLst>
+            <pc:docMk/>
+            <pc:sldMk cId="221275194" sldId="300"/>
+            <ac:picMk id="10" creationId="{C1E4E63B-9E70-BC66-2354-21C2A13ADAAD}"/>
+          </ac:picMkLst>
+        </pc:picChg>
+        <pc:picChg chg="add del mod">
+          <ac:chgData name="Maxwell,Daniel" userId="1b6ea79d-60d7-472e-a79a-e3fa9de1dfad" providerId="ADAL" clId="{EBEC8E73-0CD2-437E-94CD-ECBAF3F361A2}" dt="2023-05-08T17:19:47.385" v="2881"/>
+          <ac:picMkLst>
+            <pc:docMk/>
+            <pc:sldMk cId="221275194" sldId="300"/>
+            <ac:picMk id="11" creationId="{9364D4C3-9539-8CA1-D7B3-6169C9858B83}"/>
+          </ac:picMkLst>
+        </pc:picChg>
+        <pc:picChg chg="add del mod">
+          <ac:chgData name="Maxwell,Daniel" userId="1b6ea79d-60d7-472e-a79a-e3fa9de1dfad" providerId="ADAL" clId="{EBEC8E73-0CD2-437E-94CD-ECBAF3F361A2}" dt="2023-05-08T17:20:28.901" v="2898"/>
+          <ac:picMkLst>
+            <pc:docMk/>
+            <pc:sldMk cId="221275194" sldId="300"/>
+            <ac:picMk id="12" creationId="{A36D83EC-7B3B-80A4-A904-7306C75DEB2E}"/>
+          </ac:picMkLst>
+        </pc:picChg>
+        <pc:picChg chg="add del mod">
+          <ac:chgData name="Maxwell,Daniel" userId="1b6ea79d-60d7-472e-a79a-e3fa9de1dfad" providerId="ADAL" clId="{EBEC8E73-0CD2-437E-94CD-ECBAF3F361A2}" dt="2023-05-08T17:21:34.782" v="2900"/>
+          <ac:picMkLst>
+            <pc:docMk/>
+            <pc:sldMk cId="221275194" sldId="300"/>
+            <ac:picMk id="13" creationId="{CD8C11C1-0A7A-1C08-A638-E3670425CD1F}"/>
+          </ac:picMkLst>
+        </pc:picChg>
+        <pc:picChg chg="add del mod">
+          <ac:chgData name="Maxwell,Daniel" userId="1b6ea79d-60d7-472e-a79a-e3fa9de1dfad" providerId="ADAL" clId="{EBEC8E73-0CD2-437E-94CD-ECBAF3F361A2}" dt="2023-05-08T17:21:54.231" v="2902"/>
+          <ac:picMkLst>
+            <pc:docMk/>
+            <pc:sldMk cId="221275194" sldId="300"/>
+            <ac:picMk id="14" creationId="{4B1D073A-0EC3-9E16-B426-74913CD4EF0A}"/>
+          </ac:picMkLst>
+        </pc:picChg>
+        <pc:picChg chg="add mod">
+          <ac:chgData name="Maxwell,Daniel" userId="1b6ea79d-60d7-472e-a79a-e3fa9de1dfad" providerId="ADAL" clId="{EBEC8E73-0CD2-437E-94CD-ECBAF3F361A2}" dt="2023-05-08T17:22:26.322" v="2903"/>
+          <ac:picMkLst>
+            <pc:docMk/>
+            <pc:sldMk cId="221275194" sldId="300"/>
+            <ac:picMk id="15" creationId="{412F6616-F914-D038-D863-D260D7FC7FF0}"/>
+          </ac:picMkLst>
+        </pc:picChg>
+      </pc:sldChg>
+      <pc:sldChg chg="modTransition">
+        <pc:chgData name="Maxwell,Daniel" userId="1b6ea79d-60d7-472e-a79a-e3fa9de1dfad" providerId="ADAL" clId="{EBEC8E73-0CD2-437E-94CD-ECBAF3F361A2}" dt="2023-05-08T14:06:18.439" v="1071"/>
+        <pc:sldMkLst>
+          <pc:docMk/>
+          <pc:sldMk cId="994788979" sldId="305"/>
+        </pc:sldMkLst>
+      </pc:sldChg>
+      <pc:sldChg chg="addSp delSp modSp mod modTransition delAnim modAnim modNotesTx">
+        <pc:chgData name="Maxwell,Daniel" userId="1b6ea79d-60d7-472e-a79a-e3fa9de1dfad" providerId="ADAL" clId="{EBEC8E73-0CD2-437E-94CD-ECBAF3F361A2}" dt="2023-05-08T16:00:13.945" v="1946"/>
+        <pc:sldMkLst>
+          <pc:docMk/>
+          <pc:sldMk cId="1066933204" sldId="307"/>
+        </pc:sldMkLst>
+        <pc:spChg chg="del">
+          <ac:chgData name="Maxwell,Daniel" userId="1b6ea79d-60d7-472e-a79a-e3fa9de1dfad" providerId="ADAL" clId="{EBEC8E73-0CD2-437E-94CD-ECBAF3F361A2}" dt="2023-05-08T15:31:23.900" v="1347" actId="478"/>
+          <ac:spMkLst>
+            <pc:docMk/>
+            <pc:sldMk cId="1066933204" sldId="307"/>
+            <ac:spMk id="2" creationId="{6D6347C9-9B30-444A-AE9D-B7DD51DD7144}"/>
+          </ac:spMkLst>
+        </pc:spChg>
+        <pc:picChg chg="add del mod">
+          <ac:chgData name="Maxwell,Daniel" userId="1b6ea79d-60d7-472e-a79a-e3fa9de1dfad" providerId="ADAL" clId="{EBEC8E73-0CD2-437E-94CD-ECBAF3F361A2}" dt="2023-05-08T14:22:27.146" v="1121"/>
+          <ac:picMkLst>
+            <pc:docMk/>
+            <pc:sldMk cId="1066933204" sldId="307"/>
+            <ac:picMk id="13" creationId="{026F50E7-970D-0605-ABFC-23170E616B58}"/>
+          </ac:picMkLst>
+        </pc:picChg>
+        <pc:picChg chg="add del mod">
+          <ac:chgData name="Maxwell,Daniel" userId="1b6ea79d-60d7-472e-a79a-e3fa9de1dfad" providerId="ADAL" clId="{EBEC8E73-0CD2-437E-94CD-ECBAF3F361A2}" dt="2023-05-08T14:22:36.823" v="1123"/>
+          <ac:picMkLst>
+            <pc:docMk/>
+            <pc:sldMk cId="1066933204" sldId="307"/>
+            <ac:picMk id="14" creationId="{21ABB290-1243-EAEF-140E-66F6C3B5DB6E}"/>
+          </ac:picMkLst>
+        </pc:picChg>
+        <pc:picChg chg="add del mod">
+          <ac:chgData name="Maxwell,Daniel" userId="1b6ea79d-60d7-472e-a79a-e3fa9de1dfad" providerId="ADAL" clId="{EBEC8E73-0CD2-437E-94CD-ECBAF3F361A2}" dt="2023-05-08T14:23:36.261" v="1131"/>
+          <ac:picMkLst>
+            <pc:docMk/>
+            <pc:sldMk cId="1066933204" sldId="307"/>
+            <ac:picMk id="15" creationId="{56950580-E8C4-36DD-2974-BB7C0542F23D}"/>
+          </ac:picMkLst>
+        </pc:picChg>
+        <pc:picChg chg="add del mod">
+          <ac:chgData name="Maxwell,Daniel" userId="1b6ea79d-60d7-472e-a79a-e3fa9de1dfad" providerId="ADAL" clId="{EBEC8E73-0CD2-437E-94CD-ECBAF3F361A2}" dt="2023-05-08T14:24:43.478" v="1133"/>
+          <ac:picMkLst>
+            <pc:docMk/>
+            <pc:sldMk cId="1066933204" sldId="307"/>
+            <ac:picMk id="16" creationId="{C2F6ADAE-CC81-7053-10B7-4B8D87B3E735}"/>
+          </ac:picMkLst>
+        </pc:picChg>
+        <pc:picChg chg="add del mod">
+          <ac:chgData name="Maxwell,Daniel" userId="1b6ea79d-60d7-472e-a79a-e3fa9de1dfad" providerId="ADAL" clId="{EBEC8E73-0CD2-437E-94CD-ECBAF3F361A2}" dt="2023-05-08T14:27:06.498" v="1135"/>
+          <ac:picMkLst>
+            <pc:docMk/>
+            <pc:sldMk cId="1066933204" sldId="307"/>
+            <ac:picMk id="17" creationId="{FA77DCBA-896D-AA51-407E-2A9E21267090}"/>
+          </ac:picMkLst>
+        </pc:picChg>
+        <pc:picChg chg="add del mod">
+          <ac:chgData name="Maxwell,Daniel" userId="1b6ea79d-60d7-472e-a79a-e3fa9de1dfad" providerId="ADAL" clId="{EBEC8E73-0CD2-437E-94CD-ECBAF3F361A2}" dt="2023-05-08T14:28:19.028" v="1137"/>
+          <ac:picMkLst>
+            <pc:docMk/>
+            <pc:sldMk cId="1066933204" sldId="307"/>
+            <ac:picMk id="18" creationId="{DD8C2578-7176-7A63-777A-2222DD3C45B9}"/>
+          </ac:picMkLst>
+        </pc:picChg>
+        <pc:picChg chg="add del mod">
+          <ac:chgData name="Maxwell,Daniel" userId="1b6ea79d-60d7-472e-a79a-e3fa9de1dfad" providerId="ADAL" clId="{EBEC8E73-0CD2-437E-94CD-ECBAF3F361A2}" dt="2023-05-08T15:12:04.658" v="1139"/>
+          <ac:picMkLst>
+            <pc:docMk/>
+            <pc:sldMk cId="1066933204" sldId="307"/>
+            <ac:picMk id="19" creationId="{6EE57BFA-09F9-C903-201A-1BAFED2123A6}"/>
+          </ac:picMkLst>
+        </pc:picChg>
+        <pc:picChg chg="add del mod">
+          <ac:chgData name="Maxwell,Daniel" userId="1b6ea79d-60d7-472e-a79a-e3fa9de1dfad" providerId="ADAL" clId="{EBEC8E73-0CD2-437E-94CD-ECBAF3F361A2}" dt="2023-05-08T15:14:15.617" v="1141"/>
+          <ac:picMkLst>
+            <pc:docMk/>
+            <pc:sldMk cId="1066933204" sldId="307"/>
+            <ac:picMk id="20" creationId="{3529649F-5EE9-20C7-8487-8744C9EFB65D}"/>
+          </ac:picMkLst>
+        </pc:picChg>
+        <pc:picChg chg="add del mod">
+          <ac:chgData name="Maxwell,Daniel" userId="1b6ea79d-60d7-472e-a79a-e3fa9de1dfad" providerId="ADAL" clId="{EBEC8E73-0CD2-437E-94CD-ECBAF3F361A2}" dt="2023-05-08T15:16:49.736" v="1181"/>
+          <ac:picMkLst>
+            <pc:docMk/>
+            <pc:sldMk cId="1066933204" sldId="307"/>
+            <ac:picMk id="21" creationId="{402C1D5B-88E6-136C-2C8A-5277B4E45D2F}"/>
+          </ac:picMkLst>
+        </pc:picChg>
+        <pc:picChg chg="add del mod">
+          <ac:chgData name="Maxwell,Daniel" userId="1b6ea79d-60d7-472e-a79a-e3fa9de1dfad" providerId="ADAL" clId="{EBEC8E73-0CD2-437E-94CD-ECBAF3F361A2}" dt="2023-05-08T15:55:46.574" v="1824"/>
+          <ac:picMkLst>
+            <pc:docMk/>
+            <pc:sldMk cId="1066933204" sldId="307"/>
+            <ac:picMk id="22" creationId="{56F9CBD2-F652-C622-224A-379FD3B358AB}"/>
+          </ac:picMkLst>
+        </pc:picChg>
+        <pc:picChg chg="add del mod">
+          <ac:chgData name="Maxwell,Daniel" userId="1b6ea79d-60d7-472e-a79a-e3fa9de1dfad" providerId="ADAL" clId="{EBEC8E73-0CD2-437E-94CD-ECBAF3F361A2}" dt="2023-05-08T15:56:42.199" v="1939"/>
+          <ac:picMkLst>
+            <pc:docMk/>
+            <pc:sldMk cId="1066933204" sldId="307"/>
+            <ac:picMk id="23" creationId="{90407E95-7044-7326-4800-1B6DD2E72318}"/>
+          </ac:picMkLst>
+        </pc:picChg>
+        <pc:picChg chg="add del mod">
+          <ac:chgData name="Maxwell,Daniel" userId="1b6ea79d-60d7-472e-a79a-e3fa9de1dfad" providerId="ADAL" clId="{EBEC8E73-0CD2-437E-94CD-ECBAF3F361A2}" dt="2023-05-08T15:57:55.587" v="1941"/>
+          <ac:picMkLst>
+            <pc:docMk/>
+            <pc:sldMk cId="1066933204" sldId="307"/>
+            <ac:picMk id="24" creationId="{ABC0241B-2E04-132F-B360-E4B86B2785A7}"/>
+          </ac:picMkLst>
+        </pc:picChg>
+        <pc:picChg chg="add del mod">
+          <ac:chgData name="Maxwell,Daniel" userId="1b6ea79d-60d7-472e-a79a-e3fa9de1dfad" providerId="ADAL" clId="{EBEC8E73-0CD2-437E-94CD-ECBAF3F361A2}" dt="2023-05-08T15:59:21.020" v="1943"/>
+          <ac:picMkLst>
+            <pc:docMk/>
+            <pc:sldMk cId="1066933204" sldId="307"/>
+            <ac:picMk id="25" creationId="{8C0CD317-522F-5547-87EE-852AACCA0AED}"/>
+          </ac:picMkLst>
+        </pc:picChg>
+        <pc:picChg chg="add del mod">
+          <ac:chgData name="Maxwell,Daniel" userId="1b6ea79d-60d7-472e-a79a-e3fa9de1dfad" providerId="ADAL" clId="{EBEC8E73-0CD2-437E-94CD-ECBAF3F361A2}" dt="2023-05-08T15:59:38.587" v="1945"/>
+          <ac:picMkLst>
+            <pc:docMk/>
+            <pc:sldMk cId="1066933204" sldId="307"/>
+            <ac:picMk id="26" creationId="{C44438D0-1E36-F24B-D2A8-63357D00EC60}"/>
+          </ac:picMkLst>
+        </pc:picChg>
+        <pc:picChg chg="add mod">
+          <ac:chgData name="Maxwell,Daniel" userId="1b6ea79d-60d7-472e-a79a-e3fa9de1dfad" providerId="ADAL" clId="{EBEC8E73-0CD2-437E-94CD-ECBAF3F361A2}" dt="2023-05-08T16:00:13.945" v="1946"/>
+          <ac:picMkLst>
+            <pc:docMk/>
+            <pc:sldMk cId="1066933204" sldId="307"/>
+            <ac:picMk id="27" creationId="{EEDACA60-F7D3-6E3B-9163-1DD49D28A4FB}"/>
+          </ac:picMkLst>
+        </pc:picChg>
+      </pc:sldChg>
+      <pc:sldChg chg="addSp delSp modSp modTransition modAnim">
+        <pc:chgData name="Maxwell,Daniel" userId="1b6ea79d-60d7-472e-a79a-e3fa9de1dfad" providerId="ADAL" clId="{EBEC8E73-0CD2-437E-94CD-ECBAF3F361A2}" dt="2023-05-08T18:57:41.655" v="4188"/>
+        <pc:sldMkLst>
+          <pc:docMk/>
+          <pc:sldMk cId="4229412751" sldId="322"/>
+        </pc:sldMkLst>
+        <pc:picChg chg="add del mod">
+          <ac:chgData name="Maxwell,Daniel" userId="1b6ea79d-60d7-472e-a79a-e3fa9de1dfad" providerId="ADAL" clId="{EBEC8E73-0CD2-437E-94CD-ECBAF3F361A2}" dt="2023-05-08T18:57:41.655" v="4188"/>
+          <ac:picMkLst>
+            <pc:docMk/>
+            <pc:sldMk cId="4229412751" sldId="322"/>
+            <ac:picMk id="2" creationId="{F032FA40-B35D-3FB5-1014-3A5CFE67A9F1}"/>
+          </ac:picMkLst>
+        </pc:picChg>
+      </pc:sldChg>
+      <pc:sldChg chg="modTransition">
+        <pc:chgData name="Maxwell,Daniel" userId="1b6ea79d-60d7-472e-a79a-e3fa9de1dfad" providerId="ADAL" clId="{EBEC8E73-0CD2-437E-94CD-ECBAF3F361A2}" dt="2023-05-08T14:06:18.439" v="1071"/>
+        <pc:sldMkLst>
+          <pc:docMk/>
+          <pc:sldMk cId="4119545744" sldId="323"/>
+        </pc:sldMkLst>
+      </pc:sldChg>
+      <pc:sldChg chg="addSp delSp modSp modTransition modAnim modNotesTx">
+        <pc:chgData name="Maxwell,Daniel" userId="1b6ea79d-60d7-472e-a79a-e3fa9de1dfad" providerId="ADAL" clId="{EBEC8E73-0CD2-437E-94CD-ECBAF3F361A2}" dt="2023-05-08T15:26:36.841" v="1244"/>
+        <pc:sldMkLst>
+          <pc:docMk/>
+          <pc:sldMk cId="3540474055" sldId="324"/>
+        </pc:sldMkLst>
+        <pc:picChg chg="add del mod">
+          <ac:chgData name="Maxwell,Daniel" userId="1b6ea79d-60d7-472e-a79a-e3fa9de1dfad" providerId="ADAL" clId="{EBEC8E73-0CD2-437E-94CD-ECBAF3F361A2}" dt="2023-05-08T15:21:35.688" v="1184"/>
+          <ac:picMkLst>
+            <pc:docMk/>
+            <pc:sldMk cId="3540474055" sldId="324"/>
+            <ac:picMk id="9" creationId="{E8B04F0A-211A-8DA2-3AEF-7BDDC196D3BC}"/>
+          </ac:picMkLst>
+        </pc:picChg>
+        <pc:picChg chg="add del mod">
+          <ac:chgData name="Maxwell,Daniel" userId="1b6ea79d-60d7-472e-a79a-e3fa9de1dfad" providerId="ADAL" clId="{EBEC8E73-0CD2-437E-94CD-ECBAF3F361A2}" dt="2023-05-08T15:22:10.057" v="1186"/>
+          <ac:picMkLst>
+            <pc:docMk/>
+            <pc:sldMk cId="3540474055" sldId="324"/>
+            <ac:picMk id="10" creationId="{F977BBB7-0352-63A2-5B76-1F980684EDE3}"/>
+          </ac:picMkLst>
+        </pc:picChg>
+        <pc:picChg chg="add del mod">
+          <ac:chgData name="Maxwell,Daniel" userId="1b6ea79d-60d7-472e-a79a-e3fa9de1dfad" providerId="ADAL" clId="{EBEC8E73-0CD2-437E-94CD-ECBAF3F361A2}" dt="2023-05-08T15:23:05.401" v="1188"/>
+          <ac:picMkLst>
+            <pc:docMk/>
+            <pc:sldMk cId="3540474055" sldId="324"/>
+            <ac:picMk id="11" creationId="{B8FBCFD9-C2C3-AE8B-F879-D136692BB1A1}"/>
+          </ac:picMkLst>
+        </pc:picChg>
+        <pc:picChg chg="add del mod">
+          <ac:chgData name="Maxwell,Daniel" userId="1b6ea79d-60d7-472e-a79a-e3fa9de1dfad" providerId="ADAL" clId="{EBEC8E73-0CD2-437E-94CD-ECBAF3F361A2}" dt="2023-05-08T15:23:58.348" v="1190"/>
+          <ac:picMkLst>
+            <pc:docMk/>
+            <pc:sldMk cId="3540474055" sldId="324"/>
+            <ac:picMk id="12" creationId="{FE788706-8D79-A02A-2849-3C8396F20E6B}"/>
+          </ac:picMkLst>
+        </pc:picChg>
+        <pc:picChg chg="add del mod">
+          <ac:chgData name="Maxwell,Daniel" userId="1b6ea79d-60d7-472e-a79a-e3fa9de1dfad" providerId="ADAL" clId="{EBEC8E73-0CD2-437E-94CD-ECBAF3F361A2}" dt="2023-05-08T15:26:11.454" v="1243"/>
+          <ac:picMkLst>
+            <pc:docMk/>
+            <pc:sldMk cId="3540474055" sldId="324"/>
+            <ac:picMk id="13" creationId="{466629ED-ADD7-91EE-C113-39A33228C60A}"/>
+          </ac:picMkLst>
+        </pc:picChg>
+        <pc:picChg chg="add mod">
+          <ac:chgData name="Maxwell,Daniel" userId="1b6ea79d-60d7-472e-a79a-e3fa9de1dfad" providerId="ADAL" clId="{EBEC8E73-0CD2-437E-94CD-ECBAF3F361A2}" dt="2023-05-08T15:26:36.841" v="1244"/>
+          <ac:picMkLst>
+            <pc:docMk/>
+            <pc:sldMk cId="3540474055" sldId="324"/>
+            <ac:picMk id="14" creationId="{E7FDCAEA-6646-C9CC-2408-F924695C8CA7}"/>
+          </ac:picMkLst>
+        </pc:picChg>
+      </pc:sldChg>
+      <pc:sldChg chg="addSp delSp modSp modTransition modAnim modNotesTx">
+        <pc:chgData name="Maxwell,Daniel" userId="1b6ea79d-60d7-472e-a79a-e3fa9de1dfad" providerId="ADAL" clId="{EBEC8E73-0CD2-437E-94CD-ECBAF3F361A2}" dt="2023-05-08T16:18:02.506" v="2203"/>
+        <pc:sldMkLst>
+          <pc:docMk/>
+          <pc:sldMk cId="207206121" sldId="325"/>
+        </pc:sldMkLst>
+        <pc:picChg chg="add del mod">
+          <ac:chgData name="Maxwell,Daniel" userId="1b6ea79d-60d7-472e-a79a-e3fa9de1dfad" providerId="ADAL" clId="{EBEC8E73-0CD2-437E-94CD-ECBAF3F361A2}" dt="2023-05-08T16:05:38.891" v="2038"/>
+          <ac:picMkLst>
+            <pc:docMk/>
+            <pc:sldMk cId="207206121" sldId="325"/>
+            <ac:picMk id="9" creationId="{42F9A5D0-D41C-4A4A-3ED5-492011EFF2D5}"/>
+          </ac:picMkLst>
+        </pc:picChg>
+        <pc:picChg chg="add del mod">
+          <ac:chgData name="Maxwell,Daniel" userId="1b6ea79d-60d7-472e-a79a-e3fa9de1dfad" providerId="ADAL" clId="{EBEC8E73-0CD2-437E-94CD-ECBAF3F361A2}" dt="2023-05-08T15:27:58.830" v="1269"/>
+          <ac:picMkLst>
+            <pc:docMk/>
+            <pc:sldMk cId="207206121" sldId="325"/>
+            <ac:picMk id="9" creationId="{65D69329-5B3F-50F6-E0AA-15C33B891F5A}"/>
+          </ac:picMkLst>
+        </pc:picChg>
+        <pc:picChg chg="add del mod">
+          <ac:chgData name="Maxwell,Daniel" userId="1b6ea79d-60d7-472e-a79a-e3fa9de1dfad" providerId="ADAL" clId="{EBEC8E73-0CD2-437E-94CD-ECBAF3F361A2}" dt="2023-05-08T16:05:06.837" v="2036"/>
+          <ac:picMkLst>
+            <pc:docMk/>
+            <pc:sldMk cId="207206121" sldId="325"/>
+            <ac:picMk id="10" creationId="{A013B017-1C8C-70C8-AED2-295634536A6C}"/>
+          </ac:picMkLst>
+        </pc:picChg>
+        <pc:picChg chg="add del mod">
+          <ac:chgData name="Maxwell,Daniel" userId="1b6ea79d-60d7-472e-a79a-e3fa9de1dfad" providerId="ADAL" clId="{EBEC8E73-0CD2-437E-94CD-ECBAF3F361A2}" dt="2023-05-08T16:05:51.713" v="2040"/>
+          <ac:picMkLst>
+            <pc:docMk/>
+            <pc:sldMk cId="207206121" sldId="325"/>
+            <ac:picMk id="11" creationId="{106FCD4E-F3EB-26E2-56D9-67DFC7E21867}"/>
+          </ac:picMkLst>
+        </pc:picChg>
+        <pc:picChg chg="add del mod">
+          <ac:chgData name="Maxwell,Daniel" userId="1b6ea79d-60d7-472e-a79a-e3fa9de1dfad" providerId="ADAL" clId="{EBEC8E73-0CD2-437E-94CD-ECBAF3F361A2}" dt="2023-05-08T16:07:51.388" v="2042"/>
+          <ac:picMkLst>
+            <pc:docMk/>
+            <pc:sldMk cId="207206121" sldId="325"/>
+            <ac:picMk id="12" creationId="{1515143A-4ADA-DF85-E850-812A43593B13}"/>
+          </ac:picMkLst>
+        </pc:picChg>
+        <pc:picChg chg="add del mod">
+          <ac:chgData name="Maxwell,Daniel" userId="1b6ea79d-60d7-472e-a79a-e3fa9de1dfad" providerId="ADAL" clId="{EBEC8E73-0CD2-437E-94CD-ECBAF3F361A2}" dt="2023-05-08T16:08:06.291" v="2044"/>
+          <ac:picMkLst>
+            <pc:docMk/>
+            <pc:sldMk cId="207206121" sldId="325"/>
+            <ac:picMk id="13" creationId="{AAA3FA63-3636-EA86-A8CC-0DB49E70991E}"/>
+          </ac:picMkLst>
+        </pc:picChg>
+        <pc:picChg chg="add del mod">
+          <ac:chgData name="Maxwell,Daniel" userId="1b6ea79d-60d7-472e-a79a-e3fa9de1dfad" providerId="ADAL" clId="{EBEC8E73-0CD2-437E-94CD-ECBAF3F361A2}" dt="2023-05-08T16:10:10.266" v="2057"/>
+          <ac:picMkLst>
+            <pc:docMk/>
+            <pc:sldMk cId="207206121" sldId="325"/>
+            <ac:picMk id="14" creationId="{211671DE-93A3-7068-2F97-2DC4BABC28C2}"/>
+          </ac:picMkLst>
+        </pc:picChg>
+        <pc:picChg chg="add del mod">
+          <ac:chgData name="Maxwell,Daniel" userId="1b6ea79d-60d7-472e-a79a-e3fa9de1dfad" providerId="ADAL" clId="{EBEC8E73-0CD2-437E-94CD-ECBAF3F361A2}" dt="2023-05-08T16:10:26.061" v="2059"/>
+          <ac:picMkLst>
+            <pc:docMk/>
+            <pc:sldMk cId="207206121" sldId="325"/>
+            <ac:picMk id="15" creationId="{FBE87EBF-032E-CE88-58D2-5FBD307A6FFC}"/>
+          </ac:picMkLst>
+        </pc:picChg>
+        <pc:picChg chg="add del mod">
+          <ac:chgData name="Maxwell,Daniel" userId="1b6ea79d-60d7-472e-a79a-e3fa9de1dfad" providerId="ADAL" clId="{EBEC8E73-0CD2-437E-94CD-ECBAF3F361A2}" dt="2023-05-08T16:11:33.572" v="2061"/>
+          <ac:picMkLst>
+            <pc:docMk/>
+            <pc:sldMk cId="207206121" sldId="325"/>
+            <ac:picMk id="16" creationId="{78DD5DF0-034D-5861-0AB7-1FA7CDEFE0B8}"/>
+          </ac:picMkLst>
+        </pc:picChg>
+        <pc:picChg chg="add del mod">
+          <ac:chgData name="Maxwell,Daniel" userId="1b6ea79d-60d7-472e-a79a-e3fa9de1dfad" providerId="ADAL" clId="{EBEC8E73-0CD2-437E-94CD-ECBAF3F361A2}" dt="2023-05-08T16:13:55.476" v="2157"/>
+          <ac:picMkLst>
+            <pc:docMk/>
+            <pc:sldMk cId="207206121" sldId="325"/>
+            <ac:picMk id="17" creationId="{CF3BFCA5-F844-F7F0-F459-204C3A0CFF77}"/>
+          </ac:picMkLst>
+        </pc:picChg>
+        <pc:picChg chg="add del mod">
+          <ac:chgData name="Maxwell,Daniel" userId="1b6ea79d-60d7-472e-a79a-e3fa9de1dfad" providerId="ADAL" clId="{EBEC8E73-0CD2-437E-94CD-ECBAF3F361A2}" dt="2023-05-08T16:14:31.755" v="2159"/>
+          <ac:picMkLst>
+            <pc:docMk/>
+            <pc:sldMk cId="207206121" sldId="325"/>
+            <ac:picMk id="18" creationId="{1395B39F-EED9-FAE0-2B12-748AD0A3AC9C}"/>
+          </ac:picMkLst>
+        </pc:picChg>
+        <pc:picChg chg="add del mod">
+          <ac:chgData name="Maxwell,Daniel" userId="1b6ea79d-60d7-472e-a79a-e3fa9de1dfad" providerId="ADAL" clId="{EBEC8E73-0CD2-437E-94CD-ECBAF3F361A2}" dt="2023-05-08T16:15:44.741" v="2180"/>
+          <ac:picMkLst>
+            <pc:docMk/>
+            <pc:sldMk cId="207206121" sldId="325"/>
+            <ac:picMk id="19" creationId="{7A477ACD-0C9F-8DE8-0FD1-42488D962769}"/>
+          </ac:picMkLst>
+        </pc:picChg>
+        <pc:picChg chg="add del mod">
+          <ac:chgData name="Maxwell,Daniel" userId="1b6ea79d-60d7-472e-a79a-e3fa9de1dfad" providerId="ADAL" clId="{EBEC8E73-0CD2-437E-94CD-ECBAF3F361A2}" dt="2023-05-08T16:16:59.777" v="2200"/>
+          <ac:picMkLst>
+            <pc:docMk/>
+            <pc:sldMk cId="207206121" sldId="325"/>
+            <ac:picMk id="20" creationId="{EA1F35E5-5DFE-2E06-6DC1-366CFFC75C9B}"/>
+          </ac:picMkLst>
+        </pc:picChg>
+        <pc:picChg chg="add del mod">
+          <ac:chgData name="Maxwell,Daniel" userId="1b6ea79d-60d7-472e-a79a-e3fa9de1dfad" providerId="ADAL" clId="{EBEC8E73-0CD2-437E-94CD-ECBAF3F361A2}" dt="2023-05-08T16:17:28.228" v="2202"/>
+          <ac:picMkLst>
+            <pc:docMk/>
+            <pc:sldMk cId="207206121" sldId="325"/>
+            <ac:picMk id="21" creationId="{A187CB17-0537-6FC2-C8A0-6F3151975A33}"/>
+          </ac:picMkLst>
+        </pc:picChg>
+        <pc:picChg chg="add mod">
+          <ac:chgData name="Maxwell,Daniel" userId="1b6ea79d-60d7-472e-a79a-e3fa9de1dfad" providerId="ADAL" clId="{EBEC8E73-0CD2-437E-94CD-ECBAF3F361A2}" dt="2023-05-08T16:18:02.506" v="2203"/>
+          <ac:picMkLst>
+            <pc:docMk/>
+            <pc:sldMk cId="207206121" sldId="325"/>
+            <ac:picMk id="22" creationId="{201FBF61-BC36-8BD0-4326-1228B93FF555}"/>
+          </ac:picMkLst>
+        </pc:picChg>
+      </pc:sldChg>
+      <pc:sldChg chg="addSp delSp modSp modTransition modAnim modNotesTx">
+        <pc:chgData name="Maxwell,Daniel" userId="1b6ea79d-60d7-472e-a79a-e3fa9de1dfad" providerId="ADAL" clId="{EBEC8E73-0CD2-437E-94CD-ECBAF3F361A2}" dt="2023-05-08T17:11:17.863" v="2468"/>
+        <pc:sldMkLst>
+          <pc:docMk/>
+          <pc:sldMk cId="1214658975" sldId="326"/>
+        </pc:sldMkLst>
+        <pc:picChg chg="add del mod">
+          <ac:chgData name="Maxwell,Daniel" userId="1b6ea79d-60d7-472e-a79a-e3fa9de1dfad" providerId="ADAL" clId="{EBEC8E73-0CD2-437E-94CD-ECBAF3F361A2}" dt="2023-05-08T17:03:41.694" v="2217"/>
+          <ac:picMkLst>
+            <pc:docMk/>
+            <pc:sldMk cId="1214658975" sldId="326"/>
+            <ac:picMk id="8" creationId="{874FCEED-557E-7AE3-67CB-5E865F68418C}"/>
+          </ac:picMkLst>
+        </pc:picChg>
+        <pc:picChg chg="add del mod">
+          <ac:chgData name="Maxwell,Daniel" userId="1b6ea79d-60d7-472e-a79a-e3fa9de1dfad" providerId="ADAL" clId="{EBEC8E73-0CD2-437E-94CD-ECBAF3F361A2}" dt="2023-05-08T17:05:34.206" v="2381"/>
+          <ac:picMkLst>
+            <pc:docMk/>
+            <pc:sldMk cId="1214658975" sldId="326"/>
+            <ac:picMk id="9" creationId="{C2C20421-CFAE-5DA7-B660-8677B7CCAE7C}"/>
+          </ac:picMkLst>
+        </pc:picChg>
+        <pc:picChg chg="add del mod">
+          <ac:chgData name="Maxwell,Daniel" userId="1b6ea79d-60d7-472e-a79a-e3fa9de1dfad" providerId="ADAL" clId="{EBEC8E73-0CD2-437E-94CD-ECBAF3F361A2}" dt="2023-05-08T17:05:44.463" v="2383"/>
+          <ac:picMkLst>
+            <pc:docMk/>
+            <pc:sldMk cId="1214658975" sldId="326"/>
+            <ac:picMk id="10" creationId="{A9B020EC-89A9-3387-A70F-7C5B3398D01F}"/>
+          </ac:picMkLst>
+        </pc:picChg>
+        <pc:picChg chg="add del mod">
+          <ac:chgData name="Maxwell,Daniel" userId="1b6ea79d-60d7-472e-a79a-e3fa9de1dfad" providerId="ADAL" clId="{EBEC8E73-0CD2-437E-94CD-ECBAF3F361A2}" dt="2023-05-08T17:06:36.692" v="2394"/>
+          <ac:picMkLst>
+            <pc:docMk/>
+            <pc:sldMk cId="1214658975" sldId="326"/>
+            <ac:picMk id="11" creationId="{74299969-B163-A46A-FBEF-56B06B09A2A7}"/>
+          </ac:picMkLst>
+        </pc:picChg>
+        <pc:picChg chg="add del mod">
+          <ac:chgData name="Maxwell,Daniel" userId="1b6ea79d-60d7-472e-a79a-e3fa9de1dfad" providerId="ADAL" clId="{EBEC8E73-0CD2-437E-94CD-ECBAF3F361A2}" dt="2023-05-08T17:06:48.417" v="2396"/>
+          <ac:picMkLst>
+            <pc:docMk/>
+            <pc:sldMk cId="1214658975" sldId="326"/>
+            <ac:picMk id="12" creationId="{073B17FE-DF7E-828C-B965-7544AFAB8F33}"/>
+          </ac:picMkLst>
+        </pc:picChg>
+        <pc:picChg chg="add del mod">
+          <ac:chgData name="Maxwell,Daniel" userId="1b6ea79d-60d7-472e-a79a-e3fa9de1dfad" providerId="ADAL" clId="{EBEC8E73-0CD2-437E-94CD-ECBAF3F361A2}" dt="2023-05-08T17:08:12.171" v="2457"/>
+          <ac:picMkLst>
+            <pc:docMk/>
+            <pc:sldMk cId="1214658975" sldId="326"/>
+            <ac:picMk id="13" creationId="{A9D253E1-FC61-B4F3-5383-E456EE059EE4}"/>
+          </ac:picMkLst>
+        </pc:picChg>
+        <pc:picChg chg="add del mod">
+          <ac:chgData name="Maxwell,Daniel" userId="1b6ea79d-60d7-472e-a79a-e3fa9de1dfad" providerId="ADAL" clId="{EBEC8E73-0CD2-437E-94CD-ECBAF3F361A2}" dt="2023-05-08T17:08:49.164" v="2459"/>
+          <ac:picMkLst>
+            <pc:docMk/>
+            <pc:sldMk cId="1214658975" sldId="326"/>
+            <ac:picMk id="14" creationId="{0CA2884F-E18A-0225-E795-0D8E24390AAB}"/>
+          </ac:picMkLst>
+        </pc:picChg>
+        <pc:picChg chg="add del mod">
+          <ac:chgData name="Maxwell,Daniel" userId="1b6ea79d-60d7-472e-a79a-e3fa9de1dfad" providerId="ADAL" clId="{EBEC8E73-0CD2-437E-94CD-ECBAF3F361A2}" dt="2023-05-08T17:10:47.588" v="2467"/>
+          <ac:picMkLst>
+            <pc:docMk/>
+            <pc:sldMk cId="1214658975" sldId="326"/>
+            <ac:picMk id="15" creationId="{4FB085DE-F7CC-50CB-8743-BB873936295D}"/>
+          </ac:picMkLst>
+        </pc:picChg>
+        <pc:picChg chg="add mod">
+          <ac:chgData name="Maxwell,Daniel" userId="1b6ea79d-60d7-472e-a79a-e3fa9de1dfad" providerId="ADAL" clId="{EBEC8E73-0CD2-437E-94CD-ECBAF3F361A2}" dt="2023-05-08T17:11:17.863" v="2468"/>
+          <ac:picMkLst>
+            <pc:docMk/>
+            <pc:sldMk cId="1214658975" sldId="326"/>
+            <ac:picMk id="16" creationId="{24A077D5-81F4-350A-71AF-4BB7A4DB7E8A}"/>
+          </ac:picMkLst>
+        </pc:picChg>
+      </pc:sldChg>
+      <pc:sldChg chg="addSp delSp modSp modTransition modAnim modNotesTx">
+        <pc:chgData name="Maxwell,Daniel" userId="1b6ea79d-60d7-472e-a79a-e3fa9de1dfad" providerId="ADAL" clId="{EBEC8E73-0CD2-437E-94CD-ECBAF3F361A2}" dt="2023-05-08T17:49:08.941" v="3053"/>
+        <pc:sldMkLst>
+          <pc:docMk/>
+          <pc:sldMk cId="2177157636" sldId="327"/>
+        </pc:sldMkLst>
+        <pc:picChg chg="add del mod">
+          <ac:chgData name="Maxwell,Daniel" userId="1b6ea79d-60d7-472e-a79a-e3fa9de1dfad" providerId="ADAL" clId="{EBEC8E73-0CD2-437E-94CD-ECBAF3F361A2}" dt="2023-05-08T17:47:18.320" v="3048"/>
+          <ac:picMkLst>
+            <pc:docMk/>
+            <pc:sldMk cId="2177157636" sldId="327"/>
+            <ac:picMk id="25" creationId="{7F7B07A0-B8B4-C144-2F46-CEAF2DA3EB47}"/>
+          </ac:picMkLst>
+        </pc:picChg>
+        <pc:picChg chg="add del mod">
+          <ac:chgData name="Maxwell,Daniel" userId="1b6ea79d-60d7-472e-a79a-e3fa9de1dfad" providerId="ADAL" clId="{EBEC8E73-0CD2-437E-94CD-ECBAF3F361A2}" dt="2023-05-08T17:47:42.359" v="3050"/>
+          <ac:picMkLst>
+            <pc:docMk/>
+            <pc:sldMk cId="2177157636" sldId="327"/>
+            <ac:picMk id="27" creationId="{43F65392-E35B-B2C3-63DF-EB4646499B96}"/>
+          </ac:picMkLst>
+        </pc:picChg>
+        <pc:picChg chg="add del mod">
+          <ac:chgData name="Maxwell,Daniel" userId="1b6ea79d-60d7-472e-a79a-e3fa9de1dfad" providerId="ADAL" clId="{EBEC8E73-0CD2-437E-94CD-ECBAF3F361A2}" dt="2023-05-08T17:48:39.193" v="3052"/>
+          <ac:picMkLst>
+            <pc:docMk/>
+            <pc:sldMk cId="2177157636" sldId="327"/>
+            <ac:picMk id="28" creationId="{684294F8-F946-8AF1-77E6-6CAEF2803A18}"/>
+          </ac:picMkLst>
+        </pc:picChg>
+        <pc:picChg chg="add mod">
+          <ac:chgData name="Maxwell,Daniel" userId="1b6ea79d-60d7-472e-a79a-e3fa9de1dfad" providerId="ADAL" clId="{EBEC8E73-0CD2-437E-94CD-ECBAF3F361A2}" dt="2023-05-08T17:49:08.941" v="3053"/>
+          <ac:picMkLst>
+            <pc:docMk/>
+            <pc:sldMk cId="2177157636" sldId="327"/>
+            <ac:picMk id="29" creationId="{127B41B8-1102-95AC-6ECE-3B143EA62F68}"/>
+          </ac:picMkLst>
+        </pc:picChg>
+      </pc:sldChg>
+      <pc:sldChg chg="modTransition">
+        <pc:chgData name="Maxwell,Daniel" userId="1b6ea79d-60d7-472e-a79a-e3fa9de1dfad" providerId="ADAL" clId="{EBEC8E73-0CD2-437E-94CD-ECBAF3F361A2}" dt="2023-05-08T14:06:18.439" v="1071"/>
+        <pc:sldMkLst>
+          <pc:docMk/>
+          <pc:sldMk cId="710126279" sldId="329"/>
+        </pc:sldMkLst>
+      </pc:sldChg>
+      <pc:sldChg chg="addSp delSp modSp modTransition modAnim modNotesTx">
+        <pc:chgData name="Maxwell,Daniel" userId="1b6ea79d-60d7-472e-a79a-e3fa9de1dfad" providerId="ADAL" clId="{EBEC8E73-0CD2-437E-94CD-ECBAF3F361A2}" dt="2023-05-08T14:10:04.836" v="1086"/>
+        <pc:sldMkLst>
+          <pc:docMk/>
+          <pc:sldMk cId="199997798" sldId="330"/>
+        </pc:sldMkLst>
+        <pc:picChg chg="add del mod">
+          <ac:chgData name="Maxwell,Daniel" userId="1b6ea79d-60d7-472e-a79a-e3fa9de1dfad" providerId="ADAL" clId="{EBEC8E73-0CD2-437E-94CD-ECBAF3F361A2}" dt="2023-05-08T14:00:17.880" v="833"/>
+          <ac:picMkLst>
+            <pc:docMk/>
+            <pc:sldMk cId="199997798" sldId="330"/>
+            <ac:picMk id="8" creationId="{B63931F1-10DE-3E0D-30E6-6F01E9D77A1D}"/>
+          </ac:picMkLst>
+        </pc:picChg>
+        <pc:picChg chg="add del mod">
+          <ac:chgData name="Maxwell,Daniel" userId="1b6ea79d-60d7-472e-a79a-e3fa9de1dfad" providerId="ADAL" clId="{EBEC8E73-0CD2-437E-94CD-ECBAF3F361A2}" dt="2023-05-08T14:00:35.392" v="835"/>
+          <ac:picMkLst>
+            <pc:docMk/>
+            <pc:sldMk cId="199997798" sldId="330"/>
+            <ac:picMk id="9" creationId="{E6B2E195-78E9-145A-DA6A-EE17675A6DF0}"/>
+          </ac:picMkLst>
+        </pc:picChg>
+        <pc:picChg chg="add del mod">
+          <ac:chgData name="Maxwell,Daniel" userId="1b6ea79d-60d7-472e-a79a-e3fa9de1dfad" providerId="ADAL" clId="{EBEC8E73-0CD2-437E-94CD-ECBAF3F361A2}" dt="2023-05-08T14:03:00.176" v="1004"/>
+          <ac:picMkLst>
+            <pc:docMk/>
+            <pc:sldMk cId="199997798" sldId="330"/>
+            <ac:picMk id="10" creationId="{066BA0E6-590C-60C9-9787-547EDE9551F8}"/>
+          </ac:picMkLst>
+        </pc:picChg>
+        <pc:picChg chg="add del mod">
+          <ac:chgData name="Maxwell,Daniel" userId="1b6ea79d-60d7-472e-a79a-e3fa9de1dfad" providerId="ADAL" clId="{EBEC8E73-0CD2-437E-94CD-ECBAF3F361A2}" dt="2023-05-08T14:06:18.439" v="1071"/>
+          <ac:picMkLst>
+            <pc:docMk/>
+            <pc:sldMk cId="199997798" sldId="330"/>
+            <ac:picMk id="11" creationId="{1DCDD821-88CA-B0EF-15D7-BCE4775ED3D5}"/>
+          </ac:picMkLst>
+        </pc:picChg>
+        <pc:picChg chg="add mod">
+          <ac:chgData name="Maxwell,Daniel" userId="1b6ea79d-60d7-472e-a79a-e3fa9de1dfad" providerId="ADAL" clId="{EBEC8E73-0CD2-437E-94CD-ECBAF3F361A2}" dt="2023-05-08T14:10:04.836" v="1086"/>
+          <ac:picMkLst>
+            <pc:docMk/>
+            <pc:sldMk cId="199997798" sldId="330"/>
+            <ac:picMk id="12" creationId="{0B85643B-DDA8-CA06-5E45-6E9ABB286676}"/>
+          </ac:picMkLst>
+        </pc:picChg>
+      </pc:sldChg>
+      <pc:sldChg chg="addSp delSp modSp del modTransition modAnim modNotesTx">
+        <pc:chgData name="Maxwell,Daniel" userId="1b6ea79d-60d7-472e-a79a-e3fa9de1dfad" providerId="ADAL" clId="{EBEC8E73-0CD2-437E-94CD-ECBAF3F361A2}" dt="2023-05-08T18:43:34.621" v="4187" actId="47"/>
+        <pc:sldMkLst>
+          <pc:docMk/>
+          <pc:sldMk cId="3993506023" sldId="331"/>
+        </pc:sldMkLst>
+        <pc:picChg chg="add del mod">
+          <ac:chgData name="Maxwell,Daniel" userId="1b6ea79d-60d7-472e-a79a-e3fa9de1dfad" providerId="ADAL" clId="{EBEC8E73-0CD2-437E-94CD-ECBAF3F361A2}" dt="2023-05-08T17:56:30.694" v="3076"/>
+          <ac:picMkLst>
+            <pc:docMk/>
+            <pc:sldMk cId="3993506023" sldId="331"/>
+            <ac:picMk id="9" creationId="{DF3B99FD-D4B1-FC2A-FDF4-5356209924C1}"/>
+          </ac:picMkLst>
+        </pc:picChg>
+        <pc:picChg chg="add del mod">
+          <ac:chgData name="Maxwell,Daniel" userId="1b6ea79d-60d7-472e-a79a-e3fa9de1dfad" providerId="ADAL" clId="{EBEC8E73-0CD2-437E-94CD-ECBAF3F361A2}" dt="2023-05-08T17:57:01.012" v="3078"/>
+          <ac:picMkLst>
+            <pc:docMk/>
+            <pc:sldMk cId="3993506023" sldId="331"/>
+            <ac:picMk id="10" creationId="{E5E69E3F-2207-A320-3282-4E86EF957E28}"/>
+          </ac:picMkLst>
+        </pc:picChg>
+        <pc:picChg chg="add del mod">
+          <ac:chgData name="Maxwell,Daniel" userId="1b6ea79d-60d7-472e-a79a-e3fa9de1dfad" providerId="ADAL" clId="{EBEC8E73-0CD2-437E-94CD-ECBAF3F361A2}" dt="2023-05-08T17:57:47.631" v="3097"/>
+          <ac:picMkLst>
+            <pc:docMk/>
+            <pc:sldMk cId="3993506023" sldId="331"/>
+            <ac:picMk id="11" creationId="{E0AC657C-2D8C-82FA-C5E7-1780B8BD22E0}"/>
+          </ac:picMkLst>
+        </pc:picChg>
+        <pc:picChg chg="add del mod">
+          <ac:chgData name="Maxwell,Daniel" userId="1b6ea79d-60d7-472e-a79a-e3fa9de1dfad" providerId="ADAL" clId="{EBEC8E73-0CD2-437E-94CD-ECBAF3F361A2}" dt="2023-05-08T18:00:16.584" v="3099"/>
+          <ac:picMkLst>
+            <pc:docMk/>
+            <pc:sldMk cId="3993506023" sldId="331"/>
+            <ac:picMk id="12" creationId="{A2986BB7-D8E8-1E1A-76F5-BC14EB4F3A0E}"/>
+          </ac:picMkLst>
+        </pc:picChg>
+        <pc:picChg chg="add del mod">
+          <ac:chgData name="Maxwell,Daniel" userId="1b6ea79d-60d7-472e-a79a-e3fa9de1dfad" providerId="ADAL" clId="{EBEC8E73-0CD2-437E-94CD-ECBAF3F361A2}" dt="2023-05-08T18:00:35.090" v="3101"/>
+          <ac:picMkLst>
+            <pc:docMk/>
+            <pc:sldMk cId="3993506023" sldId="331"/>
+            <ac:picMk id="13" creationId="{B9740C04-B293-5FE3-4903-FBBE56AEB7EB}"/>
+          </ac:picMkLst>
+        </pc:picChg>
+        <pc:picChg chg="add del mod">
+          <ac:chgData name="Maxwell,Daniel" userId="1b6ea79d-60d7-472e-a79a-e3fa9de1dfad" providerId="ADAL" clId="{EBEC8E73-0CD2-437E-94CD-ECBAF3F361A2}" dt="2023-05-08T18:02:55.467" v="3174"/>
+          <ac:picMkLst>
+            <pc:docMk/>
+            <pc:sldMk cId="3993506023" sldId="331"/>
+            <ac:picMk id="14" creationId="{7AA56650-D6A0-B107-1BC7-D4F231E266B3}"/>
+          </ac:picMkLst>
+        </pc:picChg>
+        <pc:picChg chg="add del mod">
+          <ac:chgData name="Maxwell,Daniel" userId="1b6ea79d-60d7-472e-a79a-e3fa9de1dfad" providerId="ADAL" clId="{EBEC8E73-0CD2-437E-94CD-ECBAF3F361A2}" dt="2023-05-08T18:19:30.057" v="4052"/>
+          <ac:picMkLst>
+            <pc:docMk/>
+            <pc:sldMk cId="3993506023" sldId="331"/>
+            <ac:picMk id="15" creationId="{C5D28024-9A12-A3D9-3CDD-A82060104B86}"/>
+          </ac:picMkLst>
+        </pc:picChg>
+        <pc:picChg chg="add del mod">
+          <ac:chgData name="Maxwell,Daniel" userId="1b6ea79d-60d7-472e-a79a-e3fa9de1dfad" providerId="ADAL" clId="{EBEC8E73-0CD2-437E-94CD-ECBAF3F361A2}" dt="2023-05-08T18:20:20.802" v="4054"/>
+          <ac:picMkLst>
+            <pc:docMk/>
+            <pc:sldMk cId="3993506023" sldId="331"/>
+            <ac:picMk id="16" creationId="{83C4C458-B236-ED72-23C9-C23592009C79}"/>
+          </ac:picMkLst>
+        </pc:picChg>
+        <pc:picChg chg="add del mod">
+          <ac:chgData name="Maxwell,Daniel" userId="1b6ea79d-60d7-472e-a79a-e3fa9de1dfad" providerId="ADAL" clId="{EBEC8E73-0CD2-437E-94CD-ECBAF3F361A2}" dt="2023-05-08T18:20:44.244" v="4056"/>
+          <ac:picMkLst>
+            <pc:docMk/>
+            <pc:sldMk cId="3993506023" sldId="331"/>
+            <ac:picMk id="17" creationId="{6B138A19-D546-17ED-06C5-976E6E0E9EC6}"/>
+          </ac:picMkLst>
+        </pc:picChg>
+        <pc:picChg chg="add del mod">
+          <ac:chgData name="Maxwell,Daniel" userId="1b6ea79d-60d7-472e-a79a-e3fa9de1dfad" providerId="ADAL" clId="{EBEC8E73-0CD2-437E-94CD-ECBAF3F361A2}" dt="2023-05-08T18:24:51.362" v="4058"/>
+          <ac:picMkLst>
+            <pc:docMk/>
+            <pc:sldMk cId="3993506023" sldId="331"/>
+            <ac:picMk id="18" creationId="{72ED2905-D7A9-7FC4-298D-2D643B39033C}"/>
+          </ac:picMkLst>
+        </pc:picChg>
+        <pc:picChg chg="add del mod">
+          <ac:chgData name="Maxwell,Daniel" userId="1b6ea79d-60d7-472e-a79a-e3fa9de1dfad" providerId="ADAL" clId="{EBEC8E73-0CD2-437E-94CD-ECBAF3F361A2}" dt="2023-05-08T18:25:21.129" v="4060"/>
+          <ac:picMkLst>
+            <pc:docMk/>
+            <pc:sldMk cId="3993506023" sldId="331"/>
+            <ac:picMk id="19" creationId="{6DFACB1C-5E09-3E61-3ECB-021E08E14605}"/>
+          </ac:picMkLst>
+        </pc:picChg>
+        <pc:picChg chg="add del mod">
+          <ac:chgData name="Maxwell,Daniel" userId="1b6ea79d-60d7-472e-a79a-e3fa9de1dfad" providerId="ADAL" clId="{EBEC8E73-0CD2-437E-94CD-ECBAF3F361A2}" dt="2023-05-08T18:27:08.693" v="4062"/>
+          <ac:picMkLst>
+            <pc:docMk/>
+            <pc:sldMk cId="3993506023" sldId="331"/>
+            <ac:picMk id="20" creationId="{AF7DCA34-DF3C-4091-19C5-C84CB852FF47}"/>
+          </ac:picMkLst>
+        </pc:picChg>
+        <pc:picChg chg="add mod">
+          <ac:chgData name="Maxwell,Daniel" userId="1b6ea79d-60d7-472e-a79a-e3fa9de1dfad" providerId="ADAL" clId="{EBEC8E73-0CD2-437E-94CD-ECBAF3F361A2}" dt="2023-05-08T18:28:34.844" v="4063"/>
+          <ac:picMkLst>
+            <pc:docMk/>
+            <pc:sldMk cId="3993506023" sldId="331"/>
+            <ac:picMk id="21" creationId="{B1AF0AF6-F0EB-A57F-0E31-9CCA055B1A7D}"/>
+          </ac:picMkLst>
+        </pc:picChg>
+      </pc:sldChg>
+      <pc:sldChg chg="addSp delSp modSp add modTransition modAnim modNotesTx">
+        <pc:chgData name="Maxwell,Daniel" userId="1b6ea79d-60d7-472e-a79a-e3fa9de1dfad" providerId="ADAL" clId="{EBEC8E73-0CD2-437E-94CD-ECBAF3F361A2}" dt="2023-05-08T18:41:28.211" v="4186"/>
+        <pc:sldMkLst>
+          <pc:docMk/>
+          <pc:sldMk cId="4044952695" sldId="332"/>
+        </pc:sldMkLst>
+        <pc:picChg chg="add del mod">
+          <ac:chgData name="Maxwell,Daniel" userId="1b6ea79d-60d7-472e-a79a-e3fa9de1dfad" providerId="ADAL" clId="{EBEC8E73-0CD2-437E-94CD-ECBAF3F361A2}" dt="2023-05-08T18:33:21.891" v="4125"/>
+          <ac:picMkLst>
+            <pc:docMk/>
+            <pc:sldMk cId="4044952695" sldId="332"/>
+            <ac:picMk id="9" creationId="{53EE536D-9679-C0ED-64F7-EDE488FD27E2}"/>
+          </ac:picMkLst>
+        </pc:picChg>
+        <pc:picChg chg="add del mod">
+          <ac:chgData name="Maxwell,Daniel" userId="1b6ea79d-60d7-472e-a79a-e3fa9de1dfad" providerId="ADAL" clId="{EBEC8E73-0CD2-437E-94CD-ECBAF3F361A2}" dt="2023-05-08T18:33:42.744" v="4127"/>
+          <ac:picMkLst>
+            <pc:docMk/>
+            <pc:sldMk cId="4044952695" sldId="332"/>
+            <ac:picMk id="10" creationId="{89CBD414-B6D3-0CCF-A0AC-2C28EF96973E}"/>
+          </ac:picMkLst>
+        </pc:picChg>
+        <pc:picChg chg="add del mod">
+          <ac:chgData name="Maxwell,Daniel" userId="1b6ea79d-60d7-472e-a79a-e3fa9de1dfad" providerId="ADAL" clId="{EBEC8E73-0CD2-437E-94CD-ECBAF3F361A2}" dt="2023-05-08T18:36:35.578" v="4168"/>
+          <ac:picMkLst>
+            <pc:docMk/>
+            <pc:sldMk cId="4044952695" sldId="332"/>
+            <ac:picMk id="11" creationId="{BCDC0020-2931-46C1-473D-018B086DEA7C}"/>
+          </ac:picMkLst>
+        </pc:picChg>
+        <pc:picChg chg="add del mod">
+          <ac:chgData name="Maxwell,Daniel" userId="1b6ea79d-60d7-472e-a79a-e3fa9de1dfad" providerId="ADAL" clId="{EBEC8E73-0CD2-437E-94CD-ECBAF3F361A2}" dt="2023-05-08T18:37:38.382" v="4170"/>
+          <ac:picMkLst>
+            <pc:docMk/>
+            <pc:sldMk cId="4044952695" sldId="332"/>
+            <ac:picMk id="12" creationId="{0A76C4D8-EAEC-3045-6DE0-87D7AD2AE145}"/>
+          </ac:picMkLst>
+        </pc:picChg>
+        <pc:picChg chg="add del mod">
+          <ac:chgData name="Maxwell,Daniel" userId="1b6ea79d-60d7-472e-a79a-e3fa9de1dfad" providerId="ADAL" clId="{EBEC8E73-0CD2-437E-94CD-ECBAF3F361A2}" dt="2023-05-08T18:40:09.431" v="4185"/>
+          <ac:picMkLst>
+            <pc:docMk/>
+            <pc:sldMk cId="4044952695" sldId="332"/>
+            <ac:picMk id="13" creationId="{EE6665E9-BFF6-1B61-514F-36E83EAEF190}"/>
+          </ac:picMkLst>
+        </pc:picChg>
+        <pc:picChg chg="add mod">
+          <ac:chgData name="Maxwell,Daniel" userId="1b6ea79d-60d7-472e-a79a-e3fa9de1dfad" providerId="ADAL" clId="{EBEC8E73-0CD2-437E-94CD-ECBAF3F361A2}" dt="2023-05-08T18:41:28.211" v="4186"/>
+          <ac:picMkLst>
+            <pc:docMk/>
+            <pc:sldMk cId="4044952695" sldId="332"/>
+            <ac:picMk id="14" creationId="{2A9F0BB0-6AD3-CF5B-CF53-D10CDDC01573}"/>
+          </ac:picMkLst>
+        </pc:picChg>
+        <pc:picChg chg="del">
+          <ac:chgData name="Maxwell,Daniel" userId="1b6ea79d-60d7-472e-a79a-e3fa9de1dfad" providerId="ADAL" clId="{EBEC8E73-0CD2-437E-94CD-ECBAF3F361A2}" dt="2023-05-08T18:30:23.640" v="4093"/>
+          <ac:picMkLst>
+            <pc:docMk/>
+            <pc:sldMk cId="4044952695" sldId="332"/>
+            <ac:picMk id="21" creationId="{B1AF0AF6-F0EB-A57F-0E31-9CCA055B1A7D}"/>
+          </ac:picMkLst>
+        </pc:picChg>
+      </pc:sldChg>
+    </pc:docChg>
+  </pc:docChgLst>
+</pc:chgInfo>
+</file>
+
 <file path=ppt/notesMasters/notesMaster1.xml><?xml version="1.0" encoding="utf-8"?>
 <p:notesMaster xmlns:a="http://schemas.openxmlformats.org/drawingml/2006/main" xmlns:r="http://schemas.openxmlformats.org/officeDocument/2006/relationships" xmlns:p="http://schemas.openxmlformats.org/presentationml/2006/main">
   <p:cSld>
@@ -220,7 +1228,7 @@
           <a:p>
             <a:fld id="{FD93C9B2-20F6-4DB1-B471-224337D0AC79}" type="datetimeFigureOut">
               <a:rPr lang="en-US" smtClean="0"/>
-              <a:t>11/15/2022</a:t>
+              <a:t>7/7/2023</a:t>
             </a:fld>
             <a:endParaRPr lang="en-US"/>
           </a:p>
@@ -627,7 +1635,7 @@
             </a:pPr>
             <a:r>
               <a:rPr lang="en-US" dirty="0"/>
-              <a:t>The following recommendations come from Jon Krohn’s wonderful book: </a:t>
+              <a:t>I conclude this briefing with the following recommendations which come from Jon Krohn’s wonderful book: </a:t>
             </a:r>
             <a:r>
               <a:rPr lang="en-US" i="1" dirty="0"/>
@@ -646,7 +1654,7 @@
             </a:pPr>
             <a:r>
               <a:rPr lang="en-US" dirty="0"/>
-              <a:t>Because it’s either all on or off, the perceptron is not a practical consideration for deep neural networks.</a:t>
+              <a:t>Because it’s either all on or off, the perceptron is not a practical choice for deep neural networks.</a:t>
             </a:r>
           </a:p>
           <a:p>
@@ -655,7 +1663,7 @@
             </a:pPr>
             <a:r>
               <a:rPr lang="en-US" dirty="0"/>
-              <a:t>The Sigmoid is an acceptable option, but neural networks comprised of sigmoid functions tend to train slower than those with Tanh or ReLU functions.  Limit the use of sigmoid functions to situations where the neuron needs to provide output within the range of 0 – 1. </a:t>
+              <a:t>However, the Sigmoid is an acceptable option.  But keep in mind:  neural networks comprised of sigmoid functions tend to train slower than those with Tanh or ReLU functions.  So, limit the use of sigmoid functions to situations where the neuron needs to provide output between 0 – 1. </a:t>
             </a:r>
           </a:p>
           <a:p>
@@ -664,7 +1672,7 @@
             </a:pPr>
             <a:r>
               <a:rPr lang="en-US" dirty="0"/>
-              <a:t>The Tanh is a solid choice as the 0 centered output helps networks train rapidly.</a:t>
+              <a:t>The Tanh is also a solid choice as the 0 centered output helps networks train rapidly.</a:t>
             </a:r>
           </a:p>
           <a:p>
@@ -673,22 +1681,22 @@
             </a:pPr>
             <a:r>
               <a:rPr lang="en-US" dirty="0"/>
-              <a:t>According to Krohn, the best choice is the ReLU (Rectified Linear Unit) because of its computation efficiency.  This function tends to lead to well-calibrated neural networks in the shortest training time. </a:t>
-            </a:r>
-          </a:p>
-          <a:p>
-            <a:pPr marL="228600" indent="-228600">
-              <a:buAutoNum type="arabicPeriod"/>
-            </a:pPr>
-            <a:endParaRPr lang="en-US" dirty="0"/>
+              <a:t>And according to Krohn, the best choice is ReLU because of its computational efficiency.  This activation function tends to lead to well-calibrated models in the shortest training time. </a:t>
+            </a:r>
           </a:p>
           <a:p>
             <a:pPr marL="0" indent="0">
               <a:buNone/>
             </a:pPr>
+            <a:endParaRPr lang="en-US" dirty="0"/>
+          </a:p>
+          <a:p>
+            <a:pPr marL="0" indent="0">
+              <a:buNone/>
+            </a:pPr>
             <a:r>
               <a:rPr lang="en-US" dirty="0"/>
-              <a:t>In recent years, Keras has released a variety of advanced activation functions.  Leaky ReLU, parametric ReLU, and exponential linear unit are all derived from the basic ReLU function.  For more information about these options, see the Keras documentation.</a:t>
+              <a:t>Now because ReLU is so popular, there are many variants -- Leaky ReLU, parametric ReLU, and the Exponential Linear Unit. For more information about these options, please refer to the documentation of the framework you are currently using.</a:t>
             </a:r>
           </a:p>
         </p:txBody>
@@ -719,7 +1727,7 @@
     </p:spTree>
     <p:extLst>
       <p:ext uri="{BB962C8B-B14F-4D97-AF65-F5344CB8AC3E}">
-        <p14:creationId xmlns:p14="http://schemas.microsoft.com/office/powerpoint/2010/main" val="585459922"/>
+        <p14:creationId xmlns:p14="http://schemas.microsoft.com/office/powerpoint/2010/main" val="1897124500"/>
       </p:ext>
     </p:extLst>
   </p:cSld>
@@ -1401,7 +2409,17 @@
                 <a:ea typeface="+mn-ea"/>
                 <a:cs typeface="+mn-cs"/>
               </a:rPr>
-              <a:t>Alright, we met this diagram in our first mini-lecture.  </a:t>
+              <a:t>We begin with a quick review.  This image was featured in our neural network training video.  And as we learned there, an artificial neuron is comprised of a net input or summation function and an activation function. Remember: a function is a named block of code that runs when called. </a:t>
+            </a:r>
+            <a:r>
+              <a:rPr lang="en-US" b="0" i="0" dirty="0">
+                <a:solidFill>
+                  <a:srgbClr val="000000"/>
+                </a:solidFill>
+                <a:effectLst/>
+                <a:latin typeface="Verdana" panose="020B0604030504040204" pitchFamily="34" charset="0"/>
+              </a:rPr>
+              <a:t>Most functions allow you to pass data into them.  These are called parameters.  Most functions also return a value once they’ve been executed.  </a:t>
             </a:r>
           </a:p>
           <a:p>
@@ -1422,14 +2440,12 @@
               <a:tabLst/>
               <a:defRPr/>
             </a:pPr>
-            <a:endParaRPr lang="en-US" sz="1200" b="0" i="0" kern="1200" dirty="0">
+            <a:endParaRPr lang="en-US" b="0" i="0" dirty="0">
               <a:solidFill>
-                <a:schemeClr val="tx1"/>
+                <a:srgbClr val="000000"/>
               </a:solidFill>
               <a:effectLst/>
-              <a:latin typeface="+mn-lt"/>
-              <a:ea typeface="+mn-ea"/>
-              <a:cs typeface="+mn-cs"/>
+              <a:latin typeface="Verdana" panose="020B0604030504040204" pitchFamily="34" charset="0"/>
             </a:endParaRPr>
           </a:p>
           <a:p>
@@ -1451,6 +2467,44 @@
               <a:defRPr/>
             </a:pPr>
             <a:r>
+              <a:rPr lang="en-US" b="0" i="0" dirty="0">
+                <a:solidFill>
+                  <a:srgbClr val="000000"/>
+                </a:solidFill>
+                <a:effectLst/>
+                <a:latin typeface="Verdana" panose="020B0604030504040204" pitchFamily="34" charset="0"/>
+              </a:rPr>
+              <a:t>Here we see a simple function called f, with one parameter called x.  When we pass an input value on the x-axis to this function, it returns y as its output.</a:t>
+            </a:r>
+            <a:endParaRPr lang="en-US" sz="1200" b="0" i="0" kern="1200" dirty="0">
+              <a:solidFill>
+                <a:schemeClr val="tx1"/>
+              </a:solidFill>
+              <a:effectLst/>
+              <a:latin typeface="+mn-lt"/>
+              <a:ea typeface="+mn-ea"/>
+              <a:cs typeface="+mn-cs"/>
+            </a:endParaRPr>
+          </a:p>
+          <a:p>
+            <a:pPr marL="228600" marR="0" lvl="0" indent="-228600" algn="l" defTabSz="914400" rtl="0" eaLnBrk="1" fontAlgn="auto" latinLnBrk="0" hangingPunct="1">
+              <a:lnSpc>
+                <a:spcPct val="100000"/>
+              </a:lnSpc>
+              <a:spcBef>
+                <a:spcPts val="0"/>
+              </a:spcBef>
+              <a:spcAft>
+                <a:spcPts val="0"/>
+              </a:spcAft>
+              <a:buClrTx/>
+              <a:buSzTx/>
+              <a:buFontTx/>
+              <a:buAutoNum type="arabicPeriod"/>
+              <a:tabLst/>
+              <a:defRPr/>
+            </a:pPr>
+            <a:r>
               <a:rPr lang="en-US" sz="1200" b="0" i="0" kern="1200" dirty="0">
                 <a:solidFill>
                   <a:schemeClr val="tx1"/>
@@ -1460,7 +2514,7 @@
                 <a:ea typeface="+mn-ea"/>
                 <a:cs typeface="+mn-cs"/>
               </a:rPr>
-              <a:t>In this presentation, I want to take a closer look at the activation function and some of the options available to us.  The choice of activation function is important as it can have a major impact on how well your model learns.  </a:t>
+              <a:t>Activation functions work the same way.  You pass a value in, and it returns a value.  The choice of activation function is important as it can have a major impact on how well your model trains.</a:t>
             </a:r>
           </a:p>
           <a:p>
@@ -1603,7 +2657,7 @@
           <a:p>
             <a:r>
               <a:rPr lang="en-US" dirty="0"/>
-              <a:t>Rosenblatt’s original perceptron was a simple animal.  When z is less than or equal to zero, the perceptron outputs 0.  If z became positive, the perceptron outputs a 1.  But this sudden and extreme transition is not optimal during training.  Essentially, the neuron has no finesse – it’s either yelling or its silent. </a:t>
+              <a:t>Our first activation function is the simple perceptron.  When its input is less than or equal to zero, the perceptron outputs 0.  If the input becomes positive – even by a tiny amount – the perceptron outputs a 1.  But this sudden and extreme transition is not ideal for training.  Essentially, the neuron has no finesse – it’s either yelling or its silent. </a:t>
             </a:r>
           </a:p>
           <a:p>
@@ -1612,7 +2666,7 @@
           <a:p>
             <a:r>
               <a:rPr lang="en-US" dirty="0"/>
-              <a:t>Think about it like this.  In real life, learning is generally incremental, consisting of a series of small steps towards mastery.  It’s rarely the case that complete understanding occurs in an instant, at a moment in time.  The same holds true in deep learning.  Ideally, we’d like to move along a gradient, capable of reflecting small learning adjustments.</a:t>
+              <a:t>Think about it like this.  In real life, learning is generally incremental, consisting of a series of small steps towards mastery.  Complete understanding rarely happens in an instant.  The same holds true in deep learning.  Ideally, we’d like to move along a gradient, capable of reflecting small learning adjustments.</a:t>
             </a:r>
           </a:p>
         </p:txBody>
@@ -1719,40 +2773,6 @@
             </a:r>
           </a:p>
           <a:p>
-            <a:endParaRPr lang="en-US" b="0" i="0" dirty="0">
-              <a:solidFill>
-                <a:srgbClr val="3D3B49"/>
-              </a:solidFill>
-              <a:effectLst/>
-              <a:latin typeface="+mn-lt"/>
-            </a:endParaRPr>
-          </a:p>
-          <a:p>
-            <a:pPr marL="228600" indent="-228600">
-              <a:buAutoNum type="arabicPeriod"/>
-            </a:pPr>
-            <a:r>
-              <a:rPr lang="en-US" b="0" i="0" dirty="0">
-                <a:solidFill>
-                  <a:srgbClr val="3D3B49"/>
-                </a:solidFill>
-                <a:effectLst/>
-                <a:latin typeface="+mn-lt"/>
-              </a:rPr>
-              <a:t>As we learned in our Python workshop series, a </a:t>
-            </a:r>
-            <a:r>
-              <a:rPr lang="en-US" b="0" i="0" dirty="0">
-                <a:solidFill>
-                  <a:srgbClr val="000000"/>
-                </a:solidFill>
-                <a:effectLst/>
-                <a:latin typeface="Verdana" panose="020B0604030504040204" pitchFamily="34" charset="0"/>
-              </a:rPr>
-              <a:t>function is a named block of code that runs when it is called.  Most functions allow you to pass data – called parameters – into them.  Most functions also return a value once they’ve been executed.  Here we see a simple function called f, with one parameter called x.  When we pass an input value on the x-axis to this function, it returns a y output value.</a:t>
-            </a:r>
-          </a:p>
-          <a:p>
             <a:pPr marL="0" indent="0">
               <a:buNone/>
             </a:pPr>
@@ -1773,7 +2793,7 @@
                 <a:effectLst/>
                 <a:latin typeface="Verdana" panose="020B0604030504040204" pitchFamily="34" charset="0"/>
               </a:rPr>
-              <a:t>Pictured here are graphs for three different linear functions.  The function on the left is an identity function.  In other words, y equals x.  Whatever you pass to the function is what you get out of it.  With the ot</a:t>
+              <a:t>Three linear functions are pictured here.  The function on the left is an identity function.  In other words, y equals x.  Whatever you pass to the function is what you get out of it.  With the ot</a:t>
             </a:r>
             <a:r>
               <a:rPr lang="en-US" dirty="0">
@@ -1875,7 +2895,7 @@
           <a:p>
             <a:r>
               <a:rPr lang="en-US" dirty="0"/>
-              <a:t>The ReLU activation function is popular because it’s simple and trains well.</a:t>
+              <a:t>Now in recent years, the ReLU activation function has become quite popular because it’s simple and trains extremely well.</a:t>
             </a:r>
           </a:p>
         </p:txBody>
@@ -1968,7 +2988,7 @@
                 <a:effectLst/>
                 <a:latin typeface="+mn-lt"/>
               </a:rPr>
-              <a:t>The S-shaped sigmoid function is also called the logistic function or logistic curve. It has a value of 0 for very negative inputs, and a value of 1 for very positive inputs. In this example, we see a smooth transition between 0 and 1 for x values ranging from -6 to 6.  The name sigmoid comes from the resemblance of the curve to an S shape,</a:t>
+              <a:t>The sigmoid function – also known as the logistic function – returns a 0 value for extremely negative inputs, and a value of 1 for extremely positive inputs. In this example, we see a smooth transition between 0 and 1 for x values between -6 to 6.  This function is called sigmoid because it resembles the curve of an S shape.</a:t>
             </a:r>
             <a:endParaRPr lang="en-US" i="0" dirty="0">
               <a:latin typeface="+mn-lt"/>
@@ -2064,7 +3084,47 @@
                 <a:effectLst/>
                 <a:latin typeface="+mn-lt"/>
               </a:rPr>
-              <a:t>The hyperbolic tangent function, written tanh, is S-shaped like the sigmoid.  The key differences are that it returns a value of −1 for very negative inputs, and the transition zone is a bit narrower.</a:t>
+              <a:t>The output from the hyperbolic tangent function, written </a:t>
+            </a:r>
+            <a:r>
+              <a:rPr lang="en-US" b="1" i="0" dirty="0">
+                <a:solidFill>
+                  <a:srgbClr val="3D3B49"/>
+                </a:solidFill>
+                <a:effectLst/>
+                <a:latin typeface="+mn-lt"/>
+              </a:rPr>
+              <a:t>TANH</a:t>
+            </a:r>
+            <a:r>
+              <a:rPr lang="en-US" b="0" i="0" dirty="0">
+                <a:solidFill>
+                  <a:srgbClr val="3D3B49"/>
+                </a:solidFill>
+                <a:effectLst/>
+                <a:latin typeface="+mn-lt"/>
+              </a:rPr>
+              <a:t>, looks like the sigmoid function.  It has that same S-shape.  But there are differences.  For example, the </a:t>
+            </a:r>
+            <a:r>
+              <a:rPr lang="en-US" b="1" i="0" dirty="0">
+                <a:solidFill>
+                  <a:srgbClr val="3D3B49"/>
+                </a:solidFill>
+                <a:effectLst/>
+                <a:latin typeface="+mn-lt"/>
+              </a:rPr>
+              <a:t>TANH</a:t>
+            </a:r>
+            <a:r>
+              <a:rPr lang="en-US" b="0" i="0" dirty="0">
+                <a:solidFill>
+                  <a:srgbClr val="3D3B49"/>
+                </a:solidFill>
+                <a:effectLst/>
+                <a:latin typeface="+mn-lt"/>
+              </a:rPr>
+              <a:t> function returns a value of −1 for extremely negative inputs.  And as we see here, the transition zone is not as wide.  </a:t>
             </a:r>
             <a:endParaRPr lang="en-US" i="0" dirty="0">
               <a:latin typeface="+mn-lt"/>
@@ -2155,7 +3215,7 @@
             <a:pPr algn="l"/>
             <a:r>
               <a:rPr lang="en-US" dirty="0"/>
-              <a:t>Before moving on, let’s visualize the Linear, ReLu, and Sigmoid activation functions in three-dimensional space.  We’ve already seen the graphs for these functions, so the first line is no surprise.  On the second, however, we see their three-dimensional equivalents.  Linear is just a plane, like a sheet of paper. ReLU is like a wedge.  And Sigmoid is like a surf wave.  </a:t>
+              <a:t>Let’s take a moment to visualize the Linear, ReLu, and Sigmoid activation functions in three-dimensional space.  The graphs in the first row are no surprise as we saw them in earlier slides.  On the second row, however, we see their three-dimensional equivalents.  Linear is just a plane, like a sheet of paper. ReLU looks like a wedge.  And Sigmoid looks like a surf wave.  </a:t>
             </a:r>
             <a:endParaRPr lang="en-US" sz="1200" b="0" i="0" kern="1200" dirty="0">
               <a:solidFill>
@@ -2251,7 +3311,7 @@
           <a:p>
             <a:r>
               <a:rPr lang="en-US" i="0" dirty="0"/>
-              <a:t>And finally, there’s a function we typically use only in the output layer of a neural network.  And only if there are two or more output neurons.  It’s called the softmax function.  A softmax turns the numbers that come out of a classification network into a set of probabilities where all the class probabilities add up to 1.</a:t>
+              <a:t>And finally, there’s an activation function that’s typically used only in the output layer of a neural network.  And only if there are two or more output neurons.  It’s called the softmax function.  A softmax turns the numbers that come out of a classification network into a set of probabilities where all the class probabilities add up to 1.</a:t>
             </a:r>
           </a:p>
           <a:p>
@@ -2442,7 +3502,7 @@
           <a:p>
             <a:fld id="{C3F78080-8D0A-4BE8-A5B4-CB115102D524}" type="datetimeFigureOut">
               <a:rPr lang="en-US" smtClean="0"/>
-              <a:t>11/15/2022</a:t>
+              <a:t>7/7/2023</a:t>
             </a:fld>
             <a:endParaRPr lang="en-US"/>
           </a:p>
@@ -2640,7 +3700,7 @@
           <a:p>
             <a:fld id="{C3F78080-8D0A-4BE8-A5B4-CB115102D524}" type="datetimeFigureOut">
               <a:rPr lang="en-US" smtClean="0"/>
-              <a:t>11/15/2022</a:t>
+              <a:t>7/7/2023</a:t>
             </a:fld>
             <a:endParaRPr lang="en-US"/>
           </a:p>
@@ -2848,7 +3908,7 @@
           <a:p>
             <a:fld id="{C3F78080-8D0A-4BE8-A5B4-CB115102D524}" type="datetimeFigureOut">
               <a:rPr lang="en-US" smtClean="0"/>
-              <a:t>11/15/2022</a:t>
+              <a:t>7/7/2023</a:t>
             </a:fld>
             <a:endParaRPr lang="en-US"/>
           </a:p>
@@ -3046,7 +4106,7 @@
           <a:p>
             <a:fld id="{C3F78080-8D0A-4BE8-A5B4-CB115102D524}" type="datetimeFigureOut">
               <a:rPr lang="en-US" smtClean="0"/>
-              <a:t>11/15/2022</a:t>
+              <a:t>7/7/2023</a:t>
             </a:fld>
             <a:endParaRPr lang="en-US"/>
           </a:p>
@@ -3321,7 +4381,7 @@
           <a:p>
             <a:fld id="{C3F78080-8D0A-4BE8-A5B4-CB115102D524}" type="datetimeFigureOut">
               <a:rPr lang="en-US" smtClean="0"/>
-              <a:t>11/15/2022</a:t>
+              <a:t>7/7/2023</a:t>
             </a:fld>
             <a:endParaRPr lang="en-US"/>
           </a:p>
@@ -3586,7 +4646,7 @@
           <a:p>
             <a:fld id="{C3F78080-8D0A-4BE8-A5B4-CB115102D524}" type="datetimeFigureOut">
               <a:rPr lang="en-US" smtClean="0"/>
-              <a:t>11/15/2022</a:t>
+              <a:t>7/7/2023</a:t>
             </a:fld>
             <a:endParaRPr lang="en-US"/>
           </a:p>
@@ -3998,7 +5058,7 @@
           <a:p>
             <a:fld id="{C3F78080-8D0A-4BE8-A5B4-CB115102D524}" type="datetimeFigureOut">
               <a:rPr lang="en-US" smtClean="0"/>
-              <a:t>11/15/2022</a:t>
+              <a:t>7/7/2023</a:t>
             </a:fld>
             <a:endParaRPr lang="en-US"/>
           </a:p>
@@ -4139,7 +5199,7 @@
           <a:p>
             <a:fld id="{C3F78080-8D0A-4BE8-A5B4-CB115102D524}" type="datetimeFigureOut">
               <a:rPr lang="en-US" smtClean="0"/>
-              <a:t>11/15/2022</a:t>
+              <a:t>7/7/2023</a:t>
             </a:fld>
             <a:endParaRPr lang="en-US"/>
           </a:p>
@@ -4252,7 +5312,7 @@
           <a:p>
             <a:fld id="{C3F78080-8D0A-4BE8-A5B4-CB115102D524}" type="datetimeFigureOut">
               <a:rPr lang="en-US" smtClean="0"/>
-              <a:t>11/15/2022</a:t>
+              <a:t>7/7/2023</a:t>
             </a:fld>
             <a:endParaRPr lang="en-US"/>
           </a:p>
@@ -4563,7 +5623,7 @@
           <a:p>
             <a:fld id="{C3F78080-8D0A-4BE8-A5B4-CB115102D524}" type="datetimeFigureOut">
               <a:rPr lang="en-US" smtClean="0"/>
-              <a:t>11/15/2022</a:t>
+              <a:t>7/7/2023</a:t>
             </a:fld>
             <a:endParaRPr lang="en-US"/>
           </a:p>
@@ -4851,7 +5911,7 @@
           <a:p>
             <a:fld id="{C3F78080-8D0A-4BE8-A5B4-CB115102D524}" type="datetimeFigureOut">
               <a:rPr lang="en-US" smtClean="0"/>
-              <a:t>11/15/2022</a:t>
+              <a:t>7/7/2023</a:t>
             </a:fld>
             <a:endParaRPr lang="en-US"/>
           </a:p>
@@ -5092,7 +6152,7 @@
           <a:p>
             <a:fld id="{C3F78080-8D0A-4BE8-A5B4-CB115102D524}" type="datetimeFigureOut">
               <a:rPr lang="en-US" smtClean="0"/>
-              <a:t>11/15/2022</a:t>
+              <a:t>7/7/2023</a:t>
             </a:fld>
             <a:endParaRPr lang="en-US"/>
           </a:p>
@@ -5627,13 +6687,13 @@
   <p:clrMapOvr>
     <a:masterClrMapping/>
   </p:clrMapOvr>
-  <mc:AlternateContent xmlns:mc="http://schemas.openxmlformats.org/markup-compatibility/2006" xmlns:p14="http://schemas.microsoft.com/office/powerpoint/2010/main">
-    <mc:Choice Requires="p14">
+  <mc:AlternateContent xmlns:mc="http://schemas.openxmlformats.org/markup-compatibility/2006">
+    <mc:Choice xmlns:p14="http://schemas.microsoft.com/office/powerpoint/2010/main" Requires="p14">
       <p:transition spd="med" p14:dur="700">
         <p:fade/>
       </p:transition>
     </mc:Choice>
-    <mc:Fallback xmlns="">
+    <mc:Fallback>
       <p:transition spd="med">
         <p:fade/>
       </p:transition>
@@ -5898,7 +6958,7 @@
           <p:nvPr/>
         </p:nvPicPr>
         <p:blipFill>
-          <a:blip r:embed="rId3">
+          <a:blip r:embed="rId4">
             <a:extLst>
               <a:ext uri="{28A0092B-C50C-407E-A947-70E740481C1C}">
                 <a14:useLocalDpi xmlns:a14="http://schemas.microsoft.com/office/drawing/2010/main" val="0"/>
@@ -6094,9 +7154,12 @@
         </p:txBody>
       </p:sp>
     </p:spTree>
+    <p:custDataLst>
+      <p:tags r:id="rId1"/>
+    </p:custDataLst>
     <p:extLst>
       <p:ext uri="{BB962C8B-B14F-4D97-AF65-F5344CB8AC3E}">
-        <p14:creationId xmlns:p14="http://schemas.microsoft.com/office/powerpoint/2010/main" val="3993506023"/>
+        <p14:creationId xmlns:p14="http://schemas.microsoft.com/office/powerpoint/2010/main" val="4044952695"/>
       </p:ext>
     </p:extLst>
   </p:cSld>
@@ -6548,13 +7611,13 @@
   <p:clrMapOvr>
     <a:masterClrMapping/>
   </p:clrMapOvr>
-  <mc:AlternateContent xmlns:mc="http://schemas.openxmlformats.org/markup-compatibility/2006" xmlns:p14="http://schemas.microsoft.com/office/powerpoint/2010/main">
-    <mc:Choice Requires="p14">
+  <mc:AlternateContent xmlns:mc="http://schemas.openxmlformats.org/markup-compatibility/2006">
+    <mc:Choice xmlns:p14="http://schemas.microsoft.com/office/powerpoint/2010/main" Requires="p14">
       <p:transition spd="med" p14:dur="700">
         <p:fade/>
       </p:transition>
     </mc:Choice>
-    <mc:Fallback xmlns="">
+    <mc:Fallback>
       <p:transition spd="med">
         <p:fade/>
       </p:transition>
@@ -6790,13 +7853,13 @@
   <p:clrMapOvr>
     <a:masterClrMapping/>
   </p:clrMapOvr>
-  <mc:AlternateContent xmlns:mc="http://schemas.openxmlformats.org/markup-compatibility/2006" xmlns:p14="http://schemas.microsoft.com/office/powerpoint/2010/main">
-    <mc:Choice Requires="p14">
+  <mc:AlternateContent xmlns:mc="http://schemas.openxmlformats.org/markup-compatibility/2006">
+    <mc:Choice xmlns:p14="http://schemas.microsoft.com/office/powerpoint/2010/main" Requires="p14">
       <p:transition spd="med" p14:dur="700">
         <p:fade/>
       </p:transition>
     </mc:Choice>
-    <mc:Fallback xmlns="">
+    <mc:Fallback>
       <p:transition spd="med">
         <p:fade/>
       </p:transition>
@@ -7210,13 +8273,13 @@
   <p:clrMapOvr>
     <a:masterClrMapping/>
   </p:clrMapOvr>
-  <mc:AlternateContent xmlns:mc="http://schemas.openxmlformats.org/markup-compatibility/2006" xmlns:p14="http://schemas.microsoft.com/office/powerpoint/2010/main">
-    <mc:Choice Requires="p14">
+  <mc:AlternateContent xmlns:mc="http://schemas.openxmlformats.org/markup-compatibility/2006">
+    <mc:Choice xmlns:p14="http://schemas.microsoft.com/office/powerpoint/2010/main" Requires="p14">
       <p:transition spd="med" p14:dur="700">
         <p:fade/>
       </p:transition>
     </mc:Choice>
-    <mc:Fallback xmlns="">
+    <mc:Fallback>
       <p:transition spd="med">
         <p:fade/>
       </p:transition>
@@ -7681,7 +8744,10 @@
             <a:r>
               <a:rPr lang="en-US" sz="1600" dirty="0">
                 <a:solidFill>
-                  <a:srgbClr val="3D3880"/>
+                  <a:schemeClr val="tx1">
+                    <a:lumMod val="85000"/>
+                    <a:lumOff val="15000"/>
+                  </a:schemeClr>
                 </a:solidFill>
                 <a:latin typeface="Avenir Medium" panose="02000503020000020003" pitchFamily="2" charset="0"/>
               </a:rPr>
@@ -7722,7 +8788,10 @@
             <a:r>
               <a:rPr lang="en-US" sz="1600" dirty="0">
                 <a:solidFill>
-                  <a:srgbClr val="3D3880"/>
+                  <a:schemeClr val="tx1">
+                    <a:lumMod val="85000"/>
+                    <a:lumOff val="15000"/>
+                  </a:schemeClr>
                 </a:solidFill>
                 <a:latin typeface="Avenir Medium" panose="02000503020000020003" pitchFamily="2" charset="0"/>
               </a:rPr>
@@ -7763,7 +8832,10 @@
             <a:r>
               <a:rPr lang="en-US" sz="1600" dirty="0">
                 <a:solidFill>
-                  <a:srgbClr val="3D3880"/>
+                  <a:schemeClr val="tx1">
+                    <a:lumMod val="85000"/>
+                    <a:lumOff val="15000"/>
+                  </a:schemeClr>
                 </a:solidFill>
                 <a:latin typeface="Avenir Medium" panose="02000503020000020003" pitchFamily="2" charset="0"/>
               </a:rPr>
@@ -7804,7 +8876,10 @@
             <a:r>
               <a:rPr lang="en-US" sz="1600" dirty="0">
                 <a:solidFill>
-                  <a:srgbClr val="3D3880"/>
+                  <a:schemeClr val="tx1">
+                    <a:lumMod val="85000"/>
+                    <a:lumOff val="15000"/>
+                  </a:schemeClr>
                 </a:solidFill>
                 <a:latin typeface="Avenir Medium" panose="02000503020000020003" pitchFamily="2" charset="0"/>
               </a:rPr>
@@ -7844,9 +8919,6 @@
             <a:pPr algn="ctr"/>
             <a:r>
               <a:rPr lang="en-US" sz="1600" dirty="0">
-                <a:solidFill>
-                  <a:srgbClr val="3D3880"/>
-                </a:solidFill>
                 <a:latin typeface="Avenir Medium" panose="02000503020000020003" pitchFamily="2" charset="0"/>
               </a:rPr>
               <a:t>Bias = 1.0</a:t>
@@ -7878,7 +8950,7 @@
           </a:prstGeom>
           <a:ln w="38100">
             <a:solidFill>
-              <a:srgbClr val="3D3880"/>
+              <a:schemeClr val="tx1"/>
             </a:solidFill>
             <a:headEnd type="none" w="med" len="med"/>
             <a:tailEnd type="arrow" w="med" len="med"/>
@@ -7923,7 +8995,7 @@
           </a:prstGeom>
           <a:ln w="38100">
             <a:solidFill>
-              <a:srgbClr val="3D3880"/>
+              <a:schemeClr val="tx1"/>
             </a:solidFill>
             <a:headEnd type="none" w="med" len="med"/>
             <a:tailEnd type="arrow" w="med" len="med"/>
@@ -7968,7 +9040,7 @@
           </a:prstGeom>
           <a:ln w="38100">
             <a:solidFill>
-              <a:srgbClr val="3D3880"/>
+              <a:schemeClr val="tx1"/>
             </a:solidFill>
             <a:headEnd type="none" w="med" len="med"/>
             <a:tailEnd type="arrow" w="med" len="med"/>
@@ -8013,7 +9085,7 @@
           </a:prstGeom>
           <a:ln w="38100">
             <a:solidFill>
-              <a:srgbClr val="3D3880"/>
+              <a:schemeClr val="tx1"/>
             </a:solidFill>
             <a:headEnd type="none" w="med" len="med"/>
             <a:tailEnd type="arrow" w="med" len="med"/>
@@ -8058,7 +9130,7 @@
           </a:prstGeom>
           <a:ln w="38100">
             <a:solidFill>
-              <a:srgbClr val="3D3880"/>
+              <a:schemeClr val="tx1"/>
             </a:solidFill>
             <a:headEnd type="none" w="med" len="med"/>
             <a:tailEnd type="arrow" w="med" len="med"/>
@@ -8115,7 +9187,10 @@
             <a:r>
               <a:rPr lang="en-US" sz="1600" dirty="0">
                 <a:solidFill>
-                  <a:srgbClr val="3D3880"/>
+                  <a:schemeClr val="tx1">
+                    <a:lumMod val="85000"/>
+                    <a:lumOff val="15000"/>
+                  </a:schemeClr>
                 </a:solidFill>
                 <a:latin typeface="Avenir Medium" panose="02000503020000020003" pitchFamily="2" charset="0"/>
               </a:rPr>
@@ -8160,7 +9235,10 @@
             <a:r>
               <a:rPr lang="en-US" sz="1600" dirty="0">
                 <a:solidFill>
-                  <a:srgbClr val="3D3880"/>
+                  <a:schemeClr val="tx1">
+                    <a:lumMod val="85000"/>
+                    <a:lumOff val="15000"/>
+                  </a:schemeClr>
                 </a:solidFill>
                 <a:latin typeface="Avenir Medium" panose="02000503020000020003" pitchFamily="2" charset="0"/>
               </a:rPr>
@@ -8205,7 +9283,10 @@
             <a:r>
               <a:rPr lang="en-US" sz="1600" dirty="0">
                 <a:solidFill>
-                  <a:srgbClr val="3D3880"/>
+                  <a:schemeClr val="tx1">
+                    <a:lumMod val="85000"/>
+                    <a:lumOff val="15000"/>
+                  </a:schemeClr>
                 </a:solidFill>
                 <a:latin typeface="Avenir Medium" panose="02000503020000020003" pitchFamily="2" charset="0"/>
               </a:rPr>
@@ -8250,7 +9331,10 @@
             <a:r>
               <a:rPr lang="en-US" sz="1600" dirty="0">
                 <a:solidFill>
-                  <a:srgbClr val="3D3880"/>
+                  <a:schemeClr val="tx1">
+                    <a:lumMod val="85000"/>
+                    <a:lumOff val="15000"/>
+                  </a:schemeClr>
                 </a:solidFill>
                 <a:latin typeface="Avenir Medium" panose="02000503020000020003" pitchFamily="2" charset="0"/>
               </a:rPr>
@@ -8295,7 +9379,10 @@
             <a:r>
               <a:rPr lang="en-US" sz="1600" dirty="0">
                 <a:solidFill>
-                  <a:srgbClr val="3D3880"/>
+                  <a:schemeClr val="tx1">
+                    <a:lumMod val="85000"/>
+                    <a:lumOff val="15000"/>
+                  </a:schemeClr>
                 </a:solidFill>
                 <a:latin typeface="Avenir Medium" panose="02000503020000020003" pitchFamily="2" charset="0"/>
               </a:rPr>
@@ -8334,11 +9421,14 @@
           <a:p>
             <a:pPr algn="ctr"/>
             <a:r>
-              <a:rPr lang="en-US" sz="1400" b="1" dirty="0">
+              <a:rPr lang="en-US" sz="1400" dirty="0">
                 <a:solidFill>
-                  <a:srgbClr val="3D3880"/>
+                  <a:schemeClr val="tx1">
+                    <a:lumMod val="85000"/>
+                    <a:lumOff val="15000"/>
+                  </a:schemeClr>
                 </a:solidFill>
-                <a:latin typeface="Avenir Black" panose="02000503020000020003" pitchFamily="2" charset="0"/>
+                <a:latin typeface="Avenir Medium" panose="02000503020000020003" pitchFamily="2" charset="0"/>
               </a:rPr>
               <a:t>Net Input</a:t>
             </a:r>
@@ -8346,11 +9436,14 @@
           <a:p>
             <a:pPr algn="ctr"/>
             <a:r>
-              <a:rPr lang="en-US" sz="1400" b="1" dirty="0">
+              <a:rPr lang="en-US" sz="1400" dirty="0">
                 <a:solidFill>
-                  <a:srgbClr val="3D3880"/>
+                  <a:schemeClr val="tx1">
+                    <a:lumMod val="85000"/>
+                    <a:lumOff val="15000"/>
+                  </a:schemeClr>
                 </a:solidFill>
-                <a:latin typeface="Avenir Black" panose="02000503020000020003" pitchFamily="2" charset="0"/>
+                <a:latin typeface="Avenir Medium" panose="02000503020000020003" pitchFamily="2" charset="0"/>
               </a:rPr>
               <a:t>Function</a:t>
             </a:r>
@@ -8387,11 +9480,14 @@
           <a:p>
             <a:pPr algn="ctr"/>
             <a:r>
-              <a:rPr lang="en-US" sz="1400" b="1" dirty="0">
+              <a:rPr lang="en-US" sz="1400" dirty="0">
                 <a:solidFill>
-                  <a:srgbClr val="3D3880"/>
+                  <a:schemeClr val="tx1">
+                    <a:lumMod val="85000"/>
+                    <a:lumOff val="15000"/>
+                  </a:schemeClr>
                 </a:solidFill>
-                <a:latin typeface="Avenir Black" panose="02000503020000020003" pitchFamily="2" charset="0"/>
+                <a:latin typeface="Avenir Medium" panose="02000503020000020003" pitchFamily="2" charset="0"/>
               </a:rPr>
               <a:t>Activation</a:t>
             </a:r>
@@ -8399,11 +9495,14 @@
           <a:p>
             <a:pPr algn="ctr"/>
             <a:r>
-              <a:rPr lang="en-US" sz="1400" b="1" dirty="0">
+              <a:rPr lang="en-US" sz="1400" dirty="0">
                 <a:solidFill>
-                  <a:srgbClr val="3D3880"/>
+                  <a:schemeClr val="tx1">
+                    <a:lumMod val="85000"/>
+                    <a:lumOff val="15000"/>
+                  </a:schemeClr>
                 </a:solidFill>
-                <a:latin typeface="Avenir Black" panose="02000503020000020003" pitchFamily="2" charset="0"/>
+                <a:latin typeface="Avenir Medium" panose="02000503020000020003" pitchFamily="2" charset="0"/>
               </a:rPr>
               <a:t>Function</a:t>
             </a:r>
@@ -8635,7 +9734,7 @@
           <p:nvPr/>
         </p:nvPicPr>
         <p:blipFill>
-          <a:blip r:embed="rId3">
+          <a:blip r:embed="rId4">
             <a:extLst>
               <a:ext uri="{28A0092B-C50C-407E-A947-70E740481C1C}">
                 <a14:useLocalDpi xmlns:a14="http://schemas.microsoft.com/office/drawing/2010/main" val="0"/>
@@ -8656,7 +9755,52 @@
           </a:prstGeom>
         </p:spPr>
       </p:pic>
+      <p:sp>
+        <p:nvSpPr>
+          <p:cNvPr id="5" name="TextBox 4">
+            <a:extLst>
+              <a:ext uri="{FF2B5EF4-FFF2-40B4-BE49-F238E27FC236}">
+                <a16:creationId xmlns:a16="http://schemas.microsoft.com/office/drawing/2014/main" id="{1AA24F5D-4A27-D93F-697E-A6ECB5B050C6}"/>
+              </a:ext>
+            </a:extLst>
+          </p:cNvPr>
+          <p:cNvSpPr txBox="1"/>
+          <p:nvPr/>
+        </p:nvSpPr>
+        <p:spPr>
+          <a:xfrm>
+            <a:off x="6878287" y="466430"/>
+            <a:ext cx="3087757" cy="646331"/>
+          </a:xfrm>
+          <a:prstGeom prst="rect">
+            <a:avLst/>
+          </a:prstGeom>
+          <a:noFill/>
+        </p:spPr>
+        <p:txBody>
+          <a:bodyPr wrap="square" rtlCol="0">
+            <a:spAutoFit/>
+          </a:bodyPr>
+          <a:lstStyle/>
+          <a:p>
+            <a:pPr algn="ctr"/>
+            <a:r>
+              <a:rPr lang="en-US" sz="3600" b="1" dirty="0">
+                <a:solidFill>
+                  <a:srgbClr val="3D3880"/>
+                </a:solidFill>
+                <a:latin typeface="Courier New" panose="02070309020205020404" pitchFamily="49" charset="0"/>
+                <a:cs typeface="Courier New" panose="02070309020205020404" pitchFamily="49" charset="0"/>
+              </a:rPr>
+              <a:t>y = f(x)</a:t>
+            </a:r>
+          </a:p>
+        </p:txBody>
+      </p:sp>
     </p:spTree>
+    <p:custDataLst>
+      <p:tags r:id="rId1"/>
+    </p:custDataLst>
     <p:extLst>
       <p:ext uri="{BB962C8B-B14F-4D97-AF65-F5344CB8AC3E}">
         <p14:creationId xmlns:p14="http://schemas.microsoft.com/office/powerpoint/2010/main" val="2329276547"/>
@@ -8666,13 +9810,13 @@
   <p:clrMapOvr>
     <a:masterClrMapping/>
   </p:clrMapOvr>
-  <mc:AlternateContent xmlns:mc="http://schemas.openxmlformats.org/markup-compatibility/2006" xmlns:p14="http://schemas.microsoft.com/office/powerpoint/2010/main">
-    <mc:Choice Requires="p14">
+  <mc:AlternateContent xmlns:mc="http://schemas.openxmlformats.org/markup-compatibility/2006">
+    <mc:Choice xmlns:p14="http://schemas.microsoft.com/office/powerpoint/2010/main" Requires="p14">
       <p:transition spd="med" p14:dur="700">
         <p:fade/>
       </p:transition>
     </mc:Choice>
-    <mc:Fallback xmlns="">
+    <mc:Fallback>
       <p:transition spd="med">
         <p:fade/>
       </p:transition>
@@ -8712,6 +9856,59 @@
                                           </p:stCondLst>
                                         </p:cTn>
                                         <p:tgtEl>
+                                          <p:spTgt spid="5"/>
+                                        </p:tgtEl>
+                                        <p:attrNameLst>
+                                          <p:attrName>style.visibility</p:attrName>
+                                        </p:attrNameLst>
+                                      </p:cBhvr>
+                                      <p:to>
+                                        <p:strVal val="visible"/>
+                                      </p:to>
+                                    </p:set>
+                                    <p:animEffect transition="in" filter="fade">
+                                      <p:cBhvr>
+                                        <p:cTn id="7" dur="500"/>
+                                        <p:tgtEl>
+                                          <p:spTgt spid="5"/>
+                                        </p:tgtEl>
+                                      </p:cBhvr>
+                                    </p:animEffect>
+                                  </p:childTnLst>
+                                </p:cTn>
+                              </p:par>
+                            </p:childTnLst>
+                          </p:cTn>
+                        </p:par>
+                      </p:childTnLst>
+                    </p:cTn>
+                  </p:par>
+                  <p:par>
+                    <p:cTn id="8" fill="hold">
+                      <p:stCondLst>
+                        <p:cond delay="indefinite"/>
+                      </p:stCondLst>
+                      <p:childTnLst>
+                        <p:par>
+                          <p:cTn id="9" fill="hold">
+                            <p:stCondLst>
+                              <p:cond delay="0"/>
+                            </p:stCondLst>
+                            <p:childTnLst>
+                              <p:par>
+                                <p:cTn id="10" presetID="10" presetClass="entr" presetSubtype="0" fill="hold" grpId="0" nodeType="clickEffect">
+                                  <p:stCondLst>
+                                    <p:cond delay="0"/>
+                                  </p:stCondLst>
+                                  <p:childTnLst>
+                                    <p:set>
+                                      <p:cBhvr>
+                                        <p:cTn id="11" dur="1" fill="hold">
+                                          <p:stCondLst>
+                                            <p:cond delay="0"/>
+                                          </p:stCondLst>
+                                        </p:cTn>
+                                        <p:tgtEl>
                                           <p:spTgt spid="2"/>
                                         </p:tgtEl>
                                         <p:attrNameLst>
@@ -8724,7 +9921,7 @@
                                     </p:set>
                                     <p:animEffect transition="in" filter="fade">
                                       <p:cBhvr>
-                                        <p:cTn id="7" dur="500"/>
+                                        <p:cTn id="12" dur="500"/>
                                         <p:tgtEl>
                                           <p:spTgt spid="2"/>
                                         </p:tgtEl>
@@ -8762,6 +9959,7 @@
     </p:tnLst>
     <p:bldLst>
       <p:bldP spid="2" grpId="0" animBg="1"/>
+      <p:bldP spid="5" grpId="0"/>
     </p:bldLst>
   </p:timing>
 </p:sld>
@@ -9329,48 +10527,6 @@
       </p:sp>
       <p:sp>
         <p:nvSpPr>
-          <p:cNvPr id="2" name="TextBox 1">
-            <a:extLst>
-              <a:ext uri="{FF2B5EF4-FFF2-40B4-BE49-F238E27FC236}">
-                <a16:creationId xmlns:a16="http://schemas.microsoft.com/office/drawing/2014/main" id="{6D6347C9-9B30-444A-AE9D-B7DD51DD7144}"/>
-              </a:ext>
-            </a:extLst>
-          </p:cNvPr>
-          <p:cNvSpPr txBox="1"/>
-          <p:nvPr/>
-        </p:nvSpPr>
-        <p:spPr>
-          <a:xfrm>
-            <a:off x="4714217" y="584592"/>
-            <a:ext cx="3087757" cy="461665"/>
-          </a:xfrm>
-          <a:prstGeom prst="rect">
-            <a:avLst/>
-          </a:prstGeom>
-          <a:noFill/>
-        </p:spPr>
-        <p:txBody>
-          <a:bodyPr wrap="square" rtlCol="0">
-            <a:spAutoFit/>
-          </a:bodyPr>
-          <a:lstStyle/>
-          <a:p>
-            <a:pPr algn="ctr"/>
-            <a:r>
-              <a:rPr lang="en-US" sz="2400" dirty="0">
-                <a:solidFill>
-                  <a:srgbClr val="3D3880"/>
-                </a:solidFill>
-                <a:latin typeface="Courier New" panose="02070309020205020404" pitchFamily="49" charset="0"/>
-                <a:cs typeface="Courier New" panose="02070309020205020404" pitchFamily="49" charset="0"/>
-              </a:rPr>
-              <a:t>y = f(x)</a:t>
-            </a:r>
-          </a:p>
-        </p:txBody>
-      </p:sp>
-      <p:sp>
-        <p:nvSpPr>
           <p:cNvPr id="3" name="TextBox 2">
             <a:extLst>
               <a:ext uri="{FF2B5EF4-FFF2-40B4-BE49-F238E27FC236}">
@@ -9544,7 +10700,7 @@
           <p:nvPr/>
         </p:nvPicPr>
         <p:blipFill>
-          <a:blip r:embed="rId3">
+          <a:blip r:embed="rId4">
             <a:extLst>
               <a:ext uri="{28A0092B-C50C-407E-A947-70E740481C1C}">
                 <a14:useLocalDpi xmlns:a14="http://schemas.microsoft.com/office/drawing/2010/main" val="0"/>
@@ -9580,7 +10736,7 @@
           <p:nvPr/>
         </p:nvPicPr>
         <p:blipFill rotWithShape="1">
-          <a:blip r:embed="rId4">
+          <a:blip r:embed="rId5">
             <a:extLst>
               <a:ext uri="{28A0092B-C50C-407E-A947-70E740481C1C}">
                 <a14:useLocalDpi xmlns:a14="http://schemas.microsoft.com/office/drawing/2010/main" val="0"/>
@@ -9725,7 +10881,7 @@
           <p:nvPr/>
         </p:nvPicPr>
         <p:blipFill>
-          <a:blip r:embed="rId5">
+          <a:blip r:embed="rId6">
             <a:extLst>
               <a:ext uri="{28A0092B-C50C-407E-A947-70E740481C1C}">
                 <a14:useLocalDpi xmlns:a14="http://schemas.microsoft.com/office/drawing/2010/main" val="0"/>
@@ -9747,6 +10903,9 @@
         </p:spPr>
       </p:pic>
     </p:spTree>
+    <p:custDataLst>
+      <p:tags r:id="rId1"/>
+    </p:custDataLst>
     <p:extLst>
       <p:ext uri="{BB962C8B-B14F-4D97-AF65-F5344CB8AC3E}">
         <p14:creationId xmlns:p14="http://schemas.microsoft.com/office/powerpoint/2010/main" val="1066933204"/>
@@ -9756,104 +10915,18 @@
   <p:clrMapOvr>
     <a:masterClrMapping/>
   </p:clrMapOvr>
-  <mc:AlternateContent xmlns:mc="http://schemas.openxmlformats.org/markup-compatibility/2006" xmlns:p14="http://schemas.microsoft.com/office/powerpoint/2010/main">
-    <mc:Choice Requires="p14">
+  <mc:AlternateContent xmlns:mc="http://schemas.openxmlformats.org/markup-compatibility/2006">
+    <mc:Choice xmlns:p14="http://schemas.microsoft.com/office/powerpoint/2010/main" Requires="p14">
       <p:transition spd="med" p14:dur="700">
         <p:fade/>
       </p:transition>
     </mc:Choice>
-    <mc:Fallback xmlns="">
+    <mc:Fallback>
       <p:transition spd="med">
         <p:fade/>
       </p:transition>
     </mc:Fallback>
   </mc:AlternateContent>
-  <p:timing>
-    <p:tnLst>
-      <p:par>
-        <p:cTn id="1" dur="indefinite" restart="never" nodeType="tmRoot">
-          <p:childTnLst>
-            <p:seq concurrent="1" nextAc="seek">
-              <p:cTn id="2" dur="indefinite" nodeType="mainSeq">
-                <p:childTnLst>
-                  <p:par>
-                    <p:cTn id="3" fill="hold">
-                      <p:stCondLst>
-                        <p:cond delay="indefinite"/>
-                      </p:stCondLst>
-                      <p:childTnLst>
-                        <p:par>
-                          <p:cTn id="4" fill="hold">
-                            <p:stCondLst>
-                              <p:cond delay="0"/>
-                            </p:stCondLst>
-                            <p:childTnLst>
-                              <p:par>
-                                <p:cTn id="5" presetID="10" presetClass="entr" presetSubtype="0" fill="hold" grpId="0" nodeType="clickEffect">
-                                  <p:stCondLst>
-                                    <p:cond delay="0"/>
-                                  </p:stCondLst>
-                                  <p:childTnLst>
-                                    <p:set>
-                                      <p:cBhvr>
-                                        <p:cTn id="6" dur="1" fill="hold">
-                                          <p:stCondLst>
-                                            <p:cond delay="0"/>
-                                          </p:stCondLst>
-                                        </p:cTn>
-                                        <p:tgtEl>
-                                          <p:spTgt spid="2"/>
-                                        </p:tgtEl>
-                                        <p:attrNameLst>
-                                          <p:attrName>style.visibility</p:attrName>
-                                        </p:attrNameLst>
-                                      </p:cBhvr>
-                                      <p:to>
-                                        <p:strVal val="visible"/>
-                                      </p:to>
-                                    </p:set>
-                                    <p:animEffect transition="in" filter="fade">
-                                      <p:cBhvr>
-                                        <p:cTn id="7" dur="500"/>
-                                        <p:tgtEl>
-                                          <p:spTgt spid="2"/>
-                                        </p:tgtEl>
-                                      </p:cBhvr>
-                                    </p:animEffect>
-                                  </p:childTnLst>
-                                </p:cTn>
-                              </p:par>
-                            </p:childTnLst>
-                          </p:cTn>
-                        </p:par>
-                      </p:childTnLst>
-                    </p:cTn>
-                  </p:par>
-                </p:childTnLst>
-              </p:cTn>
-              <p:prevCondLst>
-                <p:cond evt="onPrev" delay="0">
-                  <p:tgtEl>
-                    <p:sldTgt/>
-                  </p:tgtEl>
-                </p:cond>
-              </p:prevCondLst>
-              <p:nextCondLst>
-                <p:cond evt="onNext" delay="0">
-                  <p:tgtEl>
-                    <p:sldTgt/>
-                  </p:tgtEl>
-                </p:cond>
-              </p:nextCondLst>
-            </p:seq>
-          </p:childTnLst>
-        </p:cTn>
-      </p:par>
-    </p:tnLst>
-    <p:bldLst>
-      <p:bldP spid="2" grpId="0"/>
-    </p:bldLst>
-  </p:timing>
 </p:sld>
 </file>
 
@@ -10302,13 +11375,13 @@
   <p:clrMapOvr>
     <a:masterClrMapping/>
   </p:clrMapOvr>
-  <mc:AlternateContent xmlns:mc="http://schemas.openxmlformats.org/markup-compatibility/2006" xmlns:p14="http://schemas.microsoft.com/office/powerpoint/2010/main">
-    <mc:Choice Requires="p14">
+  <mc:AlternateContent xmlns:mc="http://schemas.openxmlformats.org/markup-compatibility/2006">
+    <mc:Choice xmlns:p14="http://schemas.microsoft.com/office/powerpoint/2010/main" Requires="p14">
       <p:transition spd="med" p14:dur="700">
         <p:fade/>
       </p:transition>
     </mc:Choice>
-    <mc:Fallback xmlns="">
+    <mc:Fallback>
       <p:transition spd="med">
         <p:fade/>
       </p:transition>
@@ -10777,13 +11850,13 @@
   <p:clrMapOvr>
     <a:masterClrMapping/>
   </p:clrMapOvr>
-  <mc:AlternateContent xmlns:mc="http://schemas.openxmlformats.org/markup-compatibility/2006" xmlns:p14="http://schemas.microsoft.com/office/powerpoint/2010/main">
-    <mc:Choice Requires="p14">
+  <mc:AlternateContent xmlns:mc="http://schemas.openxmlformats.org/markup-compatibility/2006">
+    <mc:Choice xmlns:p14="http://schemas.microsoft.com/office/powerpoint/2010/main" Requires="p14">
       <p:transition spd="med" p14:dur="700">
         <p:fade/>
       </p:transition>
     </mc:Choice>
-    <mc:Fallback xmlns="">
+    <mc:Fallback>
       <p:transition spd="med">
         <p:fade/>
       </p:transition>
@@ -11231,13 +12304,13 @@
   <p:clrMapOvr>
     <a:masterClrMapping/>
   </p:clrMapOvr>
-  <mc:AlternateContent xmlns:mc="http://schemas.openxmlformats.org/markup-compatibility/2006" xmlns:p14="http://schemas.microsoft.com/office/powerpoint/2010/main">
-    <mc:Choice Requires="p14">
+  <mc:AlternateContent xmlns:mc="http://schemas.openxmlformats.org/markup-compatibility/2006">
+    <mc:Choice xmlns:p14="http://schemas.microsoft.com/office/powerpoint/2010/main" Requires="p14">
       <p:transition spd="med" p14:dur="700">
         <p:fade/>
       </p:transition>
     </mc:Choice>
-    <mc:Fallback xmlns="">
+    <mc:Fallback>
       <p:transition spd="med">
         <p:fade/>
       </p:transition>
@@ -11581,13 +12654,13 @@
   <p:clrMapOvr>
     <a:masterClrMapping/>
   </p:clrMapOvr>
-  <mc:AlternateContent xmlns:mc="http://schemas.openxmlformats.org/markup-compatibility/2006" xmlns:p14="http://schemas.microsoft.com/office/powerpoint/2010/main">
-    <mc:Choice Requires="p14">
+  <mc:AlternateContent xmlns:mc="http://schemas.openxmlformats.org/markup-compatibility/2006">
+    <mc:Choice xmlns:p14="http://schemas.microsoft.com/office/powerpoint/2010/main" Requires="p14">
       <p:transition spd="med" p14:dur="700">
         <p:fade/>
       </p:transition>
     </mc:Choice>
-    <mc:Fallback xmlns="">
+    <mc:Fallback>
       <p:transition spd="med">
         <p:fade/>
       </p:transition>
@@ -12898,19 +13971,37 @@
   <p:clrMapOvr>
     <a:masterClrMapping/>
   </p:clrMapOvr>
-  <mc:AlternateContent xmlns:mc="http://schemas.openxmlformats.org/markup-compatibility/2006" xmlns:p14="http://schemas.microsoft.com/office/powerpoint/2010/main">
-    <mc:Choice Requires="p14">
+  <mc:AlternateContent xmlns:mc="http://schemas.openxmlformats.org/markup-compatibility/2006">
+    <mc:Choice xmlns:p14="http://schemas.microsoft.com/office/powerpoint/2010/main" Requires="p14">
       <p:transition spd="med" p14:dur="700">
         <p:fade/>
       </p:transition>
     </mc:Choice>
-    <mc:Fallback xmlns="">
+    <mc:Fallback>
       <p:transition spd="med">
         <p:fade/>
       </p:transition>
     </mc:Fallback>
   </mc:AlternateContent>
 </p:sld>
+</file>
+
+<file path=ppt/tags/tag1.xml><?xml version="1.0" encoding="utf-8"?>
+<p:tagLst xmlns:a="http://schemas.openxmlformats.org/drawingml/2006/main" xmlns:r="http://schemas.openxmlformats.org/officeDocument/2006/relationships" xmlns:p="http://schemas.openxmlformats.org/presentationml/2006/main">
+  <p:tag name="TIMING" val="|31.5|11.5"/>
+</p:tagLst>
+</file>
+
+<file path=ppt/tags/tag2.xml><?xml version="1.0" encoding="utf-8"?>
+<p:tagLst xmlns:a="http://schemas.openxmlformats.org/drawingml/2006/main" xmlns:r="http://schemas.openxmlformats.org/officeDocument/2006/relationships" xmlns:p="http://schemas.openxmlformats.org/presentationml/2006/main">
+  <p:tag name="TIMING" val="|10.2"/>
+</p:tagLst>
+</file>
+
+<file path=ppt/tags/tag3.xml><?xml version="1.0" encoding="utf-8"?>
+<p:tagLst xmlns:a="http://schemas.openxmlformats.org/drawingml/2006/main" xmlns:r="http://schemas.openxmlformats.org/officeDocument/2006/relationships" xmlns:p="http://schemas.openxmlformats.org/presentationml/2006/main">
+  <p:tag name="TIMING" val="|8.1|7.7|20.6|6.9"/>
+</p:tagLst>
 </file>
 
 <file path=ppt/theme/theme1.xml><?xml version="1.0" encoding="utf-8"?>
